--- a/기획/메인 스토리 기획서.pptx
+++ b/기획/메인 스토리 기획서.pptx
@@ -5,13 +5,15 @@
     <p:sldMasterId id="2147483648" r:id="rId1"/>
   </p:sldMasterIdLst>
   <p:notesMasterIdLst>
-    <p:notesMasterId r:id="rId6"/>
+    <p:notesMasterId r:id="rId8"/>
   </p:notesMasterIdLst>
   <p:sldIdLst>
     <p:sldId id="258" r:id="rId2"/>
     <p:sldId id="257" r:id="rId3"/>
     <p:sldId id="259" r:id="rId4"/>
     <p:sldId id="260" r:id="rId5"/>
+    <p:sldId id="261" r:id="rId6"/>
+    <p:sldId id="262" r:id="rId7"/>
   </p:sldIdLst>
   <p:sldSz cx="12192000" cy="6858000"/>
   <p:notesSz cx="6858000" cy="9144000"/>
@@ -211,7 +213,7 @@
           <a:p>
             <a:fld id="{C8649E71-8129-4905-BAC0-51D65A0C1379}" type="datetimeFigureOut">
               <a:rPr lang="ko-KR" altLang="en-US" smtClean="0"/>
-              <a:t>2023-12-06</a:t>
+              <a:t>2023-12-07</a:t>
             </a:fld>
             <a:endParaRPr lang="ko-KR" altLang="en-US"/>
           </a:p>
@@ -709,7 +711,7 @@
           <a:p>
             <a:fld id="{523D6941-6B33-4834-BC65-A333846D27E6}" type="datetimeFigureOut">
               <a:rPr lang="ko-KR" altLang="en-US" smtClean="0"/>
-              <a:t>2023-12-06</a:t>
+              <a:t>2023-12-07</a:t>
             </a:fld>
             <a:endParaRPr lang="ko-KR" altLang="en-US"/>
           </a:p>
@@ -907,7 +909,7 @@
           <a:p>
             <a:fld id="{523D6941-6B33-4834-BC65-A333846D27E6}" type="datetimeFigureOut">
               <a:rPr lang="ko-KR" altLang="en-US" smtClean="0"/>
-              <a:t>2023-12-06</a:t>
+              <a:t>2023-12-07</a:t>
             </a:fld>
             <a:endParaRPr lang="ko-KR" altLang="en-US"/>
           </a:p>
@@ -1115,7 +1117,7 @@
           <a:p>
             <a:fld id="{523D6941-6B33-4834-BC65-A333846D27E6}" type="datetimeFigureOut">
               <a:rPr lang="ko-KR" altLang="en-US" smtClean="0"/>
-              <a:t>2023-12-06</a:t>
+              <a:t>2023-12-07</a:t>
             </a:fld>
             <a:endParaRPr lang="ko-KR" altLang="en-US"/>
           </a:p>
@@ -1313,7 +1315,7 @@
           <a:p>
             <a:fld id="{523D6941-6B33-4834-BC65-A333846D27E6}" type="datetimeFigureOut">
               <a:rPr lang="ko-KR" altLang="en-US" smtClean="0"/>
-              <a:t>2023-12-06</a:t>
+              <a:t>2023-12-07</a:t>
             </a:fld>
             <a:endParaRPr lang="ko-KR" altLang="en-US"/>
           </a:p>
@@ -1588,7 +1590,7 @@
           <a:p>
             <a:fld id="{523D6941-6B33-4834-BC65-A333846D27E6}" type="datetimeFigureOut">
               <a:rPr lang="ko-KR" altLang="en-US" smtClean="0"/>
-              <a:t>2023-12-06</a:t>
+              <a:t>2023-12-07</a:t>
             </a:fld>
             <a:endParaRPr lang="ko-KR" altLang="en-US"/>
           </a:p>
@@ -1853,7 +1855,7 @@
           <a:p>
             <a:fld id="{523D6941-6B33-4834-BC65-A333846D27E6}" type="datetimeFigureOut">
               <a:rPr lang="ko-KR" altLang="en-US" smtClean="0"/>
-              <a:t>2023-12-06</a:t>
+              <a:t>2023-12-07</a:t>
             </a:fld>
             <a:endParaRPr lang="ko-KR" altLang="en-US"/>
           </a:p>
@@ -2265,7 +2267,7 @@
           <a:p>
             <a:fld id="{523D6941-6B33-4834-BC65-A333846D27E6}" type="datetimeFigureOut">
               <a:rPr lang="ko-KR" altLang="en-US" smtClean="0"/>
-              <a:t>2023-12-06</a:t>
+              <a:t>2023-12-07</a:t>
             </a:fld>
             <a:endParaRPr lang="ko-KR" altLang="en-US"/>
           </a:p>
@@ -2406,7 +2408,7 @@
           <a:p>
             <a:fld id="{523D6941-6B33-4834-BC65-A333846D27E6}" type="datetimeFigureOut">
               <a:rPr lang="ko-KR" altLang="en-US" smtClean="0"/>
-              <a:t>2023-12-06</a:t>
+              <a:t>2023-12-07</a:t>
             </a:fld>
             <a:endParaRPr lang="ko-KR" altLang="en-US"/>
           </a:p>
@@ -2519,7 +2521,7 @@
           <a:p>
             <a:fld id="{523D6941-6B33-4834-BC65-A333846D27E6}" type="datetimeFigureOut">
               <a:rPr lang="ko-KR" altLang="en-US" smtClean="0"/>
-              <a:t>2023-12-06</a:t>
+              <a:t>2023-12-07</a:t>
             </a:fld>
             <a:endParaRPr lang="ko-KR" altLang="en-US"/>
           </a:p>
@@ -2830,7 +2832,7 @@
           <a:p>
             <a:fld id="{523D6941-6B33-4834-BC65-A333846D27E6}" type="datetimeFigureOut">
               <a:rPr lang="ko-KR" altLang="en-US" smtClean="0"/>
-              <a:t>2023-12-06</a:t>
+              <a:t>2023-12-07</a:t>
             </a:fld>
             <a:endParaRPr lang="ko-KR" altLang="en-US"/>
           </a:p>
@@ -3118,7 +3120,7 @@
           <a:p>
             <a:fld id="{523D6941-6B33-4834-BC65-A333846D27E6}" type="datetimeFigureOut">
               <a:rPr lang="ko-KR" altLang="en-US" smtClean="0"/>
-              <a:t>2023-12-06</a:t>
+              <a:t>2023-12-07</a:t>
             </a:fld>
             <a:endParaRPr lang="ko-KR" altLang="en-US"/>
           </a:p>
@@ -3359,7 +3361,7 @@
           <a:p>
             <a:fld id="{523D6941-6B33-4834-BC65-A333846D27E6}" type="datetimeFigureOut">
               <a:rPr lang="ko-KR" altLang="en-US" smtClean="0"/>
-              <a:t>2023-12-06</a:t>
+              <a:t>2023-12-07</a:t>
             </a:fld>
             <a:endParaRPr lang="ko-KR" altLang="en-US"/>
           </a:p>
@@ -4297,7 +4299,7 @@
           <p:nvPr>
             <p:extLst>
               <p:ext uri="{D42A27DB-BD31-4B8C-83A1-F6EECF244321}">
-                <p14:modId xmlns:p14="http://schemas.microsoft.com/office/powerpoint/2010/main" val="1606905401"/>
+                <p14:modId xmlns:p14="http://schemas.microsoft.com/office/powerpoint/2010/main" val="3350850340"/>
               </p:ext>
             </p:extLst>
           </p:nvPr>
@@ -4330,7 +4332,7 @@
                       <a:pPr latinLnBrk="1"/>
                       <a:r>
                         <a:rPr lang="ko-KR" altLang="en-US" dirty="0"/>
-                        <a:t>전</a:t>
+                        <a:t>결</a:t>
                       </a:r>
                     </a:p>
                   </a:txBody>
@@ -5024,14 +5026,14 @@
           <p:nvPr>
             <p:extLst>
               <p:ext uri="{D42A27DB-BD31-4B8C-83A1-F6EECF244321}">
-                <p14:modId xmlns:p14="http://schemas.microsoft.com/office/powerpoint/2010/main" val="4131831320"/>
+                <p14:modId xmlns:p14="http://schemas.microsoft.com/office/powerpoint/2010/main" val="335233725"/>
               </p:ext>
             </p:extLst>
           </p:nvPr>
         </p:nvGraphicFramePr>
         <p:xfrm>
           <a:off x="64478" y="64111"/>
-          <a:ext cx="12033737" cy="914400"/>
+          <a:ext cx="12033737" cy="3840480"/>
         </p:xfrm>
         <a:graphic>
           <a:graphicData uri="http://schemas.openxmlformats.org/drawingml/2006/table">
@@ -5078,7 +5080,54 @@
                       <a:pPr latinLnBrk="1"/>
                       <a:r>
                         <a:rPr lang="ko-KR" altLang="en-US" sz="1200" dirty="0"/>
-                        <a:t>나라 전체에 괴물들이 대량 발생하여 나라가 쑥대밭이 된 </a:t>
+                        <a:t>평소와 다름없이 동물을 잡기 위해 사냥꾼은 숲 속을 헤매다가 사슴을 찾아 활을 겨누고 있었다</a:t>
+                      </a:r>
+                      <a:r>
+                        <a:rPr lang="en-US" altLang="ko-KR" sz="1200" dirty="0"/>
+                        <a:t>. </a:t>
+                      </a:r>
+                      <a:r>
+                        <a:rPr lang="ko-KR" altLang="en-US" sz="1200" dirty="0"/>
+                        <a:t>그 순간 괴물이 나타나 사슴을 덮쳤고 사냥꾼은 괴물을 피해 마을로 급하게 도망쳤다</a:t>
+                      </a:r>
+                      <a:r>
+                        <a:rPr lang="en-US" altLang="ko-KR" sz="1200" dirty="0"/>
+                        <a:t>. </a:t>
+                      </a:r>
+                      <a:r>
+                        <a:rPr lang="ko-KR" altLang="en-US" sz="1200" dirty="0"/>
+                        <a:t>숲을 빠져나와 마을을 본 사냥꾼은 놀랄 수 밖에 없었다</a:t>
+                      </a:r>
+                      <a:r>
+                        <a:rPr lang="en-US" altLang="ko-KR" sz="1200" dirty="0"/>
+                        <a:t>. </a:t>
+                      </a:r>
+                      <a:r>
+                        <a:rPr lang="ko-KR" altLang="en-US" sz="1200" dirty="0"/>
+                        <a:t>자신의 마을이 괴물들에게 습격 받아 불타고 있었지 때문이다</a:t>
+                      </a:r>
+                      <a:r>
+                        <a:rPr lang="en-US" altLang="ko-KR" sz="1200" dirty="0"/>
+                        <a:t>. </a:t>
+                      </a:r>
+                      <a:r>
+                        <a:rPr lang="ko-KR" altLang="en-US" sz="1200" dirty="0"/>
+                        <a:t>급히 마을로 달려가 가족들을 찾았지만 이미 가족들은 모두 죽어 있었고 사냥꾼은 살기위해 괴물들을 피해서 도망쳤다</a:t>
+                      </a:r>
+                      <a:r>
+                        <a:rPr lang="en-US" altLang="ko-KR" sz="1200" dirty="0"/>
+                        <a:t>. </a:t>
+                      </a:r>
+                    </a:p>
+                    <a:p>
+                      <a:pPr latinLnBrk="1"/>
+                      <a:endParaRPr lang="en-US" altLang="ko-KR" sz="1200" dirty="0"/>
+                    </a:p>
+                    <a:p>
+                      <a:pPr latinLnBrk="1"/>
+                      <a:r>
+                        <a:rPr lang="ko-KR" altLang="en-US" sz="1200" dirty="0"/>
+                        <a:t>그렇게 사냥꾼은 </a:t>
                       </a:r>
                       <a:r>
                         <a:rPr lang="en-US" altLang="ko-KR" sz="1200" dirty="0"/>
@@ -5086,7 +5135,7 @@
                       </a:r>
                       <a:r>
                         <a:rPr lang="ko-KR" altLang="en-US" sz="1200" dirty="0"/>
-                        <a:t>대재앙</a:t>
+                        <a:t>방랑자</a:t>
                       </a:r>
                       <a:r>
                         <a:rPr lang="en-US" altLang="ko-KR" sz="1200" dirty="0"/>
@@ -5094,7 +5143,7 @@
                       </a:r>
                       <a:r>
                         <a:rPr lang="ko-KR" altLang="en-US" sz="1200" dirty="0"/>
-                        <a:t>으로 방랑자는 가족과 친구들을 모두 잃고 괴물에게 복수하기 위해 괴물을 사냥하는 사냥꾼이 되어 전국을 떠돌며 괴물을 죽이고 있었다</a:t>
+                        <a:t>가 되었다</a:t>
                       </a:r>
                       <a:r>
                         <a:rPr lang="en-US" altLang="ko-KR" sz="1200" dirty="0"/>
@@ -5103,15 +5152,670 @@
                     </a:p>
                     <a:p>
                       <a:pPr latinLnBrk="1"/>
-                      <a:r>
-                        <a:rPr lang="ko-KR" altLang="en-US" sz="1200" dirty="0"/>
-                        <a:t>본래 괴물들은 나라의 군대와 무림 세력들이 담당하고 </a:t>
-                      </a:r>
-                      <a:r>
-                        <a:rPr lang="ko-KR" altLang="en-US" sz="1200"/>
-                        <a:t>있었지만 </a:t>
-                      </a:r>
                       <a:endParaRPr lang="en-US" altLang="ko-KR" sz="1200" dirty="0"/>
+                    </a:p>
+                    <a:p>
+                      <a:pPr latinLnBrk="1"/>
+                      <a:r>
+                        <a:rPr lang="ko-KR" altLang="en-US" sz="1200" dirty="0"/>
+                        <a:t>가족과 친구들을 모두 잃은 방랑자는 복수심에 불타 올랐고 괴물을 죽이기 위해 온갖 방법을 찾아 떠돌아 다녔다</a:t>
+                      </a:r>
+                      <a:r>
+                        <a:rPr lang="en-US" altLang="ko-KR" sz="1200" dirty="0"/>
+                        <a:t>. </a:t>
+                      </a:r>
+                      <a:r>
+                        <a:rPr lang="ko-KR" altLang="en-US" sz="1200" dirty="0"/>
+                        <a:t>그러다 우연히 스승을 만나 간단한 기술들을 전수 받고 복수를 위해 전국을 떠돌며 괴물들을 사냥하고 다녔다</a:t>
+                      </a:r>
+                      <a:r>
+                        <a:rPr lang="en-US" altLang="ko-KR" sz="1200" dirty="0"/>
+                        <a:t>.</a:t>
+                      </a:r>
+                    </a:p>
+                    <a:p>
+                      <a:pPr latinLnBrk="1"/>
+                      <a:endParaRPr lang="en-US" altLang="ko-KR" sz="1200" dirty="0"/>
+                    </a:p>
+                    <a:p>
+                      <a:pPr latinLnBrk="1"/>
+                      <a:r>
+                        <a:rPr lang="en-US" altLang="ko-KR" sz="1200" dirty="0"/>
+                        <a:t>1</a:t>
+                      </a:r>
+                      <a:r>
+                        <a:rPr lang="ko-KR" altLang="en-US" sz="1200" dirty="0"/>
+                        <a:t>년 후 괴물을 사냥하고 다니던 중 나라와 무림에서 괴물들을 잡기위한 토벌단을 창설했고 현재 추가 단원들을 모집하고 있다는 소문이 들려왔다</a:t>
+                      </a:r>
+                      <a:r>
+                        <a:rPr lang="en-US" altLang="ko-KR" sz="1200" dirty="0"/>
+                        <a:t>. </a:t>
+                      </a:r>
+                    </a:p>
+                    <a:p>
+                      <a:pPr latinLnBrk="1"/>
+                      <a:r>
+                        <a:rPr lang="ko-KR" altLang="en-US" sz="1200" dirty="0"/>
+                        <a:t>토벌단은 본래 괴물들을 억제하고 있던 무림 세력과 나라의 관군들이 더 이상 괴물들을 상대할 여력이 없어져 전국에서 괴물을 상대 할 수 있는 인재를 찾고 훈련시켜 괴물들을 상대하기 위해 창설되었다</a:t>
+                      </a:r>
+                      <a:r>
+                        <a:rPr lang="en-US" altLang="ko-KR" sz="1200" dirty="0"/>
+                        <a:t>.</a:t>
+                      </a:r>
+                    </a:p>
+                    <a:p>
+                      <a:pPr latinLnBrk="1"/>
+                      <a:endParaRPr lang="en-US" altLang="ko-KR" sz="1200" dirty="0"/>
+                    </a:p>
+                    <a:p>
+                      <a:pPr latinLnBrk="1"/>
+                      <a:r>
+                        <a:rPr lang="ko-KR" altLang="en-US" sz="1200" dirty="0"/>
+                        <a:t>방랑자는 토벌단에 입단하게 되면 괴물들을 더 효과적으로 죽일 수 있다 생각하여 토벌단에 들어가기로 마음먹고 입단 시험을 받기 위해 시험장을 찾아갔다</a:t>
+                      </a:r>
+                      <a:r>
+                        <a:rPr lang="en-US" altLang="ko-KR" sz="1200" dirty="0"/>
+                        <a:t>.</a:t>
+                      </a:r>
+                    </a:p>
+                    <a:p>
+                      <a:pPr latinLnBrk="1"/>
+                      <a:r>
+                        <a:rPr lang="ko-KR" altLang="en-US" sz="1200" dirty="0"/>
+                        <a:t>시험의 내용은 총 </a:t>
+                      </a:r>
+                      <a:r>
+                        <a:rPr lang="en-US" altLang="ko-KR" sz="1200" dirty="0"/>
+                        <a:t>3</a:t>
+                      </a:r>
+                      <a:r>
+                        <a:rPr lang="ko-KR" altLang="en-US" sz="1200" dirty="0"/>
+                        <a:t>가지 였다</a:t>
+                      </a:r>
+                      <a:r>
+                        <a:rPr lang="en-US" altLang="ko-KR" sz="1200" dirty="0"/>
+                        <a:t>. </a:t>
+                      </a:r>
+                    </a:p>
+                    <a:p>
+                      <a:pPr latinLnBrk="1"/>
+                      <a:r>
+                        <a:rPr lang="ko-KR" altLang="en-US" sz="1200" dirty="0"/>
+                        <a:t>첫 번째 괴물의 추적 할 수 있는 능력을 증명하는 것</a:t>
+                      </a:r>
+                      <a:r>
+                        <a:rPr lang="en-US" altLang="ko-KR" sz="1200" dirty="0"/>
+                        <a:t>, </a:t>
+                      </a:r>
+                    </a:p>
+                    <a:p>
+                      <a:pPr latinLnBrk="1"/>
+                      <a:r>
+                        <a:rPr lang="ko-KR" altLang="en-US" sz="1200" dirty="0"/>
+                        <a:t>두 번째 괴물을 사냥하고 증거를 가져 오는 것</a:t>
+                      </a:r>
+                      <a:r>
+                        <a:rPr lang="en-US" altLang="ko-KR" sz="1200" dirty="0"/>
+                        <a:t>, </a:t>
+                      </a:r>
+                    </a:p>
+                    <a:p>
+                      <a:pPr latinLnBrk="1"/>
+                      <a:r>
+                        <a:rPr lang="ko-KR" altLang="en-US" sz="1200" dirty="0"/>
+                        <a:t>세 번째 동료와 합을 맞추는 것</a:t>
+                      </a:r>
+                      <a:endParaRPr lang="en-US" altLang="ko-KR" sz="1200" dirty="0"/>
+                    </a:p>
+                    <a:p>
+                      <a:pPr latinLnBrk="1"/>
+                      <a:r>
+                        <a:rPr lang="ko-KR" altLang="en-US" sz="1200" dirty="0"/>
+                        <a:t>방랑자는 자신처럼 시험을 치루는 </a:t>
+                      </a:r>
+                      <a:r>
+                        <a:rPr lang="en-US" altLang="ko-KR" sz="1200" dirty="0"/>
+                        <a:t>‘</a:t>
+                      </a:r>
+                      <a:r>
+                        <a:rPr lang="ko-KR" altLang="en-US" sz="1200" dirty="0"/>
+                        <a:t>세영</a:t>
+                      </a:r>
+                      <a:r>
+                        <a:rPr lang="en-US" altLang="ko-KR" sz="1200" dirty="0"/>
+                        <a:t>’</a:t>
+                      </a:r>
+                      <a:r>
+                        <a:rPr lang="ko-KR" altLang="en-US" sz="1200" dirty="0"/>
+                        <a:t>과 함께 시험에 통과하고 토벌단의 단원이 되었다</a:t>
+                      </a:r>
+                      <a:r>
+                        <a:rPr lang="en-US" altLang="ko-KR" sz="1200" dirty="0"/>
+                        <a:t>.</a:t>
+                      </a:r>
+                    </a:p>
+                  </a:txBody>
+                  <a:tcPr/>
+                </a:tc>
+                <a:extLst>
+                  <a:ext uri="{0D108BD9-81ED-4DB2-BD59-A6C34878D82A}">
+                    <a16:rowId xmlns:a16="http://schemas.microsoft.com/office/drawing/2014/main" val="1282847511"/>
+                  </a:ext>
+                </a:extLst>
+              </a:tr>
+            </a:tbl>
+          </a:graphicData>
+        </a:graphic>
+      </p:graphicFrame>
+      <p:graphicFrame>
+        <p:nvGraphicFramePr>
+          <p:cNvPr id="2" name="표 1">
+            <a:extLst>
+              <a:ext uri="{FF2B5EF4-FFF2-40B4-BE49-F238E27FC236}">
+                <a16:creationId xmlns:a16="http://schemas.microsoft.com/office/drawing/2014/main" id="{12E17EEB-D82F-35BD-EC1B-5ABC80CC930A}"/>
+              </a:ext>
+            </a:extLst>
+          </p:cNvPr>
+          <p:cNvGraphicFramePr>
+            <a:graphicFrameLocks noGrp="1"/>
+          </p:cNvGraphicFramePr>
+          <p:nvPr>
+            <p:extLst>
+              <p:ext uri="{D42A27DB-BD31-4B8C-83A1-F6EECF244321}">
+                <p14:modId xmlns:p14="http://schemas.microsoft.com/office/powerpoint/2010/main" val="116760885"/>
+              </p:ext>
+            </p:extLst>
+          </p:nvPr>
+        </p:nvGraphicFramePr>
+        <p:xfrm>
+          <a:off x="64478" y="3997021"/>
+          <a:ext cx="8128000" cy="2468880"/>
+        </p:xfrm>
+        <a:graphic>
+          <a:graphicData uri="http://schemas.openxmlformats.org/drawingml/2006/table">
+            <a:tbl>
+              <a:tblPr firstRow="1" bandRow="1">
+                <a:tableStyleId>{5C22544A-7EE6-4342-B048-85BDC9FD1C3A}</a:tableStyleId>
+              </a:tblPr>
+              <a:tblGrid>
+                <a:gridCol w="1139633">
+                  <a:extLst>
+                    <a:ext uri="{9D8B030D-6E8A-4147-A177-3AD203B41FA5}">
+                      <a16:colId xmlns:a16="http://schemas.microsoft.com/office/drawing/2014/main" val="3548555803"/>
+                    </a:ext>
+                  </a:extLst>
+                </a:gridCol>
+                <a:gridCol w="6988367">
+                  <a:extLst>
+                    <a:ext uri="{9D8B030D-6E8A-4147-A177-3AD203B41FA5}">
+                      <a16:colId xmlns:a16="http://schemas.microsoft.com/office/drawing/2014/main" val="3999967443"/>
+                    </a:ext>
+                  </a:extLst>
+                </a:gridCol>
+              </a:tblGrid>
+              <a:tr h="0">
+                <a:tc gridSpan="2">
+                  <a:txBody>
+                    <a:bodyPr/>
+                    <a:lstStyle/>
+                    <a:p>
+                      <a:pPr latinLnBrk="1"/>
+                      <a:r>
+                        <a:rPr lang="ko-KR" altLang="en-US" sz="1200" dirty="0"/>
+                        <a:t>사건</a:t>
+                      </a:r>
+                    </a:p>
+                  </a:txBody>
+                  <a:tcPr/>
+                </a:tc>
+                <a:tc hMerge="1">
+                  <a:txBody>
+                    <a:bodyPr/>
+                    <a:lstStyle/>
+                    <a:p>
+                      <a:pPr latinLnBrk="1"/>
+                      <a:endParaRPr lang="ko-KR" altLang="en-US" dirty="0"/>
+                    </a:p>
+                  </a:txBody>
+                  <a:tcPr/>
+                </a:tc>
+                <a:extLst>
+                  <a:ext uri="{0D108BD9-81ED-4DB2-BD59-A6C34878D82A}">
+                    <a16:rowId xmlns:a16="http://schemas.microsoft.com/office/drawing/2014/main" val="4132330669"/>
+                  </a:ext>
+                </a:extLst>
+              </a:tr>
+              <a:tr h="0">
+                <a:tc>
+                  <a:txBody>
+                    <a:bodyPr/>
+                    <a:lstStyle/>
+                    <a:p>
+                      <a:pPr latinLnBrk="1"/>
+                      <a:r>
+                        <a:rPr lang="ko-KR" altLang="en-US" sz="1200" dirty="0"/>
+                        <a:t>이름</a:t>
+                      </a:r>
+                    </a:p>
+                  </a:txBody>
+                  <a:tcPr/>
+                </a:tc>
+                <a:tc>
+                  <a:txBody>
+                    <a:bodyPr/>
+                    <a:lstStyle/>
+                    <a:p>
+                      <a:pPr latinLnBrk="1"/>
+                      <a:r>
+                        <a:rPr lang="ko-KR" altLang="en-US" sz="1200" dirty="0"/>
+                        <a:t>내용</a:t>
+                      </a:r>
+                    </a:p>
+                  </a:txBody>
+                  <a:tcPr/>
+                </a:tc>
+                <a:extLst>
+                  <a:ext uri="{0D108BD9-81ED-4DB2-BD59-A6C34878D82A}">
+                    <a16:rowId xmlns:a16="http://schemas.microsoft.com/office/drawing/2014/main" val="1825875781"/>
+                  </a:ext>
+                </a:extLst>
+              </a:tr>
+              <a:tr h="0">
+                <a:tc>
+                  <a:txBody>
+                    <a:bodyPr/>
+                    <a:lstStyle/>
+                    <a:p>
+                      <a:pPr latinLnBrk="1"/>
+                      <a:r>
+                        <a:rPr lang="ko-KR" altLang="en-US" sz="1200" dirty="0"/>
+                        <a:t>도망</a:t>
+                      </a:r>
+                    </a:p>
+                  </a:txBody>
+                  <a:tcPr/>
+                </a:tc>
+                <a:tc>
+                  <a:txBody>
+                    <a:bodyPr/>
+                    <a:lstStyle/>
+                    <a:p>
+                      <a:pPr latinLnBrk="1"/>
+                      <a:r>
+                        <a:rPr lang="ko-KR" altLang="en-US" sz="1200" dirty="0"/>
+                        <a:t>괴물에서 생존하여 도주</a:t>
+                      </a:r>
+                    </a:p>
+                  </a:txBody>
+                  <a:tcPr/>
+                </a:tc>
+                <a:extLst>
+                  <a:ext uri="{0D108BD9-81ED-4DB2-BD59-A6C34878D82A}">
+                    <a16:rowId xmlns:a16="http://schemas.microsoft.com/office/drawing/2014/main" val="2289752153"/>
+                  </a:ext>
+                </a:extLst>
+              </a:tr>
+              <a:tr h="0">
+                <a:tc>
+                  <a:txBody>
+                    <a:bodyPr/>
+                    <a:lstStyle/>
+                    <a:p>
+                      <a:pPr latinLnBrk="1"/>
+                      <a:r>
+                        <a:rPr lang="ko-KR" altLang="en-US" sz="1200" dirty="0"/>
+                        <a:t>소문</a:t>
+                      </a:r>
+                    </a:p>
+                  </a:txBody>
+                  <a:tcPr/>
+                </a:tc>
+                <a:tc>
+                  <a:txBody>
+                    <a:bodyPr/>
+                    <a:lstStyle/>
+                    <a:p>
+                      <a:pPr latinLnBrk="1"/>
+                      <a:r>
+                        <a:rPr lang="ko-KR" altLang="en-US" sz="1200" dirty="0"/>
+                        <a:t>토벌단이 창설되었다는 소문을 들음</a:t>
+                      </a:r>
+                    </a:p>
+                  </a:txBody>
+                  <a:tcPr/>
+                </a:tc>
+                <a:extLst>
+                  <a:ext uri="{0D108BD9-81ED-4DB2-BD59-A6C34878D82A}">
+                    <a16:rowId xmlns:a16="http://schemas.microsoft.com/office/drawing/2014/main" val="3817468006"/>
+                  </a:ext>
+                </a:extLst>
+              </a:tr>
+              <a:tr h="0">
+                <a:tc>
+                  <a:txBody>
+                    <a:bodyPr/>
+                    <a:lstStyle/>
+                    <a:p>
+                      <a:pPr latinLnBrk="1"/>
+                      <a:r>
+                        <a:rPr lang="ko-KR" altLang="en-US" sz="1200" dirty="0"/>
+                        <a:t>접수</a:t>
+                      </a:r>
+                      <a:r>
+                        <a:rPr lang="en-US" altLang="ko-KR" sz="1200" dirty="0"/>
+                        <a:t>-1</a:t>
+                      </a:r>
+                      <a:endParaRPr lang="ko-KR" altLang="en-US" sz="1200" dirty="0"/>
+                    </a:p>
+                  </a:txBody>
+                  <a:tcPr/>
+                </a:tc>
+                <a:tc>
+                  <a:txBody>
+                    <a:bodyPr/>
+                    <a:lstStyle/>
+                    <a:p>
+                      <a:pPr latinLnBrk="1"/>
+                      <a:r>
+                        <a:rPr lang="ko-KR" altLang="en-US" sz="1200" dirty="0"/>
+                        <a:t>입단 시험을 받기 위해 시험장으로 찾아 간다</a:t>
+                      </a:r>
+                    </a:p>
+                  </a:txBody>
+                  <a:tcPr/>
+                </a:tc>
+                <a:extLst>
+                  <a:ext uri="{0D108BD9-81ED-4DB2-BD59-A6C34878D82A}">
+                    <a16:rowId xmlns:a16="http://schemas.microsoft.com/office/drawing/2014/main" val="552115955"/>
+                  </a:ext>
+                </a:extLst>
+              </a:tr>
+              <a:tr h="0">
+                <a:tc>
+                  <a:txBody>
+                    <a:bodyPr/>
+                    <a:lstStyle/>
+                    <a:p>
+                      <a:pPr latinLnBrk="1"/>
+                      <a:r>
+                        <a:rPr lang="ko-KR" altLang="en-US" sz="1200" dirty="0"/>
+                        <a:t>접수</a:t>
+                      </a:r>
+                      <a:r>
+                        <a:rPr lang="en-US" altLang="ko-KR" sz="1200" dirty="0"/>
+                        <a:t>-2</a:t>
+                      </a:r>
+                      <a:endParaRPr lang="ko-KR" altLang="en-US" sz="1200" dirty="0"/>
+                    </a:p>
+                  </a:txBody>
+                  <a:tcPr/>
+                </a:tc>
+                <a:tc>
+                  <a:txBody>
+                    <a:bodyPr/>
+                    <a:lstStyle/>
+                    <a:p>
+                      <a:pPr latinLnBrk="1"/>
+                      <a:r>
+                        <a:rPr lang="ko-KR" altLang="en-US" sz="1200" dirty="0"/>
+                        <a:t>시험 접수를 하고 시험을 기다린다</a:t>
+                      </a:r>
+                    </a:p>
+                  </a:txBody>
+                  <a:tcPr/>
+                </a:tc>
+                <a:extLst>
+                  <a:ext uri="{0D108BD9-81ED-4DB2-BD59-A6C34878D82A}">
+                    <a16:rowId xmlns:a16="http://schemas.microsoft.com/office/drawing/2014/main" val="4008502061"/>
+                  </a:ext>
+                </a:extLst>
+              </a:tr>
+              <a:tr h="0">
+                <a:tc>
+                  <a:txBody>
+                    <a:bodyPr/>
+                    <a:lstStyle/>
+                    <a:p>
+                      <a:pPr latinLnBrk="1"/>
+                      <a:r>
+                        <a:rPr lang="ko-KR" altLang="en-US" sz="1200" dirty="0"/>
+                        <a:t>시험</a:t>
+                      </a:r>
+                      <a:r>
+                        <a:rPr lang="en-US" altLang="ko-KR" sz="1200" dirty="0"/>
+                        <a:t>-1</a:t>
+                      </a:r>
+                      <a:endParaRPr lang="ko-KR" altLang="en-US" sz="1200" dirty="0"/>
+                    </a:p>
+                  </a:txBody>
+                  <a:tcPr/>
+                </a:tc>
+                <a:tc>
+                  <a:txBody>
+                    <a:bodyPr/>
+                    <a:lstStyle/>
+                    <a:p>
+                      <a:pPr latinLnBrk="1"/>
+                      <a:r>
+                        <a:rPr lang="ko-KR" altLang="en-US" sz="1200" dirty="0"/>
+                        <a:t>찾아야 할 괴물에 대한 정보를 받고 괴물을 찾는다</a:t>
+                      </a:r>
+                    </a:p>
+                  </a:txBody>
+                  <a:tcPr/>
+                </a:tc>
+                <a:extLst>
+                  <a:ext uri="{0D108BD9-81ED-4DB2-BD59-A6C34878D82A}">
+                    <a16:rowId xmlns:a16="http://schemas.microsoft.com/office/drawing/2014/main" val="3841428518"/>
+                  </a:ext>
+                </a:extLst>
+              </a:tr>
+              <a:tr h="0">
+                <a:tc>
+                  <a:txBody>
+                    <a:bodyPr/>
+                    <a:lstStyle/>
+                    <a:p>
+                      <a:pPr latinLnBrk="1"/>
+                      <a:r>
+                        <a:rPr lang="ko-KR" altLang="en-US" sz="1200" dirty="0"/>
+                        <a:t>시험</a:t>
+                      </a:r>
+                      <a:r>
+                        <a:rPr lang="en-US" altLang="ko-KR" sz="1200" dirty="0"/>
+                        <a:t>-2</a:t>
+                      </a:r>
+                      <a:endParaRPr lang="ko-KR" altLang="en-US" sz="1200" dirty="0"/>
+                    </a:p>
+                  </a:txBody>
+                  <a:tcPr/>
+                </a:tc>
+                <a:tc>
+                  <a:txBody>
+                    <a:bodyPr/>
+                    <a:lstStyle/>
+                    <a:p>
+                      <a:pPr latinLnBrk="1"/>
+                      <a:r>
+                        <a:rPr lang="ko-KR" altLang="en-US" sz="1200" dirty="0"/>
+                        <a:t>찾은 괴물을 사냥하고 증명할 수 있는 전리품을 가져온다</a:t>
+                      </a:r>
+                    </a:p>
+                  </a:txBody>
+                  <a:tcPr/>
+                </a:tc>
+                <a:extLst>
+                  <a:ext uri="{0D108BD9-81ED-4DB2-BD59-A6C34878D82A}">
+                    <a16:rowId xmlns:a16="http://schemas.microsoft.com/office/drawing/2014/main" val="1356876725"/>
+                  </a:ext>
+                </a:extLst>
+              </a:tr>
+              <a:tr h="0">
+                <a:tc>
+                  <a:txBody>
+                    <a:bodyPr/>
+                    <a:lstStyle/>
+                    <a:p>
+                      <a:pPr latinLnBrk="1"/>
+                      <a:r>
+                        <a:rPr lang="ko-KR" altLang="en-US" sz="1200" dirty="0"/>
+                        <a:t>시험</a:t>
+                      </a:r>
+                      <a:r>
+                        <a:rPr lang="en-US" altLang="ko-KR" sz="1200" dirty="0"/>
+                        <a:t>-3</a:t>
+                      </a:r>
+                      <a:endParaRPr lang="ko-KR" altLang="en-US" sz="1200" dirty="0"/>
+                    </a:p>
+                  </a:txBody>
+                  <a:tcPr/>
+                </a:tc>
+                <a:tc>
+                  <a:txBody>
+                    <a:bodyPr/>
+                    <a:lstStyle/>
+                    <a:p>
+                      <a:pPr latinLnBrk="1"/>
+                      <a:r>
+                        <a:rPr lang="en-US" altLang="ko-KR" sz="1200" dirty="0"/>
+                        <a:t>2</a:t>
+                      </a:r>
+                      <a:r>
+                        <a:rPr lang="ko-KR" altLang="en-US" sz="1200" dirty="0"/>
+                        <a:t>번 시험까지 통과한 다른 캐릭터 합을 맞추어 강한 괴물을 사냥한다</a:t>
+                      </a:r>
+                      <a:r>
+                        <a:rPr lang="en-US" altLang="ko-KR" sz="1200" dirty="0"/>
+                        <a:t>.</a:t>
+                      </a:r>
+                      <a:endParaRPr lang="ko-KR" altLang="en-US" sz="1200" dirty="0"/>
+                    </a:p>
+                  </a:txBody>
+                  <a:tcPr/>
+                </a:tc>
+                <a:extLst>
+                  <a:ext uri="{0D108BD9-81ED-4DB2-BD59-A6C34878D82A}">
+                    <a16:rowId xmlns:a16="http://schemas.microsoft.com/office/drawing/2014/main" val="3396629813"/>
+                  </a:ext>
+                </a:extLst>
+              </a:tr>
+            </a:tbl>
+          </a:graphicData>
+        </a:graphic>
+      </p:graphicFrame>
+    </p:spTree>
+    <p:extLst>
+      <p:ext uri="{BB962C8B-B14F-4D97-AF65-F5344CB8AC3E}">
+        <p14:creationId xmlns:p14="http://schemas.microsoft.com/office/powerpoint/2010/main" val="3050012463"/>
+      </p:ext>
+    </p:extLst>
+  </p:cSld>
+  <p:clrMapOvr>
+    <a:masterClrMapping/>
+  </p:clrMapOvr>
+</p:sld>
+</file>
+
+<file path=ppt/slides/slide5.xml><?xml version="1.0" encoding="utf-8"?>
+<p:sld xmlns:a="http://schemas.openxmlformats.org/drawingml/2006/main" xmlns:r="http://schemas.openxmlformats.org/officeDocument/2006/relationships" xmlns:p="http://schemas.openxmlformats.org/presentationml/2006/main">
+  <p:cSld>
+    <p:spTree>
+      <p:nvGrpSpPr>
+        <p:cNvPr id="1" name=""/>
+        <p:cNvGrpSpPr/>
+        <p:nvPr/>
+      </p:nvGrpSpPr>
+      <p:grpSpPr>
+        <a:xfrm>
+          <a:off x="0" y="0"/>
+          <a:ext cx="0" cy="0"/>
+          <a:chOff x="0" y="0"/>
+          <a:chExt cx="0" cy="0"/>
+        </a:xfrm>
+      </p:grpSpPr>
+      <p:graphicFrame>
+        <p:nvGraphicFramePr>
+          <p:cNvPr id="4" name="표 4">
+            <a:extLst>
+              <a:ext uri="{FF2B5EF4-FFF2-40B4-BE49-F238E27FC236}">
+                <a16:creationId xmlns:a16="http://schemas.microsoft.com/office/drawing/2014/main" id="{9574166C-2FF5-449C-A3F9-05471B91C80D}"/>
+              </a:ext>
+            </a:extLst>
+          </p:cNvPr>
+          <p:cNvGraphicFramePr>
+            <a:graphicFrameLocks noGrp="1"/>
+          </p:cNvGraphicFramePr>
+          <p:nvPr>
+            <p:extLst>
+              <p:ext uri="{D42A27DB-BD31-4B8C-83A1-F6EECF244321}">
+                <p14:modId xmlns:p14="http://schemas.microsoft.com/office/powerpoint/2010/main" val="2056682052"/>
+              </p:ext>
+            </p:extLst>
+          </p:nvPr>
+        </p:nvGraphicFramePr>
+        <p:xfrm>
+          <a:off x="64478" y="64111"/>
+          <a:ext cx="12033737" cy="731520"/>
+        </p:xfrm>
+        <a:graphic>
+          <a:graphicData uri="http://schemas.openxmlformats.org/drawingml/2006/table">
+            <a:tbl>
+              <a:tblPr firstRow="1" bandRow="1">
+                <a:tableStyleId>{5C22544A-7EE6-4342-B048-85BDC9FD1C3A}</a:tableStyleId>
+              </a:tblPr>
+              <a:tblGrid>
+                <a:gridCol w="12033737">
+                  <a:extLst>
+                    <a:ext uri="{9D8B030D-6E8A-4147-A177-3AD203B41FA5}">
+                      <a16:colId xmlns:a16="http://schemas.microsoft.com/office/drawing/2014/main" val="3580401190"/>
+                    </a:ext>
+                  </a:extLst>
+                </a:gridCol>
+              </a:tblGrid>
+              <a:tr h="0">
+                <a:tc>
+                  <a:txBody>
+                    <a:bodyPr/>
+                    <a:lstStyle/>
+                    <a:p>
+                      <a:pPr latinLnBrk="1"/>
+                      <a:r>
+                        <a:rPr lang="ko-KR" altLang="en-US" sz="1200" dirty="0"/>
+                        <a:t>승</a:t>
+                      </a:r>
+                    </a:p>
+                  </a:txBody>
+                  <a:tcPr/>
+                </a:tc>
+                <a:extLst>
+                  <a:ext uri="{0D108BD9-81ED-4DB2-BD59-A6C34878D82A}">
+                    <a16:rowId xmlns:a16="http://schemas.microsoft.com/office/drawing/2014/main" val="369265982"/>
+                  </a:ext>
+                </a:extLst>
+              </a:tr>
+              <a:tr h="370840">
+                <a:tc>
+                  <a:txBody>
+                    <a:bodyPr/>
+                    <a:lstStyle/>
+                    <a:p>
+                      <a:pPr latinLnBrk="1"/>
+                      <a:r>
+                        <a:rPr lang="ko-KR" altLang="en-US" sz="1200" dirty="0"/>
+                        <a:t>토벌단에 들어간 방랑자는 토벌단에서 임무를 받아 전국의 괴물들을 사냥하고 다녔다</a:t>
+                      </a:r>
+                      <a:r>
+                        <a:rPr lang="en-US" altLang="ko-KR" sz="1200" dirty="0"/>
+                        <a:t>. </a:t>
+                      </a:r>
+                      <a:r>
+                        <a:rPr lang="ko-KR" altLang="en-US" sz="1200" dirty="0"/>
+                        <a:t>어느 정도 실적을 올리고 강해 졌을 무렵 방랑자의 힘을 알아보고 무림에서 연락이 들어 왔다</a:t>
+                      </a:r>
+                      <a:r>
+                        <a:rPr lang="en-US" altLang="ko-KR" sz="1200" dirty="0"/>
+                        <a:t>. </a:t>
+                      </a:r>
                     </a:p>
                   </a:txBody>
                   <a:tcPr/>
@@ -5129,7 +5833,400 @@
     </p:spTree>
     <p:extLst>
       <p:ext uri="{BB962C8B-B14F-4D97-AF65-F5344CB8AC3E}">
-        <p14:creationId xmlns:p14="http://schemas.microsoft.com/office/powerpoint/2010/main" val="3050012463"/>
+        <p14:creationId xmlns:p14="http://schemas.microsoft.com/office/powerpoint/2010/main" val="3836233048"/>
+      </p:ext>
+    </p:extLst>
+  </p:cSld>
+  <p:clrMapOvr>
+    <a:masterClrMapping/>
+  </p:clrMapOvr>
+</p:sld>
+</file>
+
+<file path=ppt/slides/slide6.xml><?xml version="1.0" encoding="utf-8"?>
+<p:sld xmlns:a="http://schemas.openxmlformats.org/drawingml/2006/main" xmlns:r="http://schemas.openxmlformats.org/officeDocument/2006/relationships" xmlns:p="http://schemas.openxmlformats.org/presentationml/2006/main">
+  <p:cSld>
+    <p:spTree>
+      <p:nvGrpSpPr>
+        <p:cNvPr id="1" name=""/>
+        <p:cNvGrpSpPr/>
+        <p:nvPr/>
+      </p:nvGrpSpPr>
+      <p:grpSpPr>
+        <a:xfrm>
+          <a:off x="0" y="0"/>
+          <a:ext cx="0" cy="0"/>
+          <a:chOff x="0" y="0"/>
+          <a:chExt cx="0" cy="0"/>
+        </a:xfrm>
+      </p:grpSpPr>
+      <p:graphicFrame>
+        <p:nvGraphicFramePr>
+          <p:cNvPr id="4" name="표 3">
+            <a:extLst>
+              <a:ext uri="{FF2B5EF4-FFF2-40B4-BE49-F238E27FC236}">
+                <a16:creationId xmlns:a16="http://schemas.microsoft.com/office/drawing/2014/main" id="{28BF5095-3E80-6991-E0CC-AB53C910C999}"/>
+              </a:ext>
+            </a:extLst>
+          </p:cNvPr>
+          <p:cNvGraphicFramePr>
+            <a:graphicFrameLocks noGrp="1"/>
+          </p:cNvGraphicFramePr>
+          <p:nvPr>
+            <p:extLst>
+              <p:ext uri="{D42A27DB-BD31-4B8C-83A1-F6EECF244321}">
+                <p14:modId xmlns:p14="http://schemas.microsoft.com/office/powerpoint/2010/main" val="405511937"/>
+              </p:ext>
+            </p:extLst>
+          </p:nvPr>
+        </p:nvGraphicFramePr>
+        <p:xfrm>
+          <a:off x="203200" y="91440"/>
+          <a:ext cx="5817354" cy="3337560"/>
+        </p:xfrm>
+        <a:graphic>
+          <a:graphicData uri="http://schemas.openxmlformats.org/drawingml/2006/table">
+            <a:tbl>
+              <a:tblPr firstRow="1" bandRow="1">
+                <a:tableStyleId>{5C22544A-7EE6-4342-B048-85BDC9FD1C3A}</a:tableStyleId>
+              </a:tblPr>
+              <a:tblGrid>
+                <a:gridCol w="856055">
+                  <a:extLst>
+                    <a:ext uri="{9D8B030D-6E8A-4147-A177-3AD203B41FA5}">
+                      <a16:colId xmlns:a16="http://schemas.microsoft.com/office/drawing/2014/main" val="2069246486"/>
+                    </a:ext>
+                  </a:extLst>
+                </a:gridCol>
+                <a:gridCol w="4961299">
+                  <a:extLst>
+                    <a:ext uri="{9D8B030D-6E8A-4147-A177-3AD203B41FA5}">
+                      <a16:colId xmlns:a16="http://schemas.microsoft.com/office/drawing/2014/main" val="3412645667"/>
+                    </a:ext>
+                  </a:extLst>
+                </a:gridCol>
+              </a:tblGrid>
+              <a:tr h="370840">
+                <a:tc gridSpan="2">
+                  <a:txBody>
+                    <a:bodyPr/>
+                    <a:lstStyle/>
+                    <a:p>
+                      <a:pPr latinLnBrk="1"/>
+                      <a:r>
+                        <a:rPr lang="ko-KR" altLang="en-US" dirty="0"/>
+                        <a:t>퀘스트 분류</a:t>
+                      </a:r>
+                    </a:p>
+                  </a:txBody>
+                  <a:tcPr/>
+                </a:tc>
+                <a:tc hMerge="1">
+                  <a:txBody>
+                    <a:bodyPr/>
+                    <a:lstStyle/>
+                    <a:p>
+                      <a:pPr latinLnBrk="1"/>
+                      <a:endParaRPr lang="ko-KR" altLang="en-US" dirty="0"/>
+                    </a:p>
+                  </a:txBody>
+                  <a:tcPr/>
+                </a:tc>
+                <a:extLst>
+                  <a:ext uri="{0D108BD9-81ED-4DB2-BD59-A6C34878D82A}">
+                    <a16:rowId xmlns:a16="http://schemas.microsoft.com/office/drawing/2014/main" val="1253955943"/>
+                  </a:ext>
+                </a:extLst>
+              </a:tr>
+              <a:tr h="370840">
+                <a:tc>
+                  <a:txBody>
+                    <a:bodyPr/>
+                    <a:lstStyle/>
+                    <a:p>
+                      <a:pPr algn="ctr" latinLnBrk="1"/>
+                      <a:r>
+                        <a:rPr lang="ko-KR" altLang="en-US" dirty="0"/>
+                        <a:t>분류</a:t>
+                      </a:r>
+                    </a:p>
+                  </a:txBody>
+                  <a:tcPr/>
+                </a:tc>
+                <a:tc>
+                  <a:txBody>
+                    <a:bodyPr/>
+                    <a:lstStyle/>
+                    <a:p>
+                      <a:pPr algn="ctr" latinLnBrk="1"/>
+                      <a:r>
+                        <a:rPr lang="ko-KR" altLang="en-US" dirty="0"/>
+                        <a:t>내용</a:t>
+                      </a:r>
+                    </a:p>
+                  </a:txBody>
+                  <a:tcPr/>
+                </a:tc>
+                <a:extLst>
+                  <a:ext uri="{0D108BD9-81ED-4DB2-BD59-A6C34878D82A}">
+                    <a16:rowId xmlns:a16="http://schemas.microsoft.com/office/drawing/2014/main" val="172724705"/>
+                  </a:ext>
+                </a:extLst>
+              </a:tr>
+              <a:tr h="370840">
+                <a:tc>
+                  <a:txBody>
+                    <a:bodyPr/>
+                    <a:lstStyle/>
+                    <a:p>
+                      <a:pPr algn="ctr" latinLnBrk="1"/>
+                      <a:r>
+                        <a:rPr lang="ko-KR" altLang="en-US" dirty="0"/>
+                        <a:t>토벌</a:t>
+                      </a:r>
+                    </a:p>
+                  </a:txBody>
+                  <a:tcPr/>
+                </a:tc>
+                <a:tc>
+                  <a:txBody>
+                    <a:bodyPr/>
+                    <a:lstStyle/>
+                    <a:p>
+                      <a:pPr latinLnBrk="1"/>
+                      <a:r>
+                        <a:rPr lang="ko-KR" altLang="en-US" dirty="0"/>
+                        <a:t>특정 몬스터를 일정량 이상 잡는 것</a:t>
+                      </a:r>
+                      <a:endParaRPr lang="en-US" altLang="ko-KR" dirty="0"/>
+                    </a:p>
+                  </a:txBody>
+                  <a:tcPr/>
+                </a:tc>
+                <a:extLst>
+                  <a:ext uri="{0D108BD9-81ED-4DB2-BD59-A6C34878D82A}">
+                    <a16:rowId xmlns:a16="http://schemas.microsoft.com/office/drawing/2014/main" val="3813630024"/>
+                  </a:ext>
+                </a:extLst>
+              </a:tr>
+              <a:tr h="370840">
+                <a:tc>
+                  <a:txBody>
+                    <a:bodyPr/>
+                    <a:lstStyle/>
+                    <a:p>
+                      <a:pPr algn="ctr" latinLnBrk="1"/>
+                      <a:r>
+                        <a:rPr lang="ko-KR" altLang="en-US" dirty="0"/>
+                        <a:t>수집</a:t>
+                      </a:r>
+                    </a:p>
+                  </a:txBody>
+                  <a:tcPr/>
+                </a:tc>
+                <a:tc>
+                  <a:txBody>
+                    <a:bodyPr/>
+                    <a:lstStyle/>
+                    <a:p>
+                      <a:pPr latinLnBrk="1"/>
+                      <a:r>
+                        <a:rPr lang="ko-KR" altLang="en-US" dirty="0"/>
+                        <a:t>특정 아이템을 얻어 가져오는 것</a:t>
+                      </a:r>
+                    </a:p>
+                  </a:txBody>
+                  <a:tcPr/>
+                </a:tc>
+                <a:extLst>
+                  <a:ext uri="{0D108BD9-81ED-4DB2-BD59-A6C34878D82A}">
+                    <a16:rowId xmlns:a16="http://schemas.microsoft.com/office/drawing/2014/main" val="114573897"/>
+                  </a:ext>
+                </a:extLst>
+              </a:tr>
+              <a:tr h="370840">
+                <a:tc>
+                  <a:txBody>
+                    <a:bodyPr/>
+                    <a:lstStyle/>
+                    <a:p>
+                      <a:pPr algn="ctr" latinLnBrk="1"/>
+                      <a:r>
+                        <a:rPr lang="ko-KR" altLang="en-US" dirty="0"/>
+                        <a:t>탐사</a:t>
+                      </a:r>
+                    </a:p>
+                  </a:txBody>
+                  <a:tcPr/>
+                </a:tc>
+                <a:tc>
+                  <a:txBody>
+                    <a:bodyPr/>
+                    <a:lstStyle/>
+                    <a:p>
+                      <a:pPr latinLnBrk="1"/>
+                      <a:r>
+                        <a:rPr lang="ko-KR" altLang="en-US" dirty="0"/>
+                        <a:t>특정 지역에 도착하는 것</a:t>
+                      </a:r>
+                    </a:p>
+                  </a:txBody>
+                  <a:tcPr/>
+                </a:tc>
+                <a:extLst>
+                  <a:ext uri="{0D108BD9-81ED-4DB2-BD59-A6C34878D82A}">
+                    <a16:rowId xmlns:a16="http://schemas.microsoft.com/office/drawing/2014/main" val="1493750984"/>
+                  </a:ext>
+                </a:extLst>
+              </a:tr>
+              <a:tr h="370840">
+                <a:tc>
+                  <a:txBody>
+                    <a:bodyPr/>
+                    <a:lstStyle/>
+                    <a:p>
+                      <a:pPr algn="ctr" latinLnBrk="1"/>
+                      <a:r>
+                        <a:rPr lang="ko-KR" altLang="en-US" dirty="0"/>
+                        <a:t>호위</a:t>
+                      </a:r>
+                    </a:p>
+                  </a:txBody>
+                  <a:tcPr/>
+                </a:tc>
+                <a:tc>
+                  <a:txBody>
+                    <a:bodyPr/>
+                    <a:lstStyle/>
+                    <a:p>
+                      <a:pPr latinLnBrk="1"/>
+                      <a:r>
+                        <a:rPr lang="ko-KR" altLang="en-US" dirty="0"/>
+                        <a:t>특정 캐릭터를 지키는 것</a:t>
+                      </a:r>
+                    </a:p>
+                  </a:txBody>
+                  <a:tcPr/>
+                </a:tc>
+                <a:extLst>
+                  <a:ext uri="{0D108BD9-81ED-4DB2-BD59-A6C34878D82A}">
+                    <a16:rowId xmlns:a16="http://schemas.microsoft.com/office/drawing/2014/main" val="2684465329"/>
+                  </a:ext>
+                </a:extLst>
+              </a:tr>
+              <a:tr h="370840">
+                <a:tc>
+                  <a:txBody>
+                    <a:bodyPr/>
+                    <a:lstStyle/>
+                    <a:p>
+                      <a:pPr algn="ctr" latinLnBrk="1"/>
+                      <a:r>
+                        <a:rPr lang="ko-KR" altLang="en-US" dirty="0"/>
+                        <a:t>배달</a:t>
+                      </a:r>
+                    </a:p>
+                  </a:txBody>
+                  <a:tcPr/>
+                </a:tc>
+                <a:tc>
+                  <a:txBody>
+                    <a:bodyPr/>
+                    <a:lstStyle/>
+                    <a:p>
+                      <a:pPr latinLnBrk="1"/>
+                      <a:r>
+                        <a:rPr lang="ko-KR" altLang="en-US" dirty="0"/>
+                        <a:t>특정 아이템을 다른 캐릭터에게 전달 하는 것</a:t>
+                      </a:r>
+                    </a:p>
+                  </a:txBody>
+                  <a:tcPr/>
+                </a:tc>
+                <a:extLst>
+                  <a:ext uri="{0D108BD9-81ED-4DB2-BD59-A6C34878D82A}">
+                    <a16:rowId xmlns:a16="http://schemas.microsoft.com/office/drawing/2014/main" val="150767939"/>
+                  </a:ext>
+                </a:extLst>
+              </a:tr>
+              <a:tr h="370840">
+                <a:tc>
+                  <a:txBody>
+                    <a:bodyPr/>
+                    <a:lstStyle/>
+                    <a:p>
+                      <a:pPr algn="ctr" latinLnBrk="1"/>
+                      <a:r>
+                        <a:rPr lang="ko-KR" altLang="en-US" dirty="0"/>
+                        <a:t>대화</a:t>
+                      </a:r>
+                    </a:p>
+                  </a:txBody>
+                  <a:tcPr/>
+                </a:tc>
+                <a:tc>
+                  <a:txBody>
+                    <a:bodyPr/>
+                    <a:lstStyle/>
+                    <a:p>
+                      <a:pPr latinLnBrk="1"/>
+                      <a:r>
+                        <a:rPr lang="ko-KR" altLang="en-US" dirty="0"/>
+                        <a:t>특정 캐릭터와 대화 하는 것</a:t>
+                      </a:r>
+                    </a:p>
+                  </a:txBody>
+                  <a:tcPr/>
+                </a:tc>
+                <a:extLst>
+                  <a:ext uri="{0D108BD9-81ED-4DB2-BD59-A6C34878D82A}">
+                    <a16:rowId xmlns:a16="http://schemas.microsoft.com/office/drawing/2014/main" val="459924218"/>
+                  </a:ext>
+                </a:extLst>
+              </a:tr>
+              <a:tr h="370840">
+                <a:tc>
+                  <a:txBody>
+                    <a:bodyPr/>
+                    <a:lstStyle/>
+                    <a:p>
+                      <a:pPr algn="ctr" latinLnBrk="1"/>
+                      <a:r>
+                        <a:rPr lang="ko-KR" altLang="en-US" dirty="0"/>
+                        <a:t>생존</a:t>
+                      </a:r>
+                    </a:p>
+                  </a:txBody>
+                  <a:tcPr/>
+                </a:tc>
+                <a:tc>
+                  <a:txBody>
+                    <a:bodyPr/>
+                    <a:lstStyle/>
+                    <a:p>
+                      <a:pPr latinLnBrk="1"/>
+                      <a:r>
+                        <a:rPr lang="ko-KR" altLang="en-US" dirty="0"/>
+                        <a:t>일정 시간 동안 생존 하는 것</a:t>
+                      </a:r>
+                    </a:p>
+                  </a:txBody>
+                  <a:tcPr/>
+                </a:tc>
+                <a:extLst>
+                  <a:ext uri="{0D108BD9-81ED-4DB2-BD59-A6C34878D82A}">
+                    <a16:rowId xmlns:a16="http://schemas.microsoft.com/office/drawing/2014/main" val="986220186"/>
+                  </a:ext>
+                </a:extLst>
+              </a:tr>
+            </a:tbl>
+          </a:graphicData>
+        </a:graphic>
+      </p:graphicFrame>
+    </p:spTree>
+    <p:extLst>
+      <p:ext uri="{BB962C8B-B14F-4D97-AF65-F5344CB8AC3E}">
+        <p14:creationId xmlns:p14="http://schemas.microsoft.com/office/powerpoint/2010/main" val="3992806371"/>
       </p:ext>
     </p:extLst>
   </p:cSld>

--- a/기획/메인 스토리 기획서.pptx
+++ b/기획/메인 스토리 기획서.pptx
@@ -5,15 +5,18 @@
     <p:sldMasterId id="2147483648" r:id="rId1"/>
   </p:sldMasterIdLst>
   <p:notesMasterIdLst>
-    <p:notesMasterId r:id="rId8"/>
+    <p:notesMasterId r:id="rId11"/>
   </p:notesMasterIdLst>
   <p:sldIdLst>
     <p:sldId id="258" r:id="rId2"/>
-    <p:sldId id="257" r:id="rId3"/>
-    <p:sldId id="259" r:id="rId4"/>
-    <p:sldId id="260" r:id="rId5"/>
-    <p:sldId id="261" r:id="rId6"/>
-    <p:sldId id="262" r:id="rId7"/>
+    <p:sldId id="266" r:id="rId3"/>
+    <p:sldId id="265" r:id="rId4"/>
+    <p:sldId id="259" r:id="rId5"/>
+    <p:sldId id="260" r:id="rId6"/>
+    <p:sldId id="263" r:id="rId7"/>
+    <p:sldId id="264" r:id="rId8"/>
+    <p:sldId id="262" r:id="rId9"/>
+    <p:sldId id="267" r:id="rId10"/>
   </p:sldIdLst>
   <p:sldSz cx="12192000" cy="6858000"/>
   <p:notesSz cx="6858000" cy="9144000"/>
@@ -3809,7 +3812,7 @@
             </a:pPr>
             <a:r>
               <a:rPr lang="ko-KR" altLang="en-US" dirty="0"/>
-              <a:t>메인 스토리 기획서</a:t>
+              <a:t>퀘스트 기획서</a:t>
             </a:r>
           </a:p>
         </p:txBody>
@@ -3880,592 +3883,63 @@
           <a:chExt cx="0" cy="0"/>
         </a:xfrm>
       </p:grpSpPr>
-      <p:graphicFrame>
-        <p:nvGraphicFramePr>
-          <p:cNvPr id="4" name="표 4">
+      <p:sp>
+        <p:nvSpPr>
+          <p:cNvPr id="2" name="제목 1">
             <a:extLst>
               <a:ext uri="{FF2B5EF4-FFF2-40B4-BE49-F238E27FC236}">
-                <a16:creationId xmlns:a16="http://schemas.microsoft.com/office/drawing/2014/main" id="{9574166C-2FF5-449C-A3F9-05471B91C80D}"/>
+                <a16:creationId xmlns:a16="http://schemas.microsoft.com/office/drawing/2014/main" id="{46F14642-4D1D-4C0E-A309-865ED1EF0DDC}"/>
               </a:ext>
             </a:extLst>
           </p:cNvPr>
-          <p:cNvGraphicFramePr>
-            <a:graphicFrameLocks noGrp="1"/>
-          </p:cNvGraphicFramePr>
-          <p:nvPr>
-            <p:extLst>
-              <p:ext uri="{D42A27DB-BD31-4B8C-83A1-F6EECF244321}">
-                <p14:modId xmlns:p14="http://schemas.microsoft.com/office/powerpoint/2010/main" val="2890625469"/>
-              </p:ext>
-            </p:extLst>
-          </p:nvPr>
-        </p:nvGraphicFramePr>
-        <p:xfrm>
-          <a:off x="64478" y="64111"/>
-          <a:ext cx="12033737" cy="1833880"/>
-        </p:xfrm>
-        <a:graphic>
-          <a:graphicData uri="http://schemas.openxmlformats.org/drawingml/2006/table">
-            <a:tbl>
-              <a:tblPr firstRow="1" bandRow="1">
-                <a:tableStyleId>{5C22544A-7EE6-4342-B048-85BDC9FD1C3A}</a:tableStyleId>
-              </a:tblPr>
-              <a:tblGrid>
-                <a:gridCol w="12033737">
-                  <a:extLst>
-                    <a:ext uri="{9D8B030D-6E8A-4147-A177-3AD203B41FA5}">
-                      <a16:colId xmlns:a16="http://schemas.microsoft.com/office/drawing/2014/main" val="3580401190"/>
-                    </a:ext>
-                  </a:extLst>
-                </a:gridCol>
-              </a:tblGrid>
-              <a:tr h="370840">
-                <a:tc>
-                  <a:txBody>
-                    <a:bodyPr/>
-                    <a:lstStyle/>
-                    <a:p>
-                      <a:pPr latinLnBrk="1"/>
-                      <a:r>
-                        <a:rPr lang="ko-KR" altLang="en-US" dirty="0"/>
-                        <a:t>시놉시스</a:t>
-                      </a:r>
-                    </a:p>
-                  </a:txBody>
-                  <a:tcPr/>
-                </a:tc>
-                <a:extLst>
-                  <a:ext uri="{0D108BD9-81ED-4DB2-BD59-A6C34878D82A}">
-                    <a16:rowId xmlns:a16="http://schemas.microsoft.com/office/drawing/2014/main" val="369265982"/>
-                  </a:ext>
-                </a:extLst>
-              </a:tr>
-              <a:tr h="370840">
-                <a:tc>
-                  <a:txBody>
-                    <a:bodyPr/>
-                    <a:lstStyle/>
-                    <a:p>
-                      <a:pPr latinLnBrk="1"/>
-                      <a:r>
-                        <a:rPr lang="ko-KR" altLang="en-US" dirty="0"/>
-                        <a:t>무림 정파와 </a:t>
-                      </a:r>
-                      <a:r>
-                        <a:rPr lang="ko-KR" altLang="en-US" dirty="0" err="1"/>
-                        <a:t>사파의</a:t>
-                      </a:r>
-                      <a:r>
-                        <a:rPr lang="ko-KR" altLang="en-US" dirty="0"/>
-                        <a:t> 전쟁이 끝나갈 무렵 갑자기 늘어난 괴물들로 인해서 나라 전체가 쑥대밭이 된 대재앙으로 방랑자는 가족과 친구들을 모두 잃고 괴물에게 복수하기 위해 괴물 사냥꾼이 되어 전국을 떠돌고 있었다</a:t>
-                      </a:r>
-                      <a:r>
-                        <a:rPr lang="en-US" altLang="ko-KR" dirty="0"/>
-                        <a:t>.</a:t>
-                      </a:r>
-                    </a:p>
-                    <a:p>
-                      <a:pPr latinLnBrk="1"/>
-                      <a:endParaRPr lang="en-US" altLang="ko-KR" dirty="0"/>
-                    </a:p>
-                    <a:p>
-                      <a:pPr latinLnBrk="1"/>
-                      <a:r>
-                        <a:rPr lang="ko-KR" altLang="en-US" dirty="0"/>
-                        <a:t>대재앙이 일어나고 약 </a:t>
-                      </a:r>
-                      <a:r>
-                        <a:rPr lang="en-US" altLang="ko-KR" dirty="0"/>
-                        <a:t>1</a:t>
-                      </a:r>
-                      <a:r>
-                        <a:rPr lang="ko-KR" altLang="en-US" dirty="0"/>
-                        <a:t>년이 지났을 무렵</a:t>
-                      </a:r>
-                      <a:r>
-                        <a:rPr lang="en-US" altLang="ko-KR" dirty="0"/>
-                        <a:t>,</a:t>
-                      </a:r>
-                      <a:r>
-                        <a:rPr lang="ko-KR" altLang="en-US" dirty="0"/>
-                        <a:t> 늘어난 괴물들을 처리하기 위해 사람들이 모이기 시작했고</a:t>
-                      </a:r>
-                      <a:r>
-                        <a:rPr lang="en-US" altLang="ko-KR" dirty="0"/>
-                        <a:t>, </a:t>
-                      </a:r>
-                      <a:r>
-                        <a:rPr lang="ko-KR" altLang="en-US" dirty="0"/>
-                        <a:t>얼마 안가 괴물들을 처리하기 위한 토벌단이 창설 되었다</a:t>
-                      </a:r>
-                      <a:r>
-                        <a:rPr lang="en-US" altLang="ko-KR" dirty="0"/>
-                        <a:t>.</a:t>
-                      </a:r>
-                      <a:endParaRPr lang="ko-KR" altLang="en-US" dirty="0"/>
-                    </a:p>
-                  </a:txBody>
-                  <a:tcPr/>
-                </a:tc>
-                <a:extLst>
-                  <a:ext uri="{0D108BD9-81ED-4DB2-BD59-A6C34878D82A}">
-                    <a16:rowId xmlns:a16="http://schemas.microsoft.com/office/drawing/2014/main" val="1282847511"/>
-                  </a:ext>
-                </a:extLst>
-              </a:tr>
-            </a:tbl>
-          </a:graphicData>
-        </a:graphic>
-      </p:graphicFrame>
-      <p:graphicFrame>
-        <p:nvGraphicFramePr>
-          <p:cNvPr id="7" name="표 4">
+          <p:cNvSpPr>
+            <a:spLocks noGrp="1"/>
+          </p:cNvSpPr>
+          <p:nvPr>
+            <p:ph type="title"/>
+          </p:nvPr>
+        </p:nvSpPr>
+        <p:spPr/>
+        <p:txBody>
+          <a:bodyPr/>
+          <a:lstStyle/>
+          <a:p>
+            <a:r>
+              <a:rPr lang="ko-KR" altLang="en-US" dirty="0"/>
+              <a:t>목차</a:t>
+            </a:r>
+          </a:p>
+        </p:txBody>
+      </p:sp>
+      <p:sp>
+        <p:nvSpPr>
+          <p:cNvPr id="3" name="내용 개체 틀 2">
             <a:extLst>
               <a:ext uri="{FF2B5EF4-FFF2-40B4-BE49-F238E27FC236}">
-                <a16:creationId xmlns:a16="http://schemas.microsoft.com/office/drawing/2014/main" id="{5238EBC7-C4B4-4EAF-9E8C-C781CACF2283}"/>
+                <a16:creationId xmlns:a16="http://schemas.microsoft.com/office/drawing/2014/main" id="{01A334FE-78AC-4406-B84E-AA826E1DD5CF}"/>
               </a:ext>
             </a:extLst>
           </p:cNvPr>
-          <p:cNvGraphicFramePr>
-            <a:graphicFrameLocks noGrp="1"/>
-          </p:cNvGraphicFramePr>
-          <p:nvPr>
-            <p:extLst>
-              <p:ext uri="{D42A27DB-BD31-4B8C-83A1-F6EECF244321}">
-                <p14:modId xmlns:p14="http://schemas.microsoft.com/office/powerpoint/2010/main" val="380913807"/>
-              </p:ext>
-            </p:extLst>
-          </p:nvPr>
-        </p:nvGraphicFramePr>
-        <p:xfrm>
-          <a:off x="79131" y="1989627"/>
-          <a:ext cx="12033737" cy="741680"/>
-        </p:xfrm>
-        <a:graphic>
-          <a:graphicData uri="http://schemas.openxmlformats.org/drawingml/2006/table">
-            <a:tbl>
-              <a:tblPr firstRow="1" bandRow="1">
-                <a:tableStyleId>{5C22544A-7EE6-4342-B048-85BDC9FD1C3A}</a:tableStyleId>
-              </a:tblPr>
-              <a:tblGrid>
-                <a:gridCol w="12033737">
-                  <a:extLst>
-                    <a:ext uri="{9D8B030D-6E8A-4147-A177-3AD203B41FA5}">
-                      <a16:colId xmlns:a16="http://schemas.microsoft.com/office/drawing/2014/main" val="3580401190"/>
-                    </a:ext>
-                  </a:extLst>
-                </a:gridCol>
-              </a:tblGrid>
-              <a:tr h="370840">
-                <a:tc>
-                  <a:txBody>
-                    <a:bodyPr/>
-                    <a:lstStyle/>
-                    <a:p>
-                      <a:pPr latinLnBrk="1"/>
-                      <a:r>
-                        <a:rPr lang="ko-KR" altLang="en-US" dirty="0"/>
-                        <a:t>기</a:t>
-                      </a:r>
-                    </a:p>
-                  </a:txBody>
-                  <a:tcPr/>
-                </a:tc>
-                <a:extLst>
-                  <a:ext uri="{0D108BD9-81ED-4DB2-BD59-A6C34878D82A}">
-                    <a16:rowId xmlns:a16="http://schemas.microsoft.com/office/drawing/2014/main" val="369265982"/>
-                  </a:ext>
-                </a:extLst>
-              </a:tr>
-              <a:tr h="370840">
-                <a:tc>
-                  <a:txBody>
-                    <a:bodyPr/>
-                    <a:lstStyle/>
-                    <a:p>
-                      <a:pPr latinLnBrk="1"/>
-                      <a:r>
-                        <a:rPr lang="ko-KR" altLang="en-US" dirty="0"/>
-                        <a:t>방랑자는 괴물들을 토벌하기 위한 토벌단이 창설되었다는 소식을 듣고 토벌단에 들어가기 위한 시험을 치룬다</a:t>
-                      </a:r>
-                      <a:r>
-                        <a:rPr lang="en-US" altLang="ko-KR" dirty="0"/>
-                        <a:t>.</a:t>
-                      </a:r>
-                    </a:p>
-                  </a:txBody>
-                  <a:tcPr/>
-                </a:tc>
-                <a:extLst>
-                  <a:ext uri="{0D108BD9-81ED-4DB2-BD59-A6C34878D82A}">
-                    <a16:rowId xmlns:a16="http://schemas.microsoft.com/office/drawing/2014/main" val="1282847511"/>
-                  </a:ext>
-                </a:extLst>
-              </a:tr>
-            </a:tbl>
-          </a:graphicData>
-        </a:graphic>
-      </p:graphicFrame>
-      <p:graphicFrame>
-        <p:nvGraphicFramePr>
-          <p:cNvPr id="8" name="표 4">
-            <a:extLst>
-              <a:ext uri="{FF2B5EF4-FFF2-40B4-BE49-F238E27FC236}">
-                <a16:creationId xmlns:a16="http://schemas.microsoft.com/office/drawing/2014/main" id="{AFE80FC5-6DE3-44A7-8341-474727A7A7D9}"/>
-              </a:ext>
-            </a:extLst>
-          </p:cNvPr>
-          <p:cNvGraphicFramePr>
-            <a:graphicFrameLocks noGrp="1"/>
-          </p:cNvGraphicFramePr>
-          <p:nvPr>
-            <p:extLst>
-              <p:ext uri="{D42A27DB-BD31-4B8C-83A1-F6EECF244321}">
-                <p14:modId xmlns:p14="http://schemas.microsoft.com/office/powerpoint/2010/main" val="1708664231"/>
-              </p:ext>
-            </p:extLst>
-          </p:nvPr>
-        </p:nvGraphicFramePr>
-        <p:xfrm>
-          <a:off x="79131" y="2822943"/>
-          <a:ext cx="12033737" cy="741680"/>
-        </p:xfrm>
-        <a:graphic>
-          <a:graphicData uri="http://schemas.openxmlformats.org/drawingml/2006/table">
-            <a:tbl>
-              <a:tblPr firstRow="1" bandRow="1">
-                <a:tableStyleId>{5C22544A-7EE6-4342-B048-85BDC9FD1C3A}</a:tableStyleId>
-              </a:tblPr>
-              <a:tblGrid>
-                <a:gridCol w="12033737">
-                  <a:extLst>
-                    <a:ext uri="{9D8B030D-6E8A-4147-A177-3AD203B41FA5}">
-                      <a16:colId xmlns:a16="http://schemas.microsoft.com/office/drawing/2014/main" val="3580401190"/>
-                    </a:ext>
-                  </a:extLst>
-                </a:gridCol>
-              </a:tblGrid>
-              <a:tr h="370840">
-                <a:tc>
-                  <a:txBody>
-                    <a:bodyPr/>
-                    <a:lstStyle/>
-                    <a:p>
-                      <a:pPr latinLnBrk="1"/>
-                      <a:r>
-                        <a:rPr lang="ko-KR" altLang="en-US" dirty="0"/>
-                        <a:t>승</a:t>
-                      </a:r>
-                    </a:p>
-                  </a:txBody>
-                  <a:tcPr/>
-                </a:tc>
-                <a:extLst>
-                  <a:ext uri="{0D108BD9-81ED-4DB2-BD59-A6C34878D82A}">
-                    <a16:rowId xmlns:a16="http://schemas.microsoft.com/office/drawing/2014/main" val="369265982"/>
-                  </a:ext>
-                </a:extLst>
-              </a:tr>
-              <a:tr h="370840">
-                <a:tc>
-                  <a:txBody>
-                    <a:bodyPr/>
-                    <a:lstStyle/>
-                    <a:p>
-                      <a:pPr latinLnBrk="1"/>
-                      <a:r>
-                        <a:rPr lang="ko-KR" altLang="en-US" dirty="0"/>
-                        <a:t>괴물을 사냥하기 위해 토벌단에서 기술을 배우고 강해져서 의뢰를 받아 전국을 떠돌며 괴물들을 토벌한다</a:t>
-                      </a:r>
-                      <a:r>
-                        <a:rPr lang="en-US" altLang="ko-KR" dirty="0"/>
-                        <a:t>.</a:t>
-                      </a:r>
-                    </a:p>
-                  </a:txBody>
-                  <a:tcPr/>
-                </a:tc>
-                <a:extLst>
-                  <a:ext uri="{0D108BD9-81ED-4DB2-BD59-A6C34878D82A}">
-                    <a16:rowId xmlns:a16="http://schemas.microsoft.com/office/drawing/2014/main" val="1282847511"/>
-                  </a:ext>
-                </a:extLst>
-              </a:tr>
-            </a:tbl>
-          </a:graphicData>
-        </a:graphic>
-      </p:graphicFrame>
-      <p:graphicFrame>
-        <p:nvGraphicFramePr>
-          <p:cNvPr id="9" name="표 4">
-            <a:extLst>
-              <a:ext uri="{FF2B5EF4-FFF2-40B4-BE49-F238E27FC236}">
-                <a16:creationId xmlns:a16="http://schemas.microsoft.com/office/drawing/2014/main" id="{258D3001-34F0-485C-B936-EB88B35C30A7}"/>
-              </a:ext>
-            </a:extLst>
-          </p:cNvPr>
-          <p:cNvGraphicFramePr>
-            <a:graphicFrameLocks noGrp="1"/>
-          </p:cNvGraphicFramePr>
-          <p:nvPr>
-            <p:extLst>
-              <p:ext uri="{D42A27DB-BD31-4B8C-83A1-F6EECF244321}">
-                <p14:modId xmlns:p14="http://schemas.microsoft.com/office/powerpoint/2010/main" val="954960726"/>
-              </p:ext>
-            </p:extLst>
-          </p:nvPr>
-        </p:nvGraphicFramePr>
-        <p:xfrm>
-          <a:off x="79131" y="3654918"/>
-          <a:ext cx="12033737" cy="741680"/>
-        </p:xfrm>
-        <a:graphic>
-          <a:graphicData uri="http://schemas.openxmlformats.org/drawingml/2006/table">
-            <a:tbl>
-              <a:tblPr firstRow="1" bandRow="1">
-                <a:tableStyleId>{5C22544A-7EE6-4342-B048-85BDC9FD1C3A}</a:tableStyleId>
-              </a:tblPr>
-              <a:tblGrid>
-                <a:gridCol w="12033737">
-                  <a:extLst>
-                    <a:ext uri="{9D8B030D-6E8A-4147-A177-3AD203B41FA5}">
-                      <a16:colId xmlns:a16="http://schemas.microsoft.com/office/drawing/2014/main" val="3580401190"/>
-                    </a:ext>
-                  </a:extLst>
-                </a:gridCol>
-              </a:tblGrid>
-              <a:tr h="370840">
-                <a:tc>
-                  <a:txBody>
-                    <a:bodyPr/>
-                    <a:lstStyle/>
-                    <a:p>
-                      <a:pPr latinLnBrk="1"/>
-                      <a:r>
-                        <a:rPr lang="ko-KR" altLang="en-US" dirty="0"/>
-                        <a:t>전</a:t>
-                      </a:r>
-                    </a:p>
-                  </a:txBody>
-                  <a:tcPr/>
-                </a:tc>
-                <a:extLst>
-                  <a:ext uri="{0D108BD9-81ED-4DB2-BD59-A6C34878D82A}">
-                    <a16:rowId xmlns:a16="http://schemas.microsoft.com/office/drawing/2014/main" val="369265982"/>
-                  </a:ext>
-                </a:extLst>
-              </a:tr>
-              <a:tr h="370840">
-                <a:tc>
-                  <a:txBody>
-                    <a:bodyPr/>
-                    <a:lstStyle/>
-                    <a:p>
-                      <a:pPr latinLnBrk="1"/>
-                      <a:r>
-                        <a:rPr lang="ko-KR" altLang="en-US" dirty="0"/>
-                        <a:t>전국을 떠돌며 괴물을 토벌하던 중 재앙을 일으킨 원흉에 대한 정보 얻고 원흉을 제거하기 위해 움직인다</a:t>
-                      </a:r>
-                      <a:r>
-                        <a:rPr lang="en-US" altLang="ko-KR" dirty="0"/>
-                        <a:t>.</a:t>
-                      </a:r>
-                    </a:p>
-                  </a:txBody>
-                  <a:tcPr/>
-                </a:tc>
-                <a:extLst>
-                  <a:ext uri="{0D108BD9-81ED-4DB2-BD59-A6C34878D82A}">
-                    <a16:rowId xmlns:a16="http://schemas.microsoft.com/office/drawing/2014/main" val="1282847511"/>
-                  </a:ext>
-                </a:extLst>
-              </a:tr>
-            </a:tbl>
-          </a:graphicData>
-        </a:graphic>
-      </p:graphicFrame>
-      <p:graphicFrame>
-        <p:nvGraphicFramePr>
-          <p:cNvPr id="10" name="표 4">
-            <a:extLst>
-              <a:ext uri="{FF2B5EF4-FFF2-40B4-BE49-F238E27FC236}">
-                <a16:creationId xmlns:a16="http://schemas.microsoft.com/office/drawing/2014/main" id="{F0833200-7B18-43D3-B45A-F958D51777F3}"/>
-              </a:ext>
-            </a:extLst>
-          </p:cNvPr>
-          <p:cNvGraphicFramePr>
-            <a:graphicFrameLocks noGrp="1"/>
-          </p:cNvGraphicFramePr>
-          <p:nvPr>
-            <p:extLst>
-              <p:ext uri="{D42A27DB-BD31-4B8C-83A1-F6EECF244321}">
-                <p14:modId xmlns:p14="http://schemas.microsoft.com/office/powerpoint/2010/main" val="3350850340"/>
-              </p:ext>
-            </p:extLst>
-          </p:nvPr>
-        </p:nvGraphicFramePr>
-        <p:xfrm>
-          <a:off x="79131" y="4486893"/>
-          <a:ext cx="12033737" cy="741680"/>
-        </p:xfrm>
-        <a:graphic>
-          <a:graphicData uri="http://schemas.openxmlformats.org/drawingml/2006/table">
-            <a:tbl>
-              <a:tblPr firstRow="1" bandRow="1">
-                <a:tableStyleId>{5C22544A-7EE6-4342-B048-85BDC9FD1C3A}</a:tableStyleId>
-              </a:tblPr>
-              <a:tblGrid>
-                <a:gridCol w="12033737">
-                  <a:extLst>
-                    <a:ext uri="{9D8B030D-6E8A-4147-A177-3AD203B41FA5}">
-                      <a16:colId xmlns:a16="http://schemas.microsoft.com/office/drawing/2014/main" val="3580401190"/>
-                    </a:ext>
-                  </a:extLst>
-                </a:gridCol>
-              </a:tblGrid>
-              <a:tr h="370840">
-                <a:tc>
-                  <a:txBody>
-                    <a:bodyPr/>
-                    <a:lstStyle/>
-                    <a:p>
-                      <a:pPr latinLnBrk="1"/>
-                      <a:r>
-                        <a:rPr lang="ko-KR" altLang="en-US" dirty="0"/>
-                        <a:t>결</a:t>
-                      </a:r>
-                    </a:p>
-                  </a:txBody>
-                  <a:tcPr/>
-                </a:tc>
-                <a:extLst>
-                  <a:ext uri="{0D108BD9-81ED-4DB2-BD59-A6C34878D82A}">
-                    <a16:rowId xmlns:a16="http://schemas.microsoft.com/office/drawing/2014/main" val="369265982"/>
-                  </a:ext>
-                </a:extLst>
-              </a:tr>
-              <a:tr h="370840">
-                <a:tc>
-                  <a:txBody>
-                    <a:bodyPr/>
-                    <a:lstStyle/>
-                    <a:p>
-                      <a:pPr latinLnBrk="1"/>
-                      <a:r>
-                        <a:rPr lang="ko-KR" altLang="en-US" dirty="0"/>
-                        <a:t>결국 원흉을 찾아 제거 하고 세상에 평화를 찾는다</a:t>
-                      </a:r>
-                      <a:r>
-                        <a:rPr lang="en-US" altLang="ko-KR" dirty="0"/>
-                        <a:t>.</a:t>
-                      </a:r>
-                    </a:p>
-                  </a:txBody>
-                  <a:tcPr/>
-                </a:tc>
-                <a:extLst>
-                  <a:ext uri="{0D108BD9-81ED-4DB2-BD59-A6C34878D82A}">
-                    <a16:rowId xmlns:a16="http://schemas.microsoft.com/office/drawing/2014/main" val="1282847511"/>
-                  </a:ext>
-                </a:extLst>
-              </a:tr>
-            </a:tbl>
-          </a:graphicData>
-        </a:graphic>
-      </p:graphicFrame>
-      <p:graphicFrame>
-        <p:nvGraphicFramePr>
-          <p:cNvPr id="11" name="표 4">
-            <a:extLst>
-              <a:ext uri="{FF2B5EF4-FFF2-40B4-BE49-F238E27FC236}">
-                <a16:creationId xmlns:a16="http://schemas.microsoft.com/office/drawing/2014/main" id="{A43A40FC-1909-41E4-B418-72B1399C5927}"/>
-              </a:ext>
-            </a:extLst>
-          </p:cNvPr>
-          <p:cNvGraphicFramePr>
-            <a:graphicFrameLocks noGrp="1"/>
-          </p:cNvGraphicFramePr>
-          <p:nvPr>
-            <p:extLst>
-              <p:ext uri="{D42A27DB-BD31-4B8C-83A1-F6EECF244321}">
-                <p14:modId xmlns:p14="http://schemas.microsoft.com/office/powerpoint/2010/main" val="310836518"/>
-              </p:ext>
-            </p:extLst>
-          </p:nvPr>
-        </p:nvGraphicFramePr>
-        <p:xfrm>
-          <a:off x="79131" y="5312892"/>
-          <a:ext cx="12033737" cy="741680"/>
-        </p:xfrm>
-        <a:graphic>
-          <a:graphicData uri="http://schemas.openxmlformats.org/drawingml/2006/table">
-            <a:tbl>
-              <a:tblPr firstRow="1" bandRow="1">
-                <a:tableStyleId>{5C22544A-7EE6-4342-B048-85BDC9FD1C3A}</a:tableStyleId>
-              </a:tblPr>
-              <a:tblGrid>
-                <a:gridCol w="12033737">
-                  <a:extLst>
-                    <a:ext uri="{9D8B030D-6E8A-4147-A177-3AD203B41FA5}">
-                      <a16:colId xmlns:a16="http://schemas.microsoft.com/office/drawing/2014/main" val="3580401190"/>
-                    </a:ext>
-                  </a:extLst>
-                </a:gridCol>
-              </a:tblGrid>
-              <a:tr h="370840">
-                <a:tc>
-                  <a:txBody>
-                    <a:bodyPr/>
-                    <a:lstStyle/>
-                    <a:p>
-                      <a:pPr latinLnBrk="1"/>
-                      <a:r>
-                        <a:rPr lang="ko-KR" altLang="en-US" dirty="0"/>
-                        <a:t>에필로그</a:t>
-                      </a:r>
-                    </a:p>
-                  </a:txBody>
-                  <a:tcPr/>
-                </a:tc>
-                <a:extLst>
-                  <a:ext uri="{0D108BD9-81ED-4DB2-BD59-A6C34878D82A}">
-                    <a16:rowId xmlns:a16="http://schemas.microsoft.com/office/drawing/2014/main" val="369265982"/>
-                  </a:ext>
-                </a:extLst>
-              </a:tr>
-              <a:tr h="370840">
-                <a:tc>
-                  <a:txBody>
-                    <a:bodyPr/>
-                    <a:lstStyle/>
-                    <a:p>
-                      <a:pPr latinLnBrk="1"/>
-                      <a:r>
-                        <a:rPr lang="ko-KR" altLang="en-US" dirty="0"/>
-                        <a:t>평화로워진 세상에서 방랑자는 더 이상 방랑하지 않고 정착하여 살아간다</a:t>
-                      </a:r>
-                      <a:r>
-                        <a:rPr lang="en-US" altLang="ko-KR" dirty="0"/>
-                        <a:t>.</a:t>
-                      </a:r>
-                    </a:p>
-                  </a:txBody>
-                  <a:tcPr/>
-                </a:tc>
-                <a:extLst>
-                  <a:ext uri="{0D108BD9-81ED-4DB2-BD59-A6C34878D82A}">
-                    <a16:rowId xmlns:a16="http://schemas.microsoft.com/office/drawing/2014/main" val="1282847511"/>
-                  </a:ext>
-                </a:extLst>
-              </a:tr>
-            </a:tbl>
-          </a:graphicData>
-        </a:graphic>
-      </p:graphicFrame>
+          <p:cNvSpPr>
+            <a:spLocks noGrp="1"/>
+          </p:cNvSpPr>
+          <p:nvPr>
+            <p:ph idx="1"/>
+          </p:nvPr>
+        </p:nvSpPr>
+        <p:spPr/>
+        <p:txBody>
+          <a:bodyPr/>
+          <a:lstStyle/>
+          <a:p>
+            <a:endParaRPr lang="ko-KR" altLang="en-US"/>
+          </a:p>
+        </p:txBody>
+      </p:sp>
     </p:spTree>
     <p:extLst>
       <p:ext uri="{BB962C8B-B14F-4D97-AF65-F5344CB8AC3E}">
-        <p14:creationId xmlns:p14="http://schemas.microsoft.com/office/powerpoint/2010/main" val="3984238189"/>
+        <p14:creationId xmlns:p14="http://schemas.microsoft.com/office/powerpoint/2010/main" val="156025747"/>
       </p:ext>
     </p:extLst>
   </p:cSld>
@@ -4492,12 +3966,40 @@
           <a:chExt cx="0" cy="0"/>
         </a:xfrm>
       </p:grpSpPr>
+      <p:sp>
+        <p:nvSpPr>
+          <p:cNvPr id="2" name="제목 1">
+            <a:extLst>
+              <a:ext uri="{FF2B5EF4-FFF2-40B4-BE49-F238E27FC236}">
+                <a16:creationId xmlns:a16="http://schemas.microsoft.com/office/drawing/2014/main" id="{EF45275D-06B8-446C-83CA-72711F44A858}"/>
+              </a:ext>
+            </a:extLst>
+          </p:cNvPr>
+          <p:cNvSpPr>
+            <a:spLocks noGrp="1"/>
+          </p:cNvSpPr>
+          <p:nvPr>
+            <p:ph type="title"/>
+          </p:nvPr>
+        </p:nvSpPr>
+        <p:spPr/>
+        <p:txBody>
+          <a:bodyPr/>
+          <a:lstStyle/>
+          <a:p>
+            <a:r>
+              <a:rPr lang="ko-KR" altLang="en-US" dirty="0"/>
+              <a:t>개요</a:t>
+            </a:r>
+          </a:p>
+        </p:txBody>
+      </p:sp>
       <p:graphicFrame>
         <p:nvGraphicFramePr>
-          <p:cNvPr id="4" name="표 4">
+          <p:cNvPr id="6" name="내용 개체 틀 5">
             <a:extLst>
               <a:ext uri="{FF2B5EF4-FFF2-40B4-BE49-F238E27FC236}">
-                <a16:creationId xmlns:a16="http://schemas.microsoft.com/office/drawing/2014/main" id="{9574166C-2FF5-449C-A3F9-05471B91C80D}"/>
+                <a16:creationId xmlns:a16="http://schemas.microsoft.com/office/drawing/2014/main" id="{9A1AAAF8-6CFC-415C-B3C1-0B31C113F8CF}"/>
               </a:ext>
             </a:extLst>
           </p:cNvPr>
@@ -4505,16 +4007,17 @@
             <a:graphicFrameLocks noGrp="1"/>
           </p:cNvGraphicFramePr>
           <p:nvPr>
+            <p:ph idx="1"/>
             <p:extLst>
               <p:ext uri="{D42A27DB-BD31-4B8C-83A1-F6EECF244321}">
-                <p14:modId xmlns:p14="http://schemas.microsoft.com/office/powerpoint/2010/main" val="1772775403"/>
+                <p14:modId xmlns:p14="http://schemas.microsoft.com/office/powerpoint/2010/main" val="3625784288"/>
               </p:ext>
             </p:extLst>
           </p:nvPr>
         </p:nvGraphicFramePr>
         <p:xfrm>
-          <a:off x="64478" y="64111"/>
-          <a:ext cx="12033737" cy="4754880"/>
+          <a:off x="931617" y="1755286"/>
+          <a:ext cx="10328765" cy="2122172"/>
         </p:xfrm>
         <a:graphic>
           <a:graphicData uri="http://schemas.openxmlformats.org/drawingml/2006/table">
@@ -4523,15 +4026,15 @@
                 <a:tableStyleId>{5C22544A-7EE6-4342-B048-85BDC9FD1C3A}</a:tableStyleId>
               </a:tblPr>
               <a:tblGrid>
-                <a:gridCol w="12033737">
+                <a:gridCol w="10328765">
                   <a:extLst>
                     <a:ext uri="{9D8B030D-6E8A-4147-A177-3AD203B41FA5}">
-                      <a16:colId xmlns:a16="http://schemas.microsoft.com/office/drawing/2014/main" val="3580401190"/>
+                      <a16:colId xmlns:a16="http://schemas.microsoft.com/office/drawing/2014/main" val="2167911011"/>
                     </a:ext>
                   </a:extLst>
                 </a:gridCol>
               </a:tblGrid>
-              <a:tr h="0">
+              <a:tr h="384812">
                 <a:tc>
                   <a:txBody>
                     <a:bodyPr/>
@@ -4539,441 +4042,248 @@
                     <a:p>
                       <a:pPr latinLnBrk="1"/>
                       <a:r>
-                        <a:rPr lang="ko-KR" altLang="en-US" sz="1200" dirty="0"/>
-                        <a:t>시놉시스</a:t>
-                      </a:r>
+                        <a:rPr lang="ko-KR" altLang="en-US" dirty="0"/>
+                        <a:t>메인 퀘스트 기획서란</a:t>
+                      </a:r>
+                      <a:r>
+                        <a:rPr lang="en-US" altLang="ko-KR" dirty="0"/>
+                        <a:t>?</a:t>
+                      </a:r>
+                      <a:endParaRPr lang="ko-KR" altLang="en-US" dirty="0"/>
                     </a:p>
                   </a:txBody>
                   <a:tcPr/>
                 </a:tc>
                 <a:extLst>
                   <a:ext uri="{0D108BD9-81ED-4DB2-BD59-A6C34878D82A}">
-                    <a16:rowId xmlns:a16="http://schemas.microsoft.com/office/drawing/2014/main" val="369265982"/>
+                    <a16:rowId xmlns:a16="http://schemas.microsoft.com/office/drawing/2014/main" val="2878811495"/>
                   </a:ext>
                 </a:extLst>
               </a:tr>
-              <a:tr h="370840">
+              <a:tr h="1518164">
                 <a:tc>
                   <a:txBody>
                     <a:bodyPr/>
                     <a:lstStyle/>
                     <a:p>
-                      <a:pPr latinLnBrk="1"/>
-                      <a:r>
-                        <a:rPr lang="ko-KR" altLang="en-US" sz="1200" dirty="0"/>
-                        <a:t>달기라고 불리는 여우 요괴가 있었다</a:t>
-                      </a:r>
-                      <a:r>
-                        <a:rPr lang="en-US" altLang="ko-KR" sz="1200" dirty="0"/>
-                        <a:t>. </a:t>
-                      </a:r>
-                      <a:r>
-                        <a:rPr lang="ko-KR" altLang="en-US" sz="1200" dirty="0"/>
-                        <a:t>기운을 흡수하는 능력이 있는 여우 요괴는</a:t>
-                      </a:r>
-                      <a:r>
-                        <a:rPr lang="en-US" altLang="ko-KR" sz="1200" dirty="0"/>
-                        <a:t> </a:t>
-                      </a:r>
-                      <a:r>
-                        <a:rPr lang="ko-KR" altLang="en-US" sz="1200" dirty="0"/>
-                        <a:t>인간 사회에서 비싸게 거래 되었기에 달기는 인간들의 눈을 피해 숨어 가족들과 평화롭고 행복하게 살고 있었다</a:t>
-                      </a:r>
-                      <a:r>
-                        <a:rPr lang="en-US" altLang="ko-KR" sz="1200" dirty="0"/>
-                        <a:t>. </a:t>
-                      </a:r>
-                      <a:r>
-                        <a:rPr lang="ko-KR" altLang="en-US" sz="1200" dirty="0"/>
-                        <a:t>하지만 행복은 오래 가지 않았다</a:t>
-                      </a:r>
-                      <a:r>
-                        <a:rPr lang="en-US" altLang="ko-KR" sz="1200" dirty="0"/>
-                        <a:t>. </a:t>
-                      </a:r>
-                      <a:r>
-                        <a:rPr lang="ko-KR" altLang="en-US" sz="1200" dirty="0"/>
-                        <a:t>탐욕에 물든 인간들로 인해 달기는 가족을 잃고 온몸에 상처를 입은 상태로 도망치다 우연히 동굴에 떨어지게 되었다</a:t>
-                      </a:r>
-                      <a:r>
-                        <a:rPr lang="en-US" altLang="ko-KR" sz="1200" dirty="0"/>
-                        <a:t>. </a:t>
-                      </a:r>
-                      <a:r>
-                        <a:rPr lang="ko-KR" altLang="en-US" sz="1200" dirty="0"/>
-                        <a:t>수 많은 지맥들이 지나가는 곳에 생긴 동굴은 </a:t>
-                      </a:r>
-                      <a:r>
-                        <a:rPr lang="en-US" altLang="ko-KR" sz="1200" dirty="0"/>
-                        <a:t>‘</a:t>
-                      </a:r>
-                      <a:r>
-                        <a:rPr lang="ko-KR" altLang="en-US" sz="1200" dirty="0"/>
-                        <a:t>지맥의 기운</a:t>
-                      </a:r>
-                      <a:r>
-                        <a:rPr lang="en-US" altLang="ko-KR" sz="1200" dirty="0"/>
-                        <a:t>’</a:t>
-                      </a:r>
-                      <a:r>
-                        <a:rPr lang="ko-KR" altLang="en-US" sz="1200" dirty="0"/>
-                        <a:t>으로 가득하였고 지맥에 노출된 달기는 자신도 모르게 </a:t>
-                      </a:r>
-                      <a:r>
-                        <a:rPr lang="en-US" altLang="ko-KR" sz="1200" dirty="0"/>
-                        <a:t>‘</a:t>
-                      </a:r>
-                      <a:r>
-                        <a:rPr lang="ko-KR" altLang="en-US" sz="1200" dirty="0"/>
-                        <a:t>지맥의 기운</a:t>
-                      </a:r>
-                      <a:r>
-                        <a:rPr lang="en-US" altLang="ko-KR" sz="1200" dirty="0"/>
-                        <a:t>’</a:t>
-                      </a:r>
-                      <a:r>
-                        <a:rPr lang="ko-KR" altLang="en-US" sz="1200" dirty="0"/>
-                        <a:t>을 흡수했다</a:t>
-                      </a:r>
-                      <a:r>
-                        <a:rPr lang="en-US" altLang="ko-KR" sz="1200" dirty="0"/>
-                        <a:t>. </a:t>
-                      </a:r>
-                      <a:r>
-                        <a:rPr lang="ko-KR" altLang="en-US" sz="1200" dirty="0"/>
-                        <a:t>흡수한 방대한 기운으로 인하여 달기의 몸은 회복되었고 동시에 지맥을 다룰 수 있게 되었다</a:t>
-                      </a:r>
-                      <a:r>
-                        <a:rPr lang="en-US" altLang="ko-KR" sz="1200" dirty="0"/>
-                        <a:t>. </a:t>
-                      </a:r>
-                    </a:p>
-                    <a:p>
-                      <a:pPr latinLnBrk="1"/>
-                      <a:r>
-                        <a:rPr lang="ko-KR" altLang="en-US" sz="1200" dirty="0"/>
-                        <a:t>과도하게 흡수한 지맥의 기운은 달기에 몸속에서 날뛰었고 달기는 기운으로 인하여 감정이 폭주하여 가족의 복수를 위해 인간들을 모두 없애기 위해 움직였다</a:t>
-                      </a:r>
-                      <a:r>
-                        <a:rPr lang="en-US" altLang="ko-KR" sz="1200" dirty="0"/>
+                      <a:pPr marL="0" marR="0" lvl="0" indent="0" algn="l" defTabSz="914400" rtl="0" eaLnBrk="1" fontAlgn="auto" latinLnBrk="1" hangingPunct="1">
+                        <a:lnSpc>
+                          <a:spcPct val="100000"/>
+                        </a:lnSpc>
+                        <a:spcBef>
+                          <a:spcPts val="0"/>
+                        </a:spcBef>
+                        <a:spcAft>
+                          <a:spcPts val="0"/>
+                        </a:spcAft>
+                        <a:buClrTx/>
+                        <a:buSzTx/>
+                        <a:buFontTx/>
+                        <a:buNone/>
+                        <a:tabLst/>
+                        <a:defRPr/>
+                      </a:pPr>
+                      <a:r>
+                        <a:rPr lang="ko-KR" altLang="ko-KR" sz="1800">
+                          <a:solidFill>
+                            <a:schemeClr val="tx1"/>
+                          </a:solidFill>
+                          <a:latin typeface="맑은 고딕" charset="0"/>
+                          <a:ea typeface="맑은 고딕" charset="0"/>
+                          <a:cs typeface="Times New Roman" charset="0"/>
+                        </a:rPr>
+                        <a:t>기획되는 게임</a:t>
+                      </a:r>
+                      <a:r>
+                        <a:rPr lang="ko-KR" altLang="en-US" sz="1800">
+                          <a:solidFill>
+                            <a:schemeClr val="tx1"/>
+                          </a:solidFill>
+                          <a:latin typeface="맑은 고딕" charset="0"/>
+                          <a:ea typeface="맑은 고딕" charset="0"/>
+                          <a:cs typeface="Times New Roman" charset="0"/>
+                        </a:rPr>
+                        <a:t>에 모든 퀘스트의 기본이 </a:t>
+                      </a:r>
+                      <a:r>
+                        <a:rPr lang="ko-KR" altLang="ko-KR" sz="1800">
+                          <a:solidFill>
+                            <a:schemeClr val="tx1"/>
+                          </a:solidFill>
+                          <a:latin typeface="맑은 고딕" charset="0"/>
+                          <a:ea typeface="맑은 고딕" charset="0"/>
+                          <a:cs typeface="Times New Roman" charset="0"/>
+                        </a:rPr>
+                        <a:t>되는 </a:t>
+                      </a:r>
+                      <a:r>
+                        <a:rPr lang="ko-KR" altLang="ko-KR" sz="1800" dirty="0">
+                          <a:solidFill>
+                            <a:schemeClr val="tx1"/>
+                          </a:solidFill>
+                          <a:latin typeface="맑은 고딕" charset="0"/>
+                          <a:ea typeface="맑은 고딕" charset="0"/>
+                          <a:cs typeface="Times New Roman" charset="0"/>
+                        </a:rPr>
+                        <a:t>기획서로 기획 내에 모든 요소가 정리 되어 있는 문서이다.</a:t>
+                      </a:r>
+                      <a:endParaRPr lang="en-US" altLang="ko-KR" sz="1800" dirty="0">
+                        <a:solidFill>
+                          <a:schemeClr val="tx1"/>
+                        </a:solidFill>
+                        <a:latin typeface="맑은 고딕" charset="0"/>
+                        <a:ea typeface="맑은 고딕" charset="0"/>
+                        <a:cs typeface="Times New Roman" charset="0"/>
+                      </a:endParaRPr>
+                    </a:p>
+                    <a:p>
+                      <a:pPr marL="0" marR="0" lvl="0" indent="0" algn="l" defTabSz="914400" rtl="0" eaLnBrk="1" fontAlgn="auto" latinLnBrk="1" hangingPunct="1">
+                        <a:lnSpc>
+                          <a:spcPct val="100000"/>
+                        </a:lnSpc>
+                        <a:spcBef>
+                          <a:spcPts val="0"/>
+                        </a:spcBef>
+                        <a:spcAft>
+                          <a:spcPts val="0"/>
+                        </a:spcAft>
+                        <a:buClrTx/>
+                        <a:buSzTx/>
+                        <a:buFontTx/>
+                        <a:buNone/>
+                        <a:tabLst/>
+                        <a:defRPr/>
+                      </a:pPr>
+                      <a:endParaRPr lang="en-US" altLang="ko-KR" sz="1800" dirty="0">
+                        <a:solidFill>
+                          <a:schemeClr val="tx1"/>
+                        </a:solidFill>
+                        <a:latin typeface="맑은 고딕" charset="0"/>
+                        <a:ea typeface="맑은 고딕" charset="0"/>
+                        <a:cs typeface="Times New Roman" charset="0"/>
+                      </a:endParaRPr>
+                    </a:p>
+                    <a:p>
+                      <a:pPr marL="0" marR="0" lvl="0" indent="0" algn="l" defTabSz="914400" rtl="0" eaLnBrk="1" fontAlgn="auto" latinLnBrk="1" hangingPunct="1">
+                        <a:lnSpc>
+                          <a:spcPct val="100000"/>
+                        </a:lnSpc>
+                        <a:spcBef>
+                          <a:spcPts val="0"/>
+                        </a:spcBef>
+                        <a:spcAft>
+                          <a:spcPts val="0"/>
+                        </a:spcAft>
+                        <a:buClrTx/>
+                        <a:buSzTx/>
+                        <a:buFontTx/>
+                        <a:buNone/>
+                        <a:tabLst/>
+                        <a:defRPr/>
+                      </a:pPr>
+                      <a:r>
+                        <a:rPr lang="ko-KR" altLang="ko-KR" sz="1800" dirty="0">
+                          <a:solidFill>
+                            <a:schemeClr val="tx1"/>
+                          </a:solidFill>
+                          <a:latin typeface="맑은 고딕" charset="0"/>
+                          <a:ea typeface="맑은 고딕" charset="0"/>
+                          <a:cs typeface="Times New Roman" charset="0"/>
+                        </a:rPr>
+                        <a:t>해당 문서는 게임 </a:t>
+                      </a:r>
+                      <a:r>
+                        <a:rPr lang="ko-KR" altLang="ko-KR" sz="1800" dirty="0" err="1">
+                          <a:solidFill>
+                            <a:schemeClr val="tx1"/>
+                          </a:solidFill>
+                          <a:latin typeface="맑은 고딕" charset="0"/>
+                          <a:ea typeface="맑은 고딕" charset="0"/>
+                          <a:cs typeface="Times New Roman" charset="0"/>
+                        </a:rPr>
+                        <a:t>방랑엽사전의</a:t>
+                      </a:r>
+                      <a:r>
+                        <a:rPr lang="ko-KR" altLang="ko-KR" sz="1800" dirty="0">
+                          <a:solidFill>
+                            <a:schemeClr val="tx1"/>
+                          </a:solidFill>
+                          <a:latin typeface="맑은 고딕" charset="0"/>
+                          <a:ea typeface="맑은 고딕" charset="0"/>
+                          <a:cs typeface="Times New Roman" charset="0"/>
+                        </a:rPr>
+                        <a:t> 메인 기획서로 </a:t>
+                      </a:r>
+                      <a:r>
+                        <a:rPr lang="ko-KR" altLang="en-US" sz="1800" dirty="0">
+                          <a:solidFill>
+                            <a:schemeClr val="tx1"/>
+                          </a:solidFill>
+                          <a:latin typeface="맑은 고딕" charset="0"/>
+                          <a:ea typeface="맑은 고딕" charset="0"/>
+                          <a:cs typeface="Times New Roman" charset="0"/>
+                        </a:rPr>
+                        <a:t>게임을 만들기 위하여</a:t>
+                      </a:r>
+                      <a:r>
+                        <a:rPr lang="ko-KR" altLang="ko-KR" sz="1800" dirty="0">
+                          <a:solidFill>
+                            <a:schemeClr val="tx1"/>
+                          </a:solidFill>
+                          <a:latin typeface="맑은 고딕" charset="0"/>
+                          <a:ea typeface="맑은 고딕" charset="0"/>
+                          <a:cs typeface="Times New Roman" charset="0"/>
+                        </a:rPr>
+                        <a:t> 작성되는 방향성, 세계관, 시스템 등의 기준을 정하여 </a:t>
+                      </a:r>
+                      <a:r>
+                        <a:rPr lang="ko-KR" altLang="en-US" sz="1800" dirty="0">
+                          <a:solidFill>
+                            <a:schemeClr val="tx1"/>
+                          </a:solidFill>
+                          <a:latin typeface="맑은 고딕" charset="0"/>
+                          <a:ea typeface="맑은 고딕" charset="0"/>
+                          <a:cs typeface="Times New Roman" charset="0"/>
+                        </a:rPr>
+                        <a:t>개발하려는 게임의 방향성이</a:t>
+                      </a:r>
+                      <a:r>
+                        <a:rPr lang="ko-KR" altLang="ko-KR" sz="1800" dirty="0">
+                          <a:solidFill>
+                            <a:schemeClr val="tx1"/>
+                          </a:solidFill>
+                          <a:latin typeface="맑은 고딕" charset="0"/>
+                          <a:ea typeface="맑은 고딕" charset="0"/>
+                          <a:cs typeface="Times New Roman" charset="0"/>
+                        </a:rPr>
+                        <a:t> 기준을 벗어나는 것을 막고 기획의 내용을 정확히 하기 위해 작성 되었다</a:t>
+                      </a:r>
+                      <a:r>
+                        <a:rPr lang="ko-KR" altLang="ko-KR" sz="1800" dirty="0">
+                          <a:solidFill>
+                            <a:schemeClr val="bg1"/>
+                          </a:solidFill>
+                          <a:latin typeface="맑은 고딕" charset="0"/>
+                          <a:ea typeface="맑은 고딕" charset="0"/>
+                          <a:cs typeface="Times New Roman" charset="0"/>
+                        </a:rPr>
                         <a:t>.</a:t>
                       </a:r>
-                    </a:p>
-                    <a:p>
-                      <a:pPr latinLnBrk="1"/>
-                      <a:endParaRPr lang="en-US" altLang="ko-KR" sz="1200" dirty="0"/>
-                    </a:p>
-                    <a:p>
-                      <a:pPr latinLnBrk="1"/>
-                      <a:r>
-                        <a:rPr lang="en-US" altLang="ko-KR" sz="1200" dirty="0"/>
-                        <a:t>‘</a:t>
-                      </a:r>
-                      <a:r>
-                        <a:rPr lang="ko-KR" altLang="en-US" sz="1200" dirty="0"/>
-                        <a:t>제국</a:t>
-                      </a:r>
-                      <a:r>
-                        <a:rPr lang="en-US" altLang="ko-KR" sz="1200" dirty="0"/>
-                        <a:t>’ </a:t>
-                      </a:r>
-                      <a:r>
-                        <a:rPr lang="ko-KR" altLang="en-US" sz="1200" dirty="0"/>
-                        <a:t>대륙에서 가장 강대하며 가장 큰 영토를 가지고 있으며 대륙의 중심에 있는 나라로 인간 사회에 중심이라 불리고 있었고 달기는 그 점을 노려 </a:t>
-                      </a:r>
-                      <a:r>
-                        <a:rPr lang="en-US" altLang="ko-KR" sz="1200" dirty="0"/>
-                        <a:t>‘</a:t>
-                      </a:r>
-                      <a:r>
-                        <a:rPr lang="ko-KR" altLang="en-US" sz="1200" dirty="0"/>
-                        <a:t>제국</a:t>
-                      </a:r>
-                      <a:r>
-                        <a:rPr lang="en-US" altLang="ko-KR" sz="1200" dirty="0"/>
-                        <a:t>’</a:t>
-                      </a:r>
-                      <a:r>
-                        <a:rPr lang="ko-KR" altLang="en-US" sz="1200" dirty="0"/>
-                        <a:t>을 자신의 손에 넣기로 하였다</a:t>
-                      </a:r>
-                      <a:r>
-                        <a:rPr lang="en-US" altLang="ko-KR" sz="1200" dirty="0"/>
-                        <a:t>. </a:t>
-                      </a:r>
-                      <a:r>
-                        <a:rPr lang="ko-KR" altLang="en-US" sz="1200" dirty="0"/>
-                        <a:t>얼마 지나지 않아 제국의 황제 총애를 받게 된 달기를 서서히 </a:t>
-                      </a:r>
-                      <a:r>
-                        <a:rPr lang="en-US" altLang="ko-KR" sz="1200" dirty="0"/>
-                        <a:t>‘</a:t>
-                      </a:r>
-                      <a:r>
-                        <a:rPr lang="ko-KR" altLang="en-US" sz="1200" dirty="0"/>
-                        <a:t>제국</a:t>
-                      </a:r>
-                      <a:r>
-                        <a:rPr lang="en-US" altLang="ko-KR" sz="1200" dirty="0"/>
-                        <a:t>’</a:t>
-                      </a:r>
-                      <a:r>
-                        <a:rPr lang="ko-KR" altLang="en-US" sz="1200" dirty="0"/>
-                        <a:t>을 집어 삼켰다</a:t>
-                      </a:r>
-                      <a:r>
-                        <a:rPr lang="en-US" altLang="ko-KR" sz="1200" dirty="0"/>
-                        <a:t>. </a:t>
-                      </a:r>
-                    </a:p>
-                    <a:p>
-                      <a:pPr latinLnBrk="1"/>
-                      <a:endParaRPr lang="en-US" altLang="ko-KR" sz="1200" dirty="0"/>
-                    </a:p>
-                    <a:p>
-                      <a:pPr latinLnBrk="1"/>
-                      <a:r>
-                        <a:rPr lang="ko-KR" altLang="en-US" sz="1200" dirty="0"/>
-                        <a:t>본래 </a:t>
-                      </a:r>
-                      <a:r>
-                        <a:rPr lang="en-US" altLang="ko-KR" sz="1200" dirty="0"/>
-                        <a:t>‘</a:t>
-                      </a:r>
-                      <a:r>
-                        <a:rPr lang="ko-KR" altLang="en-US" sz="1200" dirty="0"/>
-                        <a:t>무림</a:t>
-                      </a:r>
-                      <a:r>
-                        <a:rPr lang="en-US" altLang="ko-KR" sz="1200" dirty="0"/>
-                        <a:t>’</a:t>
-                      </a:r>
-                      <a:r>
-                        <a:rPr lang="ko-KR" altLang="en-US" sz="1200" dirty="0"/>
-                        <a:t>에 속한 자들은 무림에 속하지 않은 </a:t>
-                      </a:r>
-                      <a:r>
-                        <a:rPr lang="en-US" altLang="ko-KR" sz="1200" dirty="0"/>
-                        <a:t>‘</a:t>
-                      </a:r>
-                      <a:r>
-                        <a:rPr lang="ko-KR" altLang="en-US" sz="1200" dirty="0"/>
-                        <a:t>속세</a:t>
-                      </a:r>
-                      <a:r>
-                        <a:rPr lang="en-US" altLang="ko-KR" sz="1200" dirty="0"/>
-                        <a:t>’</a:t>
-                      </a:r>
-                      <a:r>
-                        <a:rPr lang="ko-KR" altLang="en-US" sz="1200" dirty="0"/>
-                        <a:t>에 인간들과 서로 간섭하지 않으며 일종의 중립의 입장을 지키고 있었다</a:t>
-                      </a:r>
-                      <a:r>
-                        <a:rPr lang="en-US" altLang="ko-KR" sz="1200" dirty="0"/>
-                        <a:t>. </a:t>
-                      </a:r>
-                    </a:p>
-                    <a:p>
-                      <a:pPr latinLnBrk="1"/>
-                      <a:r>
-                        <a:rPr lang="ko-KR" altLang="en-US" sz="1200" dirty="0"/>
-                        <a:t>그렇기에 </a:t>
-                      </a:r>
-                      <a:r>
-                        <a:rPr lang="en-US" altLang="ko-KR" sz="1200" dirty="0"/>
-                        <a:t>‘</a:t>
-                      </a:r>
-                      <a:r>
-                        <a:rPr lang="ko-KR" altLang="en-US" sz="1200" dirty="0"/>
-                        <a:t>제국</a:t>
-                      </a:r>
-                      <a:r>
-                        <a:rPr lang="en-US" altLang="ko-KR" sz="1200" dirty="0"/>
-                        <a:t>’</a:t>
-                      </a:r>
-                      <a:r>
-                        <a:rPr lang="ko-KR" altLang="en-US" sz="1200" dirty="0"/>
-                        <a:t>이 달기에 속에 들어가고 있다는 소식을 들은 것은 이미 너무 늦은 때였다</a:t>
-                      </a:r>
-                      <a:r>
-                        <a:rPr lang="en-US" altLang="ko-KR" sz="1200" dirty="0"/>
-                        <a:t>.</a:t>
-                      </a:r>
-                    </a:p>
-                    <a:p>
-                      <a:pPr latinLnBrk="1"/>
-                      <a:endParaRPr lang="en-US" altLang="ko-KR" sz="1200" dirty="0"/>
-                    </a:p>
-                    <a:p>
-                      <a:pPr latinLnBrk="1"/>
-                      <a:r>
-                        <a:rPr lang="ko-KR" altLang="en-US" sz="1200" dirty="0"/>
-                        <a:t>달기라는 공통의 적이 생긴 무림에</a:t>
-                      </a:r>
-                      <a:r>
-                        <a:rPr lang="en-US" altLang="ko-KR" sz="1200" dirty="0"/>
-                        <a:t> </a:t>
-                      </a:r>
-                      <a:r>
-                        <a:rPr lang="ko-KR" altLang="en-US" sz="1200" dirty="0"/>
-                        <a:t>정파</a:t>
-                      </a:r>
-                      <a:r>
-                        <a:rPr lang="en-US" altLang="ko-KR" sz="1200" dirty="0"/>
-                        <a:t>, </a:t>
-                      </a:r>
-                      <a:r>
-                        <a:rPr lang="ko-KR" altLang="en-US" sz="1200" dirty="0" err="1"/>
-                        <a:t>사파</a:t>
-                      </a:r>
-                      <a:r>
-                        <a:rPr lang="ko-KR" altLang="en-US" sz="1200" dirty="0"/>
-                        <a:t> 세력들은 연합을 만들어 달기에게 대항 했으나 지맥 자체를 다루는 달기의 힘은 너무나도 강했고 결국 </a:t>
-                      </a:r>
-                      <a:r>
-                        <a:rPr lang="ko-KR" altLang="en-US" sz="1200" dirty="0" err="1"/>
-                        <a:t>무림맹주와</a:t>
-                      </a:r>
-                      <a:r>
-                        <a:rPr lang="ko-KR" altLang="en-US" sz="1200" dirty="0"/>
-                        <a:t> 천마 등의 중요 인물들이 죽거나 불구가 되었으며 훗날 복수를 기약하며 동쪽에 있는 나라로 몸을 숨겼다</a:t>
-                      </a:r>
-                      <a:r>
-                        <a:rPr lang="en-US" altLang="ko-KR" sz="1200" dirty="0"/>
-                        <a:t>.</a:t>
-                      </a:r>
-                    </a:p>
-                    <a:p>
-                      <a:pPr latinLnBrk="1"/>
-                      <a:endParaRPr lang="en-US" altLang="ko-KR" sz="1200" dirty="0"/>
-                    </a:p>
-                    <a:p>
-                      <a:pPr latinLnBrk="1"/>
-                      <a:r>
-                        <a:rPr lang="ko-KR" altLang="en-US" sz="1200" dirty="0"/>
-                        <a:t>약 </a:t>
-                      </a:r>
-                      <a:r>
-                        <a:rPr lang="en-US" altLang="ko-KR" sz="1200" dirty="0"/>
-                        <a:t>50</a:t>
-                      </a:r>
-                      <a:r>
-                        <a:rPr lang="ko-KR" altLang="en-US" sz="1200" dirty="0"/>
-                        <a:t>년 후</a:t>
-                      </a:r>
-                      <a:endParaRPr lang="en-US" altLang="ko-KR" sz="1200" dirty="0"/>
-                    </a:p>
-                    <a:p>
-                      <a:pPr latinLnBrk="1"/>
-                      <a:endParaRPr lang="en-US" altLang="ko-KR" sz="1200" dirty="0"/>
-                    </a:p>
-                    <a:p>
-                      <a:pPr latinLnBrk="1"/>
-                      <a:r>
-                        <a:rPr lang="ko-KR" altLang="en-US" sz="1200" dirty="0"/>
-                        <a:t>살아남은 자들은 다시 달기에게 도전하기 위해 조용히 세력을 회복하고 있었다</a:t>
-                      </a:r>
-                      <a:r>
-                        <a:rPr lang="en-US" altLang="ko-KR" sz="1200" dirty="0"/>
-                        <a:t>.</a:t>
-                      </a:r>
-                    </a:p>
-                    <a:p>
-                      <a:pPr latinLnBrk="1"/>
-                      <a:r>
-                        <a:rPr lang="ko-KR" altLang="en-US" sz="1200" dirty="0"/>
-                        <a:t>무림 연합과의 전투에서 달기 또한 적지 않은 피해를 입었고 언젠가 무림의 잔존 세력들이 다시 자신에게 도전해 올 것을 알았기에 이번에는 달기가 무림을 선제 공격하기 위해 자신의 아홉 꼬리로 분신을 만들어 동쪽 나라로 보냈다</a:t>
-                      </a:r>
-                      <a:r>
-                        <a:rPr lang="en-US" altLang="ko-KR" sz="1200" dirty="0"/>
-                        <a:t>. </a:t>
-                      </a:r>
-                      <a:r>
-                        <a:rPr lang="ko-KR" altLang="en-US" sz="1200" dirty="0"/>
-                        <a:t>아홉 꼬리들은 우선 무림에 정파와 </a:t>
-                      </a:r>
-                      <a:r>
-                        <a:rPr lang="ko-KR" altLang="en-US" sz="1200" dirty="0" err="1"/>
-                        <a:t>사파</a:t>
-                      </a:r>
-                      <a:r>
-                        <a:rPr lang="ko-KR" altLang="en-US" sz="1200" dirty="0"/>
-                        <a:t> 세력들의 사이를 이간질하여 충돌하게 만들어 </a:t>
-                      </a:r>
-                      <a:r>
-                        <a:rPr lang="en-US" altLang="ko-KR" sz="1200" dirty="0"/>
-                        <a:t>‘</a:t>
-                      </a:r>
-                      <a:r>
-                        <a:rPr lang="ko-KR" altLang="en-US" sz="1200" dirty="0"/>
-                        <a:t>정사 대전</a:t>
-                      </a:r>
-                      <a:r>
-                        <a:rPr lang="en-US" altLang="ko-KR" sz="1200" dirty="0"/>
-                        <a:t>’</a:t>
-                      </a:r>
-                      <a:r>
-                        <a:rPr lang="ko-KR" altLang="en-US" sz="1200" dirty="0"/>
-                        <a:t>이 일어나게 만들었고 양쪽 세력의 숫자가 줄고 전쟁이 끝나갈 무렵 지맥을 조작하여 동쪽 나라 전국에 대량의 괴물들을 발생 시켜 무림 세력을 쓸어버리려 했다</a:t>
-                      </a:r>
-                      <a:r>
-                        <a:rPr lang="en-US" altLang="ko-KR" sz="1200" dirty="0"/>
-                        <a:t>. </a:t>
-                      </a:r>
-                      <a:r>
-                        <a:rPr lang="ko-KR" altLang="en-US" sz="1200" dirty="0"/>
-                        <a:t>동시에 동쪽 나라 국경에 </a:t>
-                      </a:r>
-                      <a:r>
-                        <a:rPr lang="en-US" altLang="ko-KR" sz="1200" dirty="0"/>
-                        <a:t>‘</a:t>
-                      </a:r>
-                      <a:r>
-                        <a:rPr lang="ko-KR" altLang="en-US" sz="1200" dirty="0"/>
-                        <a:t>제국</a:t>
-                      </a:r>
-                      <a:r>
-                        <a:rPr lang="en-US" altLang="ko-KR" sz="1200" dirty="0"/>
-                        <a:t>‘ </a:t>
-                      </a:r>
-                      <a:r>
-                        <a:rPr lang="ko-KR" altLang="en-US" sz="1200" dirty="0"/>
-                        <a:t>병력들을 집중시켜 동쪽 나라의</a:t>
-                      </a:r>
-                      <a:r>
-                        <a:rPr lang="en-US" altLang="ko-KR" sz="1200" dirty="0"/>
-                        <a:t> </a:t>
-                      </a:r>
-                      <a:r>
-                        <a:rPr lang="ko-KR" altLang="en-US" sz="1200" dirty="0"/>
-                        <a:t>병력들이 괴물들에게 집중 할 수 없게 만들었다</a:t>
-                      </a:r>
-                      <a:r>
-                        <a:rPr lang="en-US" altLang="ko-KR" sz="1200" dirty="0"/>
-                        <a:t>.</a:t>
-                      </a:r>
-                    </a:p>
-                    <a:p>
-                      <a:pPr latinLnBrk="1"/>
-                      <a:endParaRPr lang="en-US" altLang="ko-KR" sz="1200" dirty="0"/>
-                    </a:p>
-                    <a:p>
-                      <a:pPr latinLnBrk="1"/>
-                      <a:r>
-                        <a:rPr lang="ko-KR" altLang="en-US" sz="1200" dirty="0"/>
-                        <a:t>결국 무림에 세력들은 크게 감소하였고 나라 전체에는 괴물들이 넘쳐나게 되었다</a:t>
-                      </a:r>
-                      <a:r>
-                        <a:rPr lang="en-US" altLang="ko-KR" sz="1200" dirty="0"/>
-                        <a:t>.</a:t>
-                      </a:r>
+                      <a:endParaRPr lang="ko-KR" altLang="en-US" sz="1800" dirty="0">
+                        <a:solidFill>
+                          <a:schemeClr val="bg1"/>
+                        </a:solidFill>
+                        <a:latin typeface="맑은 고딕" charset="0"/>
+                        <a:ea typeface="맑은 고딕" charset="0"/>
+                        <a:cs typeface="Times New Roman" charset="0"/>
+                      </a:endParaRPr>
                     </a:p>
                   </a:txBody>
                   <a:tcPr/>
                 </a:tc>
                 <a:extLst>
                   <a:ext uri="{0D108BD9-81ED-4DB2-BD59-A6C34878D82A}">
-                    <a16:rowId xmlns:a16="http://schemas.microsoft.com/office/drawing/2014/main" val="1282847511"/>
+                    <a16:rowId xmlns:a16="http://schemas.microsoft.com/office/drawing/2014/main" val="1962462232"/>
                   </a:ext>
                 </a:extLst>
               </a:tr>
@@ -4984,7 +4294,7 @@
     </p:spTree>
     <p:extLst>
       <p:ext uri="{BB962C8B-B14F-4D97-AF65-F5344CB8AC3E}">
-        <p14:creationId xmlns:p14="http://schemas.microsoft.com/office/powerpoint/2010/main" val="2127936908"/>
+        <p14:creationId xmlns:p14="http://schemas.microsoft.com/office/powerpoint/2010/main" val="304730735"/>
       </p:ext>
     </p:extLst>
   </p:cSld>
@@ -5026,14 +4336,14 @@
           <p:nvPr>
             <p:extLst>
               <p:ext uri="{D42A27DB-BD31-4B8C-83A1-F6EECF244321}">
-                <p14:modId xmlns:p14="http://schemas.microsoft.com/office/powerpoint/2010/main" val="335233725"/>
+                <p14:modId xmlns:p14="http://schemas.microsoft.com/office/powerpoint/2010/main" val="1772775403"/>
               </p:ext>
             </p:extLst>
           </p:nvPr>
         </p:nvGraphicFramePr>
         <p:xfrm>
           <a:off x="64478" y="64111"/>
-          <a:ext cx="12033737" cy="3840480"/>
+          <a:ext cx="12033737" cy="4754880"/>
         </p:xfrm>
         <a:graphic>
           <a:graphicData uri="http://schemas.openxmlformats.org/drawingml/2006/table">
@@ -5059,7 +4369,7 @@
                       <a:pPr latinLnBrk="1"/>
                       <a:r>
                         <a:rPr lang="ko-KR" altLang="en-US" sz="1200" dirty="0"/>
-                        <a:t>기</a:t>
+                        <a:t>시놉시스</a:t>
                       </a:r>
                     </a:p>
                   </a:txBody>
@@ -5080,7 +4390,7 @@
                       <a:pPr latinLnBrk="1"/>
                       <a:r>
                         <a:rPr lang="ko-KR" altLang="en-US" sz="1200" dirty="0"/>
-                        <a:t>평소와 다름없이 동물을 잡기 위해 사냥꾼은 숲 속을 헤매다가 사슴을 찾아 활을 겨누고 있었다</a:t>
+                        <a:t>달기라고 불리는 여우 요괴가 있었다</a:t>
                       </a:r>
                       <a:r>
                         <a:rPr lang="en-US" altLang="ko-KR" sz="1200" dirty="0"/>
@@ -5088,7 +4398,15 @@
                       </a:r>
                       <a:r>
                         <a:rPr lang="ko-KR" altLang="en-US" sz="1200" dirty="0"/>
-                        <a:t>그 순간 괴물이 나타나 사슴을 덮쳤고 사냥꾼은 괴물을 피해 마을로 급하게 도망쳤다</a:t>
+                        <a:t>기운을 흡수하는 능력이 있는 여우 요괴는</a:t>
+                      </a:r>
+                      <a:r>
+                        <a:rPr lang="en-US" altLang="ko-KR" sz="1200" dirty="0"/>
+                        <a:t> </a:t>
+                      </a:r>
+                      <a:r>
+                        <a:rPr lang="ko-KR" altLang="en-US" sz="1200" dirty="0"/>
+                        <a:t>인간 사회에서 비싸게 거래 되었기에 달기는 인간들의 눈을 피해 숨어 가족들과 평화롭고 행복하게 살고 있었다</a:t>
                       </a:r>
                       <a:r>
                         <a:rPr lang="en-US" altLang="ko-KR" sz="1200" dirty="0"/>
@@ -5096,7 +4414,7 @@
                       </a:r>
                       <a:r>
                         <a:rPr lang="ko-KR" altLang="en-US" sz="1200" dirty="0"/>
-                        <a:t>숲을 빠져나와 마을을 본 사냥꾼은 놀랄 수 밖에 없었다</a:t>
+                        <a:t>하지만 행복은 오래 가지 않았다</a:t>
                       </a:r>
                       <a:r>
                         <a:rPr lang="en-US" altLang="ko-KR" sz="1200" dirty="0"/>
@@ -5104,7 +4422,7 @@
                       </a:r>
                       <a:r>
                         <a:rPr lang="ko-KR" altLang="en-US" sz="1200" dirty="0"/>
-                        <a:t>자신의 마을이 괴물들에게 습격 받아 불타고 있었지 때문이다</a:t>
+                        <a:t>탐욕에 물든 인간들로 인해 달기는 가족을 잃고 온몸에 상처를 입은 상태로 도망치다 우연히 동굴에 떨어지게 되었다</a:t>
                       </a:r>
                       <a:r>
                         <a:rPr lang="en-US" altLang="ko-KR" sz="1200" dirty="0"/>
@@ -5112,12 +4430,63 @@
                       </a:r>
                       <a:r>
                         <a:rPr lang="ko-KR" altLang="en-US" sz="1200" dirty="0"/>
-                        <a:t>급히 마을로 달려가 가족들을 찾았지만 이미 가족들은 모두 죽어 있었고 사냥꾼은 살기위해 괴물들을 피해서 도망쳤다</a:t>
+                        <a:t>수 많은 지맥들이 지나가는 곳에 생긴 동굴은 </a:t>
+                      </a:r>
+                      <a:r>
+                        <a:rPr lang="en-US" altLang="ko-KR" sz="1200" dirty="0"/>
+                        <a:t>‘</a:t>
+                      </a:r>
+                      <a:r>
+                        <a:rPr lang="ko-KR" altLang="en-US" sz="1200" dirty="0"/>
+                        <a:t>지맥의 기운</a:t>
+                      </a:r>
+                      <a:r>
+                        <a:rPr lang="en-US" altLang="ko-KR" sz="1200" dirty="0"/>
+                        <a:t>’</a:t>
+                      </a:r>
+                      <a:r>
+                        <a:rPr lang="ko-KR" altLang="en-US" sz="1200" dirty="0"/>
+                        <a:t>으로 가득하였고 지맥에 노출된 달기는 자신도 모르게 </a:t>
+                      </a:r>
+                      <a:r>
+                        <a:rPr lang="en-US" altLang="ko-KR" sz="1200" dirty="0"/>
+                        <a:t>‘</a:t>
+                      </a:r>
+                      <a:r>
+                        <a:rPr lang="ko-KR" altLang="en-US" sz="1200" dirty="0"/>
+                        <a:t>지맥의 기운</a:t>
+                      </a:r>
+                      <a:r>
+                        <a:rPr lang="en-US" altLang="ko-KR" sz="1200" dirty="0"/>
+                        <a:t>’</a:t>
+                      </a:r>
+                      <a:r>
+                        <a:rPr lang="ko-KR" altLang="en-US" sz="1200" dirty="0"/>
+                        <a:t>을 흡수했다</a:t>
                       </a:r>
                       <a:r>
                         <a:rPr lang="en-US" altLang="ko-KR" sz="1200" dirty="0"/>
                         <a:t>. </a:t>
                       </a:r>
+                      <a:r>
+                        <a:rPr lang="ko-KR" altLang="en-US" sz="1200" dirty="0"/>
+                        <a:t>흡수한 방대한 기운으로 인하여 달기의 몸은 회복되었고 동시에 지맥을 다룰 수 있게 되었다</a:t>
+                      </a:r>
+                      <a:r>
+                        <a:rPr lang="en-US" altLang="ko-KR" sz="1200" dirty="0"/>
+                        <a:t>. </a:t>
+                      </a:r>
+                    </a:p>
+                    <a:p>
+                      <a:pPr latinLnBrk="1"/>
+                      <a:r>
+                        <a:rPr lang="ko-KR" altLang="en-US" sz="1200" dirty="0"/>
+                        <a:t>과도하게 흡수한 지맥의 기운은 달기에 몸속에서 날뛰었고 달기는 기운으로 인하여 감정이 폭주하여 가족의 복수를 위해 인간들을 모두 없애기 위해 움직였다</a:t>
+                      </a:r>
+                      <a:r>
+                        <a:rPr lang="en-US" altLang="ko-KR" sz="1200" dirty="0"/>
+                        <a:t>.</a:t>
+                      </a:r>
                     </a:p>
                     <a:p>
                       <a:pPr latinLnBrk="1"/>
@@ -5126,16 +4495,28 @@
                     <a:p>
                       <a:pPr latinLnBrk="1"/>
                       <a:r>
-                        <a:rPr lang="ko-KR" altLang="en-US" sz="1200" dirty="0"/>
-                        <a:t>그렇게 사냥꾼은 </a:t>
-                      </a:r>
-                      <a:r>
                         <a:rPr lang="en-US" altLang="ko-KR" sz="1200" dirty="0"/>
                         <a:t>‘</a:t>
                       </a:r>
                       <a:r>
                         <a:rPr lang="ko-KR" altLang="en-US" sz="1200" dirty="0"/>
-                        <a:t>방랑자</a:t>
+                        <a:t>제국</a:t>
+                      </a:r>
+                      <a:r>
+                        <a:rPr lang="en-US" altLang="ko-KR" sz="1200" dirty="0"/>
+                        <a:t>’ </a:t>
+                      </a:r>
+                      <a:r>
+                        <a:rPr lang="ko-KR" altLang="en-US" sz="1200" dirty="0"/>
+                        <a:t>대륙에서 가장 강대하며 가장 큰 영토를 가지고 있으며 대륙의 중심에 있는 나라로 인간 사회에 중심이라 불리고 있었고 달기는 그 점을 노려 </a:t>
+                      </a:r>
+                      <a:r>
+                        <a:rPr lang="en-US" altLang="ko-KR" sz="1200" dirty="0"/>
+                        <a:t>‘</a:t>
+                      </a:r>
+                      <a:r>
+                        <a:rPr lang="ko-KR" altLang="en-US" sz="1200" dirty="0"/>
+                        <a:t>제국</a:t>
                       </a:r>
                       <a:r>
                         <a:rPr lang="en-US" altLang="ko-KR" sz="1200" dirty="0"/>
@@ -5143,12 +4524,36 @@
                       </a:r>
                       <a:r>
                         <a:rPr lang="ko-KR" altLang="en-US" sz="1200" dirty="0"/>
-                        <a:t>가 되었다</a:t>
+                        <a:t>을 자신의 손에 넣기로 하였다</a:t>
                       </a:r>
                       <a:r>
                         <a:rPr lang="en-US" altLang="ko-KR" sz="1200" dirty="0"/>
                         <a:t>. </a:t>
                       </a:r>
+                      <a:r>
+                        <a:rPr lang="ko-KR" altLang="en-US" sz="1200" dirty="0"/>
+                        <a:t>얼마 지나지 않아 제국의 황제 총애를 받게 된 달기를 서서히 </a:t>
+                      </a:r>
+                      <a:r>
+                        <a:rPr lang="en-US" altLang="ko-KR" sz="1200" dirty="0"/>
+                        <a:t>‘</a:t>
+                      </a:r>
+                      <a:r>
+                        <a:rPr lang="ko-KR" altLang="en-US" sz="1200" dirty="0"/>
+                        <a:t>제국</a:t>
+                      </a:r>
+                      <a:r>
+                        <a:rPr lang="en-US" altLang="ko-KR" sz="1200" dirty="0"/>
+                        <a:t>’</a:t>
+                      </a:r>
+                      <a:r>
+                        <a:rPr lang="ko-KR" altLang="en-US" sz="1200" dirty="0"/>
+                        <a:t>을 집어 삼켰다</a:t>
+                      </a:r>
+                      <a:r>
+                        <a:rPr lang="en-US" altLang="ko-KR" sz="1200" dirty="0"/>
+                        <a:t>. </a:t>
+                      </a:r>
                     </a:p>
                     <a:p>
                       <a:pPr latinLnBrk="1"/>
@@ -5158,15 +4563,66 @@
                       <a:pPr latinLnBrk="1"/>
                       <a:r>
                         <a:rPr lang="ko-KR" altLang="en-US" sz="1200" dirty="0"/>
-                        <a:t>가족과 친구들을 모두 잃은 방랑자는 복수심에 불타 올랐고 괴물을 죽이기 위해 온갖 방법을 찾아 떠돌아 다녔다</a:t>
+                        <a:t>본래 </a:t>
+                      </a:r>
+                      <a:r>
+                        <a:rPr lang="en-US" altLang="ko-KR" sz="1200" dirty="0"/>
+                        <a:t>‘</a:t>
+                      </a:r>
+                      <a:r>
+                        <a:rPr lang="ko-KR" altLang="en-US" sz="1200" dirty="0"/>
+                        <a:t>무림</a:t>
+                      </a:r>
+                      <a:r>
+                        <a:rPr lang="en-US" altLang="ko-KR" sz="1200" dirty="0"/>
+                        <a:t>’</a:t>
+                      </a:r>
+                      <a:r>
+                        <a:rPr lang="ko-KR" altLang="en-US" sz="1200" dirty="0"/>
+                        <a:t>에 속한 자들은 무림에 속하지 않은 </a:t>
+                      </a:r>
+                      <a:r>
+                        <a:rPr lang="en-US" altLang="ko-KR" sz="1200" dirty="0"/>
+                        <a:t>‘</a:t>
+                      </a:r>
+                      <a:r>
+                        <a:rPr lang="ko-KR" altLang="en-US" sz="1200" dirty="0"/>
+                        <a:t>속세</a:t>
+                      </a:r>
+                      <a:r>
+                        <a:rPr lang="en-US" altLang="ko-KR" sz="1200" dirty="0"/>
+                        <a:t>’</a:t>
+                      </a:r>
+                      <a:r>
+                        <a:rPr lang="ko-KR" altLang="en-US" sz="1200" dirty="0"/>
+                        <a:t>에 인간들과 서로 간섭하지 않으며 일종의 중립의 입장을 지키고 있었다</a:t>
                       </a:r>
                       <a:r>
                         <a:rPr lang="en-US" altLang="ko-KR" sz="1200" dirty="0"/>
                         <a:t>. </a:t>
                       </a:r>
-                      <a:r>
-                        <a:rPr lang="ko-KR" altLang="en-US" sz="1200" dirty="0"/>
-                        <a:t>그러다 우연히 스승을 만나 간단한 기술들을 전수 받고 복수를 위해 전국을 떠돌며 괴물들을 사냥하고 다녔다</a:t>
+                    </a:p>
+                    <a:p>
+                      <a:pPr latinLnBrk="1"/>
+                      <a:r>
+                        <a:rPr lang="ko-KR" altLang="en-US" sz="1200" dirty="0"/>
+                        <a:t>그렇기에 </a:t>
+                      </a:r>
+                      <a:r>
+                        <a:rPr lang="en-US" altLang="ko-KR" sz="1200" dirty="0"/>
+                        <a:t>‘</a:t>
+                      </a:r>
+                      <a:r>
+                        <a:rPr lang="ko-KR" altLang="en-US" sz="1200" dirty="0"/>
+                        <a:t>제국</a:t>
+                      </a:r>
+                      <a:r>
+                        <a:rPr lang="en-US" altLang="ko-KR" sz="1200" dirty="0"/>
+                        <a:t>’</a:t>
+                      </a:r>
+                      <a:r>
+                        <a:rPr lang="ko-KR" altLang="en-US" sz="1200" dirty="0"/>
+                        <a:t>이 달기에 속에 들어가고 있다는 소식을 들은 것은 이미 너무 늦은 때였다</a:t>
                       </a:r>
                       <a:r>
                         <a:rPr lang="en-US" altLang="ko-KR" sz="1200" dirty="0"/>
@@ -5180,23 +4636,146 @@
                     <a:p>
                       <a:pPr latinLnBrk="1"/>
                       <a:r>
-                        <a:rPr lang="en-US" altLang="ko-KR" sz="1200" dirty="0"/>
-                        <a:t>1</a:t>
-                      </a:r>
-                      <a:r>
-                        <a:rPr lang="ko-KR" altLang="en-US" sz="1200" dirty="0"/>
-                        <a:t>년 후 괴물을 사냥하고 다니던 중 나라와 무림에서 괴물들을 잡기위한 토벌단을 창설했고 현재 추가 단원들을 모집하고 있다는 소문이 들려왔다</a:t>
+                        <a:rPr lang="ko-KR" altLang="en-US" sz="1200" dirty="0"/>
+                        <a:t>달기라는 공통의 적이 생긴 무림에</a:t>
+                      </a:r>
+                      <a:r>
+                        <a:rPr lang="en-US" altLang="ko-KR" sz="1200" dirty="0"/>
+                        <a:t> </a:t>
+                      </a:r>
+                      <a:r>
+                        <a:rPr lang="ko-KR" altLang="en-US" sz="1200" dirty="0"/>
+                        <a:t>정파</a:t>
+                      </a:r>
+                      <a:r>
+                        <a:rPr lang="en-US" altLang="ko-KR" sz="1200" dirty="0"/>
+                        <a:t>, </a:t>
+                      </a:r>
+                      <a:r>
+                        <a:rPr lang="ko-KR" altLang="en-US" sz="1200" dirty="0" err="1"/>
+                        <a:t>사파</a:t>
+                      </a:r>
+                      <a:r>
+                        <a:rPr lang="ko-KR" altLang="en-US" sz="1200" dirty="0"/>
+                        <a:t> 세력들은 연합을 만들어 달기에게 대항 했으나 지맥 자체를 다루는 달기의 힘은 너무나도 강했고 결국 </a:t>
+                      </a:r>
+                      <a:r>
+                        <a:rPr lang="ko-KR" altLang="en-US" sz="1200" dirty="0" err="1"/>
+                        <a:t>무림맹주와</a:t>
+                      </a:r>
+                      <a:r>
+                        <a:rPr lang="ko-KR" altLang="en-US" sz="1200" dirty="0"/>
+                        <a:t> 천마 등의 중요 인물들이 죽거나 불구가 되었으며 훗날 복수를 기약하며 동쪽에 있는 나라로 몸을 숨겼다</a:t>
+                      </a:r>
+                      <a:r>
+                        <a:rPr lang="en-US" altLang="ko-KR" sz="1200" dirty="0"/>
+                        <a:t>.</a:t>
+                      </a:r>
+                    </a:p>
+                    <a:p>
+                      <a:pPr latinLnBrk="1"/>
+                      <a:endParaRPr lang="en-US" altLang="ko-KR" sz="1200" dirty="0"/>
+                    </a:p>
+                    <a:p>
+                      <a:pPr latinLnBrk="1"/>
+                      <a:r>
+                        <a:rPr lang="ko-KR" altLang="en-US" sz="1200" dirty="0"/>
+                        <a:t>약 </a:t>
+                      </a:r>
+                      <a:r>
+                        <a:rPr lang="en-US" altLang="ko-KR" sz="1200" dirty="0"/>
+                        <a:t>50</a:t>
+                      </a:r>
+                      <a:r>
+                        <a:rPr lang="ko-KR" altLang="en-US" sz="1200" dirty="0"/>
+                        <a:t>년 후</a:t>
+                      </a:r>
+                      <a:endParaRPr lang="en-US" altLang="ko-KR" sz="1200" dirty="0"/>
+                    </a:p>
+                    <a:p>
+                      <a:pPr latinLnBrk="1"/>
+                      <a:endParaRPr lang="en-US" altLang="ko-KR" sz="1200" dirty="0"/>
+                    </a:p>
+                    <a:p>
+                      <a:pPr latinLnBrk="1"/>
+                      <a:r>
+                        <a:rPr lang="ko-KR" altLang="en-US" sz="1200" dirty="0"/>
+                        <a:t>살아남은 자들은 다시 달기에게 도전하기 위해 조용히 세력을 회복하고 있었다</a:t>
+                      </a:r>
+                      <a:r>
+                        <a:rPr lang="en-US" altLang="ko-KR" sz="1200" dirty="0"/>
+                        <a:t>.</a:t>
+                      </a:r>
+                    </a:p>
+                    <a:p>
+                      <a:pPr latinLnBrk="1"/>
+                      <a:r>
+                        <a:rPr lang="ko-KR" altLang="en-US" sz="1200" dirty="0"/>
+                        <a:t>무림 연합과의 전투에서 달기 또한 적지 않은 피해를 입었고 언젠가 무림의 잔존 세력들이 다시 자신에게 도전해 올 것을 알았기에 이번에는 달기가 무림을 선제 공격하기 위해 자신의 아홉 꼬리로 분신을 만들어 동쪽 나라로 보냈다</a:t>
                       </a:r>
                       <a:r>
                         <a:rPr lang="en-US" altLang="ko-KR" sz="1200" dirty="0"/>
                         <a:t>. </a:t>
                       </a:r>
-                    </a:p>
-                    <a:p>
-                      <a:pPr latinLnBrk="1"/>
-                      <a:r>
-                        <a:rPr lang="ko-KR" altLang="en-US" sz="1200" dirty="0"/>
-                        <a:t>토벌단은 본래 괴물들을 억제하고 있던 무림 세력과 나라의 관군들이 더 이상 괴물들을 상대할 여력이 없어져 전국에서 괴물을 상대 할 수 있는 인재를 찾고 훈련시켜 괴물들을 상대하기 위해 창설되었다</a:t>
+                      <a:r>
+                        <a:rPr lang="ko-KR" altLang="en-US" sz="1200" dirty="0"/>
+                        <a:t>아홉 꼬리들은 우선 무림에 정파와 </a:t>
+                      </a:r>
+                      <a:r>
+                        <a:rPr lang="ko-KR" altLang="en-US" sz="1200" dirty="0" err="1"/>
+                        <a:t>사파</a:t>
+                      </a:r>
+                      <a:r>
+                        <a:rPr lang="ko-KR" altLang="en-US" sz="1200" dirty="0"/>
+                        <a:t> 세력들의 사이를 이간질하여 충돌하게 만들어 </a:t>
+                      </a:r>
+                      <a:r>
+                        <a:rPr lang="en-US" altLang="ko-KR" sz="1200" dirty="0"/>
+                        <a:t>‘</a:t>
+                      </a:r>
+                      <a:r>
+                        <a:rPr lang="ko-KR" altLang="en-US" sz="1200" dirty="0"/>
+                        <a:t>정사 대전</a:t>
+                      </a:r>
+                      <a:r>
+                        <a:rPr lang="en-US" altLang="ko-KR" sz="1200" dirty="0"/>
+                        <a:t>’</a:t>
+                      </a:r>
+                      <a:r>
+                        <a:rPr lang="ko-KR" altLang="en-US" sz="1200" dirty="0"/>
+                        <a:t>이 일어나게 만들었고 양쪽 세력의 숫자가 줄고 전쟁이 끝나갈 무렵 지맥을 조작하여 동쪽 나라 전국에 대량의 괴물들을 발생 시켜 무림 세력을 쓸어버리려 했다</a:t>
+                      </a:r>
+                      <a:r>
+                        <a:rPr lang="en-US" altLang="ko-KR" sz="1200" dirty="0"/>
+                        <a:t>. </a:t>
+                      </a:r>
+                      <a:r>
+                        <a:rPr lang="ko-KR" altLang="en-US" sz="1200" dirty="0"/>
+                        <a:t>동시에 동쪽 나라 국경에 </a:t>
+                      </a:r>
+                      <a:r>
+                        <a:rPr lang="en-US" altLang="ko-KR" sz="1200" dirty="0"/>
+                        <a:t>‘</a:t>
+                      </a:r>
+                      <a:r>
+                        <a:rPr lang="ko-KR" altLang="en-US" sz="1200" dirty="0"/>
+                        <a:t>제국</a:t>
+                      </a:r>
+                      <a:r>
+                        <a:rPr lang="en-US" altLang="ko-KR" sz="1200" dirty="0"/>
+                        <a:t>‘ </a:t>
+                      </a:r>
+                      <a:r>
+                        <a:rPr lang="ko-KR" altLang="en-US" sz="1200" dirty="0"/>
+                        <a:t>병력들을 집중시켜 동쪽 나라의</a:t>
+                      </a:r>
+                      <a:r>
+                        <a:rPr lang="en-US" altLang="ko-KR" sz="1200" dirty="0"/>
+                        <a:t> </a:t>
+                      </a:r>
+                      <a:r>
+                        <a:rPr lang="ko-KR" altLang="en-US" sz="1200" dirty="0"/>
+                        <a:t>병력들이 괴물들에게 집중 할 수 없게 만들었다</a:t>
                       </a:r>
                       <a:r>
                         <a:rPr lang="en-US" altLang="ko-KR" sz="1200" dirty="0"/>
@@ -5211,83 +4790,7 @@
                       <a:pPr latinLnBrk="1"/>
                       <a:r>
                         <a:rPr lang="ko-KR" altLang="en-US" sz="1200" dirty="0"/>
-                        <a:t>방랑자는 토벌단에 입단하게 되면 괴물들을 더 효과적으로 죽일 수 있다 생각하여 토벌단에 들어가기로 마음먹고 입단 시험을 받기 위해 시험장을 찾아갔다</a:t>
-                      </a:r>
-                      <a:r>
-                        <a:rPr lang="en-US" altLang="ko-KR" sz="1200" dirty="0"/>
-                        <a:t>.</a:t>
-                      </a:r>
-                    </a:p>
-                    <a:p>
-                      <a:pPr latinLnBrk="1"/>
-                      <a:r>
-                        <a:rPr lang="ko-KR" altLang="en-US" sz="1200" dirty="0"/>
-                        <a:t>시험의 내용은 총 </a:t>
-                      </a:r>
-                      <a:r>
-                        <a:rPr lang="en-US" altLang="ko-KR" sz="1200" dirty="0"/>
-                        <a:t>3</a:t>
-                      </a:r>
-                      <a:r>
-                        <a:rPr lang="ko-KR" altLang="en-US" sz="1200" dirty="0"/>
-                        <a:t>가지 였다</a:t>
-                      </a:r>
-                      <a:r>
-                        <a:rPr lang="en-US" altLang="ko-KR" sz="1200" dirty="0"/>
-                        <a:t>. </a:t>
-                      </a:r>
-                    </a:p>
-                    <a:p>
-                      <a:pPr latinLnBrk="1"/>
-                      <a:r>
-                        <a:rPr lang="ko-KR" altLang="en-US" sz="1200" dirty="0"/>
-                        <a:t>첫 번째 괴물의 추적 할 수 있는 능력을 증명하는 것</a:t>
-                      </a:r>
-                      <a:r>
-                        <a:rPr lang="en-US" altLang="ko-KR" sz="1200" dirty="0"/>
-                        <a:t>, </a:t>
-                      </a:r>
-                    </a:p>
-                    <a:p>
-                      <a:pPr latinLnBrk="1"/>
-                      <a:r>
-                        <a:rPr lang="ko-KR" altLang="en-US" sz="1200" dirty="0"/>
-                        <a:t>두 번째 괴물을 사냥하고 증거를 가져 오는 것</a:t>
-                      </a:r>
-                      <a:r>
-                        <a:rPr lang="en-US" altLang="ko-KR" sz="1200" dirty="0"/>
-                        <a:t>, </a:t>
-                      </a:r>
-                    </a:p>
-                    <a:p>
-                      <a:pPr latinLnBrk="1"/>
-                      <a:r>
-                        <a:rPr lang="ko-KR" altLang="en-US" sz="1200" dirty="0"/>
-                        <a:t>세 번째 동료와 합을 맞추는 것</a:t>
-                      </a:r>
-                      <a:endParaRPr lang="en-US" altLang="ko-KR" sz="1200" dirty="0"/>
-                    </a:p>
-                    <a:p>
-                      <a:pPr latinLnBrk="1"/>
-                      <a:r>
-                        <a:rPr lang="ko-KR" altLang="en-US" sz="1200" dirty="0"/>
-                        <a:t>방랑자는 자신처럼 시험을 치루는 </a:t>
-                      </a:r>
-                      <a:r>
-                        <a:rPr lang="en-US" altLang="ko-KR" sz="1200" dirty="0"/>
-                        <a:t>‘</a:t>
-                      </a:r>
-                      <a:r>
-                        <a:rPr lang="ko-KR" altLang="en-US" sz="1200" dirty="0"/>
-                        <a:t>세영</a:t>
-                      </a:r>
-                      <a:r>
-                        <a:rPr lang="en-US" altLang="ko-KR" sz="1200" dirty="0"/>
-                        <a:t>’</a:t>
-                      </a:r>
-                      <a:r>
-                        <a:rPr lang="ko-KR" altLang="en-US" sz="1200" dirty="0"/>
-                        <a:t>과 함께 시험에 통과하고 토벌단의 단원이 되었다</a:t>
+                        <a:t>결국 무림에 세력들은 크게 감소하였고 나라 전체에는 괴물들이 넘쳐나게 되었다</a:t>
                       </a:r>
                       <a:r>
                         <a:rPr lang="en-US" altLang="ko-KR" sz="1200" dirty="0"/>
@@ -5307,406 +4810,10 @@
           </a:graphicData>
         </a:graphic>
       </p:graphicFrame>
-      <p:graphicFrame>
-        <p:nvGraphicFramePr>
-          <p:cNvPr id="2" name="표 1">
-            <a:extLst>
-              <a:ext uri="{FF2B5EF4-FFF2-40B4-BE49-F238E27FC236}">
-                <a16:creationId xmlns:a16="http://schemas.microsoft.com/office/drawing/2014/main" id="{12E17EEB-D82F-35BD-EC1B-5ABC80CC930A}"/>
-              </a:ext>
-            </a:extLst>
-          </p:cNvPr>
-          <p:cNvGraphicFramePr>
-            <a:graphicFrameLocks noGrp="1"/>
-          </p:cNvGraphicFramePr>
-          <p:nvPr>
-            <p:extLst>
-              <p:ext uri="{D42A27DB-BD31-4B8C-83A1-F6EECF244321}">
-                <p14:modId xmlns:p14="http://schemas.microsoft.com/office/powerpoint/2010/main" val="116760885"/>
-              </p:ext>
-            </p:extLst>
-          </p:nvPr>
-        </p:nvGraphicFramePr>
-        <p:xfrm>
-          <a:off x="64478" y="3997021"/>
-          <a:ext cx="8128000" cy="2468880"/>
-        </p:xfrm>
-        <a:graphic>
-          <a:graphicData uri="http://schemas.openxmlformats.org/drawingml/2006/table">
-            <a:tbl>
-              <a:tblPr firstRow="1" bandRow="1">
-                <a:tableStyleId>{5C22544A-7EE6-4342-B048-85BDC9FD1C3A}</a:tableStyleId>
-              </a:tblPr>
-              <a:tblGrid>
-                <a:gridCol w="1139633">
-                  <a:extLst>
-                    <a:ext uri="{9D8B030D-6E8A-4147-A177-3AD203B41FA5}">
-                      <a16:colId xmlns:a16="http://schemas.microsoft.com/office/drawing/2014/main" val="3548555803"/>
-                    </a:ext>
-                  </a:extLst>
-                </a:gridCol>
-                <a:gridCol w="6988367">
-                  <a:extLst>
-                    <a:ext uri="{9D8B030D-6E8A-4147-A177-3AD203B41FA5}">
-                      <a16:colId xmlns:a16="http://schemas.microsoft.com/office/drawing/2014/main" val="3999967443"/>
-                    </a:ext>
-                  </a:extLst>
-                </a:gridCol>
-              </a:tblGrid>
-              <a:tr h="0">
-                <a:tc gridSpan="2">
-                  <a:txBody>
-                    <a:bodyPr/>
-                    <a:lstStyle/>
-                    <a:p>
-                      <a:pPr latinLnBrk="1"/>
-                      <a:r>
-                        <a:rPr lang="ko-KR" altLang="en-US" sz="1200" dirty="0"/>
-                        <a:t>사건</a:t>
-                      </a:r>
-                    </a:p>
-                  </a:txBody>
-                  <a:tcPr/>
-                </a:tc>
-                <a:tc hMerge="1">
-                  <a:txBody>
-                    <a:bodyPr/>
-                    <a:lstStyle/>
-                    <a:p>
-                      <a:pPr latinLnBrk="1"/>
-                      <a:endParaRPr lang="ko-KR" altLang="en-US" dirty="0"/>
-                    </a:p>
-                  </a:txBody>
-                  <a:tcPr/>
-                </a:tc>
-                <a:extLst>
-                  <a:ext uri="{0D108BD9-81ED-4DB2-BD59-A6C34878D82A}">
-                    <a16:rowId xmlns:a16="http://schemas.microsoft.com/office/drawing/2014/main" val="4132330669"/>
-                  </a:ext>
-                </a:extLst>
-              </a:tr>
-              <a:tr h="0">
-                <a:tc>
-                  <a:txBody>
-                    <a:bodyPr/>
-                    <a:lstStyle/>
-                    <a:p>
-                      <a:pPr latinLnBrk="1"/>
-                      <a:r>
-                        <a:rPr lang="ko-KR" altLang="en-US" sz="1200" dirty="0"/>
-                        <a:t>이름</a:t>
-                      </a:r>
-                    </a:p>
-                  </a:txBody>
-                  <a:tcPr/>
-                </a:tc>
-                <a:tc>
-                  <a:txBody>
-                    <a:bodyPr/>
-                    <a:lstStyle/>
-                    <a:p>
-                      <a:pPr latinLnBrk="1"/>
-                      <a:r>
-                        <a:rPr lang="ko-KR" altLang="en-US" sz="1200" dirty="0"/>
-                        <a:t>내용</a:t>
-                      </a:r>
-                    </a:p>
-                  </a:txBody>
-                  <a:tcPr/>
-                </a:tc>
-                <a:extLst>
-                  <a:ext uri="{0D108BD9-81ED-4DB2-BD59-A6C34878D82A}">
-                    <a16:rowId xmlns:a16="http://schemas.microsoft.com/office/drawing/2014/main" val="1825875781"/>
-                  </a:ext>
-                </a:extLst>
-              </a:tr>
-              <a:tr h="0">
-                <a:tc>
-                  <a:txBody>
-                    <a:bodyPr/>
-                    <a:lstStyle/>
-                    <a:p>
-                      <a:pPr latinLnBrk="1"/>
-                      <a:r>
-                        <a:rPr lang="ko-KR" altLang="en-US" sz="1200" dirty="0"/>
-                        <a:t>도망</a:t>
-                      </a:r>
-                    </a:p>
-                  </a:txBody>
-                  <a:tcPr/>
-                </a:tc>
-                <a:tc>
-                  <a:txBody>
-                    <a:bodyPr/>
-                    <a:lstStyle/>
-                    <a:p>
-                      <a:pPr latinLnBrk="1"/>
-                      <a:r>
-                        <a:rPr lang="ko-KR" altLang="en-US" sz="1200" dirty="0"/>
-                        <a:t>괴물에서 생존하여 도주</a:t>
-                      </a:r>
-                    </a:p>
-                  </a:txBody>
-                  <a:tcPr/>
-                </a:tc>
-                <a:extLst>
-                  <a:ext uri="{0D108BD9-81ED-4DB2-BD59-A6C34878D82A}">
-                    <a16:rowId xmlns:a16="http://schemas.microsoft.com/office/drawing/2014/main" val="2289752153"/>
-                  </a:ext>
-                </a:extLst>
-              </a:tr>
-              <a:tr h="0">
-                <a:tc>
-                  <a:txBody>
-                    <a:bodyPr/>
-                    <a:lstStyle/>
-                    <a:p>
-                      <a:pPr latinLnBrk="1"/>
-                      <a:r>
-                        <a:rPr lang="ko-KR" altLang="en-US" sz="1200" dirty="0"/>
-                        <a:t>소문</a:t>
-                      </a:r>
-                    </a:p>
-                  </a:txBody>
-                  <a:tcPr/>
-                </a:tc>
-                <a:tc>
-                  <a:txBody>
-                    <a:bodyPr/>
-                    <a:lstStyle/>
-                    <a:p>
-                      <a:pPr latinLnBrk="1"/>
-                      <a:r>
-                        <a:rPr lang="ko-KR" altLang="en-US" sz="1200" dirty="0"/>
-                        <a:t>토벌단이 창설되었다는 소문을 들음</a:t>
-                      </a:r>
-                    </a:p>
-                  </a:txBody>
-                  <a:tcPr/>
-                </a:tc>
-                <a:extLst>
-                  <a:ext uri="{0D108BD9-81ED-4DB2-BD59-A6C34878D82A}">
-                    <a16:rowId xmlns:a16="http://schemas.microsoft.com/office/drawing/2014/main" val="3817468006"/>
-                  </a:ext>
-                </a:extLst>
-              </a:tr>
-              <a:tr h="0">
-                <a:tc>
-                  <a:txBody>
-                    <a:bodyPr/>
-                    <a:lstStyle/>
-                    <a:p>
-                      <a:pPr latinLnBrk="1"/>
-                      <a:r>
-                        <a:rPr lang="ko-KR" altLang="en-US" sz="1200" dirty="0"/>
-                        <a:t>접수</a:t>
-                      </a:r>
-                      <a:r>
-                        <a:rPr lang="en-US" altLang="ko-KR" sz="1200" dirty="0"/>
-                        <a:t>-1</a:t>
-                      </a:r>
-                      <a:endParaRPr lang="ko-KR" altLang="en-US" sz="1200" dirty="0"/>
-                    </a:p>
-                  </a:txBody>
-                  <a:tcPr/>
-                </a:tc>
-                <a:tc>
-                  <a:txBody>
-                    <a:bodyPr/>
-                    <a:lstStyle/>
-                    <a:p>
-                      <a:pPr latinLnBrk="1"/>
-                      <a:r>
-                        <a:rPr lang="ko-KR" altLang="en-US" sz="1200" dirty="0"/>
-                        <a:t>입단 시험을 받기 위해 시험장으로 찾아 간다</a:t>
-                      </a:r>
-                    </a:p>
-                  </a:txBody>
-                  <a:tcPr/>
-                </a:tc>
-                <a:extLst>
-                  <a:ext uri="{0D108BD9-81ED-4DB2-BD59-A6C34878D82A}">
-                    <a16:rowId xmlns:a16="http://schemas.microsoft.com/office/drawing/2014/main" val="552115955"/>
-                  </a:ext>
-                </a:extLst>
-              </a:tr>
-              <a:tr h="0">
-                <a:tc>
-                  <a:txBody>
-                    <a:bodyPr/>
-                    <a:lstStyle/>
-                    <a:p>
-                      <a:pPr latinLnBrk="1"/>
-                      <a:r>
-                        <a:rPr lang="ko-KR" altLang="en-US" sz="1200" dirty="0"/>
-                        <a:t>접수</a:t>
-                      </a:r>
-                      <a:r>
-                        <a:rPr lang="en-US" altLang="ko-KR" sz="1200" dirty="0"/>
-                        <a:t>-2</a:t>
-                      </a:r>
-                      <a:endParaRPr lang="ko-KR" altLang="en-US" sz="1200" dirty="0"/>
-                    </a:p>
-                  </a:txBody>
-                  <a:tcPr/>
-                </a:tc>
-                <a:tc>
-                  <a:txBody>
-                    <a:bodyPr/>
-                    <a:lstStyle/>
-                    <a:p>
-                      <a:pPr latinLnBrk="1"/>
-                      <a:r>
-                        <a:rPr lang="ko-KR" altLang="en-US" sz="1200" dirty="0"/>
-                        <a:t>시험 접수를 하고 시험을 기다린다</a:t>
-                      </a:r>
-                    </a:p>
-                  </a:txBody>
-                  <a:tcPr/>
-                </a:tc>
-                <a:extLst>
-                  <a:ext uri="{0D108BD9-81ED-4DB2-BD59-A6C34878D82A}">
-                    <a16:rowId xmlns:a16="http://schemas.microsoft.com/office/drawing/2014/main" val="4008502061"/>
-                  </a:ext>
-                </a:extLst>
-              </a:tr>
-              <a:tr h="0">
-                <a:tc>
-                  <a:txBody>
-                    <a:bodyPr/>
-                    <a:lstStyle/>
-                    <a:p>
-                      <a:pPr latinLnBrk="1"/>
-                      <a:r>
-                        <a:rPr lang="ko-KR" altLang="en-US" sz="1200" dirty="0"/>
-                        <a:t>시험</a:t>
-                      </a:r>
-                      <a:r>
-                        <a:rPr lang="en-US" altLang="ko-KR" sz="1200" dirty="0"/>
-                        <a:t>-1</a:t>
-                      </a:r>
-                      <a:endParaRPr lang="ko-KR" altLang="en-US" sz="1200" dirty="0"/>
-                    </a:p>
-                  </a:txBody>
-                  <a:tcPr/>
-                </a:tc>
-                <a:tc>
-                  <a:txBody>
-                    <a:bodyPr/>
-                    <a:lstStyle/>
-                    <a:p>
-                      <a:pPr latinLnBrk="1"/>
-                      <a:r>
-                        <a:rPr lang="ko-KR" altLang="en-US" sz="1200" dirty="0"/>
-                        <a:t>찾아야 할 괴물에 대한 정보를 받고 괴물을 찾는다</a:t>
-                      </a:r>
-                    </a:p>
-                  </a:txBody>
-                  <a:tcPr/>
-                </a:tc>
-                <a:extLst>
-                  <a:ext uri="{0D108BD9-81ED-4DB2-BD59-A6C34878D82A}">
-                    <a16:rowId xmlns:a16="http://schemas.microsoft.com/office/drawing/2014/main" val="3841428518"/>
-                  </a:ext>
-                </a:extLst>
-              </a:tr>
-              <a:tr h="0">
-                <a:tc>
-                  <a:txBody>
-                    <a:bodyPr/>
-                    <a:lstStyle/>
-                    <a:p>
-                      <a:pPr latinLnBrk="1"/>
-                      <a:r>
-                        <a:rPr lang="ko-KR" altLang="en-US" sz="1200" dirty="0"/>
-                        <a:t>시험</a:t>
-                      </a:r>
-                      <a:r>
-                        <a:rPr lang="en-US" altLang="ko-KR" sz="1200" dirty="0"/>
-                        <a:t>-2</a:t>
-                      </a:r>
-                      <a:endParaRPr lang="ko-KR" altLang="en-US" sz="1200" dirty="0"/>
-                    </a:p>
-                  </a:txBody>
-                  <a:tcPr/>
-                </a:tc>
-                <a:tc>
-                  <a:txBody>
-                    <a:bodyPr/>
-                    <a:lstStyle/>
-                    <a:p>
-                      <a:pPr latinLnBrk="1"/>
-                      <a:r>
-                        <a:rPr lang="ko-KR" altLang="en-US" sz="1200" dirty="0"/>
-                        <a:t>찾은 괴물을 사냥하고 증명할 수 있는 전리품을 가져온다</a:t>
-                      </a:r>
-                    </a:p>
-                  </a:txBody>
-                  <a:tcPr/>
-                </a:tc>
-                <a:extLst>
-                  <a:ext uri="{0D108BD9-81ED-4DB2-BD59-A6C34878D82A}">
-                    <a16:rowId xmlns:a16="http://schemas.microsoft.com/office/drawing/2014/main" val="1356876725"/>
-                  </a:ext>
-                </a:extLst>
-              </a:tr>
-              <a:tr h="0">
-                <a:tc>
-                  <a:txBody>
-                    <a:bodyPr/>
-                    <a:lstStyle/>
-                    <a:p>
-                      <a:pPr latinLnBrk="1"/>
-                      <a:r>
-                        <a:rPr lang="ko-KR" altLang="en-US" sz="1200" dirty="0"/>
-                        <a:t>시험</a:t>
-                      </a:r>
-                      <a:r>
-                        <a:rPr lang="en-US" altLang="ko-KR" sz="1200" dirty="0"/>
-                        <a:t>-3</a:t>
-                      </a:r>
-                      <a:endParaRPr lang="ko-KR" altLang="en-US" sz="1200" dirty="0"/>
-                    </a:p>
-                  </a:txBody>
-                  <a:tcPr/>
-                </a:tc>
-                <a:tc>
-                  <a:txBody>
-                    <a:bodyPr/>
-                    <a:lstStyle/>
-                    <a:p>
-                      <a:pPr latinLnBrk="1"/>
-                      <a:r>
-                        <a:rPr lang="en-US" altLang="ko-KR" sz="1200" dirty="0"/>
-                        <a:t>2</a:t>
-                      </a:r>
-                      <a:r>
-                        <a:rPr lang="ko-KR" altLang="en-US" sz="1200" dirty="0"/>
-                        <a:t>번 시험까지 통과한 다른 캐릭터 합을 맞추어 강한 괴물을 사냥한다</a:t>
-                      </a:r>
-                      <a:r>
-                        <a:rPr lang="en-US" altLang="ko-KR" sz="1200" dirty="0"/>
-                        <a:t>.</a:t>
-                      </a:r>
-                      <a:endParaRPr lang="ko-KR" altLang="en-US" sz="1200" dirty="0"/>
-                    </a:p>
-                  </a:txBody>
-                  <a:tcPr/>
-                </a:tc>
-                <a:extLst>
-                  <a:ext uri="{0D108BD9-81ED-4DB2-BD59-A6C34878D82A}">
-                    <a16:rowId xmlns:a16="http://schemas.microsoft.com/office/drawing/2014/main" val="3396629813"/>
-                  </a:ext>
-                </a:extLst>
-              </a:tr>
-            </a:tbl>
-          </a:graphicData>
-        </a:graphic>
-      </p:graphicFrame>
     </p:spTree>
     <p:extLst>
       <p:ext uri="{BB962C8B-B14F-4D97-AF65-F5344CB8AC3E}">
-        <p14:creationId xmlns:p14="http://schemas.microsoft.com/office/powerpoint/2010/main" val="3050012463"/>
+        <p14:creationId xmlns:p14="http://schemas.microsoft.com/office/powerpoint/2010/main" val="2127936908"/>
       </p:ext>
     </p:extLst>
   </p:cSld>
@@ -5748,14 +4855,14 @@
           <p:nvPr>
             <p:extLst>
               <p:ext uri="{D42A27DB-BD31-4B8C-83A1-F6EECF244321}">
-                <p14:modId xmlns:p14="http://schemas.microsoft.com/office/powerpoint/2010/main" val="2056682052"/>
+                <p14:modId xmlns:p14="http://schemas.microsoft.com/office/powerpoint/2010/main" val="3539945789"/>
               </p:ext>
             </p:extLst>
           </p:nvPr>
         </p:nvGraphicFramePr>
         <p:xfrm>
           <a:off x="64478" y="64111"/>
-          <a:ext cx="12033737" cy="731520"/>
+          <a:ext cx="12033737" cy="3840480"/>
         </p:xfrm>
         <a:graphic>
           <a:graphicData uri="http://schemas.openxmlformats.org/drawingml/2006/table">
@@ -5781,7 +4888,7 @@
                       <a:pPr latinLnBrk="1"/>
                       <a:r>
                         <a:rPr lang="ko-KR" altLang="en-US" sz="1200" dirty="0"/>
-                        <a:t>승</a:t>
+                        <a:t>서론</a:t>
                       </a:r>
                     </a:p>
                   </a:txBody>
@@ -5802,7 +4909,7 @@
                       <a:pPr latinLnBrk="1"/>
                       <a:r>
                         <a:rPr lang="ko-KR" altLang="en-US" sz="1200" dirty="0"/>
-                        <a:t>토벌단에 들어간 방랑자는 토벌단에서 임무를 받아 전국의 괴물들을 사냥하고 다녔다</a:t>
+                        <a:t>평소와 다름없이 동물을 잡기 위해 사냥꾼은 숲 속을 헤매다가 사슴을 찾아 활을 겨누고 있었다</a:t>
                       </a:r>
                       <a:r>
                         <a:rPr lang="en-US" altLang="ko-KR" sz="1200" dirty="0"/>
@@ -5810,11 +4917,210 @@
                       </a:r>
                       <a:r>
                         <a:rPr lang="ko-KR" altLang="en-US" sz="1200" dirty="0"/>
-                        <a:t>어느 정도 실적을 올리고 강해 졌을 무렵 방랑자의 힘을 알아보고 무림에서 연락이 들어 왔다</a:t>
+                        <a:t>그 순간 괴물이 나타나 사슴을 덮쳤고 사냥꾼은 괴물을 피해 마을로 급하게 도망쳤다</a:t>
                       </a:r>
                       <a:r>
                         <a:rPr lang="en-US" altLang="ko-KR" sz="1200" dirty="0"/>
                         <a:t>. </a:t>
+                      </a:r>
+                      <a:r>
+                        <a:rPr lang="ko-KR" altLang="en-US" sz="1200" dirty="0"/>
+                        <a:t>숲을 빠져나와 마을을 본 사냥꾼은 놀랄 수 밖에 없었다</a:t>
+                      </a:r>
+                      <a:r>
+                        <a:rPr lang="en-US" altLang="ko-KR" sz="1200" dirty="0"/>
+                        <a:t>. </a:t>
+                      </a:r>
+                      <a:r>
+                        <a:rPr lang="ko-KR" altLang="en-US" sz="1200" dirty="0"/>
+                        <a:t>자신의 마을이 괴물들에게 습격 받아 불타고 있었지 때문이다</a:t>
+                      </a:r>
+                      <a:r>
+                        <a:rPr lang="en-US" altLang="ko-KR" sz="1200" dirty="0"/>
+                        <a:t>. </a:t>
+                      </a:r>
+                      <a:r>
+                        <a:rPr lang="ko-KR" altLang="en-US" sz="1200" dirty="0"/>
+                        <a:t>급히 마을로 달려가 가족들을 찾았지만 이미 가족들은 모두 죽어 있었고 사냥꾼은 살기위해 괴물들을 피해서 도망쳤다</a:t>
+                      </a:r>
+                      <a:r>
+                        <a:rPr lang="en-US" altLang="ko-KR" sz="1200" dirty="0"/>
+                        <a:t>. </a:t>
+                      </a:r>
+                    </a:p>
+                    <a:p>
+                      <a:pPr latinLnBrk="1"/>
+                      <a:endParaRPr lang="en-US" altLang="ko-KR" sz="1200" dirty="0"/>
+                    </a:p>
+                    <a:p>
+                      <a:pPr latinLnBrk="1"/>
+                      <a:r>
+                        <a:rPr lang="ko-KR" altLang="en-US" sz="1200" dirty="0"/>
+                        <a:t>그렇게 사냥꾼은 </a:t>
+                      </a:r>
+                      <a:r>
+                        <a:rPr lang="en-US" altLang="ko-KR" sz="1200" dirty="0"/>
+                        <a:t>‘</a:t>
+                      </a:r>
+                      <a:r>
+                        <a:rPr lang="ko-KR" altLang="en-US" sz="1200" dirty="0"/>
+                        <a:t>방랑자</a:t>
+                      </a:r>
+                      <a:r>
+                        <a:rPr lang="en-US" altLang="ko-KR" sz="1200" dirty="0"/>
+                        <a:t>’</a:t>
+                      </a:r>
+                      <a:r>
+                        <a:rPr lang="ko-KR" altLang="en-US" sz="1200" dirty="0"/>
+                        <a:t>가 되었다</a:t>
+                      </a:r>
+                      <a:r>
+                        <a:rPr lang="en-US" altLang="ko-KR" sz="1200" dirty="0"/>
+                        <a:t>. </a:t>
+                      </a:r>
+                    </a:p>
+                    <a:p>
+                      <a:pPr latinLnBrk="1"/>
+                      <a:endParaRPr lang="en-US" altLang="ko-KR" sz="1200" dirty="0"/>
+                    </a:p>
+                    <a:p>
+                      <a:pPr latinLnBrk="1"/>
+                      <a:r>
+                        <a:rPr lang="ko-KR" altLang="en-US" sz="1200" dirty="0"/>
+                        <a:t>가족과 친구들을 모두 잃은 방랑자는 복수심에 불타 올랐고 괴물을 죽이기 위해 온갖 방법을 찾아 떠돌아 다녔다</a:t>
+                      </a:r>
+                      <a:r>
+                        <a:rPr lang="en-US" altLang="ko-KR" sz="1200" dirty="0"/>
+                        <a:t>. </a:t>
+                      </a:r>
+                      <a:r>
+                        <a:rPr lang="ko-KR" altLang="en-US" sz="1200" dirty="0"/>
+                        <a:t>그러다 우연히 스승을 만나 간단한 기술들을 전수 받고 복수를 위해 전국을 떠돌며 괴물들을 사냥하고 다녔다</a:t>
+                      </a:r>
+                      <a:r>
+                        <a:rPr lang="en-US" altLang="ko-KR" sz="1200" dirty="0"/>
+                        <a:t>.</a:t>
+                      </a:r>
+                    </a:p>
+                    <a:p>
+                      <a:pPr latinLnBrk="1"/>
+                      <a:endParaRPr lang="en-US" altLang="ko-KR" sz="1200" dirty="0"/>
+                    </a:p>
+                    <a:p>
+                      <a:pPr latinLnBrk="1"/>
+                      <a:r>
+                        <a:rPr lang="en-US" altLang="ko-KR" sz="1200" dirty="0"/>
+                        <a:t>1</a:t>
+                      </a:r>
+                      <a:r>
+                        <a:rPr lang="ko-KR" altLang="en-US" sz="1200" dirty="0"/>
+                        <a:t>년 후 괴물을 사냥하고 다니던 중 나라와 무림에서 괴물들을 잡기위한 토벌단을 창설했고 현재 추가 단원들을 모집하고 있다는 소문이 들려왔다</a:t>
+                      </a:r>
+                      <a:r>
+                        <a:rPr lang="en-US" altLang="ko-KR" sz="1200" dirty="0"/>
+                        <a:t>. </a:t>
+                      </a:r>
+                    </a:p>
+                    <a:p>
+                      <a:pPr latinLnBrk="1"/>
+                      <a:r>
+                        <a:rPr lang="ko-KR" altLang="en-US" sz="1200" dirty="0"/>
+                        <a:t>토벌단은 본래 괴물들을 억제하고 있던 무림 세력과 나라의 관군들이 더 이상 괴물들을 상대할 여력이 없어져 전국에서 괴물을 상대 할 수 있는 인재를 찾고 훈련시켜 괴물들을 상대하기 위해 창설되었다</a:t>
+                      </a:r>
+                      <a:r>
+                        <a:rPr lang="en-US" altLang="ko-KR" sz="1200" dirty="0"/>
+                        <a:t>.</a:t>
+                      </a:r>
+                    </a:p>
+                    <a:p>
+                      <a:pPr latinLnBrk="1"/>
+                      <a:endParaRPr lang="en-US" altLang="ko-KR" sz="1200" dirty="0"/>
+                    </a:p>
+                    <a:p>
+                      <a:pPr latinLnBrk="1"/>
+                      <a:r>
+                        <a:rPr lang="ko-KR" altLang="en-US" sz="1200" dirty="0"/>
+                        <a:t>방랑자는 토벌단에 입단하게 되면 괴물들을 더 효과적으로 죽일 수 있다 생각하여 토벌단에 들어가기로 마음먹고 입단 시험을 받기 위해 시험장을 찾아갔다</a:t>
+                      </a:r>
+                      <a:r>
+                        <a:rPr lang="en-US" altLang="ko-KR" sz="1200" dirty="0"/>
+                        <a:t>.</a:t>
+                      </a:r>
+                    </a:p>
+                    <a:p>
+                      <a:pPr latinLnBrk="1"/>
+                      <a:r>
+                        <a:rPr lang="ko-KR" altLang="en-US" sz="1200" dirty="0"/>
+                        <a:t>시험의 내용은 총 </a:t>
+                      </a:r>
+                      <a:r>
+                        <a:rPr lang="en-US" altLang="ko-KR" sz="1200" dirty="0"/>
+                        <a:t>3</a:t>
+                      </a:r>
+                      <a:r>
+                        <a:rPr lang="ko-KR" altLang="en-US" sz="1200" dirty="0"/>
+                        <a:t>가지 였다</a:t>
+                      </a:r>
+                      <a:r>
+                        <a:rPr lang="en-US" altLang="ko-KR" sz="1200" dirty="0"/>
+                        <a:t>. </a:t>
+                      </a:r>
+                    </a:p>
+                    <a:p>
+                      <a:pPr latinLnBrk="1"/>
+                      <a:r>
+                        <a:rPr lang="ko-KR" altLang="en-US" sz="1200" dirty="0"/>
+                        <a:t>첫 번째 괴물의 추적 할 수 있는 능력을 증명하는 것</a:t>
+                      </a:r>
+                      <a:r>
+                        <a:rPr lang="en-US" altLang="ko-KR" sz="1200" dirty="0"/>
+                        <a:t>, </a:t>
+                      </a:r>
+                    </a:p>
+                    <a:p>
+                      <a:pPr latinLnBrk="1"/>
+                      <a:r>
+                        <a:rPr lang="ko-KR" altLang="en-US" sz="1200" dirty="0"/>
+                        <a:t>두 번째 괴물을 사냥하고 증거를 가져 오는 것</a:t>
+                      </a:r>
+                      <a:r>
+                        <a:rPr lang="en-US" altLang="ko-KR" sz="1200" dirty="0"/>
+                        <a:t>, </a:t>
+                      </a:r>
+                    </a:p>
+                    <a:p>
+                      <a:pPr latinLnBrk="1"/>
+                      <a:r>
+                        <a:rPr lang="ko-KR" altLang="en-US" sz="1200" dirty="0"/>
+                        <a:t>세 번째 동료와 합을 맞추는 것</a:t>
+                      </a:r>
+                      <a:endParaRPr lang="en-US" altLang="ko-KR" sz="1200" dirty="0"/>
+                    </a:p>
+                    <a:p>
+                      <a:pPr latinLnBrk="1"/>
+                      <a:r>
+                        <a:rPr lang="ko-KR" altLang="en-US" sz="1200" dirty="0"/>
+                        <a:t>방랑자는 자신처럼 시험을 치루는 </a:t>
+                      </a:r>
+                      <a:r>
+                        <a:rPr lang="en-US" altLang="ko-KR" sz="1200" dirty="0"/>
+                        <a:t>‘</a:t>
+                      </a:r>
+                      <a:r>
+                        <a:rPr lang="ko-KR" altLang="en-US" sz="1200" dirty="0"/>
+                        <a:t>세영</a:t>
+                      </a:r>
+                      <a:r>
+                        <a:rPr lang="en-US" altLang="ko-KR" sz="1200" dirty="0"/>
+                        <a:t>’</a:t>
+                      </a:r>
+                      <a:r>
+                        <a:rPr lang="ko-KR" altLang="en-US" sz="1200" dirty="0"/>
+                        <a:t>과 함께 시험에 통과하고 토벌단의 단원이 되었다</a:t>
+                      </a:r>
+                      <a:r>
+                        <a:rPr lang="en-US" altLang="ko-KR" sz="1200" dirty="0"/>
+                        <a:t>.</a:t>
                       </a:r>
                     </a:p>
                   </a:txBody>
@@ -5833,7 +5139,7 @@
     </p:spTree>
     <p:extLst>
       <p:ext uri="{BB962C8B-B14F-4D97-AF65-F5344CB8AC3E}">
-        <p14:creationId xmlns:p14="http://schemas.microsoft.com/office/powerpoint/2010/main" val="3836233048"/>
+        <p14:creationId xmlns:p14="http://schemas.microsoft.com/office/powerpoint/2010/main" val="3050012463"/>
       </p:ext>
     </p:extLst>
   </p:cSld>
@@ -5862,6 +5168,914 @@
       </p:grpSpPr>
       <p:graphicFrame>
         <p:nvGraphicFramePr>
+          <p:cNvPr id="4" name="표 4">
+            <a:extLst>
+              <a:ext uri="{FF2B5EF4-FFF2-40B4-BE49-F238E27FC236}">
+                <a16:creationId xmlns:a16="http://schemas.microsoft.com/office/drawing/2014/main" id="{9574166C-2FF5-449C-A3F9-05471B91C80D}"/>
+              </a:ext>
+            </a:extLst>
+          </p:cNvPr>
+          <p:cNvGraphicFramePr>
+            <a:graphicFrameLocks noGrp="1"/>
+          </p:cNvGraphicFramePr>
+          <p:nvPr>
+            <p:extLst>
+              <p:ext uri="{D42A27DB-BD31-4B8C-83A1-F6EECF244321}">
+                <p14:modId xmlns:p14="http://schemas.microsoft.com/office/powerpoint/2010/main" val="3369178740"/>
+              </p:ext>
+            </p:extLst>
+          </p:nvPr>
+        </p:nvGraphicFramePr>
+        <p:xfrm>
+          <a:off x="64478" y="64111"/>
+          <a:ext cx="12033737" cy="2743200"/>
+        </p:xfrm>
+        <a:graphic>
+          <a:graphicData uri="http://schemas.openxmlformats.org/drawingml/2006/table">
+            <a:tbl>
+              <a:tblPr firstRow="1" bandRow="1">
+                <a:tableStyleId>{5C22544A-7EE6-4342-B048-85BDC9FD1C3A}</a:tableStyleId>
+              </a:tblPr>
+              <a:tblGrid>
+                <a:gridCol w="12033737">
+                  <a:extLst>
+                    <a:ext uri="{9D8B030D-6E8A-4147-A177-3AD203B41FA5}">
+                      <a16:colId xmlns:a16="http://schemas.microsoft.com/office/drawing/2014/main" val="3580401190"/>
+                    </a:ext>
+                  </a:extLst>
+                </a:gridCol>
+              </a:tblGrid>
+              <a:tr h="123473">
+                <a:tc>
+                  <a:txBody>
+                    <a:bodyPr/>
+                    <a:lstStyle/>
+                    <a:p>
+                      <a:pPr latinLnBrk="1"/>
+                      <a:r>
+                        <a:rPr lang="ko-KR" altLang="en-US" sz="1200" dirty="0"/>
+                        <a:t>본론</a:t>
+                      </a:r>
+                    </a:p>
+                  </a:txBody>
+                  <a:tcPr/>
+                </a:tc>
+                <a:extLst>
+                  <a:ext uri="{0D108BD9-81ED-4DB2-BD59-A6C34878D82A}">
+                    <a16:rowId xmlns:a16="http://schemas.microsoft.com/office/drawing/2014/main" val="369265982"/>
+                  </a:ext>
+                </a:extLst>
+              </a:tr>
+              <a:tr h="946624">
+                <a:tc>
+                  <a:txBody>
+                    <a:bodyPr/>
+                    <a:lstStyle/>
+                    <a:p>
+                      <a:pPr latinLnBrk="1"/>
+                      <a:r>
+                        <a:rPr lang="ko-KR" altLang="en-US" sz="1200" dirty="0"/>
+                        <a:t>입단 이후 임무를 받아 괴물을 사냥하며 공헌도가 많이 쌓은 방랑자에게 토벌단에서 상위 임무를 주고 방랑자는 임무를 수행하기 위해 떠난다</a:t>
+                      </a:r>
+                      <a:r>
+                        <a:rPr lang="en-US" altLang="ko-KR" sz="1200" dirty="0"/>
+                        <a:t>.</a:t>
+                      </a:r>
+                    </a:p>
+                    <a:p>
+                      <a:pPr latinLnBrk="1"/>
+                      <a:r>
+                        <a:rPr lang="ko-KR" altLang="en-US" sz="1200" dirty="0"/>
+                        <a:t>임무 수행 중 방랑자는 해당 임무의 원흉과 만나게 되고 치열한 싸움 끝에 제압한다</a:t>
+                      </a:r>
+                      <a:r>
+                        <a:rPr lang="en-US" altLang="ko-KR" sz="1200" dirty="0"/>
+                        <a:t>. </a:t>
+                      </a:r>
+                      <a:r>
+                        <a:rPr lang="ko-KR" altLang="en-US" sz="1200" dirty="0"/>
+                        <a:t>원흉은 누군가의 분신이며 뒤에 거대한 흑막이 있다는 것을 알게 된 방랑자는 해당 존재를 추적하기로 하고 그러기 위해 더 많은 임무를 해결하고 공헌도를 쌓는다</a:t>
+                      </a:r>
+                      <a:r>
+                        <a:rPr lang="en-US" altLang="ko-KR" sz="1200" dirty="0"/>
+                        <a:t>.</a:t>
+                      </a:r>
+                    </a:p>
+                    <a:p>
+                      <a:pPr latinLnBrk="1"/>
+                      <a:endParaRPr lang="en-US" altLang="ko-KR" sz="1200" dirty="0"/>
+                    </a:p>
+                    <a:p>
+                      <a:pPr latinLnBrk="1"/>
+                      <a:r>
+                        <a:rPr lang="ko-KR" altLang="en-US" sz="1200" dirty="0"/>
+                        <a:t>계속 임무를 수행하던 중 토벌단에서 오랜만에 </a:t>
+                      </a:r>
+                      <a:r>
+                        <a:rPr lang="ko-KR" altLang="en-US" sz="1200" dirty="0" err="1"/>
+                        <a:t>토벌단</a:t>
+                      </a:r>
+                      <a:r>
+                        <a:rPr lang="ko-KR" altLang="en-US" sz="1200" dirty="0"/>
+                        <a:t> 동기인 </a:t>
+                      </a:r>
+                      <a:r>
+                        <a:rPr lang="en-US" altLang="ko-KR" sz="1200" dirty="0"/>
+                        <a:t>‘</a:t>
+                      </a:r>
+                      <a:r>
+                        <a:rPr lang="ko-KR" altLang="en-US" sz="1200" dirty="0"/>
+                        <a:t>세영</a:t>
+                      </a:r>
+                      <a:r>
+                        <a:rPr lang="en-US" altLang="ko-KR" sz="1200" dirty="0"/>
+                        <a:t>’</a:t>
+                      </a:r>
+                      <a:r>
+                        <a:rPr lang="ko-KR" altLang="en-US" sz="1200" dirty="0"/>
+                        <a:t>을 만나게 된다</a:t>
+                      </a:r>
+                      <a:r>
+                        <a:rPr lang="en-US" altLang="ko-KR" sz="1200" dirty="0"/>
+                        <a:t>.</a:t>
+                      </a:r>
+                    </a:p>
+                    <a:p>
+                      <a:pPr latinLnBrk="1"/>
+                      <a:r>
+                        <a:rPr lang="ko-KR" altLang="en-US" sz="1200" dirty="0"/>
+                        <a:t>하지만 </a:t>
+                      </a:r>
+                      <a:r>
+                        <a:rPr lang="en-US" altLang="ko-KR" sz="1200" dirty="0"/>
+                        <a:t>‘</a:t>
+                      </a:r>
+                      <a:r>
+                        <a:rPr lang="ko-KR" altLang="en-US" sz="1200" dirty="0"/>
+                        <a:t>세영</a:t>
+                      </a:r>
+                      <a:r>
+                        <a:rPr lang="en-US" altLang="ko-KR" sz="1200" dirty="0"/>
+                        <a:t>’</a:t>
+                      </a:r>
+                      <a:r>
+                        <a:rPr lang="ko-KR" altLang="en-US" sz="1200" dirty="0"/>
+                        <a:t>의 상태는 뭔가 이상해 보였고 대화 후 현제 산신이 오염되어 폭주하고 있고  </a:t>
+                      </a:r>
+                      <a:r>
+                        <a:rPr lang="en-US" altLang="ko-KR" sz="1200" dirty="0"/>
+                        <a:t>‘</a:t>
+                      </a:r>
+                      <a:r>
+                        <a:rPr lang="ko-KR" altLang="en-US" sz="1200" dirty="0"/>
+                        <a:t>세영</a:t>
+                      </a:r>
+                      <a:r>
+                        <a:rPr lang="en-US" altLang="ko-KR" sz="1200" dirty="0"/>
+                        <a:t>’</a:t>
+                      </a:r>
+                      <a:r>
+                        <a:rPr lang="ko-KR" altLang="en-US" sz="1200" dirty="0"/>
+                        <a:t>은 산신에게 당해 인간이 아닌 </a:t>
+                      </a:r>
+                      <a:r>
+                        <a:rPr lang="ko-KR" altLang="en-US" sz="1200" dirty="0" err="1"/>
+                        <a:t>창귀가</a:t>
+                      </a:r>
+                      <a:r>
+                        <a:rPr lang="ko-KR" altLang="en-US" sz="1200" dirty="0"/>
+                        <a:t> 되어 버렸다는 사실을 알게 된다</a:t>
+                      </a:r>
+                      <a:r>
+                        <a:rPr lang="en-US" altLang="ko-KR" sz="1200" dirty="0"/>
+                        <a:t>.</a:t>
+                      </a:r>
+                    </a:p>
+                    <a:p>
+                      <a:pPr latinLnBrk="1"/>
+                      <a:r>
+                        <a:rPr lang="ko-KR" altLang="en-US" sz="1200" dirty="0" err="1"/>
+                        <a:t>창귀가</a:t>
+                      </a:r>
+                      <a:r>
+                        <a:rPr lang="ko-KR" altLang="en-US" sz="1200" dirty="0"/>
+                        <a:t> 된 </a:t>
+                      </a:r>
+                      <a:r>
+                        <a:rPr lang="en-US" altLang="ko-KR" sz="1200" dirty="0"/>
+                        <a:t>‘</a:t>
+                      </a:r>
+                      <a:r>
+                        <a:rPr lang="ko-KR" altLang="en-US" sz="1200" dirty="0"/>
+                        <a:t>세영</a:t>
+                      </a:r>
+                      <a:r>
+                        <a:rPr lang="en-US" altLang="ko-KR" sz="1200" dirty="0"/>
+                        <a:t>’</a:t>
+                      </a:r>
+                      <a:r>
+                        <a:rPr lang="ko-KR" altLang="en-US" sz="1200" dirty="0"/>
+                        <a:t>은 방랑자에게 산신을 제압하고 자신을 해방해 줄 것을 부탁 하였고 방랑자는 그 부탁에 따라 산신을 제압한다</a:t>
+                      </a:r>
+                      <a:r>
+                        <a:rPr lang="en-US" altLang="ko-KR" sz="1200" dirty="0"/>
+                        <a:t>.</a:t>
+                      </a:r>
+                      <a:r>
+                        <a:rPr lang="ko-KR" altLang="en-US" sz="1200" dirty="0"/>
+                        <a:t> </a:t>
+                      </a:r>
+                      <a:endParaRPr lang="en-US" altLang="ko-KR" sz="1200" dirty="0"/>
+                    </a:p>
+                    <a:p>
+                      <a:pPr latinLnBrk="1"/>
+                      <a:endParaRPr lang="en-US" altLang="ko-KR" sz="1200" dirty="0"/>
+                    </a:p>
+                    <a:p>
+                      <a:pPr latinLnBrk="1"/>
+                      <a:r>
+                        <a:rPr lang="ko-KR" altLang="en-US" sz="1200" dirty="0"/>
+                        <a:t>계속해서 분신들을 처리하고 정보를 모아 흑막에게 가까워진 방랑자의 앞에 지금 까지 처리 했던 분신들과 다른 이질적인 분신이 나타난다</a:t>
+                      </a:r>
+                      <a:r>
+                        <a:rPr lang="en-US" altLang="ko-KR" sz="1200" dirty="0"/>
+                        <a:t>.</a:t>
+                      </a:r>
+                    </a:p>
+                    <a:p>
+                      <a:pPr latinLnBrk="1"/>
+                      <a:r>
+                        <a:rPr lang="ko-KR" altLang="en-US" sz="1200" dirty="0"/>
+                        <a:t>분신은 자신을 </a:t>
+                      </a:r>
+                      <a:r>
+                        <a:rPr lang="en-US" altLang="ko-KR" sz="1200" dirty="0"/>
+                        <a:t>‘</a:t>
+                      </a:r>
+                      <a:r>
+                        <a:rPr lang="ko-KR" altLang="en-US" sz="1200" dirty="0"/>
+                        <a:t>달기</a:t>
+                      </a:r>
+                      <a:r>
+                        <a:rPr lang="en-US" altLang="ko-KR" sz="1200" dirty="0"/>
+                        <a:t>’</a:t>
+                      </a:r>
+                      <a:r>
+                        <a:rPr lang="ko-KR" altLang="en-US" sz="1200" dirty="0"/>
+                        <a:t>의 꼬리 중 하나 이며 동시에 </a:t>
+                      </a:r>
+                      <a:r>
+                        <a:rPr lang="en-US" altLang="ko-KR" sz="1200" dirty="0"/>
+                        <a:t>‘</a:t>
+                      </a:r>
+                      <a:r>
+                        <a:rPr lang="ko-KR" altLang="en-US" sz="1200" dirty="0"/>
+                        <a:t>달기</a:t>
+                      </a:r>
+                      <a:r>
+                        <a:rPr lang="en-US" altLang="ko-KR" sz="1200" dirty="0"/>
+                        <a:t>’</a:t>
+                      </a:r>
+                      <a:r>
+                        <a:rPr lang="ko-KR" altLang="en-US" sz="1200" dirty="0"/>
+                        <a:t>에게 남은 마지막 진심이라고 밝힌다</a:t>
+                      </a:r>
+                      <a:r>
+                        <a:rPr lang="en-US" altLang="ko-KR" sz="1200" dirty="0"/>
+                        <a:t>.</a:t>
+                      </a:r>
+                    </a:p>
+                    <a:p>
+                      <a:pPr latinLnBrk="1"/>
+                      <a:r>
+                        <a:rPr lang="en-US" altLang="ko-KR" sz="1200" dirty="0"/>
+                        <a:t>‘</a:t>
+                      </a:r>
+                      <a:r>
+                        <a:rPr lang="ko-KR" altLang="en-US" sz="1200" dirty="0"/>
+                        <a:t>달기</a:t>
+                      </a:r>
+                      <a:r>
+                        <a:rPr lang="en-US" altLang="ko-KR" sz="1200" dirty="0"/>
+                        <a:t>’</a:t>
+                      </a:r>
+                      <a:r>
+                        <a:rPr lang="ko-KR" altLang="en-US" sz="1200" dirty="0"/>
+                        <a:t>가 지맥에 노출되었을 때 지맥의 강력한 힘으로 인하여 </a:t>
+                      </a:r>
+                      <a:r>
+                        <a:rPr lang="en-US" altLang="ko-KR" sz="1200" dirty="0"/>
+                        <a:t>‘</a:t>
+                      </a:r>
+                      <a:r>
+                        <a:rPr lang="ko-KR" altLang="en-US" sz="1200" dirty="0"/>
+                        <a:t>달기</a:t>
+                      </a:r>
+                      <a:r>
+                        <a:rPr lang="en-US" altLang="ko-KR" sz="1200" dirty="0"/>
+                        <a:t>’</a:t>
+                      </a:r>
+                      <a:r>
+                        <a:rPr lang="ko-KR" altLang="en-US" sz="1200" dirty="0"/>
+                        <a:t>의 진심인 본인은 마음속 깊은 곳에 가라앉게 되었으며 </a:t>
+                      </a:r>
+                      <a:r>
+                        <a:rPr lang="en-US" altLang="ko-KR" sz="1200" dirty="0"/>
+                        <a:t>‘</a:t>
+                      </a:r>
+                      <a:r>
+                        <a:rPr lang="ko-KR" altLang="en-US" sz="1200" dirty="0"/>
+                        <a:t>달기</a:t>
+                      </a:r>
+                      <a:r>
+                        <a:rPr lang="en-US" altLang="ko-KR" sz="1200" dirty="0"/>
+                        <a:t>‘</a:t>
+                      </a:r>
+                      <a:r>
+                        <a:rPr lang="ko-KR" altLang="en-US" sz="1200" dirty="0"/>
+                        <a:t>가 자신의 꼬리에 있는 </a:t>
+                      </a:r>
+                      <a:r>
+                        <a:rPr lang="ko-KR" altLang="en-US" sz="1200" dirty="0" err="1"/>
+                        <a:t>요력으로</a:t>
+                      </a:r>
+                      <a:r>
+                        <a:rPr lang="ko-KR" altLang="en-US" sz="1200" dirty="0"/>
+                        <a:t> 분신을 만드는 순간 자신 또한 분신 중 하나에 깃들게 되었으며 현제 </a:t>
+                      </a:r>
+                      <a:r>
+                        <a:rPr lang="en-US" altLang="ko-KR" sz="1200" dirty="0"/>
+                        <a:t>‘</a:t>
+                      </a:r>
+                      <a:r>
+                        <a:rPr lang="ko-KR" altLang="en-US" sz="1200" dirty="0"/>
+                        <a:t>달기</a:t>
+                      </a:r>
+                      <a:r>
+                        <a:rPr lang="en-US" altLang="ko-KR" sz="1200" dirty="0"/>
+                        <a:t>’</a:t>
+                      </a:r>
+                      <a:r>
+                        <a:rPr lang="ko-KR" altLang="en-US" sz="1200" dirty="0"/>
+                        <a:t>는 지맥으로 폭주하여 세상에 모든 인간을 멸하기 위해 움직이고 있다는 것과 현제 방랑자가 대부분의 분신을 제압하여 이상이 생겼다는 것을 알고 이 나라로 오고 있다는 사실을 알려 주었다</a:t>
+                      </a:r>
+                      <a:r>
+                        <a:rPr lang="en-US" altLang="ko-KR" sz="1200" dirty="0"/>
+                        <a:t>.</a:t>
+                      </a:r>
+                    </a:p>
+                  </a:txBody>
+                  <a:tcPr/>
+                </a:tc>
+                <a:extLst>
+                  <a:ext uri="{0D108BD9-81ED-4DB2-BD59-A6C34878D82A}">
+                    <a16:rowId xmlns:a16="http://schemas.microsoft.com/office/drawing/2014/main" val="1282847511"/>
+                  </a:ext>
+                </a:extLst>
+              </a:tr>
+            </a:tbl>
+          </a:graphicData>
+        </a:graphic>
+      </p:graphicFrame>
+    </p:spTree>
+    <p:extLst>
+      <p:ext uri="{BB962C8B-B14F-4D97-AF65-F5344CB8AC3E}">
+        <p14:creationId xmlns:p14="http://schemas.microsoft.com/office/powerpoint/2010/main" val="1944187662"/>
+      </p:ext>
+    </p:extLst>
+  </p:cSld>
+  <p:clrMapOvr>
+    <a:masterClrMapping/>
+  </p:clrMapOvr>
+</p:sld>
+</file>
+
+<file path=ppt/slides/slide7.xml><?xml version="1.0" encoding="utf-8"?>
+<p:sld xmlns:a="http://schemas.openxmlformats.org/drawingml/2006/main" xmlns:r="http://schemas.openxmlformats.org/officeDocument/2006/relationships" xmlns:p="http://schemas.openxmlformats.org/presentationml/2006/main">
+  <p:cSld>
+    <p:spTree>
+      <p:nvGrpSpPr>
+        <p:cNvPr id="1" name=""/>
+        <p:cNvGrpSpPr/>
+        <p:nvPr/>
+      </p:nvGrpSpPr>
+      <p:grpSpPr>
+        <a:xfrm>
+          <a:off x="0" y="0"/>
+          <a:ext cx="0" cy="0"/>
+          <a:chOff x="0" y="0"/>
+          <a:chExt cx="0" cy="0"/>
+        </a:xfrm>
+      </p:grpSpPr>
+      <p:graphicFrame>
+        <p:nvGraphicFramePr>
+          <p:cNvPr id="4" name="표 4">
+            <a:extLst>
+              <a:ext uri="{FF2B5EF4-FFF2-40B4-BE49-F238E27FC236}">
+                <a16:creationId xmlns:a16="http://schemas.microsoft.com/office/drawing/2014/main" id="{9574166C-2FF5-449C-A3F9-05471B91C80D}"/>
+              </a:ext>
+            </a:extLst>
+          </p:cNvPr>
+          <p:cNvGraphicFramePr>
+            <a:graphicFrameLocks noGrp="1"/>
+          </p:cNvGraphicFramePr>
+          <p:nvPr>
+            <p:extLst>
+              <p:ext uri="{D42A27DB-BD31-4B8C-83A1-F6EECF244321}">
+                <p14:modId xmlns:p14="http://schemas.microsoft.com/office/powerpoint/2010/main" val="357612103"/>
+              </p:ext>
+            </p:extLst>
+          </p:nvPr>
+        </p:nvGraphicFramePr>
+        <p:xfrm>
+          <a:off x="64478" y="64111"/>
+          <a:ext cx="12033737" cy="1097280"/>
+        </p:xfrm>
+        <a:graphic>
+          <a:graphicData uri="http://schemas.openxmlformats.org/drawingml/2006/table">
+            <a:tbl>
+              <a:tblPr firstRow="1" bandRow="1">
+                <a:tableStyleId>{5C22544A-7EE6-4342-B048-85BDC9FD1C3A}</a:tableStyleId>
+              </a:tblPr>
+              <a:tblGrid>
+                <a:gridCol w="12033737">
+                  <a:extLst>
+                    <a:ext uri="{9D8B030D-6E8A-4147-A177-3AD203B41FA5}">
+                      <a16:colId xmlns:a16="http://schemas.microsoft.com/office/drawing/2014/main" val="3580401190"/>
+                    </a:ext>
+                  </a:extLst>
+                </a:gridCol>
+              </a:tblGrid>
+              <a:tr h="0">
+                <a:tc>
+                  <a:txBody>
+                    <a:bodyPr/>
+                    <a:lstStyle/>
+                    <a:p>
+                      <a:pPr latinLnBrk="1"/>
+                      <a:r>
+                        <a:rPr lang="ko-KR" altLang="en-US" sz="1200" dirty="0"/>
+                        <a:t>결론</a:t>
+                      </a:r>
+                    </a:p>
+                  </a:txBody>
+                  <a:tcPr/>
+                </a:tc>
+                <a:extLst>
+                  <a:ext uri="{0D108BD9-81ED-4DB2-BD59-A6C34878D82A}">
+                    <a16:rowId xmlns:a16="http://schemas.microsoft.com/office/drawing/2014/main" val="369265982"/>
+                  </a:ext>
+                </a:extLst>
+              </a:tr>
+              <a:tr h="370840">
+                <a:tc>
+                  <a:txBody>
+                    <a:bodyPr/>
+                    <a:lstStyle/>
+                    <a:p>
+                      <a:pPr marL="0" marR="0" lvl="0" indent="0" algn="l" defTabSz="914400" rtl="0" eaLnBrk="1" fontAlgn="auto" latinLnBrk="1" hangingPunct="1">
+                        <a:lnSpc>
+                          <a:spcPct val="100000"/>
+                        </a:lnSpc>
+                        <a:spcBef>
+                          <a:spcPts val="0"/>
+                        </a:spcBef>
+                        <a:spcAft>
+                          <a:spcPts val="0"/>
+                        </a:spcAft>
+                        <a:buClrTx/>
+                        <a:buSzTx/>
+                        <a:buFontTx/>
+                        <a:buNone/>
+                        <a:tabLst/>
+                        <a:defRPr/>
+                      </a:pPr>
+                      <a:r>
+                        <a:rPr lang="ko-KR" altLang="en-US" sz="1200" dirty="0"/>
+                        <a:t>방랑자는 싸움을 준비하고 분신의 안내를 받아 </a:t>
+                      </a:r>
+                      <a:r>
+                        <a:rPr lang="en-US" altLang="ko-KR" sz="1200" dirty="0"/>
+                        <a:t>‘</a:t>
+                      </a:r>
+                      <a:r>
+                        <a:rPr lang="ko-KR" altLang="en-US" sz="1200" dirty="0"/>
+                        <a:t>달기</a:t>
+                      </a:r>
+                      <a:r>
+                        <a:rPr lang="en-US" altLang="ko-KR" sz="1200" dirty="0"/>
+                        <a:t>‘</a:t>
+                      </a:r>
+                      <a:r>
+                        <a:rPr lang="ko-KR" altLang="en-US" sz="1200" dirty="0"/>
+                        <a:t>와 목숨을 건 싸움을 한다</a:t>
+                      </a:r>
+                      <a:r>
+                        <a:rPr lang="en-US" altLang="ko-KR" sz="1200" dirty="0"/>
+                        <a:t>.</a:t>
+                      </a:r>
+                    </a:p>
+                    <a:p>
+                      <a:pPr latinLnBrk="1"/>
+                      <a:r>
+                        <a:rPr lang="ko-KR" altLang="en-US" sz="1200" dirty="0"/>
+                        <a:t>치열한 싸움 끝에 방랑자는 </a:t>
+                      </a:r>
+                      <a:r>
+                        <a:rPr lang="en-US" altLang="ko-KR" sz="1200" dirty="0"/>
+                        <a:t>‘</a:t>
+                      </a:r>
+                      <a:r>
+                        <a:rPr lang="ko-KR" altLang="en-US" sz="1200" dirty="0"/>
+                        <a:t>달기</a:t>
+                      </a:r>
+                      <a:r>
+                        <a:rPr lang="en-US" altLang="ko-KR" sz="1200" dirty="0"/>
+                        <a:t>‘</a:t>
+                      </a:r>
+                      <a:r>
+                        <a:rPr lang="ko-KR" altLang="en-US" sz="1200" dirty="0"/>
+                        <a:t>와의 싸움에서 승리했지만 오랜 시간 </a:t>
+                      </a:r>
+                      <a:r>
+                        <a:rPr lang="en-US" altLang="ko-KR" sz="1200" dirty="0"/>
+                        <a:t>‘</a:t>
+                      </a:r>
+                      <a:r>
+                        <a:rPr lang="ko-KR" altLang="en-US" sz="1200" dirty="0"/>
+                        <a:t>달기</a:t>
+                      </a:r>
+                      <a:r>
+                        <a:rPr lang="en-US" altLang="ko-KR" sz="1200" dirty="0"/>
+                        <a:t>’</a:t>
+                      </a:r>
+                      <a:r>
+                        <a:rPr lang="ko-KR" altLang="en-US" sz="1200" dirty="0"/>
+                        <a:t>의 통제를 받던 지맥이 폭주 하여 세상에 다시 위기가 온다</a:t>
+                      </a:r>
+                      <a:r>
+                        <a:rPr lang="en-US" altLang="ko-KR" sz="1200" dirty="0"/>
+                        <a:t>.</a:t>
+                      </a:r>
+                    </a:p>
+                    <a:p>
+                      <a:pPr latinLnBrk="1"/>
+                      <a:endParaRPr lang="en-US" altLang="ko-KR" sz="1200" dirty="0"/>
+                    </a:p>
+                    <a:p>
+                      <a:pPr marL="0" marR="0" lvl="0" indent="0" algn="l" defTabSz="914400" rtl="0" eaLnBrk="1" fontAlgn="auto" latinLnBrk="1" hangingPunct="1">
+                        <a:lnSpc>
+                          <a:spcPct val="100000"/>
+                        </a:lnSpc>
+                        <a:spcBef>
+                          <a:spcPts val="0"/>
+                        </a:spcBef>
+                        <a:spcAft>
+                          <a:spcPts val="0"/>
+                        </a:spcAft>
+                        <a:buClrTx/>
+                        <a:buSzTx/>
+                        <a:buFontTx/>
+                        <a:buNone/>
+                        <a:tabLst/>
+                        <a:defRPr/>
+                      </a:pPr>
+                      <a:r>
+                        <a:rPr lang="ko-KR" altLang="en-US" sz="1200" dirty="0"/>
+                        <a:t>폭주하는 지맥을 제압하기 위해 방랑자는 결단을 내린다</a:t>
+                      </a:r>
+                      <a:r>
+                        <a:rPr lang="en-US" altLang="ko-KR" sz="1200" dirty="0"/>
+                        <a:t>.</a:t>
+                      </a:r>
+                    </a:p>
+                  </a:txBody>
+                  <a:tcPr/>
+                </a:tc>
+                <a:extLst>
+                  <a:ext uri="{0D108BD9-81ED-4DB2-BD59-A6C34878D82A}">
+                    <a16:rowId xmlns:a16="http://schemas.microsoft.com/office/drawing/2014/main" val="1282847511"/>
+                  </a:ext>
+                </a:extLst>
+              </a:tr>
+            </a:tbl>
+          </a:graphicData>
+        </a:graphic>
+      </p:graphicFrame>
+      <p:graphicFrame>
+        <p:nvGraphicFramePr>
+          <p:cNvPr id="3" name="표 4">
+            <a:extLst>
+              <a:ext uri="{FF2B5EF4-FFF2-40B4-BE49-F238E27FC236}">
+                <a16:creationId xmlns:a16="http://schemas.microsoft.com/office/drawing/2014/main" id="{B334E168-7C3C-41E4-9AC2-93DD30494ACC}"/>
+              </a:ext>
+            </a:extLst>
+          </p:cNvPr>
+          <p:cNvGraphicFramePr>
+            <a:graphicFrameLocks noGrp="1"/>
+          </p:cNvGraphicFramePr>
+          <p:nvPr>
+            <p:extLst>
+              <p:ext uri="{D42A27DB-BD31-4B8C-83A1-F6EECF244321}">
+                <p14:modId xmlns:p14="http://schemas.microsoft.com/office/powerpoint/2010/main" val="3916224537"/>
+              </p:ext>
+            </p:extLst>
+          </p:nvPr>
+        </p:nvGraphicFramePr>
+        <p:xfrm>
+          <a:off x="64478" y="1407160"/>
+          <a:ext cx="12033737" cy="645160"/>
+        </p:xfrm>
+        <a:graphic>
+          <a:graphicData uri="http://schemas.openxmlformats.org/drawingml/2006/table">
+            <a:tbl>
+              <a:tblPr firstRow="1" bandRow="1">
+                <a:tableStyleId>{5C22544A-7EE6-4342-B048-85BDC9FD1C3A}</a:tableStyleId>
+              </a:tblPr>
+              <a:tblGrid>
+                <a:gridCol w="12033737">
+                  <a:extLst>
+                    <a:ext uri="{9D8B030D-6E8A-4147-A177-3AD203B41FA5}">
+                      <a16:colId xmlns:a16="http://schemas.microsoft.com/office/drawing/2014/main" val="3580401190"/>
+                    </a:ext>
+                  </a:extLst>
+                </a:gridCol>
+              </a:tblGrid>
+              <a:tr h="0">
+                <a:tc>
+                  <a:txBody>
+                    <a:bodyPr/>
+                    <a:lstStyle/>
+                    <a:p>
+                      <a:pPr latinLnBrk="1"/>
+                      <a:r>
+                        <a:rPr lang="ko-KR" altLang="en-US" sz="1200" dirty="0"/>
+                        <a:t>에필로그</a:t>
+                      </a:r>
+                      <a:r>
+                        <a:rPr lang="en-US" altLang="ko-KR" sz="1200" dirty="0"/>
+                        <a:t>-1</a:t>
+                      </a:r>
+                      <a:endParaRPr lang="ko-KR" altLang="en-US" sz="1200" dirty="0"/>
+                    </a:p>
+                  </a:txBody>
+                  <a:tcPr/>
+                </a:tc>
+                <a:extLst>
+                  <a:ext uri="{0D108BD9-81ED-4DB2-BD59-A6C34878D82A}">
+                    <a16:rowId xmlns:a16="http://schemas.microsoft.com/office/drawing/2014/main" val="369265982"/>
+                  </a:ext>
+                </a:extLst>
+              </a:tr>
+              <a:tr h="370840">
+                <a:tc>
+                  <a:txBody>
+                    <a:bodyPr/>
+                    <a:lstStyle/>
+                    <a:p>
+                      <a:pPr latinLnBrk="1"/>
+                      <a:r>
+                        <a:rPr lang="ko-KR" altLang="en-US" sz="1200" dirty="0"/>
+                        <a:t>폭주하던 지맥을 제압하기 위해 방랑자는 자신의 몸을 제물로 받쳐 지맥을 일시적으로 봉인하기로 하고 토벌단에 사람들에게 편지를 보내고 지맥을 봉인한다</a:t>
+                      </a:r>
+                      <a:r>
+                        <a:rPr lang="en-US" altLang="ko-KR" sz="1200" dirty="0"/>
+                        <a:t>.</a:t>
+                      </a:r>
+                    </a:p>
+                  </a:txBody>
+                  <a:tcPr/>
+                </a:tc>
+                <a:extLst>
+                  <a:ext uri="{0D108BD9-81ED-4DB2-BD59-A6C34878D82A}">
+                    <a16:rowId xmlns:a16="http://schemas.microsoft.com/office/drawing/2014/main" val="1282847511"/>
+                  </a:ext>
+                </a:extLst>
+              </a:tr>
+            </a:tbl>
+          </a:graphicData>
+        </a:graphic>
+      </p:graphicFrame>
+      <p:graphicFrame>
+        <p:nvGraphicFramePr>
+          <p:cNvPr id="5" name="표 4">
+            <a:extLst>
+              <a:ext uri="{FF2B5EF4-FFF2-40B4-BE49-F238E27FC236}">
+                <a16:creationId xmlns:a16="http://schemas.microsoft.com/office/drawing/2014/main" id="{12E84A4B-082E-4A1D-82E7-D760795BFC59}"/>
+              </a:ext>
+            </a:extLst>
+          </p:cNvPr>
+          <p:cNvGraphicFramePr>
+            <a:graphicFrameLocks noGrp="1"/>
+          </p:cNvGraphicFramePr>
+          <p:nvPr>
+            <p:extLst>
+              <p:ext uri="{D42A27DB-BD31-4B8C-83A1-F6EECF244321}">
+                <p14:modId xmlns:p14="http://schemas.microsoft.com/office/powerpoint/2010/main" val="386464681"/>
+              </p:ext>
+            </p:extLst>
+          </p:nvPr>
+        </p:nvGraphicFramePr>
+        <p:xfrm>
+          <a:off x="64477" y="2052320"/>
+          <a:ext cx="12033737" cy="645160"/>
+        </p:xfrm>
+        <a:graphic>
+          <a:graphicData uri="http://schemas.openxmlformats.org/drawingml/2006/table">
+            <a:tbl>
+              <a:tblPr firstRow="1" bandRow="1">
+                <a:tableStyleId>{5C22544A-7EE6-4342-B048-85BDC9FD1C3A}</a:tableStyleId>
+              </a:tblPr>
+              <a:tblGrid>
+                <a:gridCol w="12033737">
+                  <a:extLst>
+                    <a:ext uri="{9D8B030D-6E8A-4147-A177-3AD203B41FA5}">
+                      <a16:colId xmlns:a16="http://schemas.microsoft.com/office/drawing/2014/main" val="3580401190"/>
+                    </a:ext>
+                  </a:extLst>
+                </a:gridCol>
+              </a:tblGrid>
+              <a:tr h="0">
+                <a:tc>
+                  <a:txBody>
+                    <a:bodyPr/>
+                    <a:lstStyle/>
+                    <a:p>
+                      <a:pPr latinLnBrk="1"/>
+                      <a:r>
+                        <a:rPr lang="ko-KR" altLang="en-US" sz="1200" dirty="0"/>
+                        <a:t>에필로그</a:t>
+                      </a:r>
+                      <a:r>
+                        <a:rPr lang="en-US" altLang="ko-KR" sz="1200" dirty="0"/>
+                        <a:t>-2</a:t>
+                      </a:r>
+                      <a:endParaRPr lang="ko-KR" altLang="en-US" sz="1200" dirty="0"/>
+                    </a:p>
+                  </a:txBody>
+                  <a:tcPr/>
+                </a:tc>
+                <a:extLst>
+                  <a:ext uri="{0D108BD9-81ED-4DB2-BD59-A6C34878D82A}">
+                    <a16:rowId xmlns:a16="http://schemas.microsoft.com/office/drawing/2014/main" val="369265982"/>
+                  </a:ext>
+                </a:extLst>
+              </a:tr>
+              <a:tr h="370840">
+                <a:tc>
+                  <a:txBody>
+                    <a:bodyPr/>
+                    <a:lstStyle/>
+                    <a:p>
+                      <a:pPr latinLnBrk="1"/>
+                      <a:r>
+                        <a:rPr lang="ko-KR" altLang="en-US" sz="1200" dirty="0"/>
+                        <a:t>방랑자는 자신의 힘을 사용하여 지맥을 가까스로 봉인하고 다시 이런 일이 일어나지 않게 하기 위해 지맥의 수호자가 되어 평생을 그곳을 지킨다</a:t>
+                      </a:r>
+                      <a:r>
+                        <a:rPr lang="en-US" altLang="ko-KR" sz="1200" dirty="0"/>
+                        <a:t>.</a:t>
+                      </a:r>
+                    </a:p>
+                  </a:txBody>
+                  <a:tcPr/>
+                </a:tc>
+                <a:extLst>
+                  <a:ext uri="{0D108BD9-81ED-4DB2-BD59-A6C34878D82A}">
+                    <a16:rowId xmlns:a16="http://schemas.microsoft.com/office/drawing/2014/main" val="1282847511"/>
+                  </a:ext>
+                </a:extLst>
+              </a:tr>
+            </a:tbl>
+          </a:graphicData>
+        </a:graphic>
+      </p:graphicFrame>
+      <p:graphicFrame>
+        <p:nvGraphicFramePr>
+          <p:cNvPr id="6" name="표 5">
+            <a:extLst>
+              <a:ext uri="{FF2B5EF4-FFF2-40B4-BE49-F238E27FC236}">
+                <a16:creationId xmlns:a16="http://schemas.microsoft.com/office/drawing/2014/main" id="{C0E21CC3-275A-4236-8A7D-739D30DAF21C}"/>
+              </a:ext>
+            </a:extLst>
+          </p:cNvPr>
+          <p:cNvGraphicFramePr>
+            <a:graphicFrameLocks noGrp="1"/>
+          </p:cNvGraphicFramePr>
+          <p:nvPr>
+            <p:extLst>
+              <p:ext uri="{D42A27DB-BD31-4B8C-83A1-F6EECF244321}">
+                <p14:modId xmlns:p14="http://schemas.microsoft.com/office/powerpoint/2010/main" val="226305981"/>
+              </p:ext>
+            </p:extLst>
+          </p:nvPr>
+        </p:nvGraphicFramePr>
+        <p:xfrm>
+          <a:off x="64476" y="2697480"/>
+          <a:ext cx="12033737" cy="731520"/>
+        </p:xfrm>
+        <a:graphic>
+          <a:graphicData uri="http://schemas.openxmlformats.org/drawingml/2006/table">
+            <a:tbl>
+              <a:tblPr firstRow="1" bandRow="1">
+                <a:tableStyleId>{5C22544A-7EE6-4342-B048-85BDC9FD1C3A}</a:tableStyleId>
+              </a:tblPr>
+              <a:tblGrid>
+                <a:gridCol w="12033737">
+                  <a:extLst>
+                    <a:ext uri="{9D8B030D-6E8A-4147-A177-3AD203B41FA5}">
+                      <a16:colId xmlns:a16="http://schemas.microsoft.com/office/drawing/2014/main" val="3580401190"/>
+                    </a:ext>
+                  </a:extLst>
+                </a:gridCol>
+              </a:tblGrid>
+              <a:tr h="0">
+                <a:tc>
+                  <a:txBody>
+                    <a:bodyPr/>
+                    <a:lstStyle/>
+                    <a:p>
+                      <a:pPr latinLnBrk="1"/>
+                      <a:r>
+                        <a:rPr lang="ko-KR" altLang="en-US" sz="1200" dirty="0"/>
+                        <a:t>에필로그</a:t>
+                      </a:r>
+                      <a:r>
+                        <a:rPr lang="en-US" altLang="ko-KR" sz="1200" dirty="0"/>
+                        <a:t>-3</a:t>
+                      </a:r>
+                      <a:endParaRPr lang="ko-KR" altLang="en-US" sz="1200" dirty="0"/>
+                    </a:p>
+                  </a:txBody>
+                  <a:tcPr/>
+                </a:tc>
+                <a:extLst>
+                  <a:ext uri="{0D108BD9-81ED-4DB2-BD59-A6C34878D82A}">
+                    <a16:rowId xmlns:a16="http://schemas.microsoft.com/office/drawing/2014/main" val="369265982"/>
+                  </a:ext>
+                </a:extLst>
+              </a:tr>
+              <a:tr h="370840">
+                <a:tc>
+                  <a:txBody>
+                    <a:bodyPr/>
+                    <a:lstStyle/>
+                    <a:p>
+                      <a:pPr latinLnBrk="1"/>
+                      <a:r>
+                        <a:rPr lang="ko-KR" altLang="en-US" sz="1200" dirty="0"/>
+                        <a:t>방랑자와 동료들의 힘을 모아 지맥의 기운을 다스려 제압하여 구슬들에 봉인하고 방랑자와 동료들은 봉인된 지맥의 기운을 본래 있어야할 곳으로 보내기 위해서 여행을 떠난다</a:t>
+                      </a:r>
+                      <a:r>
+                        <a:rPr lang="en-US" altLang="ko-KR" sz="1200" dirty="0"/>
+                        <a:t>.</a:t>
+                      </a:r>
+                    </a:p>
+                  </a:txBody>
+                  <a:tcPr/>
+                </a:tc>
+                <a:extLst>
+                  <a:ext uri="{0D108BD9-81ED-4DB2-BD59-A6C34878D82A}">
+                    <a16:rowId xmlns:a16="http://schemas.microsoft.com/office/drawing/2014/main" val="1282847511"/>
+                  </a:ext>
+                </a:extLst>
+              </a:tr>
+            </a:tbl>
+          </a:graphicData>
+        </a:graphic>
+      </p:graphicFrame>
+    </p:spTree>
+    <p:extLst>
+      <p:ext uri="{BB962C8B-B14F-4D97-AF65-F5344CB8AC3E}">
+        <p14:creationId xmlns:p14="http://schemas.microsoft.com/office/powerpoint/2010/main" val="581764069"/>
+      </p:ext>
+    </p:extLst>
+  </p:cSld>
+  <p:clrMapOvr>
+    <a:masterClrMapping/>
+  </p:clrMapOvr>
+</p:sld>
+</file>
+
+<file path=ppt/slides/slide8.xml><?xml version="1.0" encoding="utf-8"?>
+<p:sld xmlns:a="http://schemas.openxmlformats.org/drawingml/2006/main" xmlns:r="http://schemas.openxmlformats.org/officeDocument/2006/relationships" xmlns:p="http://schemas.openxmlformats.org/presentationml/2006/main">
+  <p:cSld>
+    <p:spTree>
+      <p:nvGrpSpPr>
+        <p:cNvPr id="1" name=""/>
+        <p:cNvGrpSpPr/>
+        <p:nvPr/>
+      </p:nvGrpSpPr>
+      <p:grpSpPr>
+        <a:xfrm>
+          <a:off x="0" y="0"/>
+          <a:ext cx="0" cy="0"/>
+          <a:chOff x="0" y="0"/>
+          <a:chExt cx="0" cy="0"/>
+        </a:xfrm>
+      </p:grpSpPr>
+      <p:graphicFrame>
+        <p:nvGraphicFramePr>
           <p:cNvPr id="4" name="표 3">
             <a:extLst>
               <a:ext uri="{FF2B5EF4-FFF2-40B4-BE49-F238E27FC236}">
@@ -5875,14 +6089,14 @@
           <p:nvPr>
             <p:extLst>
               <p:ext uri="{D42A27DB-BD31-4B8C-83A1-F6EECF244321}">
-                <p14:modId xmlns:p14="http://schemas.microsoft.com/office/powerpoint/2010/main" val="405511937"/>
+                <p14:modId xmlns:p14="http://schemas.microsoft.com/office/powerpoint/2010/main" val="609394879"/>
               </p:ext>
             </p:extLst>
           </p:nvPr>
         </p:nvGraphicFramePr>
         <p:xfrm>
           <a:off x="203200" y="91440"/>
-          <a:ext cx="5817354" cy="3337560"/>
+          <a:ext cx="4817208" cy="2743200"/>
         </p:xfrm>
         <a:graphic>
           <a:graphicData uri="http://schemas.openxmlformats.org/drawingml/2006/table">
@@ -5898,7 +6112,7 @@
                     </a:ext>
                   </a:extLst>
                 </a:gridCol>
-                <a:gridCol w="4961299">
+                <a:gridCol w="3961153">
                   <a:extLst>
                     <a:ext uri="{9D8B030D-6E8A-4147-A177-3AD203B41FA5}">
                       <a16:colId xmlns:a16="http://schemas.microsoft.com/office/drawing/2014/main" val="3412645667"/>
@@ -5906,7 +6120,7 @@
                   </a:extLst>
                 </a:gridCol>
               </a:tblGrid>
-              <a:tr h="370840">
+              <a:tr h="0">
                 <a:tc gridSpan="2">
                   <a:txBody>
                     <a:bodyPr/>
@@ -5914,8 +6128,8 @@
                     <a:p>
                       <a:pPr latinLnBrk="1"/>
                       <a:r>
-                        <a:rPr lang="ko-KR" altLang="en-US" dirty="0"/>
-                        <a:t>퀘스트 분류</a:t>
+                        <a:rPr lang="ko-KR" altLang="en-US" sz="1400" dirty="0"/>
+                        <a:t>퀘스트 분류 </a:t>
                       </a:r>
                     </a:p>
                   </a:txBody>
@@ -5938,7 +6152,7 @@
                   </a:ext>
                 </a:extLst>
               </a:tr>
-              <a:tr h="370840">
+              <a:tr h="0">
                 <a:tc>
                   <a:txBody>
                     <a:bodyPr/>
@@ -5946,7 +6160,7 @@
                     <a:p>
                       <a:pPr algn="ctr" latinLnBrk="1"/>
                       <a:r>
-                        <a:rPr lang="ko-KR" altLang="en-US" dirty="0"/>
+                        <a:rPr lang="ko-KR" altLang="en-US" sz="1400" dirty="0"/>
                         <a:t>분류</a:t>
                       </a:r>
                     </a:p>
@@ -5960,7 +6174,7 @@
                     <a:p>
                       <a:pPr algn="ctr" latinLnBrk="1"/>
                       <a:r>
-                        <a:rPr lang="ko-KR" altLang="en-US" dirty="0"/>
+                        <a:rPr lang="ko-KR" altLang="en-US" sz="1400" dirty="0"/>
                         <a:t>내용</a:t>
                       </a:r>
                     </a:p>
@@ -5973,7 +6187,7 @@
                   </a:ext>
                 </a:extLst>
               </a:tr>
-              <a:tr h="370840">
+              <a:tr h="0">
                 <a:tc>
                   <a:txBody>
                     <a:bodyPr/>
@@ -5981,7 +6195,7 @@
                     <a:p>
                       <a:pPr algn="ctr" latinLnBrk="1"/>
                       <a:r>
-                        <a:rPr lang="ko-KR" altLang="en-US" dirty="0"/>
+                        <a:rPr lang="ko-KR" altLang="en-US" sz="1400" dirty="0"/>
                         <a:t>토벌</a:t>
                       </a:r>
                     </a:p>
@@ -5995,10 +6209,10 @@
                     <a:p>
                       <a:pPr latinLnBrk="1"/>
                       <a:r>
-                        <a:rPr lang="ko-KR" altLang="en-US" dirty="0"/>
+                        <a:rPr lang="ko-KR" altLang="en-US" sz="1400" dirty="0"/>
                         <a:t>특정 몬스터를 일정량 이상 잡는 것</a:t>
                       </a:r>
-                      <a:endParaRPr lang="en-US" altLang="ko-KR" dirty="0"/>
+                      <a:endParaRPr lang="en-US" altLang="ko-KR" sz="1400" dirty="0"/>
                     </a:p>
                   </a:txBody>
                   <a:tcPr/>
@@ -6009,7 +6223,7 @@
                   </a:ext>
                 </a:extLst>
               </a:tr>
-              <a:tr h="370840">
+              <a:tr h="0">
                 <a:tc>
                   <a:txBody>
                     <a:bodyPr/>
@@ -6017,7 +6231,7 @@
                     <a:p>
                       <a:pPr algn="ctr" latinLnBrk="1"/>
                       <a:r>
-                        <a:rPr lang="ko-KR" altLang="en-US" dirty="0"/>
+                        <a:rPr lang="ko-KR" altLang="en-US" sz="1400" dirty="0"/>
                         <a:t>수집</a:t>
                       </a:r>
                     </a:p>
@@ -6031,7 +6245,7 @@
                     <a:p>
                       <a:pPr latinLnBrk="1"/>
                       <a:r>
-                        <a:rPr lang="ko-KR" altLang="en-US" dirty="0"/>
+                        <a:rPr lang="ko-KR" altLang="en-US" sz="1400" dirty="0"/>
                         <a:t>특정 아이템을 얻어 가져오는 것</a:t>
                       </a:r>
                     </a:p>
@@ -6044,7 +6258,7 @@
                   </a:ext>
                 </a:extLst>
               </a:tr>
-              <a:tr h="370840">
+              <a:tr h="0">
                 <a:tc>
                   <a:txBody>
                     <a:bodyPr/>
@@ -6052,7 +6266,7 @@
                     <a:p>
                       <a:pPr algn="ctr" latinLnBrk="1"/>
                       <a:r>
-                        <a:rPr lang="ko-KR" altLang="en-US" dirty="0"/>
+                        <a:rPr lang="ko-KR" altLang="en-US" sz="1400" dirty="0"/>
                         <a:t>탐사</a:t>
                       </a:r>
                     </a:p>
@@ -6066,7 +6280,7 @@
                     <a:p>
                       <a:pPr latinLnBrk="1"/>
                       <a:r>
-                        <a:rPr lang="ko-KR" altLang="en-US" dirty="0"/>
+                        <a:rPr lang="ko-KR" altLang="en-US" sz="1400" dirty="0"/>
                         <a:t>특정 지역에 도착하는 것</a:t>
                       </a:r>
                     </a:p>
@@ -6079,7 +6293,7 @@
                   </a:ext>
                 </a:extLst>
               </a:tr>
-              <a:tr h="370840">
+              <a:tr h="0">
                 <a:tc>
                   <a:txBody>
                     <a:bodyPr/>
@@ -6087,7 +6301,7 @@
                     <a:p>
                       <a:pPr algn="ctr" latinLnBrk="1"/>
                       <a:r>
-                        <a:rPr lang="ko-KR" altLang="en-US" dirty="0"/>
+                        <a:rPr lang="ko-KR" altLang="en-US" sz="1400" dirty="0"/>
                         <a:t>호위</a:t>
                       </a:r>
                     </a:p>
@@ -6101,7 +6315,7 @@
                     <a:p>
                       <a:pPr latinLnBrk="1"/>
                       <a:r>
-                        <a:rPr lang="ko-KR" altLang="en-US" dirty="0"/>
+                        <a:rPr lang="ko-KR" altLang="en-US" sz="1400" dirty="0"/>
                         <a:t>특정 캐릭터를 지키는 것</a:t>
                       </a:r>
                     </a:p>
@@ -6114,7 +6328,7 @@
                   </a:ext>
                 </a:extLst>
               </a:tr>
-              <a:tr h="370840">
+              <a:tr h="0">
                 <a:tc>
                   <a:txBody>
                     <a:bodyPr/>
@@ -6122,7 +6336,7 @@
                     <a:p>
                       <a:pPr algn="ctr" latinLnBrk="1"/>
                       <a:r>
-                        <a:rPr lang="ko-KR" altLang="en-US" dirty="0"/>
+                        <a:rPr lang="ko-KR" altLang="en-US" sz="1400" dirty="0"/>
                         <a:t>배달</a:t>
                       </a:r>
                     </a:p>
@@ -6136,7 +6350,7 @@
                     <a:p>
                       <a:pPr latinLnBrk="1"/>
                       <a:r>
-                        <a:rPr lang="ko-KR" altLang="en-US" dirty="0"/>
+                        <a:rPr lang="ko-KR" altLang="en-US" sz="1400" dirty="0"/>
                         <a:t>특정 아이템을 다른 캐릭터에게 전달 하는 것</a:t>
                       </a:r>
                     </a:p>
@@ -6149,7 +6363,7 @@
                   </a:ext>
                 </a:extLst>
               </a:tr>
-              <a:tr h="370840">
+              <a:tr h="0">
                 <a:tc>
                   <a:txBody>
                     <a:bodyPr/>
@@ -6157,7 +6371,7 @@
                     <a:p>
                       <a:pPr algn="ctr" latinLnBrk="1"/>
                       <a:r>
-                        <a:rPr lang="ko-KR" altLang="en-US" dirty="0"/>
+                        <a:rPr lang="ko-KR" altLang="en-US" sz="1400" dirty="0"/>
                         <a:t>대화</a:t>
                       </a:r>
                     </a:p>
@@ -6171,7 +6385,7 @@
                     <a:p>
                       <a:pPr latinLnBrk="1"/>
                       <a:r>
-                        <a:rPr lang="ko-KR" altLang="en-US" dirty="0"/>
+                        <a:rPr lang="ko-KR" altLang="en-US" sz="1400" dirty="0"/>
                         <a:t>특정 캐릭터와 대화 하는 것</a:t>
                       </a:r>
                     </a:p>
@@ -6184,7 +6398,7 @@
                   </a:ext>
                 </a:extLst>
               </a:tr>
-              <a:tr h="370840">
+              <a:tr h="0">
                 <a:tc>
                   <a:txBody>
                     <a:bodyPr/>
@@ -6192,7 +6406,7 @@
                     <a:p>
                       <a:pPr algn="ctr" latinLnBrk="1"/>
                       <a:r>
-                        <a:rPr lang="ko-KR" altLang="en-US" dirty="0"/>
+                        <a:rPr lang="ko-KR" altLang="en-US" sz="1400" dirty="0"/>
                         <a:t>생존</a:t>
                       </a:r>
                     </a:p>
@@ -6206,7 +6420,7 @@
                     <a:p>
                       <a:pPr latinLnBrk="1"/>
                       <a:r>
-                        <a:rPr lang="ko-KR" altLang="en-US" dirty="0"/>
+                        <a:rPr lang="ko-KR" altLang="en-US" sz="1400" dirty="0"/>
                         <a:t>일정 시간 동안 생존 하는 것</a:t>
                       </a:r>
                     </a:p>
@@ -6227,6 +6441,1386 @@
     <p:extLst>
       <p:ext uri="{BB962C8B-B14F-4D97-AF65-F5344CB8AC3E}">
         <p14:creationId xmlns:p14="http://schemas.microsoft.com/office/powerpoint/2010/main" val="3992806371"/>
+      </p:ext>
+    </p:extLst>
+  </p:cSld>
+  <p:clrMapOvr>
+    <a:masterClrMapping/>
+  </p:clrMapOvr>
+</p:sld>
+</file>
+
+<file path=ppt/slides/slide9.xml><?xml version="1.0" encoding="utf-8"?>
+<p:sld xmlns:a="http://schemas.openxmlformats.org/drawingml/2006/main" xmlns:r="http://schemas.openxmlformats.org/officeDocument/2006/relationships" xmlns:p="http://schemas.openxmlformats.org/presentationml/2006/main">
+  <p:cSld>
+    <p:spTree>
+      <p:nvGrpSpPr>
+        <p:cNvPr id="1" name=""/>
+        <p:cNvGrpSpPr/>
+        <p:nvPr/>
+      </p:nvGrpSpPr>
+      <p:grpSpPr>
+        <a:xfrm>
+          <a:off x="0" y="0"/>
+          <a:ext cx="0" cy="0"/>
+          <a:chOff x="0" y="0"/>
+          <a:chExt cx="0" cy="0"/>
+        </a:xfrm>
+      </p:grpSpPr>
+      <p:sp>
+        <p:nvSpPr>
+          <p:cNvPr id="2" name="제목 1">
+            <a:extLst>
+              <a:ext uri="{FF2B5EF4-FFF2-40B4-BE49-F238E27FC236}">
+                <a16:creationId xmlns:a16="http://schemas.microsoft.com/office/drawing/2014/main" id="{A9AD2907-83FD-48D3-BC2E-0744F10E5DE7}"/>
+              </a:ext>
+            </a:extLst>
+          </p:cNvPr>
+          <p:cNvSpPr>
+            <a:spLocks noGrp="1"/>
+          </p:cNvSpPr>
+          <p:nvPr>
+            <p:ph type="title"/>
+          </p:nvPr>
+        </p:nvSpPr>
+        <p:spPr/>
+        <p:txBody>
+          <a:bodyPr/>
+          <a:lstStyle/>
+          <a:p>
+            <a:r>
+              <a:rPr lang="ko-KR" altLang="en-US" dirty="0"/>
+              <a:t>진행 과정</a:t>
+            </a:r>
+            <a:r>
+              <a:rPr lang="en-US" altLang="ko-KR" dirty="0"/>
+              <a:t>(</a:t>
+            </a:r>
+            <a:r>
+              <a:rPr lang="ko-KR" altLang="en-US" dirty="0"/>
+              <a:t>기</a:t>
+            </a:r>
+            <a:r>
+              <a:rPr lang="en-US" altLang="ko-KR" dirty="0"/>
+              <a:t>)</a:t>
+            </a:r>
+            <a:endParaRPr lang="ko-KR" altLang="en-US" dirty="0"/>
+          </a:p>
+        </p:txBody>
+      </p:sp>
+      <p:graphicFrame>
+        <p:nvGraphicFramePr>
+          <p:cNvPr id="5" name="표 5">
+            <a:extLst>
+              <a:ext uri="{FF2B5EF4-FFF2-40B4-BE49-F238E27FC236}">
+                <a16:creationId xmlns:a16="http://schemas.microsoft.com/office/drawing/2014/main" id="{8B985CF1-646C-43E2-81E4-47EF43039C41}"/>
+              </a:ext>
+            </a:extLst>
+          </p:cNvPr>
+          <p:cNvGraphicFramePr>
+            <a:graphicFrameLocks noGrp="1"/>
+          </p:cNvGraphicFramePr>
+          <p:nvPr>
+            <p:extLst>
+              <p:ext uri="{D42A27DB-BD31-4B8C-83A1-F6EECF244321}">
+                <p14:modId xmlns:p14="http://schemas.microsoft.com/office/powerpoint/2010/main" val="3403814862"/>
+              </p:ext>
+            </p:extLst>
+          </p:nvPr>
+        </p:nvGraphicFramePr>
+        <p:xfrm>
+          <a:off x="183173" y="1444575"/>
+          <a:ext cx="11825654" cy="4754880"/>
+        </p:xfrm>
+        <a:graphic>
+          <a:graphicData uri="http://schemas.openxmlformats.org/drawingml/2006/table">
+            <a:tbl>
+              <a:tblPr firstRow="1" bandRow="1">
+                <a:tableStyleId>{5C22544A-7EE6-4342-B048-85BDC9FD1C3A}</a:tableStyleId>
+              </a:tblPr>
+              <a:tblGrid>
+                <a:gridCol w="518745">
+                  <a:extLst>
+                    <a:ext uri="{9D8B030D-6E8A-4147-A177-3AD203B41FA5}">
+                      <a16:colId xmlns:a16="http://schemas.microsoft.com/office/drawing/2014/main" val="3693940621"/>
+                    </a:ext>
+                  </a:extLst>
+                </a:gridCol>
+                <a:gridCol w="931984">
+                  <a:extLst>
+                    <a:ext uri="{9D8B030D-6E8A-4147-A177-3AD203B41FA5}">
+                      <a16:colId xmlns:a16="http://schemas.microsoft.com/office/drawing/2014/main" val="1187552722"/>
+                    </a:ext>
+                  </a:extLst>
+                </a:gridCol>
+                <a:gridCol w="580293">
+                  <a:extLst>
+                    <a:ext uri="{9D8B030D-6E8A-4147-A177-3AD203B41FA5}">
+                      <a16:colId xmlns:a16="http://schemas.microsoft.com/office/drawing/2014/main" val="1554674024"/>
+                    </a:ext>
+                  </a:extLst>
+                </a:gridCol>
+                <a:gridCol w="1459523">
+                  <a:extLst>
+                    <a:ext uri="{9D8B030D-6E8A-4147-A177-3AD203B41FA5}">
+                      <a16:colId xmlns:a16="http://schemas.microsoft.com/office/drawing/2014/main" val="1496722657"/>
+                    </a:ext>
+                  </a:extLst>
+                </a:gridCol>
+                <a:gridCol w="8335109">
+                  <a:extLst>
+                    <a:ext uri="{9D8B030D-6E8A-4147-A177-3AD203B41FA5}">
+                      <a16:colId xmlns:a16="http://schemas.microsoft.com/office/drawing/2014/main" val="1345397026"/>
+                    </a:ext>
+                  </a:extLst>
+                </a:gridCol>
+              </a:tblGrid>
+              <a:tr h="0">
+                <a:tc>
+                  <a:txBody>
+                    <a:bodyPr/>
+                    <a:lstStyle/>
+                    <a:p>
+                      <a:pPr latinLnBrk="1"/>
+                      <a:r>
+                        <a:rPr lang="ko-KR" altLang="en-US" sz="1100" dirty="0"/>
+                        <a:t>번호</a:t>
+                      </a:r>
+                    </a:p>
+                  </a:txBody>
+                  <a:tcPr/>
+                </a:tc>
+                <a:tc>
+                  <a:txBody>
+                    <a:bodyPr/>
+                    <a:lstStyle/>
+                    <a:p>
+                      <a:pPr latinLnBrk="1"/>
+                      <a:r>
+                        <a:rPr lang="ko-KR" altLang="en-US" sz="1100" dirty="0"/>
+                        <a:t>퀘스트 명</a:t>
+                      </a:r>
+                    </a:p>
+                  </a:txBody>
+                  <a:tcPr/>
+                </a:tc>
+                <a:tc>
+                  <a:txBody>
+                    <a:bodyPr/>
+                    <a:lstStyle/>
+                    <a:p>
+                      <a:pPr latinLnBrk="1"/>
+                      <a:r>
+                        <a:rPr lang="ko-KR" altLang="en-US" sz="1100" dirty="0"/>
+                        <a:t>레벨</a:t>
+                      </a:r>
+                    </a:p>
+                  </a:txBody>
+                  <a:tcPr/>
+                </a:tc>
+                <a:tc>
+                  <a:txBody>
+                    <a:bodyPr/>
+                    <a:lstStyle/>
+                    <a:p>
+                      <a:pPr latinLnBrk="1"/>
+                      <a:r>
+                        <a:rPr lang="ko-KR" altLang="en-US" sz="1100" dirty="0"/>
+                        <a:t>조건</a:t>
+                      </a:r>
+                    </a:p>
+                  </a:txBody>
+                  <a:tcPr/>
+                </a:tc>
+                <a:tc>
+                  <a:txBody>
+                    <a:bodyPr/>
+                    <a:lstStyle/>
+                    <a:p>
+                      <a:pPr latinLnBrk="1"/>
+                      <a:r>
+                        <a:rPr lang="ko-KR" altLang="en-US" sz="1100" dirty="0"/>
+                        <a:t>과정</a:t>
+                      </a:r>
+                    </a:p>
+                  </a:txBody>
+                  <a:tcPr/>
+                </a:tc>
+                <a:extLst>
+                  <a:ext uri="{0D108BD9-81ED-4DB2-BD59-A6C34878D82A}">
+                    <a16:rowId xmlns:a16="http://schemas.microsoft.com/office/drawing/2014/main" val="3044254016"/>
+                  </a:ext>
+                </a:extLst>
+              </a:tr>
+              <a:tr h="0">
+                <a:tc>
+                  <a:txBody>
+                    <a:bodyPr/>
+                    <a:lstStyle/>
+                    <a:p>
+                      <a:pPr latinLnBrk="1"/>
+                      <a:r>
+                        <a:rPr lang="en-US" altLang="ko-KR" sz="1100" dirty="0"/>
+                        <a:t>1</a:t>
+                      </a:r>
+                      <a:endParaRPr lang="ko-KR" altLang="en-US" sz="1100" dirty="0"/>
+                    </a:p>
+                  </a:txBody>
+                  <a:tcPr/>
+                </a:tc>
+                <a:tc>
+                  <a:txBody>
+                    <a:bodyPr/>
+                    <a:lstStyle/>
+                    <a:p>
+                      <a:pPr latinLnBrk="1"/>
+                      <a:r>
+                        <a:rPr lang="ko-KR" altLang="en-US" sz="1100" dirty="0"/>
+                        <a:t>동물 사냥</a:t>
+                      </a:r>
+                    </a:p>
+                  </a:txBody>
+                  <a:tcPr/>
+                </a:tc>
+                <a:tc>
+                  <a:txBody>
+                    <a:bodyPr/>
+                    <a:lstStyle/>
+                    <a:p>
+                      <a:pPr latinLnBrk="1"/>
+                      <a:r>
+                        <a:rPr lang="en-US" altLang="ko-KR" sz="1100" dirty="0"/>
+                        <a:t>X</a:t>
+                      </a:r>
+                      <a:endParaRPr lang="ko-KR" altLang="en-US" sz="1100" dirty="0"/>
+                    </a:p>
+                  </a:txBody>
+                  <a:tcPr/>
+                </a:tc>
+                <a:tc>
+                  <a:txBody>
+                    <a:bodyPr/>
+                    <a:lstStyle/>
+                    <a:p>
+                      <a:pPr latinLnBrk="1"/>
+                      <a:r>
+                        <a:rPr lang="ko-KR" altLang="en-US" sz="1100" dirty="0"/>
+                        <a:t>게임 시작 시 자동</a:t>
+                      </a:r>
+                    </a:p>
+                  </a:txBody>
+                  <a:tcPr/>
+                </a:tc>
+                <a:tc>
+                  <a:txBody>
+                    <a:bodyPr/>
+                    <a:lstStyle/>
+                    <a:p>
+                      <a:pPr latinLnBrk="1"/>
+                      <a:r>
+                        <a:rPr lang="en-US" altLang="ko-KR" sz="1100" dirty="0"/>
+                        <a:t>1.</a:t>
+                      </a:r>
+                      <a:r>
+                        <a:rPr lang="ko-KR" altLang="en-US" sz="1100" dirty="0"/>
+                        <a:t>마을에서 나와서 산속 사냥터로 이동</a:t>
+                      </a:r>
+                      <a:endParaRPr lang="en-US" altLang="ko-KR" sz="1100" dirty="0"/>
+                    </a:p>
+                    <a:p>
+                      <a:pPr latinLnBrk="1"/>
+                      <a:r>
+                        <a:rPr lang="en-US" altLang="ko-KR" sz="1100" dirty="0"/>
+                        <a:t>2.</a:t>
+                      </a:r>
+                      <a:r>
+                        <a:rPr lang="ko-KR" altLang="en-US" sz="1100" dirty="0"/>
+                        <a:t>사냥감을 찾는다</a:t>
+                      </a:r>
+                      <a:endParaRPr lang="en-US" altLang="ko-KR" sz="1100" dirty="0"/>
+                    </a:p>
+                    <a:p>
+                      <a:pPr latinLnBrk="1"/>
+                      <a:r>
+                        <a:rPr lang="en-US" altLang="ko-KR" sz="1100" dirty="0"/>
+                        <a:t>3.</a:t>
+                      </a:r>
+                      <a:r>
+                        <a:rPr lang="ko-KR" altLang="en-US" sz="1100" dirty="0"/>
+                        <a:t>사슴을 발견한다</a:t>
+                      </a:r>
+                      <a:r>
+                        <a:rPr lang="en-US" altLang="ko-KR" sz="1100" dirty="0"/>
+                        <a:t>.</a:t>
+                      </a:r>
+                      <a:endParaRPr lang="ko-KR" altLang="en-US" sz="1100" dirty="0"/>
+                    </a:p>
+                  </a:txBody>
+                  <a:tcPr/>
+                </a:tc>
+                <a:extLst>
+                  <a:ext uri="{0D108BD9-81ED-4DB2-BD59-A6C34878D82A}">
+                    <a16:rowId xmlns:a16="http://schemas.microsoft.com/office/drawing/2014/main" val="3739252844"/>
+                  </a:ext>
+                </a:extLst>
+              </a:tr>
+              <a:tr h="0">
+                <a:tc>
+                  <a:txBody>
+                    <a:bodyPr/>
+                    <a:lstStyle/>
+                    <a:p>
+                      <a:pPr latinLnBrk="1"/>
+                      <a:r>
+                        <a:rPr lang="en-US" altLang="ko-KR" sz="1100" dirty="0"/>
+                        <a:t>2</a:t>
+                      </a:r>
+                      <a:endParaRPr lang="ko-KR" altLang="en-US" sz="1100" dirty="0"/>
+                    </a:p>
+                  </a:txBody>
+                  <a:tcPr/>
+                </a:tc>
+                <a:tc>
+                  <a:txBody>
+                    <a:bodyPr/>
+                    <a:lstStyle/>
+                    <a:p>
+                      <a:pPr latinLnBrk="1"/>
+                      <a:r>
+                        <a:rPr lang="ko-KR" altLang="en-US" sz="1100" dirty="0"/>
+                        <a:t>도망</a:t>
+                      </a:r>
+                    </a:p>
+                  </a:txBody>
+                  <a:tcPr/>
+                </a:tc>
+                <a:tc>
+                  <a:txBody>
+                    <a:bodyPr/>
+                    <a:lstStyle/>
+                    <a:p>
+                      <a:pPr latinLnBrk="1"/>
+                      <a:r>
+                        <a:rPr lang="en-US" altLang="ko-KR" sz="1100" dirty="0"/>
+                        <a:t>X</a:t>
+                      </a:r>
+                      <a:endParaRPr lang="ko-KR" altLang="en-US" sz="1100" dirty="0"/>
+                    </a:p>
+                  </a:txBody>
+                  <a:tcPr/>
+                </a:tc>
+                <a:tc>
+                  <a:txBody>
+                    <a:bodyPr/>
+                    <a:lstStyle/>
+                    <a:p>
+                      <a:pPr latinLnBrk="1"/>
+                      <a:r>
+                        <a:rPr lang="en-US" altLang="ko-KR" sz="1100" dirty="0"/>
+                        <a:t>1</a:t>
+                      </a:r>
+                      <a:r>
+                        <a:rPr lang="ko-KR" altLang="en-US" sz="1100" dirty="0"/>
+                        <a:t>번 퀘스트 클리어</a:t>
+                      </a:r>
+                    </a:p>
+                  </a:txBody>
+                  <a:tcPr/>
+                </a:tc>
+                <a:tc>
+                  <a:txBody>
+                    <a:bodyPr/>
+                    <a:lstStyle/>
+                    <a:p>
+                      <a:pPr marL="0" marR="0" lvl="0" indent="0" algn="l" defTabSz="914400" rtl="0" eaLnBrk="1" fontAlgn="auto" latinLnBrk="1" hangingPunct="1">
+                        <a:lnSpc>
+                          <a:spcPct val="100000"/>
+                        </a:lnSpc>
+                        <a:spcBef>
+                          <a:spcPts val="0"/>
+                        </a:spcBef>
+                        <a:spcAft>
+                          <a:spcPts val="0"/>
+                        </a:spcAft>
+                        <a:buClrTx/>
+                        <a:buSzTx/>
+                        <a:buFontTx/>
+                        <a:buNone/>
+                        <a:tabLst/>
+                        <a:defRPr/>
+                      </a:pPr>
+                      <a:r>
+                        <a:rPr lang="en-US" altLang="ko-KR" sz="1100" dirty="0"/>
+                        <a:t>1.</a:t>
+                      </a:r>
+                      <a:r>
+                        <a:rPr lang="ko-KR" altLang="en-US" sz="1100" dirty="0"/>
+                        <a:t>괴물이 사슴을 덮치는 것을 본다</a:t>
+                      </a:r>
+                      <a:r>
+                        <a:rPr lang="en-US" altLang="ko-KR" sz="1100" dirty="0"/>
+                        <a:t>.</a:t>
+                      </a:r>
+                    </a:p>
+                    <a:p>
+                      <a:pPr marL="0" marR="0" lvl="0" indent="0" algn="l" defTabSz="914400" rtl="0" eaLnBrk="1" fontAlgn="auto" latinLnBrk="1" hangingPunct="1">
+                        <a:lnSpc>
+                          <a:spcPct val="100000"/>
+                        </a:lnSpc>
+                        <a:spcBef>
+                          <a:spcPts val="0"/>
+                        </a:spcBef>
+                        <a:spcAft>
+                          <a:spcPts val="0"/>
+                        </a:spcAft>
+                        <a:buClrTx/>
+                        <a:buSzTx/>
+                        <a:buFontTx/>
+                        <a:buNone/>
+                        <a:tabLst/>
+                        <a:defRPr/>
+                      </a:pPr>
+                      <a:r>
+                        <a:rPr lang="en-US" altLang="ko-KR" sz="1100" dirty="0"/>
+                        <a:t>2.</a:t>
+                      </a:r>
+                      <a:r>
+                        <a:rPr lang="ko-KR" altLang="en-US" sz="1100" dirty="0"/>
+                        <a:t>마을로 가는 언덕으로 이동한다</a:t>
+                      </a:r>
+                      <a:r>
+                        <a:rPr lang="en-US" altLang="ko-KR" sz="1100" dirty="0"/>
+                        <a:t>.</a:t>
+                      </a:r>
+                    </a:p>
+                    <a:p>
+                      <a:pPr marL="0" marR="0" lvl="0" indent="0" algn="l" defTabSz="914400" rtl="0" eaLnBrk="1" fontAlgn="auto" latinLnBrk="1" hangingPunct="1">
+                        <a:lnSpc>
+                          <a:spcPct val="100000"/>
+                        </a:lnSpc>
+                        <a:spcBef>
+                          <a:spcPts val="0"/>
+                        </a:spcBef>
+                        <a:spcAft>
+                          <a:spcPts val="0"/>
+                        </a:spcAft>
+                        <a:buClrTx/>
+                        <a:buSzTx/>
+                        <a:buFontTx/>
+                        <a:buNone/>
+                        <a:tabLst/>
+                        <a:defRPr/>
+                      </a:pPr>
+                      <a:r>
+                        <a:rPr lang="en-US" altLang="ko-KR" sz="1100" dirty="0"/>
+                        <a:t>3.</a:t>
+                      </a:r>
+                      <a:r>
+                        <a:rPr lang="ko-KR" altLang="en-US" sz="1100" dirty="0"/>
+                        <a:t>마을이 불타는 것을 확인한다</a:t>
+                      </a:r>
+                      <a:r>
+                        <a:rPr lang="en-US" altLang="ko-KR" sz="1100" dirty="0"/>
+                        <a:t>.</a:t>
+                      </a:r>
+                    </a:p>
+                    <a:p>
+                      <a:pPr marL="0" marR="0" lvl="0" indent="0" algn="l" defTabSz="914400" rtl="0" eaLnBrk="1" fontAlgn="auto" latinLnBrk="1" hangingPunct="1">
+                        <a:lnSpc>
+                          <a:spcPct val="100000"/>
+                        </a:lnSpc>
+                        <a:spcBef>
+                          <a:spcPts val="0"/>
+                        </a:spcBef>
+                        <a:spcAft>
+                          <a:spcPts val="0"/>
+                        </a:spcAft>
+                        <a:buClrTx/>
+                        <a:buSzTx/>
+                        <a:buFontTx/>
+                        <a:buNone/>
+                        <a:tabLst/>
+                        <a:defRPr/>
+                      </a:pPr>
+                      <a:r>
+                        <a:rPr lang="en-US" altLang="ko-KR" sz="1100" dirty="0"/>
+                        <a:t>4.</a:t>
+                      </a:r>
+                      <a:r>
+                        <a:rPr lang="ko-KR" altLang="en-US" sz="1100" dirty="0"/>
+                        <a:t>마을에 가족들의 생존을 확인한다</a:t>
+                      </a:r>
+                      <a:r>
+                        <a:rPr lang="en-US" altLang="ko-KR" sz="1100" dirty="0"/>
+                        <a:t>.</a:t>
+                      </a:r>
+                    </a:p>
+                    <a:p>
+                      <a:pPr marL="0" marR="0" lvl="0" indent="0" algn="l" defTabSz="914400" rtl="0" eaLnBrk="1" fontAlgn="auto" latinLnBrk="1" hangingPunct="1">
+                        <a:lnSpc>
+                          <a:spcPct val="100000"/>
+                        </a:lnSpc>
+                        <a:spcBef>
+                          <a:spcPts val="0"/>
+                        </a:spcBef>
+                        <a:spcAft>
+                          <a:spcPts val="0"/>
+                        </a:spcAft>
+                        <a:buClrTx/>
+                        <a:buSzTx/>
+                        <a:buFontTx/>
+                        <a:buNone/>
+                        <a:tabLst/>
+                        <a:defRPr/>
+                      </a:pPr>
+                      <a:r>
+                        <a:rPr lang="en-US" altLang="ko-KR" sz="1100" dirty="0"/>
+                        <a:t>5.</a:t>
+                      </a:r>
+                      <a:r>
+                        <a:rPr lang="ko-KR" altLang="en-US" sz="1100" dirty="0"/>
+                        <a:t>마을을 빠져나와 특정 장소로 이동 후 의문의 고수와 조우</a:t>
+                      </a:r>
+                      <a:r>
+                        <a:rPr lang="en-US" altLang="ko-KR" sz="1100" dirty="0"/>
+                        <a:t>.</a:t>
+                      </a:r>
+                      <a:endParaRPr lang="ko-KR" altLang="en-US" sz="1100" dirty="0"/>
+                    </a:p>
+                  </a:txBody>
+                  <a:tcPr/>
+                </a:tc>
+                <a:extLst>
+                  <a:ext uri="{0D108BD9-81ED-4DB2-BD59-A6C34878D82A}">
+                    <a16:rowId xmlns:a16="http://schemas.microsoft.com/office/drawing/2014/main" val="3282267314"/>
+                  </a:ext>
+                </a:extLst>
+              </a:tr>
+              <a:tr h="0">
+                <a:tc>
+                  <a:txBody>
+                    <a:bodyPr/>
+                    <a:lstStyle/>
+                    <a:p>
+                      <a:pPr latinLnBrk="1"/>
+                      <a:r>
+                        <a:rPr lang="en-US" altLang="ko-KR" sz="1100" dirty="0"/>
+                        <a:t>3</a:t>
+                      </a:r>
+                      <a:endParaRPr lang="ko-KR" altLang="en-US" sz="1100" dirty="0"/>
+                    </a:p>
+                  </a:txBody>
+                  <a:tcPr/>
+                </a:tc>
+                <a:tc>
+                  <a:txBody>
+                    <a:bodyPr/>
+                    <a:lstStyle/>
+                    <a:p>
+                      <a:pPr latinLnBrk="1"/>
+                      <a:r>
+                        <a:rPr lang="ko-KR" altLang="en-US" sz="1100" dirty="0"/>
+                        <a:t>소문</a:t>
+                      </a:r>
+                    </a:p>
+                  </a:txBody>
+                  <a:tcPr/>
+                </a:tc>
+                <a:tc>
+                  <a:txBody>
+                    <a:bodyPr/>
+                    <a:lstStyle/>
+                    <a:p>
+                      <a:pPr latinLnBrk="1"/>
+                      <a:r>
+                        <a:rPr lang="en-US" altLang="ko-KR" sz="1100" dirty="0"/>
+                        <a:t>X</a:t>
+                      </a:r>
+                      <a:endParaRPr lang="ko-KR" altLang="en-US" sz="1100" dirty="0"/>
+                    </a:p>
+                  </a:txBody>
+                  <a:tcPr/>
+                </a:tc>
+                <a:tc>
+                  <a:txBody>
+                    <a:bodyPr/>
+                    <a:lstStyle/>
+                    <a:p>
+                      <a:pPr latinLnBrk="1"/>
+                      <a:r>
+                        <a:rPr lang="en-US" altLang="ko-KR" sz="1100" dirty="0"/>
+                        <a:t>2</a:t>
+                      </a:r>
+                      <a:r>
+                        <a:rPr lang="ko-KR" altLang="en-US" sz="1100" dirty="0"/>
+                        <a:t>번 퀘스트 클리어</a:t>
+                      </a:r>
+                    </a:p>
+                  </a:txBody>
+                  <a:tcPr/>
+                </a:tc>
+                <a:tc>
+                  <a:txBody>
+                    <a:bodyPr/>
+                    <a:lstStyle/>
+                    <a:p>
+                      <a:pPr marL="0" marR="0" lvl="0" indent="0" algn="l" defTabSz="914400" rtl="0" eaLnBrk="1" fontAlgn="auto" latinLnBrk="1" hangingPunct="1">
+                        <a:lnSpc>
+                          <a:spcPct val="100000"/>
+                        </a:lnSpc>
+                        <a:spcBef>
+                          <a:spcPts val="0"/>
+                        </a:spcBef>
+                        <a:spcAft>
+                          <a:spcPts val="0"/>
+                        </a:spcAft>
+                        <a:buClrTx/>
+                        <a:buSzTx/>
+                        <a:buFontTx/>
+                        <a:buNone/>
+                        <a:tabLst/>
+                        <a:defRPr/>
+                      </a:pPr>
+                      <a:r>
+                        <a:rPr lang="en-US" altLang="ko-KR" sz="1100" dirty="0"/>
+                        <a:t>1.</a:t>
+                      </a:r>
+                      <a:r>
+                        <a:rPr lang="ko-KR" altLang="en-US" sz="1100" dirty="0"/>
+                        <a:t>스승과 함께 마을에 도착</a:t>
+                      </a:r>
+                      <a:endParaRPr lang="en-US" altLang="ko-KR" sz="1100" dirty="0"/>
+                    </a:p>
+                    <a:p>
+                      <a:pPr marL="0" marR="0" lvl="0" indent="0" algn="l" defTabSz="914400" rtl="0" eaLnBrk="1" fontAlgn="auto" latinLnBrk="1" hangingPunct="1">
+                        <a:lnSpc>
+                          <a:spcPct val="100000"/>
+                        </a:lnSpc>
+                        <a:spcBef>
+                          <a:spcPts val="0"/>
+                        </a:spcBef>
+                        <a:spcAft>
+                          <a:spcPts val="0"/>
+                        </a:spcAft>
+                        <a:buClrTx/>
+                        <a:buSzTx/>
+                        <a:buFontTx/>
+                        <a:buNone/>
+                        <a:tabLst/>
+                        <a:defRPr/>
+                      </a:pPr>
+                      <a:r>
+                        <a:rPr lang="en-US" altLang="ko-KR" sz="1100" dirty="0"/>
+                        <a:t>2.</a:t>
+                      </a:r>
+                      <a:r>
+                        <a:rPr lang="ko-KR" altLang="en-US" sz="1100" dirty="0"/>
+                        <a:t>상점에서 전리품 처분</a:t>
+                      </a:r>
+                      <a:endParaRPr lang="en-US" altLang="ko-KR" sz="1100" dirty="0"/>
+                    </a:p>
+                    <a:p>
+                      <a:pPr marL="0" marR="0" lvl="0" indent="0" algn="l" defTabSz="914400" rtl="0" eaLnBrk="1" fontAlgn="auto" latinLnBrk="1" hangingPunct="1">
+                        <a:lnSpc>
+                          <a:spcPct val="100000"/>
+                        </a:lnSpc>
+                        <a:spcBef>
+                          <a:spcPts val="0"/>
+                        </a:spcBef>
+                        <a:spcAft>
+                          <a:spcPts val="0"/>
+                        </a:spcAft>
+                        <a:buClrTx/>
+                        <a:buSzTx/>
+                        <a:buFontTx/>
+                        <a:buNone/>
+                        <a:tabLst/>
+                        <a:defRPr/>
+                      </a:pPr>
+                      <a:r>
+                        <a:rPr lang="en-US" altLang="ko-KR" sz="1100" dirty="0"/>
+                        <a:t>3.</a:t>
+                      </a:r>
+                      <a:r>
+                        <a:rPr lang="ko-KR" altLang="en-US" sz="1100" dirty="0" err="1"/>
+                        <a:t>토벌단</a:t>
+                      </a:r>
+                      <a:r>
+                        <a:rPr lang="ko-KR" altLang="en-US" sz="1100" dirty="0"/>
+                        <a:t> 소문을 들음</a:t>
+                      </a:r>
+                      <a:endParaRPr lang="en-US" altLang="ko-KR" sz="1100" dirty="0"/>
+                    </a:p>
+                    <a:p>
+                      <a:pPr marL="0" marR="0" lvl="0" indent="0" algn="l" defTabSz="914400" rtl="0" eaLnBrk="1" fontAlgn="auto" latinLnBrk="1" hangingPunct="1">
+                        <a:lnSpc>
+                          <a:spcPct val="100000"/>
+                        </a:lnSpc>
+                        <a:spcBef>
+                          <a:spcPts val="0"/>
+                        </a:spcBef>
+                        <a:spcAft>
+                          <a:spcPts val="0"/>
+                        </a:spcAft>
+                        <a:buClrTx/>
+                        <a:buSzTx/>
+                        <a:buFontTx/>
+                        <a:buNone/>
+                        <a:tabLst/>
+                        <a:defRPr/>
+                      </a:pPr>
+                      <a:r>
+                        <a:rPr lang="en-US" altLang="ko-KR" sz="1100" dirty="0"/>
+                        <a:t>4.</a:t>
+                      </a:r>
+                      <a:r>
+                        <a:rPr lang="ko-KR" altLang="en-US" sz="1100" dirty="0"/>
+                        <a:t>마을 사람 </a:t>
+                      </a:r>
+                      <a:r>
+                        <a:rPr lang="en-US" altLang="ko-KR" sz="1100" dirty="0"/>
+                        <a:t>3</a:t>
+                      </a:r>
+                      <a:r>
+                        <a:rPr lang="ko-KR" altLang="en-US" sz="1100" dirty="0"/>
+                        <a:t>명 이상에게 말을 걸어 소문을 확인</a:t>
+                      </a:r>
+                    </a:p>
+                  </a:txBody>
+                  <a:tcPr/>
+                </a:tc>
+                <a:extLst>
+                  <a:ext uri="{0D108BD9-81ED-4DB2-BD59-A6C34878D82A}">
+                    <a16:rowId xmlns:a16="http://schemas.microsoft.com/office/drawing/2014/main" val="2551886525"/>
+                  </a:ext>
+                </a:extLst>
+              </a:tr>
+              <a:tr h="0">
+                <a:tc>
+                  <a:txBody>
+                    <a:bodyPr/>
+                    <a:lstStyle/>
+                    <a:p>
+                      <a:pPr latinLnBrk="1"/>
+                      <a:r>
+                        <a:rPr lang="en-US" altLang="ko-KR" sz="1100" dirty="0"/>
+                        <a:t>4</a:t>
+                      </a:r>
+                      <a:endParaRPr lang="ko-KR" altLang="en-US" sz="1100" dirty="0"/>
+                    </a:p>
+                  </a:txBody>
+                  <a:tcPr/>
+                </a:tc>
+                <a:tc>
+                  <a:txBody>
+                    <a:bodyPr/>
+                    <a:lstStyle/>
+                    <a:p>
+                      <a:pPr latinLnBrk="1"/>
+                      <a:r>
+                        <a:rPr lang="ko-KR" altLang="en-US" sz="1100" dirty="0"/>
+                        <a:t>접수</a:t>
+                      </a:r>
+                    </a:p>
+                  </a:txBody>
+                  <a:tcPr/>
+                </a:tc>
+                <a:tc>
+                  <a:txBody>
+                    <a:bodyPr/>
+                    <a:lstStyle/>
+                    <a:p>
+                      <a:pPr latinLnBrk="1"/>
+                      <a:r>
+                        <a:rPr lang="en-US" altLang="ko-KR" sz="1100" dirty="0"/>
+                        <a:t>X</a:t>
+                      </a:r>
+                      <a:endParaRPr lang="ko-KR" altLang="en-US" sz="1100" dirty="0"/>
+                    </a:p>
+                  </a:txBody>
+                  <a:tcPr/>
+                </a:tc>
+                <a:tc>
+                  <a:txBody>
+                    <a:bodyPr/>
+                    <a:lstStyle/>
+                    <a:p>
+                      <a:pPr latinLnBrk="1"/>
+                      <a:r>
+                        <a:rPr lang="en-US" altLang="ko-KR" sz="1100" dirty="0"/>
+                        <a:t>3</a:t>
+                      </a:r>
+                      <a:r>
+                        <a:rPr lang="ko-KR" altLang="en-US" sz="1100" dirty="0"/>
+                        <a:t>번 퀘스트 클리어</a:t>
+                      </a:r>
+                    </a:p>
+                  </a:txBody>
+                  <a:tcPr/>
+                </a:tc>
+                <a:tc>
+                  <a:txBody>
+                    <a:bodyPr/>
+                    <a:lstStyle/>
+                    <a:p>
+                      <a:pPr marL="0" marR="0" lvl="0" indent="0" algn="l" defTabSz="914400" rtl="0" eaLnBrk="1" fontAlgn="auto" latinLnBrk="1" hangingPunct="1">
+                        <a:lnSpc>
+                          <a:spcPct val="100000"/>
+                        </a:lnSpc>
+                        <a:spcBef>
+                          <a:spcPts val="0"/>
+                        </a:spcBef>
+                        <a:spcAft>
+                          <a:spcPts val="0"/>
+                        </a:spcAft>
+                        <a:buClrTx/>
+                        <a:buSzTx/>
+                        <a:buFontTx/>
+                        <a:buNone/>
+                        <a:tabLst/>
+                        <a:defRPr/>
+                      </a:pPr>
+                      <a:r>
+                        <a:rPr lang="en-US" altLang="ko-KR" sz="1100" dirty="0"/>
+                        <a:t>1.</a:t>
+                      </a:r>
+                      <a:r>
+                        <a:rPr lang="ko-KR" altLang="en-US" sz="1100" dirty="0"/>
+                        <a:t>스승과 대화</a:t>
+                      </a:r>
+                      <a:endParaRPr lang="en-US" altLang="ko-KR" sz="1100" dirty="0"/>
+                    </a:p>
+                    <a:p>
+                      <a:pPr marL="0" marR="0" lvl="0" indent="0" algn="l" defTabSz="914400" rtl="0" eaLnBrk="1" fontAlgn="auto" latinLnBrk="1" hangingPunct="1">
+                        <a:lnSpc>
+                          <a:spcPct val="100000"/>
+                        </a:lnSpc>
+                        <a:spcBef>
+                          <a:spcPts val="0"/>
+                        </a:spcBef>
+                        <a:spcAft>
+                          <a:spcPts val="0"/>
+                        </a:spcAft>
+                        <a:buClrTx/>
+                        <a:buSzTx/>
+                        <a:buFontTx/>
+                        <a:buNone/>
+                        <a:tabLst/>
+                        <a:defRPr/>
+                      </a:pPr>
+                      <a:r>
+                        <a:rPr lang="en-US" altLang="ko-KR" sz="1100" dirty="0"/>
+                        <a:t>2.</a:t>
+                      </a:r>
+                      <a:r>
+                        <a:rPr lang="ko-KR" altLang="en-US" sz="1100" dirty="0"/>
+                        <a:t>시험장으로 이동</a:t>
+                      </a:r>
+                      <a:endParaRPr lang="en-US" altLang="ko-KR" sz="1100" dirty="0"/>
+                    </a:p>
+                    <a:p>
+                      <a:pPr marL="0" marR="0" lvl="0" indent="0" algn="l" defTabSz="914400" rtl="0" eaLnBrk="1" fontAlgn="auto" latinLnBrk="1" hangingPunct="1">
+                        <a:lnSpc>
+                          <a:spcPct val="100000"/>
+                        </a:lnSpc>
+                        <a:spcBef>
+                          <a:spcPts val="0"/>
+                        </a:spcBef>
+                        <a:spcAft>
+                          <a:spcPts val="0"/>
+                        </a:spcAft>
+                        <a:buClrTx/>
+                        <a:buSzTx/>
+                        <a:buFontTx/>
+                        <a:buNone/>
+                        <a:tabLst/>
+                        <a:defRPr/>
+                      </a:pPr>
+                      <a:r>
+                        <a:rPr lang="en-US" altLang="ko-KR" sz="1100" dirty="0"/>
+                        <a:t>3.</a:t>
+                      </a:r>
+                      <a:r>
+                        <a:rPr lang="ko-KR" altLang="en-US" sz="1100" dirty="0"/>
+                        <a:t>시험 접수</a:t>
+                      </a:r>
+                    </a:p>
+                  </a:txBody>
+                  <a:tcPr/>
+                </a:tc>
+                <a:extLst>
+                  <a:ext uri="{0D108BD9-81ED-4DB2-BD59-A6C34878D82A}">
+                    <a16:rowId xmlns:a16="http://schemas.microsoft.com/office/drawing/2014/main" val="2935459711"/>
+                  </a:ext>
+                </a:extLst>
+              </a:tr>
+              <a:tr h="0">
+                <a:tc>
+                  <a:txBody>
+                    <a:bodyPr/>
+                    <a:lstStyle/>
+                    <a:p>
+                      <a:pPr latinLnBrk="1"/>
+                      <a:r>
+                        <a:rPr lang="en-US" altLang="ko-KR" sz="1100" dirty="0"/>
+                        <a:t>5</a:t>
+                      </a:r>
+                      <a:endParaRPr lang="ko-KR" altLang="en-US" sz="1100" dirty="0"/>
+                    </a:p>
+                  </a:txBody>
+                  <a:tcPr/>
+                </a:tc>
+                <a:tc>
+                  <a:txBody>
+                    <a:bodyPr/>
+                    <a:lstStyle/>
+                    <a:p>
+                      <a:pPr latinLnBrk="1"/>
+                      <a:r>
+                        <a:rPr lang="ko-KR" altLang="en-US" sz="1100" dirty="0"/>
+                        <a:t>시험</a:t>
+                      </a:r>
+                    </a:p>
+                  </a:txBody>
+                  <a:tcPr/>
+                </a:tc>
+                <a:tc>
+                  <a:txBody>
+                    <a:bodyPr/>
+                    <a:lstStyle/>
+                    <a:p>
+                      <a:pPr latinLnBrk="1"/>
+                      <a:r>
+                        <a:rPr lang="en-US" altLang="ko-KR" sz="1100" dirty="0"/>
+                        <a:t>X</a:t>
+                      </a:r>
+                      <a:endParaRPr lang="ko-KR" altLang="en-US" sz="1100" dirty="0"/>
+                    </a:p>
+                  </a:txBody>
+                  <a:tcPr/>
+                </a:tc>
+                <a:tc>
+                  <a:txBody>
+                    <a:bodyPr/>
+                    <a:lstStyle/>
+                    <a:p>
+                      <a:pPr latinLnBrk="1"/>
+                      <a:r>
+                        <a:rPr lang="en-US" altLang="ko-KR" sz="1100" dirty="0"/>
+                        <a:t>4</a:t>
+                      </a:r>
+                      <a:r>
+                        <a:rPr lang="ko-KR" altLang="en-US" sz="1100" dirty="0"/>
+                        <a:t>번 퀘스트 클리어</a:t>
+                      </a:r>
+                    </a:p>
+                  </a:txBody>
+                  <a:tcPr/>
+                </a:tc>
+                <a:tc>
+                  <a:txBody>
+                    <a:bodyPr/>
+                    <a:lstStyle/>
+                    <a:p>
+                      <a:pPr marL="0" marR="0" lvl="0" indent="0" algn="l" defTabSz="914400" rtl="0" eaLnBrk="1" fontAlgn="auto" latinLnBrk="1" hangingPunct="1">
+                        <a:lnSpc>
+                          <a:spcPct val="100000"/>
+                        </a:lnSpc>
+                        <a:spcBef>
+                          <a:spcPts val="0"/>
+                        </a:spcBef>
+                        <a:spcAft>
+                          <a:spcPts val="0"/>
+                        </a:spcAft>
+                        <a:buClrTx/>
+                        <a:buSzTx/>
+                        <a:buFontTx/>
+                        <a:buNone/>
+                        <a:tabLst/>
+                        <a:defRPr/>
+                      </a:pPr>
+                      <a:r>
+                        <a:rPr lang="en-US" altLang="ko-KR" sz="1100" dirty="0"/>
+                        <a:t>1.</a:t>
+                      </a:r>
+                      <a:r>
+                        <a:rPr lang="ko-KR" altLang="en-US" sz="1100" dirty="0"/>
+                        <a:t>시험관과 대화</a:t>
+                      </a:r>
+                      <a:endParaRPr lang="en-US" altLang="ko-KR" sz="1100" dirty="0"/>
+                    </a:p>
+                    <a:p>
+                      <a:pPr marL="0" marR="0" lvl="0" indent="0" algn="l" defTabSz="914400" rtl="0" eaLnBrk="1" fontAlgn="auto" latinLnBrk="1" hangingPunct="1">
+                        <a:lnSpc>
+                          <a:spcPct val="100000"/>
+                        </a:lnSpc>
+                        <a:spcBef>
+                          <a:spcPts val="0"/>
+                        </a:spcBef>
+                        <a:spcAft>
+                          <a:spcPts val="0"/>
+                        </a:spcAft>
+                        <a:buClrTx/>
+                        <a:buSzTx/>
+                        <a:buFontTx/>
+                        <a:buNone/>
+                        <a:tabLst/>
+                        <a:defRPr/>
+                      </a:pPr>
+                      <a:r>
+                        <a:rPr lang="en-US" altLang="ko-KR" sz="1100" dirty="0"/>
+                        <a:t>2.</a:t>
+                      </a:r>
+                      <a:r>
+                        <a:rPr lang="ko-KR" altLang="en-US" sz="1100" dirty="0"/>
+                        <a:t>특정 괴물 추적</a:t>
+                      </a:r>
+                      <a:endParaRPr lang="en-US" altLang="ko-KR" sz="1100" dirty="0"/>
+                    </a:p>
+                    <a:p>
+                      <a:pPr marL="0" marR="0" lvl="0" indent="0" algn="l" defTabSz="914400" rtl="0" eaLnBrk="1" fontAlgn="auto" latinLnBrk="1" hangingPunct="1">
+                        <a:lnSpc>
+                          <a:spcPct val="100000"/>
+                        </a:lnSpc>
+                        <a:spcBef>
+                          <a:spcPts val="0"/>
+                        </a:spcBef>
+                        <a:spcAft>
+                          <a:spcPts val="0"/>
+                        </a:spcAft>
+                        <a:buClrTx/>
+                        <a:buSzTx/>
+                        <a:buFontTx/>
+                        <a:buNone/>
+                        <a:tabLst/>
+                        <a:defRPr/>
+                      </a:pPr>
+                      <a:r>
+                        <a:rPr lang="en-US" altLang="ko-KR" sz="1100" dirty="0"/>
+                        <a:t>3.</a:t>
+                      </a:r>
+                      <a:r>
+                        <a:rPr lang="ko-KR" altLang="en-US" sz="1100" dirty="0"/>
+                        <a:t>괴물 처치</a:t>
+                      </a:r>
+                      <a:endParaRPr lang="en-US" altLang="ko-KR" sz="1100" dirty="0"/>
+                    </a:p>
+                    <a:p>
+                      <a:pPr marL="0" marR="0" lvl="0" indent="0" algn="l" defTabSz="914400" rtl="0" eaLnBrk="1" fontAlgn="auto" latinLnBrk="1" hangingPunct="1">
+                        <a:lnSpc>
+                          <a:spcPct val="100000"/>
+                        </a:lnSpc>
+                        <a:spcBef>
+                          <a:spcPts val="0"/>
+                        </a:spcBef>
+                        <a:spcAft>
+                          <a:spcPts val="0"/>
+                        </a:spcAft>
+                        <a:buClrTx/>
+                        <a:buSzTx/>
+                        <a:buFontTx/>
+                        <a:buNone/>
+                        <a:tabLst/>
+                        <a:defRPr/>
+                      </a:pPr>
+                      <a:r>
+                        <a:rPr lang="en-US" altLang="ko-KR" sz="1100" dirty="0"/>
+                        <a:t>4.</a:t>
+                      </a:r>
+                      <a:r>
+                        <a:rPr lang="ko-KR" altLang="en-US" sz="1100" dirty="0"/>
+                        <a:t>시험관에게 전리품 전달</a:t>
+                      </a:r>
+                    </a:p>
+                  </a:txBody>
+                  <a:tcPr/>
+                </a:tc>
+                <a:extLst>
+                  <a:ext uri="{0D108BD9-81ED-4DB2-BD59-A6C34878D82A}">
+                    <a16:rowId xmlns:a16="http://schemas.microsoft.com/office/drawing/2014/main" val="3286096558"/>
+                  </a:ext>
+                </a:extLst>
+              </a:tr>
+              <a:tr h="0">
+                <a:tc>
+                  <a:txBody>
+                    <a:bodyPr/>
+                    <a:lstStyle/>
+                    <a:p>
+                      <a:pPr latinLnBrk="1"/>
+                      <a:r>
+                        <a:rPr lang="en-US" altLang="ko-KR" sz="1100" dirty="0"/>
+                        <a:t>6</a:t>
+                      </a:r>
+                      <a:endParaRPr lang="ko-KR" altLang="en-US" sz="1100" dirty="0"/>
+                    </a:p>
+                  </a:txBody>
+                  <a:tcPr/>
+                </a:tc>
+                <a:tc>
+                  <a:txBody>
+                    <a:bodyPr/>
+                    <a:lstStyle/>
+                    <a:p>
+                      <a:pPr latinLnBrk="1"/>
+                      <a:r>
+                        <a:rPr lang="ko-KR" altLang="en-US" sz="1100" dirty="0"/>
+                        <a:t>만남</a:t>
+                      </a:r>
+                    </a:p>
+                  </a:txBody>
+                  <a:tcPr/>
+                </a:tc>
+                <a:tc>
+                  <a:txBody>
+                    <a:bodyPr/>
+                    <a:lstStyle/>
+                    <a:p>
+                      <a:pPr latinLnBrk="1"/>
+                      <a:r>
+                        <a:rPr lang="en-US" altLang="ko-KR" sz="1100" dirty="0"/>
+                        <a:t>X</a:t>
+                      </a:r>
+                      <a:endParaRPr lang="ko-KR" altLang="en-US" sz="1100" dirty="0"/>
+                    </a:p>
+                  </a:txBody>
+                  <a:tcPr/>
+                </a:tc>
+                <a:tc>
+                  <a:txBody>
+                    <a:bodyPr/>
+                    <a:lstStyle/>
+                    <a:p>
+                      <a:pPr latinLnBrk="1"/>
+                      <a:r>
+                        <a:rPr lang="en-US" altLang="ko-KR" sz="1100" dirty="0"/>
+                        <a:t>5</a:t>
+                      </a:r>
+                      <a:r>
+                        <a:rPr lang="ko-KR" altLang="en-US" sz="1100" dirty="0"/>
+                        <a:t>번 퀘스트 클리어</a:t>
+                      </a:r>
+                    </a:p>
+                  </a:txBody>
+                  <a:tcPr/>
+                </a:tc>
+                <a:tc>
+                  <a:txBody>
+                    <a:bodyPr/>
+                    <a:lstStyle/>
+                    <a:p>
+                      <a:pPr marL="0" marR="0" lvl="0" indent="0" algn="l" defTabSz="914400" rtl="0" eaLnBrk="1" fontAlgn="auto" latinLnBrk="1" hangingPunct="1">
+                        <a:lnSpc>
+                          <a:spcPct val="100000"/>
+                        </a:lnSpc>
+                        <a:spcBef>
+                          <a:spcPts val="0"/>
+                        </a:spcBef>
+                        <a:spcAft>
+                          <a:spcPts val="0"/>
+                        </a:spcAft>
+                        <a:buClrTx/>
+                        <a:buSzTx/>
+                        <a:buFontTx/>
+                        <a:buNone/>
+                        <a:tabLst/>
+                        <a:defRPr/>
+                      </a:pPr>
+                      <a:r>
+                        <a:rPr lang="en-US" altLang="ko-KR" sz="1100" dirty="0"/>
+                        <a:t>1.’</a:t>
+                      </a:r>
+                      <a:r>
+                        <a:rPr lang="ko-KR" altLang="en-US" sz="1100" dirty="0"/>
+                        <a:t>세영</a:t>
+                      </a:r>
+                      <a:r>
+                        <a:rPr lang="en-US" altLang="ko-KR" sz="1100" dirty="0"/>
+                        <a:t>’</a:t>
+                      </a:r>
+                      <a:r>
+                        <a:rPr lang="ko-KR" altLang="en-US" sz="1100" dirty="0"/>
+                        <a:t>과 대화</a:t>
+                      </a:r>
+                      <a:endParaRPr lang="en-US" altLang="ko-KR" sz="1100" dirty="0"/>
+                    </a:p>
+                    <a:p>
+                      <a:pPr marL="0" marR="0" lvl="0" indent="0" algn="l" defTabSz="914400" rtl="0" eaLnBrk="1" fontAlgn="auto" latinLnBrk="1" hangingPunct="1">
+                        <a:lnSpc>
+                          <a:spcPct val="100000"/>
+                        </a:lnSpc>
+                        <a:spcBef>
+                          <a:spcPts val="0"/>
+                        </a:spcBef>
+                        <a:spcAft>
+                          <a:spcPts val="0"/>
+                        </a:spcAft>
+                        <a:buClrTx/>
+                        <a:buSzTx/>
+                        <a:buFontTx/>
+                        <a:buNone/>
+                        <a:tabLst/>
+                        <a:defRPr/>
+                      </a:pPr>
+                      <a:r>
+                        <a:rPr lang="en-US" altLang="ko-KR" sz="1100" dirty="0"/>
+                        <a:t>2.</a:t>
+                      </a:r>
+                      <a:r>
+                        <a:rPr lang="ko-KR" altLang="en-US" sz="1100" dirty="0"/>
+                        <a:t>특정 괴물 처치</a:t>
+                      </a:r>
+                      <a:endParaRPr lang="en-US" altLang="ko-KR" sz="1100" dirty="0"/>
+                    </a:p>
+                    <a:p>
+                      <a:pPr marL="0" marR="0" lvl="0" indent="0" algn="l" defTabSz="914400" rtl="0" eaLnBrk="1" fontAlgn="auto" latinLnBrk="1" hangingPunct="1">
+                        <a:lnSpc>
+                          <a:spcPct val="100000"/>
+                        </a:lnSpc>
+                        <a:spcBef>
+                          <a:spcPts val="0"/>
+                        </a:spcBef>
+                        <a:spcAft>
+                          <a:spcPts val="0"/>
+                        </a:spcAft>
+                        <a:buClrTx/>
+                        <a:buSzTx/>
+                        <a:buFontTx/>
+                        <a:buNone/>
+                        <a:tabLst/>
+                        <a:defRPr/>
+                      </a:pPr>
+                      <a:r>
+                        <a:rPr lang="en-US" altLang="ko-KR" sz="1100" dirty="0"/>
+                        <a:t>3.</a:t>
+                      </a:r>
+                      <a:r>
+                        <a:rPr lang="ko-KR" altLang="en-US" sz="1100" dirty="0"/>
+                        <a:t>시험관과 대화</a:t>
+                      </a:r>
+                      <a:endParaRPr lang="en-US" altLang="ko-KR" sz="1100" dirty="0"/>
+                    </a:p>
+                  </a:txBody>
+                  <a:tcPr/>
+                </a:tc>
+                <a:extLst>
+                  <a:ext uri="{0D108BD9-81ED-4DB2-BD59-A6C34878D82A}">
+                    <a16:rowId xmlns:a16="http://schemas.microsoft.com/office/drawing/2014/main" val="4175583968"/>
+                  </a:ext>
+                </a:extLst>
+              </a:tr>
+              <a:tr h="0">
+                <a:tc>
+                  <a:txBody>
+                    <a:bodyPr/>
+                    <a:lstStyle/>
+                    <a:p>
+                      <a:pPr latinLnBrk="1"/>
+                      <a:r>
+                        <a:rPr lang="en-US" altLang="ko-KR" sz="1100" dirty="0"/>
+                        <a:t>7</a:t>
+                      </a:r>
+                      <a:endParaRPr lang="ko-KR" altLang="en-US" sz="1100" dirty="0"/>
+                    </a:p>
+                  </a:txBody>
+                  <a:tcPr/>
+                </a:tc>
+                <a:tc>
+                  <a:txBody>
+                    <a:bodyPr/>
+                    <a:lstStyle/>
+                    <a:p>
+                      <a:pPr latinLnBrk="1"/>
+                      <a:r>
+                        <a:rPr lang="ko-KR" altLang="en-US" sz="1100" dirty="0"/>
+                        <a:t>입단</a:t>
+                      </a:r>
+                    </a:p>
+                  </a:txBody>
+                  <a:tcPr/>
+                </a:tc>
+                <a:tc>
+                  <a:txBody>
+                    <a:bodyPr/>
+                    <a:lstStyle/>
+                    <a:p>
+                      <a:pPr latinLnBrk="1"/>
+                      <a:r>
+                        <a:rPr lang="en-US" altLang="ko-KR" sz="1100" dirty="0"/>
+                        <a:t>X</a:t>
+                      </a:r>
+                      <a:endParaRPr lang="ko-KR" altLang="en-US" sz="1100" dirty="0"/>
+                    </a:p>
+                  </a:txBody>
+                  <a:tcPr/>
+                </a:tc>
+                <a:tc>
+                  <a:txBody>
+                    <a:bodyPr/>
+                    <a:lstStyle/>
+                    <a:p>
+                      <a:pPr latinLnBrk="1"/>
+                      <a:r>
+                        <a:rPr lang="en-US" altLang="ko-KR" sz="1100" dirty="0"/>
+                        <a:t>6</a:t>
+                      </a:r>
+                      <a:r>
+                        <a:rPr lang="ko-KR" altLang="en-US" sz="1100" dirty="0"/>
+                        <a:t>번 퀘스트 클리어</a:t>
+                      </a:r>
+                    </a:p>
+                  </a:txBody>
+                  <a:tcPr/>
+                </a:tc>
+                <a:tc>
+                  <a:txBody>
+                    <a:bodyPr/>
+                    <a:lstStyle/>
+                    <a:p>
+                      <a:pPr marL="0" marR="0" lvl="0" indent="0" algn="l" defTabSz="914400" rtl="0" eaLnBrk="1" fontAlgn="auto" latinLnBrk="1" hangingPunct="1">
+                        <a:lnSpc>
+                          <a:spcPct val="100000"/>
+                        </a:lnSpc>
+                        <a:spcBef>
+                          <a:spcPts val="0"/>
+                        </a:spcBef>
+                        <a:spcAft>
+                          <a:spcPts val="0"/>
+                        </a:spcAft>
+                        <a:buClrTx/>
+                        <a:buSzTx/>
+                        <a:buFontTx/>
+                        <a:buNone/>
+                        <a:tabLst/>
+                        <a:defRPr/>
+                      </a:pPr>
+                      <a:r>
+                        <a:rPr lang="en-US" altLang="ko-KR" sz="1100" dirty="0"/>
+                        <a:t>1.</a:t>
+                      </a:r>
+                      <a:r>
+                        <a:rPr lang="ko-KR" altLang="en-US" sz="1100" dirty="0"/>
+                        <a:t>시험관과 대화</a:t>
+                      </a:r>
+                      <a:endParaRPr lang="en-US" altLang="ko-KR" sz="1100" dirty="0"/>
+                    </a:p>
+                  </a:txBody>
+                  <a:tcPr/>
+                </a:tc>
+                <a:extLst>
+                  <a:ext uri="{0D108BD9-81ED-4DB2-BD59-A6C34878D82A}">
+                    <a16:rowId xmlns:a16="http://schemas.microsoft.com/office/drawing/2014/main" val="3284535275"/>
+                  </a:ext>
+                </a:extLst>
+              </a:tr>
+            </a:tbl>
+          </a:graphicData>
+        </a:graphic>
+      </p:graphicFrame>
+    </p:spTree>
+    <p:extLst>
+      <p:ext uri="{BB962C8B-B14F-4D97-AF65-F5344CB8AC3E}">
+        <p14:creationId xmlns:p14="http://schemas.microsoft.com/office/powerpoint/2010/main" val="2179703113"/>
       </p:ext>
     </p:extLst>
   </p:cSld>

--- a/기획/메인 스토리 기획서.pptx
+++ b/기획/메인 스토리 기획서.pptx
@@ -5,7 +5,7 @@
     <p:sldMasterId id="2147483648" r:id="rId1"/>
   </p:sldMasterIdLst>
   <p:notesMasterIdLst>
-    <p:notesMasterId r:id="rId11"/>
+    <p:notesMasterId r:id="rId12"/>
   </p:notesMasterIdLst>
   <p:sldIdLst>
     <p:sldId id="258" r:id="rId2"/>
@@ -14,9 +14,10 @@
     <p:sldId id="259" r:id="rId5"/>
     <p:sldId id="260" r:id="rId6"/>
     <p:sldId id="263" r:id="rId7"/>
-    <p:sldId id="264" r:id="rId8"/>
-    <p:sldId id="262" r:id="rId9"/>
-    <p:sldId id="267" r:id="rId10"/>
+    <p:sldId id="268" r:id="rId8"/>
+    <p:sldId id="264" r:id="rId9"/>
+    <p:sldId id="262" r:id="rId10"/>
+    <p:sldId id="267" r:id="rId11"/>
   </p:sldIdLst>
   <p:sldSz cx="12192000" cy="6858000"/>
   <p:notesSz cx="6858000" cy="9144000"/>
@@ -216,7 +217,7 @@
           <a:p>
             <a:fld id="{C8649E71-8129-4905-BAC0-51D65A0C1379}" type="datetimeFigureOut">
               <a:rPr lang="ko-KR" altLang="en-US" smtClean="0"/>
-              <a:t>2023-12-07</a:t>
+              <a:t>2023-12-08</a:t>
             </a:fld>
             <a:endParaRPr lang="ko-KR" altLang="en-US"/>
           </a:p>
@@ -714,7 +715,7 @@
           <a:p>
             <a:fld id="{523D6941-6B33-4834-BC65-A333846D27E6}" type="datetimeFigureOut">
               <a:rPr lang="ko-KR" altLang="en-US" smtClean="0"/>
-              <a:t>2023-12-07</a:t>
+              <a:t>2023-12-08</a:t>
             </a:fld>
             <a:endParaRPr lang="ko-KR" altLang="en-US"/>
           </a:p>
@@ -912,7 +913,7 @@
           <a:p>
             <a:fld id="{523D6941-6B33-4834-BC65-A333846D27E6}" type="datetimeFigureOut">
               <a:rPr lang="ko-KR" altLang="en-US" smtClean="0"/>
-              <a:t>2023-12-07</a:t>
+              <a:t>2023-12-08</a:t>
             </a:fld>
             <a:endParaRPr lang="ko-KR" altLang="en-US"/>
           </a:p>
@@ -1120,7 +1121,7 @@
           <a:p>
             <a:fld id="{523D6941-6B33-4834-BC65-A333846D27E6}" type="datetimeFigureOut">
               <a:rPr lang="ko-KR" altLang="en-US" smtClean="0"/>
-              <a:t>2023-12-07</a:t>
+              <a:t>2023-12-08</a:t>
             </a:fld>
             <a:endParaRPr lang="ko-KR" altLang="en-US"/>
           </a:p>
@@ -1318,7 +1319,7 @@
           <a:p>
             <a:fld id="{523D6941-6B33-4834-BC65-A333846D27E6}" type="datetimeFigureOut">
               <a:rPr lang="ko-KR" altLang="en-US" smtClean="0"/>
-              <a:t>2023-12-07</a:t>
+              <a:t>2023-12-08</a:t>
             </a:fld>
             <a:endParaRPr lang="ko-KR" altLang="en-US"/>
           </a:p>
@@ -1593,7 +1594,7 @@
           <a:p>
             <a:fld id="{523D6941-6B33-4834-BC65-A333846D27E6}" type="datetimeFigureOut">
               <a:rPr lang="ko-KR" altLang="en-US" smtClean="0"/>
-              <a:t>2023-12-07</a:t>
+              <a:t>2023-12-08</a:t>
             </a:fld>
             <a:endParaRPr lang="ko-KR" altLang="en-US"/>
           </a:p>
@@ -1858,7 +1859,7 @@
           <a:p>
             <a:fld id="{523D6941-6B33-4834-BC65-A333846D27E6}" type="datetimeFigureOut">
               <a:rPr lang="ko-KR" altLang="en-US" smtClean="0"/>
-              <a:t>2023-12-07</a:t>
+              <a:t>2023-12-08</a:t>
             </a:fld>
             <a:endParaRPr lang="ko-KR" altLang="en-US"/>
           </a:p>
@@ -2270,7 +2271,7 @@
           <a:p>
             <a:fld id="{523D6941-6B33-4834-BC65-A333846D27E6}" type="datetimeFigureOut">
               <a:rPr lang="ko-KR" altLang="en-US" smtClean="0"/>
-              <a:t>2023-12-07</a:t>
+              <a:t>2023-12-08</a:t>
             </a:fld>
             <a:endParaRPr lang="ko-KR" altLang="en-US"/>
           </a:p>
@@ -2411,7 +2412,7 @@
           <a:p>
             <a:fld id="{523D6941-6B33-4834-BC65-A333846D27E6}" type="datetimeFigureOut">
               <a:rPr lang="ko-KR" altLang="en-US" smtClean="0"/>
-              <a:t>2023-12-07</a:t>
+              <a:t>2023-12-08</a:t>
             </a:fld>
             <a:endParaRPr lang="ko-KR" altLang="en-US"/>
           </a:p>
@@ -2524,7 +2525,7 @@
           <a:p>
             <a:fld id="{523D6941-6B33-4834-BC65-A333846D27E6}" type="datetimeFigureOut">
               <a:rPr lang="ko-KR" altLang="en-US" smtClean="0"/>
-              <a:t>2023-12-07</a:t>
+              <a:t>2023-12-08</a:t>
             </a:fld>
             <a:endParaRPr lang="ko-KR" altLang="en-US"/>
           </a:p>
@@ -2835,7 +2836,7 @@
           <a:p>
             <a:fld id="{523D6941-6B33-4834-BC65-A333846D27E6}" type="datetimeFigureOut">
               <a:rPr lang="ko-KR" altLang="en-US" smtClean="0"/>
-              <a:t>2023-12-07</a:t>
+              <a:t>2023-12-08</a:t>
             </a:fld>
             <a:endParaRPr lang="ko-KR" altLang="en-US"/>
           </a:p>
@@ -3123,7 +3124,7 @@
           <a:p>
             <a:fld id="{523D6941-6B33-4834-BC65-A333846D27E6}" type="datetimeFigureOut">
               <a:rPr lang="ko-KR" altLang="en-US" smtClean="0"/>
-              <a:t>2023-12-07</a:t>
+              <a:t>2023-12-08</a:t>
             </a:fld>
             <a:endParaRPr lang="ko-KR" altLang="en-US"/>
           </a:p>
@@ -3364,7 +3365,7 @@
           <a:p>
             <a:fld id="{523D6941-6B33-4834-BC65-A333846D27E6}" type="datetimeFigureOut">
               <a:rPr lang="ko-KR" altLang="en-US" smtClean="0"/>
-              <a:t>2023-12-07</a:t>
+              <a:t>2023-12-08</a:t>
             </a:fld>
             <a:endParaRPr lang="ko-KR" altLang="en-US"/>
           </a:p>
@@ -3866,6 +3867,1386 @@
 </p:sld>
 </file>
 
+<file path=ppt/slides/slide10.xml><?xml version="1.0" encoding="utf-8"?>
+<p:sld xmlns:a="http://schemas.openxmlformats.org/drawingml/2006/main" xmlns:r="http://schemas.openxmlformats.org/officeDocument/2006/relationships" xmlns:p="http://schemas.openxmlformats.org/presentationml/2006/main">
+  <p:cSld>
+    <p:spTree>
+      <p:nvGrpSpPr>
+        <p:cNvPr id="1" name=""/>
+        <p:cNvGrpSpPr/>
+        <p:nvPr/>
+      </p:nvGrpSpPr>
+      <p:grpSpPr>
+        <a:xfrm>
+          <a:off x="0" y="0"/>
+          <a:ext cx="0" cy="0"/>
+          <a:chOff x="0" y="0"/>
+          <a:chExt cx="0" cy="0"/>
+        </a:xfrm>
+      </p:grpSpPr>
+      <p:sp>
+        <p:nvSpPr>
+          <p:cNvPr id="2" name="제목 1">
+            <a:extLst>
+              <a:ext uri="{FF2B5EF4-FFF2-40B4-BE49-F238E27FC236}">
+                <a16:creationId xmlns:a16="http://schemas.microsoft.com/office/drawing/2014/main" id="{A9AD2907-83FD-48D3-BC2E-0744F10E5DE7}"/>
+              </a:ext>
+            </a:extLst>
+          </p:cNvPr>
+          <p:cNvSpPr>
+            <a:spLocks noGrp="1"/>
+          </p:cNvSpPr>
+          <p:nvPr>
+            <p:ph type="title"/>
+          </p:nvPr>
+        </p:nvSpPr>
+        <p:spPr/>
+        <p:txBody>
+          <a:bodyPr/>
+          <a:lstStyle/>
+          <a:p>
+            <a:r>
+              <a:rPr lang="ko-KR" altLang="en-US" dirty="0"/>
+              <a:t>진행 과정</a:t>
+            </a:r>
+            <a:r>
+              <a:rPr lang="en-US" altLang="ko-KR" dirty="0"/>
+              <a:t>(</a:t>
+            </a:r>
+            <a:r>
+              <a:rPr lang="ko-KR" altLang="en-US" dirty="0"/>
+              <a:t>기</a:t>
+            </a:r>
+            <a:r>
+              <a:rPr lang="en-US" altLang="ko-KR" dirty="0"/>
+              <a:t>)</a:t>
+            </a:r>
+            <a:endParaRPr lang="ko-KR" altLang="en-US" dirty="0"/>
+          </a:p>
+        </p:txBody>
+      </p:sp>
+      <p:graphicFrame>
+        <p:nvGraphicFramePr>
+          <p:cNvPr id="5" name="표 5">
+            <a:extLst>
+              <a:ext uri="{FF2B5EF4-FFF2-40B4-BE49-F238E27FC236}">
+                <a16:creationId xmlns:a16="http://schemas.microsoft.com/office/drawing/2014/main" id="{8B985CF1-646C-43E2-81E4-47EF43039C41}"/>
+              </a:ext>
+            </a:extLst>
+          </p:cNvPr>
+          <p:cNvGraphicFramePr>
+            <a:graphicFrameLocks noGrp="1"/>
+          </p:cNvGraphicFramePr>
+          <p:nvPr>
+            <p:extLst>
+              <p:ext uri="{D42A27DB-BD31-4B8C-83A1-F6EECF244321}">
+                <p14:modId xmlns:p14="http://schemas.microsoft.com/office/powerpoint/2010/main" val="3403814862"/>
+              </p:ext>
+            </p:extLst>
+          </p:nvPr>
+        </p:nvGraphicFramePr>
+        <p:xfrm>
+          <a:off x="183173" y="1444575"/>
+          <a:ext cx="11825654" cy="4754880"/>
+        </p:xfrm>
+        <a:graphic>
+          <a:graphicData uri="http://schemas.openxmlformats.org/drawingml/2006/table">
+            <a:tbl>
+              <a:tblPr firstRow="1" bandRow="1">
+                <a:tableStyleId>{5C22544A-7EE6-4342-B048-85BDC9FD1C3A}</a:tableStyleId>
+              </a:tblPr>
+              <a:tblGrid>
+                <a:gridCol w="518745">
+                  <a:extLst>
+                    <a:ext uri="{9D8B030D-6E8A-4147-A177-3AD203B41FA5}">
+                      <a16:colId xmlns:a16="http://schemas.microsoft.com/office/drawing/2014/main" val="3693940621"/>
+                    </a:ext>
+                  </a:extLst>
+                </a:gridCol>
+                <a:gridCol w="931984">
+                  <a:extLst>
+                    <a:ext uri="{9D8B030D-6E8A-4147-A177-3AD203B41FA5}">
+                      <a16:colId xmlns:a16="http://schemas.microsoft.com/office/drawing/2014/main" val="1187552722"/>
+                    </a:ext>
+                  </a:extLst>
+                </a:gridCol>
+                <a:gridCol w="580293">
+                  <a:extLst>
+                    <a:ext uri="{9D8B030D-6E8A-4147-A177-3AD203B41FA5}">
+                      <a16:colId xmlns:a16="http://schemas.microsoft.com/office/drawing/2014/main" val="1554674024"/>
+                    </a:ext>
+                  </a:extLst>
+                </a:gridCol>
+                <a:gridCol w="1459523">
+                  <a:extLst>
+                    <a:ext uri="{9D8B030D-6E8A-4147-A177-3AD203B41FA5}">
+                      <a16:colId xmlns:a16="http://schemas.microsoft.com/office/drawing/2014/main" val="1496722657"/>
+                    </a:ext>
+                  </a:extLst>
+                </a:gridCol>
+                <a:gridCol w="8335109">
+                  <a:extLst>
+                    <a:ext uri="{9D8B030D-6E8A-4147-A177-3AD203B41FA5}">
+                      <a16:colId xmlns:a16="http://schemas.microsoft.com/office/drawing/2014/main" val="1345397026"/>
+                    </a:ext>
+                  </a:extLst>
+                </a:gridCol>
+              </a:tblGrid>
+              <a:tr h="0">
+                <a:tc>
+                  <a:txBody>
+                    <a:bodyPr/>
+                    <a:lstStyle/>
+                    <a:p>
+                      <a:pPr latinLnBrk="1"/>
+                      <a:r>
+                        <a:rPr lang="ko-KR" altLang="en-US" sz="1100" dirty="0"/>
+                        <a:t>번호</a:t>
+                      </a:r>
+                    </a:p>
+                  </a:txBody>
+                  <a:tcPr/>
+                </a:tc>
+                <a:tc>
+                  <a:txBody>
+                    <a:bodyPr/>
+                    <a:lstStyle/>
+                    <a:p>
+                      <a:pPr latinLnBrk="1"/>
+                      <a:r>
+                        <a:rPr lang="ko-KR" altLang="en-US" sz="1100" dirty="0"/>
+                        <a:t>퀘스트 명</a:t>
+                      </a:r>
+                    </a:p>
+                  </a:txBody>
+                  <a:tcPr/>
+                </a:tc>
+                <a:tc>
+                  <a:txBody>
+                    <a:bodyPr/>
+                    <a:lstStyle/>
+                    <a:p>
+                      <a:pPr latinLnBrk="1"/>
+                      <a:r>
+                        <a:rPr lang="ko-KR" altLang="en-US" sz="1100" dirty="0"/>
+                        <a:t>레벨</a:t>
+                      </a:r>
+                    </a:p>
+                  </a:txBody>
+                  <a:tcPr/>
+                </a:tc>
+                <a:tc>
+                  <a:txBody>
+                    <a:bodyPr/>
+                    <a:lstStyle/>
+                    <a:p>
+                      <a:pPr latinLnBrk="1"/>
+                      <a:r>
+                        <a:rPr lang="ko-KR" altLang="en-US" sz="1100" dirty="0"/>
+                        <a:t>조건</a:t>
+                      </a:r>
+                    </a:p>
+                  </a:txBody>
+                  <a:tcPr/>
+                </a:tc>
+                <a:tc>
+                  <a:txBody>
+                    <a:bodyPr/>
+                    <a:lstStyle/>
+                    <a:p>
+                      <a:pPr latinLnBrk="1"/>
+                      <a:r>
+                        <a:rPr lang="ko-KR" altLang="en-US" sz="1100" dirty="0"/>
+                        <a:t>과정</a:t>
+                      </a:r>
+                    </a:p>
+                  </a:txBody>
+                  <a:tcPr/>
+                </a:tc>
+                <a:extLst>
+                  <a:ext uri="{0D108BD9-81ED-4DB2-BD59-A6C34878D82A}">
+                    <a16:rowId xmlns:a16="http://schemas.microsoft.com/office/drawing/2014/main" val="3044254016"/>
+                  </a:ext>
+                </a:extLst>
+              </a:tr>
+              <a:tr h="0">
+                <a:tc>
+                  <a:txBody>
+                    <a:bodyPr/>
+                    <a:lstStyle/>
+                    <a:p>
+                      <a:pPr latinLnBrk="1"/>
+                      <a:r>
+                        <a:rPr lang="en-US" altLang="ko-KR" sz="1100" dirty="0"/>
+                        <a:t>1</a:t>
+                      </a:r>
+                      <a:endParaRPr lang="ko-KR" altLang="en-US" sz="1100" dirty="0"/>
+                    </a:p>
+                  </a:txBody>
+                  <a:tcPr/>
+                </a:tc>
+                <a:tc>
+                  <a:txBody>
+                    <a:bodyPr/>
+                    <a:lstStyle/>
+                    <a:p>
+                      <a:pPr latinLnBrk="1"/>
+                      <a:r>
+                        <a:rPr lang="ko-KR" altLang="en-US" sz="1100" dirty="0"/>
+                        <a:t>동물 사냥</a:t>
+                      </a:r>
+                    </a:p>
+                  </a:txBody>
+                  <a:tcPr/>
+                </a:tc>
+                <a:tc>
+                  <a:txBody>
+                    <a:bodyPr/>
+                    <a:lstStyle/>
+                    <a:p>
+                      <a:pPr latinLnBrk="1"/>
+                      <a:r>
+                        <a:rPr lang="en-US" altLang="ko-KR" sz="1100" dirty="0"/>
+                        <a:t>X</a:t>
+                      </a:r>
+                      <a:endParaRPr lang="ko-KR" altLang="en-US" sz="1100" dirty="0"/>
+                    </a:p>
+                  </a:txBody>
+                  <a:tcPr/>
+                </a:tc>
+                <a:tc>
+                  <a:txBody>
+                    <a:bodyPr/>
+                    <a:lstStyle/>
+                    <a:p>
+                      <a:pPr latinLnBrk="1"/>
+                      <a:r>
+                        <a:rPr lang="ko-KR" altLang="en-US" sz="1100" dirty="0"/>
+                        <a:t>게임 시작 시 자동</a:t>
+                      </a:r>
+                    </a:p>
+                  </a:txBody>
+                  <a:tcPr/>
+                </a:tc>
+                <a:tc>
+                  <a:txBody>
+                    <a:bodyPr/>
+                    <a:lstStyle/>
+                    <a:p>
+                      <a:pPr latinLnBrk="1"/>
+                      <a:r>
+                        <a:rPr lang="en-US" altLang="ko-KR" sz="1100" dirty="0"/>
+                        <a:t>1.</a:t>
+                      </a:r>
+                      <a:r>
+                        <a:rPr lang="ko-KR" altLang="en-US" sz="1100" dirty="0"/>
+                        <a:t>마을에서 나와서 산속 사냥터로 이동</a:t>
+                      </a:r>
+                      <a:endParaRPr lang="en-US" altLang="ko-KR" sz="1100" dirty="0"/>
+                    </a:p>
+                    <a:p>
+                      <a:pPr latinLnBrk="1"/>
+                      <a:r>
+                        <a:rPr lang="en-US" altLang="ko-KR" sz="1100" dirty="0"/>
+                        <a:t>2.</a:t>
+                      </a:r>
+                      <a:r>
+                        <a:rPr lang="ko-KR" altLang="en-US" sz="1100" dirty="0"/>
+                        <a:t>사냥감을 찾는다</a:t>
+                      </a:r>
+                      <a:endParaRPr lang="en-US" altLang="ko-KR" sz="1100" dirty="0"/>
+                    </a:p>
+                    <a:p>
+                      <a:pPr latinLnBrk="1"/>
+                      <a:r>
+                        <a:rPr lang="en-US" altLang="ko-KR" sz="1100" dirty="0"/>
+                        <a:t>3.</a:t>
+                      </a:r>
+                      <a:r>
+                        <a:rPr lang="ko-KR" altLang="en-US" sz="1100" dirty="0"/>
+                        <a:t>사슴을 발견한다</a:t>
+                      </a:r>
+                      <a:r>
+                        <a:rPr lang="en-US" altLang="ko-KR" sz="1100" dirty="0"/>
+                        <a:t>.</a:t>
+                      </a:r>
+                      <a:endParaRPr lang="ko-KR" altLang="en-US" sz="1100" dirty="0"/>
+                    </a:p>
+                  </a:txBody>
+                  <a:tcPr/>
+                </a:tc>
+                <a:extLst>
+                  <a:ext uri="{0D108BD9-81ED-4DB2-BD59-A6C34878D82A}">
+                    <a16:rowId xmlns:a16="http://schemas.microsoft.com/office/drawing/2014/main" val="3739252844"/>
+                  </a:ext>
+                </a:extLst>
+              </a:tr>
+              <a:tr h="0">
+                <a:tc>
+                  <a:txBody>
+                    <a:bodyPr/>
+                    <a:lstStyle/>
+                    <a:p>
+                      <a:pPr latinLnBrk="1"/>
+                      <a:r>
+                        <a:rPr lang="en-US" altLang="ko-KR" sz="1100" dirty="0"/>
+                        <a:t>2</a:t>
+                      </a:r>
+                      <a:endParaRPr lang="ko-KR" altLang="en-US" sz="1100" dirty="0"/>
+                    </a:p>
+                  </a:txBody>
+                  <a:tcPr/>
+                </a:tc>
+                <a:tc>
+                  <a:txBody>
+                    <a:bodyPr/>
+                    <a:lstStyle/>
+                    <a:p>
+                      <a:pPr latinLnBrk="1"/>
+                      <a:r>
+                        <a:rPr lang="ko-KR" altLang="en-US" sz="1100" dirty="0"/>
+                        <a:t>도망</a:t>
+                      </a:r>
+                    </a:p>
+                  </a:txBody>
+                  <a:tcPr/>
+                </a:tc>
+                <a:tc>
+                  <a:txBody>
+                    <a:bodyPr/>
+                    <a:lstStyle/>
+                    <a:p>
+                      <a:pPr latinLnBrk="1"/>
+                      <a:r>
+                        <a:rPr lang="en-US" altLang="ko-KR" sz="1100" dirty="0"/>
+                        <a:t>X</a:t>
+                      </a:r>
+                      <a:endParaRPr lang="ko-KR" altLang="en-US" sz="1100" dirty="0"/>
+                    </a:p>
+                  </a:txBody>
+                  <a:tcPr/>
+                </a:tc>
+                <a:tc>
+                  <a:txBody>
+                    <a:bodyPr/>
+                    <a:lstStyle/>
+                    <a:p>
+                      <a:pPr latinLnBrk="1"/>
+                      <a:r>
+                        <a:rPr lang="en-US" altLang="ko-KR" sz="1100" dirty="0"/>
+                        <a:t>1</a:t>
+                      </a:r>
+                      <a:r>
+                        <a:rPr lang="ko-KR" altLang="en-US" sz="1100" dirty="0"/>
+                        <a:t>번 퀘스트 클리어</a:t>
+                      </a:r>
+                    </a:p>
+                  </a:txBody>
+                  <a:tcPr/>
+                </a:tc>
+                <a:tc>
+                  <a:txBody>
+                    <a:bodyPr/>
+                    <a:lstStyle/>
+                    <a:p>
+                      <a:pPr marL="0" marR="0" lvl="0" indent="0" algn="l" defTabSz="914400" rtl="0" eaLnBrk="1" fontAlgn="auto" latinLnBrk="1" hangingPunct="1">
+                        <a:lnSpc>
+                          <a:spcPct val="100000"/>
+                        </a:lnSpc>
+                        <a:spcBef>
+                          <a:spcPts val="0"/>
+                        </a:spcBef>
+                        <a:spcAft>
+                          <a:spcPts val="0"/>
+                        </a:spcAft>
+                        <a:buClrTx/>
+                        <a:buSzTx/>
+                        <a:buFontTx/>
+                        <a:buNone/>
+                        <a:tabLst/>
+                        <a:defRPr/>
+                      </a:pPr>
+                      <a:r>
+                        <a:rPr lang="en-US" altLang="ko-KR" sz="1100" dirty="0"/>
+                        <a:t>1.</a:t>
+                      </a:r>
+                      <a:r>
+                        <a:rPr lang="ko-KR" altLang="en-US" sz="1100" dirty="0"/>
+                        <a:t>괴물이 사슴을 덮치는 것을 본다</a:t>
+                      </a:r>
+                      <a:r>
+                        <a:rPr lang="en-US" altLang="ko-KR" sz="1100" dirty="0"/>
+                        <a:t>.</a:t>
+                      </a:r>
+                    </a:p>
+                    <a:p>
+                      <a:pPr marL="0" marR="0" lvl="0" indent="0" algn="l" defTabSz="914400" rtl="0" eaLnBrk="1" fontAlgn="auto" latinLnBrk="1" hangingPunct="1">
+                        <a:lnSpc>
+                          <a:spcPct val="100000"/>
+                        </a:lnSpc>
+                        <a:spcBef>
+                          <a:spcPts val="0"/>
+                        </a:spcBef>
+                        <a:spcAft>
+                          <a:spcPts val="0"/>
+                        </a:spcAft>
+                        <a:buClrTx/>
+                        <a:buSzTx/>
+                        <a:buFontTx/>
+                        <a:buNone/>
+                        <a:tabLst/>
+                        <a:defRPr/>
+                      </a:pPr>
+                      <a:r>
+                        <a:rPr lang="en-US" altLang="ko-KR" sz="1100" dirty="0"/>
+                        <a:t>2.</a:t>
+                      </a:r>
+                      <a:r>
+                        <a:rPr lang="ko-KR" altLang="en-US" sz="1100" dirty="0"/>
+                        <a:t>마을로 가는 언덕으로 이동한다</a:t>
+                      </a:r>
+                      <a:r>
+                        <a:rPr lang="en-US" altLang="ko-KR" sz="1100" dirty="0"/>
+                        <a:t>.</a:t>
+                      </a:r>
+                    </a:p>
+                    <a:p>
+                      <a:pPr marL="0" marR="0" lvl="0" indent="0" algn="l" defTabSz="914400" rtl="0" eaLnBrk="1" fontAlgn="auto" latinLnBrk="1" hangingPunct="1">
+                        <a:lnSpc>
+                          <a:spcPct val="100000"/>
+                        </a:lnSpc>
+                        <a:spcBef>
+                          <a:spcPts val="0"/>
+                        </a:spcBef>
+                        <a:spcAft>
+                          <a:spcPts val="0"/>
+                        </a:spcAft>
+                        <a:buClrTx/>
+                        <a:buSzTx/>
+                        <a:buFontTx/>
+                        <a:buNone/>
+                        <a:tabLst/>
+                        <a:defRPr/>
+                      </a:pPr>
+                      <a:r>
+                        <a:rPr lang="en-US" altLang="ko-KR" sz="1100" dirty="0"/>
+                        <a:t>3.</a:t>
+                      </a:r>
+                      <a:r>
+                        <a:rPr lang="ko-KR" altLang="en-US" sz="1100" dirty="0"/>
+                        <a:t>마을이 불타는 것을 확인한다</a:t>
+                      </a:r>
+                      <a:r>
+                        <a:rPr lang="en-US" altLang="ko-KR" sz="1100" dirty="0"/>
+                        <a:t>.</a:t>
+                      </a:r>
+                    </a:p>
+                    <a:p>
+                      <a:pPr marL="0" marR="0" lvl="0" indent="0" algn="l" defTabSz="914400" rtl="0" eaLnBrk="1" fontAlgn="auto" latinLnBrk="1" hangingPunct="1">
+                        <a:lnSpc>
+                          <a:spcPct val="100000"/>
+                        </a:lnSpc>
+                        <a:spcBef>
+                          <a:spcPts val="0"/>
+                        </a:spcBef>
+                        <a:spcAft>
+                          <a:spcPts val="0"/>
+                        </a:spcAft>
+                        <a:buClrTx/>
+                        <a:buSzTx/>
+                        <a:buFontTx/>
+                        <a:buNone/>
+                        <a:tabLst/>
+                        <a:defRPr/>
+                      </a:pPr>
+                      <a:r>
+                        <a:rPr lang="en-US" altLang="ko-KR" sz="1100" dirty="0"/>
+                        <a:t>4.</a:t>
+                      </a:r>
+                      <a:r>
+                        <a:rPr lang="ko-KR" altLang="en-US" sz="1100" dirty="0"/>
+                        <a:t>마을에 가족들의 생존을 확인한다</a:t>
+                      </a:r>
+                      <a:r>
+                        <a:rPr lang="en-US" altLang="ko-KR" sz="1100" dirty="0"/>
+                        <a:t>.</a:t>
+                      </a:r>
+                    </a:p>
+                    <a:p>
+                      <a:pPr marL="0" marR="0" lvl="0" indent="0" algn="l" defTabSz="914400" rtl="0" eaLnBrk="1" fontAlgn="auto" latinLnBrk="1" hangingPunct="1">
+                        <a:lnSpc>
+                          <a:spcPct val="100000"/>
+                        </a:lnSpc>
+                        <a:spcBef>
+                          <a:spcPts val="0"/>
+                        </a:spcBef>
+                        <a:spcAft>
+                          <a:spcPts val="0"/>
+                        </a:spcAft>
+                        <a:buClrTx/>
+                        <a:buSzTx/>
+                        <a:buFontTx/>
+                        <a:buNone/>
+                        <a:tabLst/>
+                        <a:defRPr/>
+                      </a:pPr>
+                      <a:r>
+                        <a:rPr lang="en-US" altLang="ko-KR" sz="1100" dirty="0"/>
+                        <a:t>5.</a:t>
+                      </a:r>
+                      <a:r>
+                        <a:rPr lang="ko-KR" altLang="en-US" sz="1100" dirty="0"/>
+                        <a:t>마을을 빠져나와 특정 장소로 이동 후 의문의 고수와 조우</a:t>
+                      </a:r>
+                      <a:r>
+                        <a:rPr lang="en-US" altLang="ko-KR" sz="1100" dirty="0"/>
+                        <a:t>.</a:t>
+                      </a:r>
+                      <a:endParaRPr lang="ko-KR" altLang="en-US" sz="1100" dirty="0"/>
+                    </a:p>
+                  </a:txBody>
+                  <a:tcPr/>
+                </a:tc>
+                <a:extLst>
+                  <a:ext uri="{0D108BD9-81ED-4DB2-BD59-A6C34878D82A}">
+                    <a16:rowId xmlns:a16="http://schemas.microsoft.com/office/drawing/2014/main" val="3282267314"/>
+                  </a:ext>
+                </a:extLst>
+              </a:tr>
+              <a:tr h="0">
+                <a:tc>
+                  <a:txBody>
+                    <a:bodyPr/>
+                    <a:lstStyle/>
+                    <a:p>
+                      <a:pPr latinLnBrk="1"/>
+                      <a:r>
+                        <a:rPr lang="en-US" altLang="ko-KR" sz="1100" dirty="0"/>
+                        <a:t>3</a:t>
+                      </a:r>
+                      <a:endParaRPr lang="ko-KR" altLang="en-US" sz="1100" dirty="0"/>
+                    </a:p>
+                  </a:txBody>
+                  <a:tcPr/>
+                </a:tc>
+                <a:tc>
+                  <a:txBody>
+                    <a:bodyPr/>
+                    <a:lstStyle/>
+                    <a:p>
+                      <a:pPr latinLnBrk="1"/>
+                      <a:r>
+                        <a:rPr lang="ko-KR" altLang="en-US" sz="1100" dirty="0"/>
+                        <a:t>소문</a:t>
+                      </a:r>
+                    </a:p>
+                  </a:txBody>
+                  <a:tcPr/>
+                </a:tc>
+                <a:tc>
+                  <a:txBody>
+                    <a:bodyPr/>
+                    <a:lstStyle/>
+                    <a:p>
+                      <a:pPr latinLnBrk="1"/>
+                      <a:r>
+                        <a:rPr lang="en-US" altLang="ko-KR" sz="1100" dirty="0"/>
+                        <a:t>X</a:t>
+                      </a:r>
+                      <a:endParaRPr lang="ko-KR" altLang="en-US" sz="1100" dirty="0"/>
+                    </a:p>
+                  </a:txBody>
+                  <a:tcPr/>
+                </a:tc>
+                <a:tc>
+                  <a:txBody>
+                    <a:bodyPr/>
+                    <a:lstStyle/>
+                    <a:p>
+                      <a:pPr latinLnBrk="1"/>
+                      <a:r>
+                        <a:rPr lang="en-US" altLang="ko-KR" sz="1100" dirty="0"/>
+                        <a:t>2</a:t>
+                      </a:r>
+                      <a:r>
+                        <a:rPr lang="ko-KR" altLang="en-US" sz="1100" dirty="0"/>
+                        <a:t>번 퀘스트 클리어</a:t>
+                      </a:r>
+                    </a:p>
+                  </a:txBody>
+                  <a:tcPr/>
+                </a:tc>
+                <a:tc>
+                  <a:txBody>
+                    <a:bodyPr/>
+                    <a:lstStyle/>
+                    <a:p>
+                      <a:pPr marL="0" marR="0" lvl="0" indent="0" algn="l" defTabSz="914400" rtl="0" eaLnBrk="1" fontAlgn="auto" latinLnBrk="1" hangingPunct="1">
+                        <a:lnSpc>
+                          <a:spcPct val="100000"/>
+                        </a:lnSpc>
+                        <a:spcBef>
+                          <a:spcPts val="0"/>
+                        </a:spcBef>
+                        <a:spcAft>
+                          <a:spcPts val="0"/>
+                        </a:spcAft>
+                        <a:buClrTx/>
+                        <a:buSzTx/>
+                        <a:buFontTx/>
+                        <a:buNone/>
+                        <a:tabLst/>
+                        <a:defRPr/>
+                      </a:pPr>
+                      <a:r>
+                        <a:rPr lang="en-US" altLang="ko-KR" sz="1100" dirty="0"/>
+                        <a:t>1.</a:t>
+                      </a:r>
+                      <a:r>
+                        <a:rPr lang="ko-KR" altLang="en-US" sz="1100" dirty="0"/>
+                        <a:t>스승과 함께 마을에 도착</a:t>
+                      </a:r>
+                      <a:endParaRPr lang="en-US" altLang="ko-KR" sz="1100" dirty="0"/>
+                    </a:p>
+                    <a:p>
+                      <a:pPr marL="0" marR="0" lvl="0" indent="0" algn="l" defTabSz="914400" rtl="0" eaLnBrk="1" fontAlgn="auto" latinLnBrk="1" hangingPunct="1">
+                        <a:lnSpc>
+                          <a:spcPct val="100000"/>
+                        </a:lnSpc>
+                        <a:spcBef>
+                          <a:spcPts val="0"/>
+                        </a:spcBef>
+                        <a:spcAft>
+                          <a:spcPts val="0"/>
+                        </a:spcAft>
+                        <a:buClrTx/>
+                        <a:buSzTx/>
+                        <a:buFontTx/>
+                        <a:buNone/>
+                        <a:tabLst/>
+                        <a:defRPr/>
+                      </a:pPr>
+                      <a:r>
+                        <a:rPr lang="en-US" altLang="ko-KR" sz="1100" dirty="0"/>
+                        <a:t>2.</a:t>
+                      </a:r>
+                      <a:r>
+                        <a:rPr lang="ko-KR" altLang="en-US" sz="1100" dirty="0"/>
+                        <a:t>상점에서 전리품 처분</a:t>
+                      </a:r>
+                      <a:endParaRPr lang="en-US" altLang="ko-KR" sz="1100" dirty="0"/>
+                    </a:p>
+                    <a:p>
+                      <a:pPr marL="0" marR="0" lvl="0" indent="0" algn="l" defTabSz="914400" rtl="0" eaLnBrk="1" fontAlgn="auto" latinLnBrk="1" hangingPunct="1">
+                        <a:lnSpc>
+                          <a:spcPct val="100000"/>
+                        </a:lnSpc>
+                        <a:spcBef>
+                          <a:spcPts val="0"/>
+                        </a:spcBef>
+                        <a:spcAft>
+                          <a:spcPts val="0"/>
+                        </a:spcAft>
+                        <a:buClrTx/>
+                        <a:buSzTx/>
+                        <a:buFontTx/>
+                        <a:buNone/>
+                        <a:tabLst/>
+                        <a:defRPr/>
+                      </a:pPr>
+                      <a:r>
+                        <a:rPr lang="en-US" altLang="ko-KR" sz="1100" dirty="0"/>
+                        <a:t>3.</a:t>
+                      </a:r>
+                      <a:r>
+                        <a:rPr lang="ko-KR" altLang="en-US" sz="1100" dirty="0" err="1"/>
+                        <a:t>토벌단</a:t>
+                      </a:r>
+                      <a:r>
+                        <a:rPr lang="ko-KR" altLang="en-US" sz="1100" dirty="0"/>
+                        <a:t> 소문을 들음</a:t>
+                      </a:r>
+                      <a:endParaRPr lang="en-US" altLang="ko-KR" sz="1100" dirty="0"/>
+                    </a:p>
+                    <a:p>
+                      <a:pPr marL="0" marR="0" lvl="0" indent="0" algn="l" defTabSz="914400" rtl="0" eaLnBrk="1" fontAlgn="auto" latinLnBrk="1" hangingPunct="1">
+                        <a:lnSpc>
+                          <a:spcPct val="100000"/>
+                        </a:lnSpc>
+                        <a:spcBef>
+                          <a:spcPts val="0"/>
+                        </a:spcBef>
+                        <a:spcAft>
+                          <a:spcPts val="0"/>
+                        </a:spcAft>
+                        <a:buClrTx/>
+                        <a:buSzTx/>
+                        <a:buFontTx/>
+                        <a:buNone/>
+                        <a:tabLst/>
+                        <a:defRPr/>
+                      </a:pPr>
+                      <a:r>
+                        <a:rPr lang="en-US" altLang="ko-KR" sz="1100" dirty="0"/>
+                        <a:t>4.</a:t>
+                      </a:r>
+                      <a:r>
+                        <a:rPr lang="ko-KR" altLang="en-US" sz="1100" dirty="0"/>
+                        <a:t>마을 사람 </a:t>
+                      </a:r>
+                      <a:r>
+                        <a:rPr lang="en-US" altLang="ko-KR" sz="1100" dirty="0"/>
+                        <a:t>3</a:t>
+                      </a:r>
+                      <a:r>
+                        <a:rPr lang="ko-KR" altLang="en-US" sz="1100" dirty="0"/>
+                        <a:t>명 이상에게 말을 걸어 소문을 확인</a:t>
+                      </a:r>
+                    </a:p>
+                  </a:txBody>
+                  <a:tcPr/>
+                </a:tc>
+                <a:extLst>
+                  <a:ext uri="{0D108BD9-81ED-4DB2-BD59-A6C34878D82A}">
+                    <a16:rowId xmlns:a16="http://schemas.microsoft.com/office/drawing/2014/main" val="2551886525"/>
+                  </a:ext>
+                </a:extLst>
+              </a:tr>
+              <a:tr h="0">
+                <a:tc>
+                  <a:txBody>
+                    <a:bodyPr/>
+                    <a:lstStyle/>
+                    <a:p>
+                      <a:pPr latinLnBrk="1"/>
+                      <a:r>
+                        <a:rPr lang="en-US" altLang="ko-KR" sz="1100" dirty="0"/>
+                        <a:t>4</a:t>
+                      </a:r>
+                      <a:endParaRPr lang="ko-KR" altLang="en-US" sz="1100" dirty="0"/>
+                    </a:p>
+                  </a:txBody>
+                  <a:tcPr/>
+                </a:tc>
+                <a:tc>
+                  <a:txBody>
+                    <a:bodyPr/>
+                    <a:lstStyle/>
+                    <a:p>
+                      <a:pPr latinLnBrk="1"/>
+                      <a:r>
+                        <a:rPr lang="ko-KR" altLang="en-US" sz="1100" dirty="0"/>
+                        <a:t>접수</a:t>
+                      </a:r>
+                    </a:p>
+                  </a:txBody>
+                  <a:tcPr/>
+                </a:tc>
+                <a:tc>
+                  <a:txBody>
+                    <a:bodyPr/>
+                    <a:lstStyle/>
+                    <a:p>
+                      <a:pPr latinLnBrk="1"/>
+                      <a:r>
+                        <a:rPr lang="en-US" altLang="ko-KR" sz="1100" dirty="0"/>
+                        <a:t>X</a:t>
+                      </a:r>
+                      <a:endParaRPr lang="ko-KR" altLang="en-US" sz="1100" dirty="0"/>
+                    </a:p>
+                  </a:txBody>
+                  <a:tcPr/>
+                </a:tc>
+                <a:tc>
+                  <a:txBody>
+                    <a:bodyPr/>
+                    <a:lstStyle/>
+                    <a:p>
+                      <a:pPr latinLnBrk="1"/>
+                      <a:r>
+                        <a:rPr lang="en-US" altLang="ko-KR" sz="1100" dirty="0"/>
+                        <a:t>3</a:t>
+                      </a:r>
+                      <a:r>
+                        <a:rPr lang="ko-KR" altLang="en-US" sz="1100" dirty="0"/>
+                        <a:t>번 퀘스트 클리어</a:t>
+                      </a:r>
+                    </a:p>
+                  </a:txBody>
+                  <a:tcPr/>
+                </a:tc>
+                <a:tc>
+                  <a:txBody>
+                    <a:bodyPr/>
+                    <a:lstStyle/>
+                    <a:p>
+                      <a:pPr marL="0" marR="0" lvl="0" indent="0" algn="l" defTabSz="914400" rtl="0" eaLnBrk="1" fontAlgn="auto" latinLnBrk="1" hangingPunct="1">
+                        <a:lnSpc>
+                          <a:spcPct val="100000"/>
+                        </a:lnSpc>
+                        <a:spcBef>
+                          <a:spcPts val="0"/>
+                        </a:spcBef>
+                        <a:spcAft>
+                          <a:spcPts val="0"/>
+                        </a:spcAft>
+                        <a:buClrTx/>
+                        <a:buSzTx/>
+                        <a:buFontTx/>
+                        <a:buNone/>
+                        <a:tabLst/>
+                        <a:defRPr/>
+                      </a:pPr>
+                      <a:r>
+                        <a:rPr lang="en-US" altLang="ko-KR" sz="1100" dirty="0"/>
+                        <a:t>1.</a:t>
+                      </a:r>
+                      <a:r>
+                        <a:rPr lang="ko-KR" altLang="en-US" sz="1100" dirty="0"/>
+                        <a:t>스승과 대화</a:t>
+                      </a:r>
+                      <a:endParaRPr lang="en-US" altLang="ko-KR" sz="1100" dirty="0"/>
+                    </a:p>
+                    <a:p>
+                      <a:pPr marL="0" marR="0" lvl="0" indent="0" algn="l" defTabSz="914400" rtl="0" eaLnBrk="1" fontAlgn="auto" latinLnBrk="1" hangingPunct="1">
+                        <a:lnSpc>
+                          <a:spcPct val="100000"/>
+                        </a:lnSpc>
+                        <a:spcBef>
+                          <a:spcPts val="0"/>
+                        </a:spcBef>
+                        <a:spcAft>
+                          <a:spcPts val="0"/>
+                        </a:spcAft>
+                        <a:buClrTx/>
+                        <a:buSzTx/>
+                        <a:buFontTx/>
+                        <a:buNone/>
+                        <a:tabLst/>
+                        <a:defRPr/>
+                      </a:pPr>
+                      <a:r>
+                        <a:rPr lang="en-US" altLang="ko-KR" sz="1100" dirty="0"/>
+                        <a:t>2.</a:t>
+                      </a:r>
+                      <a:r>
+                        <a:rPr lang="ko-KR" altLang="en-US" sz="1100" dirty="0"/>
+                        <a:t>시험장으로 이동</a:t>
+                      </a:r>
+                      <a:endParaRPr lang="en-US" altLang="ko-KR" sz="1100" dirty="0"/>
+                    </a:p>
+                    <a:p>
+                      <a:pPr marL="0" marR="0" lvl="0" indent="0" algn="l" defTabSz="914400" rtl="0" eaLnBrk="1" fontAlgn="auto" latinLnBrk="1" hangingPunct="1">
+                        <a:lnSpc>
+                          <a:spcPct val="100000"/>
+                        </a:lnSpc>
+                        <a:spcBef>
+                          <a:spcPts val="0"/>
+                        </a:spcBef>
+                        <a:spcAft>
+                          <a:spcPts val="0"/>
+                        </a:spcAft>
+                        <a:buClrTx/>
+                        <a:buSzTx/>
+                        <a:buFontTx/>
+                        <a:buNone/>
+                        <a:tabLst/>
+                        <a:defRPr/>
+                      </a:pPr>
+                      <a:r>
+                        <a:rPr lang="en-US" altLang="ko-KR" sz="1100" dirty="0"/>
+                        <a:t>3.</a:t>
+                      </a:r>
+                      <a:r>
+                        <a:rPr lang="ko-KR" altLang="en-US" sz="1100" dirty="0"/>
+                        <a:t>시험 접수</a:t>
+                      </a:r>
+                    </a:p>
+                  </a:txBody>
+                  <a:tcPr/>
+                </a:tc>
+                <a:extLst>
+                  <a:ext uri="{0D108BD9-81ED-4DB2-BD59-A6C34878D82A}">
+                    <a16:rowId xmlns:a16="http://schemas.microsoft.com/office/drawing/2014/main" val="2935459711"/>
+                  </a:ext>
+                </a:extLst>
+              </a:tr>
+              <a:tr h="0">
+                <a:tc>
+                  <a:txBody>
+                    <a:bodyPr/>
+                    <a:lstStyle/>
+                    <a:p>
+                      <a:pPr latinLnBrk="1"/>
+                      <a:r>
+                        <a:rPr lang="en-US" altLang="ko-KR" sz="1100" dirty="0"/>
+                        <a:t>5</a:t>
+                      </a:r>
+                      <a:endParaRPr lang="ko-KR" altLang="en-US" sz="1100" dirty="0"/>
+                    </a:p>
+                  </a:txBody>
+                  <a:tcPr/>
+                </a:tc>
+                <a:tc>
+                  <a:txBody>
+                    <a:bodyPr/>
+                    <a:lstStyle/>
+                    <a:p>
+                      <a:pPr latinLnBrk="1"/>
+                      <a:r>
+                        <a:rPr lang="ko-KR" altLang="en-US" sz="1100" dirty="0"/>
+                        <a:t>시험</a:t>
+                      </a:r>
+                    </a:p>
+                  </a:txBody>
+                  <a:tcPr/>
+                </a:tc>
+                <a:tc>
+                  <a:txBody>
+                    <a:bodyPr/>
+                    <a:lstStyle/>
+                    <a:p>
+                      <a:pPr latinLnBrk="1"/>
+                      <a:r>
+                        <a:rPr lang="en-US" altLang="ko-KR" sz="1100" dirty="0"/>
+                        <a:t>X</a:t>
+                      </a:r>
+                      <a:endParaRPr lang="ko-KR" altLang="en-US" sz="1100" dirty="0"/>
+                    </a:p>
+                  </a:txBody>
+                  <a:tcPr/>
+                </a:tc>
+                <a:tc>
+                  <a:txBody>
+                    <a:bodyPr/>
+                    <a:lstStyle/>
+                    <a:p>
+                      <a:pPr latinLnBrk="1"/>
+                      <a:r>
+                        <a:rPr lang="en-US" altLang="ko-KR" sz="1100" dirty="0"/>
+                        <a:t>4</a:t>
+                      </a:r>
+                      <a:r>
+                        <a:rPr lang="ko-KR" altLang="en-US" sz="1100" dirty="0"/>
+                        <a:t>번 퀘스트 클리어</a:t>
+                      </a:r>
+                    </a:p>
+                  </a:txBody>
+                  <a:tcPr/>
+                </a:tc>
+                <a:tc>
+                  <a:txBody>
+                    <a:bodyPr/>
+                    <a:lstStyle/>
+                    <a:p>
+                      <a:pPr marL="0" marR="0" lvl="0" indent="0" algn="l" defTabSz="914400" rtl="0" eaLnBrk="1" fontAlgn="auto" latinLnBrk="1" hangingPunct="1">
+                        <a:lnSpc>
+                          <a:spcPct val="100000"/>
+                        </a:lnSpc>
+                        <a:spcBef>
+                          <a:spcPts val="0"/>
+                        </a:spcBef>
+                        <a:spcAft>
+                          <a:spcPts val="0"/>
+                        </a:spcAft>
+                        <a:buClrTx/>
+                        <a:buSzTx/>
+                        <a:buFontTx/>
+                        <a:buNone/>
+                        <a:tabLst/>
+                        <a:defRPr/>
+                      </a:pPr>
+                      <a:r>
+                        <a:rPr lang="en-US" altLang="ko-KR" sz="1100" dirty="0"/>
+                        <a:t>1.</a:t>
+                      </a:r>
+                      <a:r>
+                        <a:rPr lang="ko-KR" altLang="en-US" sz="1100" dirty="0"/>
+                        <a:t>시험관과 대화</a:t>
+                      </a:r>
+                      <a:endParaRPr lang="en-US" altLang="ko-KR" sz="1100" dirty="0"/>
+                    </a:p>
+                    <a:p>
+                      <a:pPr marL="0" marR="0" lvl="0" indent="0" algn="l" defTabSz="914400" rtl="0" eaLnBrk="1" fontAlgn="auto" latinLnBrk="1" hangingPunct="1">
+                        <a:lnSpc>
+                          <a:spcPct val="100000"/>
+                        </a:lnSpc>
+                        <a:spcBef>
+                          <a:spcPts val="0"/>
+                        </a:spcBef>
+                        <a:spcAft>
+                          <a:spcPts val="0"/>
+                        </a:spcAft>
+                        <a:buClrTx/>
+                        <a:buSzTx/>
+                        <a:buFontTx/>
+                        <a:buNone/>
+                        <a:tabLst/>
+                        <a:defRPr/>
+                      </a:pPr>
+                      <a:r>
+                        <a:rPr lang="en-US" altLang="ko-KR" sz="1100" dirty="0"/>
+                        <a:t>2.</a:t>
+                      </a:r>
+                      <a:r>
+                        <a:rPr lang="ko-KR" altLang="en-US" sz="1100" dirty="0"/>
+                        <a:t>특정 괴물 추적</a:t>
+                      </a:r>
+                      <a:endParaRPr lang="en-US" altLang="ko-KR" sz="1100" dirty="0"/>
+                    </a:p>
+                    <a:p>
+                      <a:pPr marL="0" marR="0" lvl="0" indent="0" algn="l" defTabSz="914400" rtl="0" eaLnBrk="1" fontAlgn="auto" latinLnBrk="1" hangingPunct="1">
+                        <a:lnSpc>
+                          <a:spcPct val="100000"/>
+                        </a:lnSpc>
+                        <a:spcBef>
+                          <a:spcPts val="0"/>
+                        </a:spcBef>
+                        <a:spcAft>
+                          <a:spcPts val="0"/>
+                        </a:spcAft>
+                        <a:buClrTx/>
+                        <a:buSzTx/>
+                        <a:buFontTx/>
+                        <a:buNone/>
+                        <a:tabLst/>
+                        <a:defRPr/>
+                      </a:pPr>
+                      <a:r>
+                        <a:rPr lang="en-US" altLang="ko-KR" sz="1100" dirty="0"/>
+                        <a:t>3.</a:t>
+                      </a:r>
+                      <a:r>
+                        <a:rPr lang="ko-KR" altLang="en-US" sz="1100" dirty="0"/>
+                        <a:t>괴물 처치</a:t>
+                      </a:r>
+                      <a:endParaRPr lang="en-US" altLang="ko-KR" sz="1100" dirty="0"/>
+                    </a:p>
+                    <a:p>
+                      <a:pPr marL="0" marR="0" lvl="0" indent="0" algn="l" defTabSz="914400" rtl="0" eaLnBrk="1" fontAlgn="auto" latinLnBrk="1" hangingPunct="1">
+                        <a:lnSpc>
+                          <a:spcPct val="100000"/>
+                        </a:lnSpc>
+                        <a:spcBef>
+                          <a:spcPts val="0"/>
+                        </a:spcBef>
+                        <a:spcAft>
+                          <a:spcPts val="0"/>
+                        </a:spcAft>
+                        <a:buClrTx/>
+                        <a:buSzTx/>
+                        <a:buFontTx/>
+                        <a:buNone/>
+                        <a:tabLst/>
+                        <a:defRPr/>
+                      </a:pPr>
+                      <a:r>
+                        <a:rPr lang="en-US" altLang="ko-KR" sz="1100" dirty="0"/>
+                        <a:t>4.</a:t>
+                      </a:r>
+                      <a:r>
+                        <a:rPr lang="ko-KR" altLang="en-US" sz="1100" dirty="0"/>
+                        <a:t>시험관에게 전리품 전달</a:t>
+                      </a:r>
+                    </a:p>
+                  </a:txBody>
+                  <a:tcPr/>
+                </a:tc>
+                <a:extLst>
+                  <a:ext uri="{0D108BD9-81ED-4DB2-BD59-A6C34878D82A}">
+                    <a16:rowId xmlns:a16="http://schemas.microsoft.com/office/drawing/2014/main" val="3286096558"/>
+                  </a:ext>
+                </a:extLst>
+              </a:tr>
+              <a:tr h="0">
+                <a:tc>
+                  <a:txBody>
+                    <a:bodyPr/>
+                    <a:lstStyle/>
+                    <a:p>
+                      <a:pPr latinLnBrk="1"/>
+                      <a:r>
+                        <a:rPr lang="en-US" altLang="ko-KR" sz="1100" dirty="0"/>
+                        <a:t>6</a:t>
+                      </a:r>
+                      <a:endParaRPr lang="ko-KR" altLang="en-US" sz="1100" dirty="0"/>
+                    </a:p>
+                  </a:txBody>
+                  <a:tcPr/>
+                </a:tc>
+                <a:tc>
+                  <a:txBody>
+                    <a:bodyPr/>
+                    <a:lstStyle/>
+                    <a:p>
+                      <a:pPr latinLnBrk="1"/>
+                      <a:r>
+                        <a:rPr lang="ko-KR" altLang="en-US" sz="1100" dirty="0"/>
+                        <a:t>만남</a:t>
+                      </a:r>
+                    </a:p>
+                  </a:txBody>
+                  <a:tcPr/>
+                </a:tc>
+                <a:tc>
+                  <a:txBody>
+                    <a:bodyPr/>
+                    <a:lstStyle/>
+                    <a:p>
+                      <a:pPr latinLnBrk="1"/>
+                      <a:r>
+                        <a:rPr lang="en-US" altLang="ko-KR" sz="1100" dirty="0"/>
+                        <a:t>X</a:t>
+                      </a:r>
+                      <a:endParaRPr lang="ko-KR" altLang="en-US" sz="1100" dirty="0"/>
+                    </a:p>
+                  </a:txBody>
+                  <a:tcPr/>
+                </a:tc>
+                <a:tc>
+                  <a:txBody>
+                    <a:bodyPr/>
+                    <a:lstStyle/>
+                    <a:p>
+                      <a:pPr latinLnBrk="1"/>
+                      <a:r>
+                        <a:rPr lang="en-US" altLang="ko-KR" sz="1100" dirty="0"/>
+                        <a:t>5</a:t>
+                      </a:r>
+                      <a:r>
+                        <a:rPr lang="ko-KR" altLang="en-US" sz="1100" dirty="0"/>
+                        <a:t>번 퀘스트 클리어</a:t>
+                      </a:r>
+                    </a:p>
+                  </a:txBody>
+                  <a:tcPr/>
+                </a:tc>
+                <a:tc>
+                  <a:txBody>
+                    <a:bodyPr/>
+                    <a:lstStyle/>
+                    <a:p>
+                      <a:pPr marL="0" marR="0" lvl="0" indent="0" algn="l" defTabSz="914400" rtl="0" eaLnBrk="1" fontAlgn="auto" latinLnBrk="1" hangingPunct="1">
+                        <a:lnSpc>
+                          <a:spcPct val="100000"/>
+                        </a:lnSpc>
+                        <a:spcBef>
+                          <a:spcPts val="0"/>
+                        </a:spcBef>
+                        <a:spcAft>
+                          <a:spcPts val="0"/>
+                        </a:spcAft>
+                        <a:buClrTx/>
+                        <a:buSzTx/>
+                        <a:buFontTx/>
+                        <a:buNone/>
+                        <a:tabLst/>
+                        <a:defRPr/>
+                      </a:pPr>
+                      <a:r>
+                        <a:rPr lang="en-US" altLang="ko-KR" sz="1100" dirty="0"/>
+                        <a:t>1.’</a:t>
+                      </a:r>
+                      <a:r>
+                        <a:rPr lang="ko-KR" altLang="en-US" sz="1100" dirty="0"/>
+                        <a:t>세영</a:t>
+                      </a:r>
+                      <a:r>
+                        <a:rPr lang="en-US" altLang="ko-KR" sz="1100" dirty="0"/>
+                        <a:t>’</a:t>
+                      </a:r>
+                      <a:r>
+                        <a:rPr lang="ko-KR" altLang="en-US" sz="1100" dirty="0"/>
+                        <a:t>과 대화</a:t>
+                      </a:r>
+                      <a:endParaRPr lang="en-US" altLang="ko-KR" sz="1100" dirty="0"/>
+                    </a:p>
+                    <a:p>
+                      <a:pPr marL="0" marR="0" lvl="0" indent="0" algn="l" defTabSz="914400" rtl="0" eaLnBrk="1" fontAlgn="auto" latinLnBrk="1" hangingPunct="1">
+                        <a:lnSpc>
+                          <a:spcPct val="100000"/>
+                        </a:lnSpc>
+                        <a:spcBef>
+                          <a:spcPts val="0"/>
+                        </a:spcBef>
+                        <a:spcAft>
+                          <a:spcPts val="0"/>
+                        </a:spcAft>
+                        <a:buClrTx/>
+                        <a:buSzTx/>
+                        <a:buFontTx/>
+                        <a:buNone/>
+                        <a:tabLst/>
+                        <a:defRPr/>
+                      </a:pPr>
+                      <a:r>
+                        <a:rPr lang="en-US" altLang="ko-KR" sz="1100" dirty="0"/>
+                        <a:t>2.</a:t>
+                      </a:r>
+                      <a:r>
+                        <a:rPr lang="ko-KR" altLang="en-US" sz="1100" dirty="0"/>
+                        <a:t>특정 괴물 처치</a:t>
+                      </a:r>
+                      <a:endParaRPr lang="en-US" altLang="ko-KR" sz="1100" dirty="0"/>
+                    </a:p>
+                    <a:p>
+                      <a:pPr marL="0" marR="0" lvl="0" indent="0" algn="l" defTabSz="914400" rtl="0" eaLnBrk="1" fontAlgn="auto" latinLnBrk="1" hangingPunct="1">
+                        <a:lnSpc>
+                          <a:spcPct val="100000"/>
+                        </a:lnSpc>
+                        <a:spcBef>
+                          <a:spcPts val="0"/>
+                        </a:spcBef>
+                        <a:spcAft>
+                          <a:spcPts val="0"/>
+                        </a:spcAft>
+                        <a:buClrTx/>
+                        <a:buSzTx/>
+                        <a:buFontTx/>
+                        <a:buNone/>
+                        <a:tabLst/>
+                        <a:defRPr/>
+                      </a:pPr>
+                      <a:r>
+                        <a:rPr lang="en-US" altLang="ko-KR" sz="1100" dirty="0"/>
+                        <a:t>3.</a:t>
+                      </a:r>
+                      <a:r>
+                        <a:rPr lang="ko-KR" altLang="en-US" sz="1100" dirty="0"/>
+                        <a:t>시험관과 대화</a:t>
+                      </a:r>
+                      <a:endParaRPr lang="en-US" altLang="ko-KR" sz="1100" dirty="0"/>
+                    </a:p>
+                  </a:txBody>
+                  <a:tcPr/>
+                </a:tc>
+                <a:extLst>
+                  <a:ext uri="{0D108BD9-81ED-4DB2-BD59-A6C34878D82A}">
+                    <a16:rowId xmlns:a16="http://schemas.microsoft.com/office/drawing/2014/main" val="4175583968"/>
+                  </a:ext>
+                </a:extLst>
+              </a:tr>
+              <a:tr h="0">
+                <a:tc>
+                  <a:txBody>
+                    <a:bodyPr/>
+                    <a:lstStyle/>
+                    <a:p>
+                      <a:pPr latinLnBrk="1"/>
+                      <a:r>
+                        <a:rPr lang="en-US" altLang="ko-KR" sz="1100" dirty="0"/>
+                        <a:t>7</a:t>
+                      </a:r>
+                      <a:endParaRPr lang="ko-KR" altLang="en-US" sz="1100" dirty="0"/>
+                    </a:p>
+                  </a:txBody>
+                  <a:tcPr/>
+                </a:tc>
+                <a:tc>
+                  <a:txBody>
+                    <a:bodyPr/>
+                    <a:lstStyle/>
+                    <a:p>
+                      <a:pPr latinLnBrk="1"/>
+                      <a:r>
+                        <a:rPr lang="ko-KR" altLang="en-US" sz="1100" dirty="0"/>
+                        <a:t>입단</a:t>
+                      </a:r>
+                    </a:p>
+                  </a:txBody>
+                  <a:tcPr/>
+                </a:tc>
+                <a:tc>
+                  <a:txBody>
+                    <a:bodyPr/>
+                    <a:lstStyle/>
+                    <a:p>
+                      <a:pPr latinLnBrk="1"/>
+                      <a:r>
+                        <a:rPr lang="en-US" altLang="ko-KR" sz="1100" dirty="0"/>
+                        <a:t>X</a:t>
+                      </a:r>
+                      <a:endParaRPr lang="ko-KR" altLang="en-US" sz="1100" dirty="0"/>
+                    </a:p>
+                  </a:txBody>
+                  <a:tcPr/>
+                </a:tc>
+                <a:tc>
+                  <a:txBody>
+                    <a:bodyPr/>
+                    <a:lstStyle/>
+                    <a:p>
+                      <a:pPr latinLnBrk="1"/>
+                      <a:r>
+                        <a:rPr lang="en-US" altLang="ko-KR" sz="1100" dirty="0"/>
+                        <a:t>6</a:t>
+                      </a:r>
+                      <a:r>
+                        <a:rPr lang="ko-KR" altLang="en-US" sz="1100" dirty="0"/>
+                        <a:t>번 퀘스트 클리어</a:t>
+                      </a:r>
+                    </a:p>
+                  </a:txBody>
+                  <a:tcPr/>
+                </a:tc>
+                <a:tc>
+                  <a:txBody>
+                    <a:bodyPr/>
+                    <a:lstStyle/>
+                    <a:p>
+                      <a:pPr marL="0" marR="0" lvl="0" indent="0" algn="l" defTabSz="914400" rtl="0" eaLnBrk="1" fontAlgn="auto" latinLnBrk="1" hangingPunct="1">
+                        <a:lnSpc>
+                          <a:spcPct val="100000"/>
+                        </a:lnSpc>
+                        <a:spcBef>
+                          <a:spcPts val="0"/>
+                        </a:spcBef>
+                        <a:spcAft>
+                          <a:spcPts val="0"/>
+                        </a:spcAft>
+                        <a:buClrTx/>
+                        <a:buSzTx/>
+                        <a:buFontTx/>
+                        <a:buNone/>
+                        <a:tabLst/>
+                        <a:defRPr/>
+                      </a:pPr>
+                      <a:r>
+                        <a:rPr lang="en-US" altLang="ko-KR" sz="1100" dirty="0"/>
+                        <a:t>1.</a:t>
+                      </a:r>
+                      <a:r>
+                        <a:rPr lang="ko-KR" altLang="en-US" sz="1100" dirty="0"/>
+                        <a:t>시험관과 대화</a:t>
+                      </a:r>
+                      <a:endParaRPr lang="en-US" altLang="ko-KR" sz="1100" dirty="0"/>
+                    </a:p>
+                  </a:txBody>
+                  <a:tcPr/>
+                </a:tc>
+                <a:extLst>
+                  <a:ext uri="{0D108BD9-81ED-4DB2-BD59-A6C34878D82A}">
+                    <a16:rowId xmlns:a16="http://schemas.microsoft.com/office/drawing/2014/main" val="3284535275"/>
+                  </a:ext>
+                </a:extLst>
+              </a:tr>
+            </a:tbl>
+          </a:graphicData>
+        </a:graphic>
+      </p:graphicFrame>
+    </p:spTree>
+    <p:extLst>
+      <p:ext uri="{BB962C8B-B14F-4D97-AF65-F5344CB8AC3E}">
+        <p14:creationId xmlns:p14="http://schemas.microsoft.com/office/powerpoint/2010/main" val="2179703113"/>
+      </p:ext>
+    </p:extLst>
+  </p:cSld>
+  <p:clrMapOvr>
+    <a:masterClrMapping/>
+  </p:clrMapOvr>
+</p:sld>
+</file>
+
 <file path=ppt/slides/slide2.xml><?xml version="1.0" encoding="utf-8"?>
 <p:sld xmlns:a="http://schemas.openxmlformats.org/drawingml/2006/main" xmlns:r="http://schemas.openxmlformats.org/officeDocument/2006/relationships" xmlns:p="http://schemas.openxmlformats.org/presentationml/2006/main">
   <p:cSld>
@@ -5181,14 +6562,14 @@
           <p:nvPr>
             <p:extLst>
               <p:ext uri="{D42A27DB-BD31-4B8C-83A1-F6EECF244321}">
-                <p14:modId xmlns:p14="http://schemas.microsoft.com/office/powerpoint/2010/main" val="3369178740"/>
+                <p14:modId xmlns:p14="http://schemas.microsoft.com/office/powerpoint/2010/main" val="707654513"/>
               </p:ext>
             </p:extLst>
           </p:nvPr>
         </p:nvGraphicFramePr>
         <p:xfrm>
           <a:off x="64478" y="64111"/>
-          <a:ext cx="12033737" cy="2743200"/>
+          <a:ext cx="12033737" cy="914400"/>
         </p:xfrm>
         <a:graphic>
           <a:graphicData uri="http://schemas.openxmlformats.org/drawingml/2006/table">
@@ -5205,7 +6586,7 @@
                   </a:extLst>
                 </a:gridCol>
               </a:tblGrid>
-              <a:tr h="123473">
+              <a:tr h="0">
                 <a:tc>
                   <a:txBody>
                     <a:bodyPr/>
@@ -5226,7 +6607,7 @@
                   </a:ext>
                 </a:extLst>
               </a:tr>
-              <a:tr h="946624">
+              <a:tr h="0">
                 <a:tc>
                   <a:txBody>
                     <a:bodyPr/>
@@ -5255,269 +6636,6 @@
                       <a:r>
                         <a:rPr lang="ko-KR" altLang="en-US" sz="1200" dirty="0"/>
                         <a:t>원흉은 누군가의 분신이며 뒤에 거대한 흑막이 있다는 것을 알게 된 방랑자는 해당 존재를 추적하기로 하고 그러기 위해 더 많은 임무를 해결하고 공헌도를 쌓는다</a:t>
-                      </a:r>
-                      <a:r>
-                        <a:rPr lang="en-US" altLang="ko-KR" sz="1200" dirty="0"/>
-                        <a:t>.</a:t>
-                      </a:r>
-                    </a:p>
-                    <a:p>
-                      <a:pPr latinLnBrk="1"/>
-                      <a:endParaRPr lang="en-US" altLang="ko-KR" sz="1200" dirty="0"/>
-                    </a:p>
-                    <a:p>
-                      <a:pPr latinLnBrk="1"/>
-                      <a:r>
-                        <a:rPr lang="ko-KR" altLang="en-US" sz="1200" dirty="0"/>
-                        <a:t>계속 임무를 수행하던 중 토벌단에서 오랜만에 </a:t>
-                      </a:r>
-                      <a:r>
-                        <a:rPr lang="ko-KR" altLang="en-US" sz="1200" dirty="0" err="1"/>
-                        <a:t>토벌단</a:t>
-                      </a:r>
-                      <a:r>
-                        <a:rPr lang="ko-KR" altLang="en-US" sz="1200" dirty="0"/>
-                        <a:t> 동기인 </a:t>
-                      </a:r>
-                      <a:r>
-                        <a:rPr lang="en-US" altLang="ko-KR" sz="1200" dirty="0"/>
-                        <a:t>‘</a:t>
-                      </a:r>
-                      <a:r>
-                        <a:rPr lang="ko-KR" altLang="en-US" sz="1200" dirty="0"/>
-                        <a:t>세영</a:t>
-                      </a:r>
-                      <a:r>
-                        <a:rPr lang="en-US" altLang="ko-KR" sz="1200" dirty="0"/>
-                        <a:t>’</a:t>
-                      </a:r>
-                      <a:r>
-                        <a:rPr lang="ko-KR" altLang="en-US" sz="1200" dirty="0"/>
-                        <a:t>을 만나게 된다</a:t>
-                      </a:r>
-                      <a:r>
-                        <a:rPr lang="en-US" altLang="ko-KR" sz="1200" dirty="0"/>
-                        <a:t>.</a:t>
-                      </a:r>
-                    </a:p>
-                    <a:p>
-                      <a:pPr latinLnBrk="1"/>
-                      <a:r>
-                        <a:rPr lang="ko-KR" altLang="en-US" sz="1200" dirty="0"/>
-                        <a:t>하지만 </a:t>
-                      </a:r>
-                      <a:r>
-                        <a:rPr lang="en-US" altLang="ko-KR" sz="1200" dirty="0"/>
-                        <a:t>‘</a:t>
-                      </a:r>
-                      <a:r>
-                        <a:rPr lang="ko-KR" altLang="en-US" sz="1200" dirty="0"/>
-                        <a:t>세영</a:t>
-                      </a:r>
-                      <a:r>
-                        <a:rPr lang="en-US" altLang="ko-KR" sz="1200" dirty="0"/>
-                        <a:t>’</a:t>
-                      </a:r>
-                      <a:r>
-                        <a:rPr lang="ko-KR" altLang="en-US" sz="1200" dirty="0"/>
-                        <a:t>의 상태는 뭔가 이상해 보였고 대화 후 현제 산신이 오염되어 폭주하고 있고  </a:t>
-                      </a:r>
-                      <a:r>
-                        <a:rPr lang="en-US" altLang="ko-KR" sz="1200" dirty="0"/>
-                        <a:t>‘</a:t>
-                      </a:r>
-                      <a:r>
-                        <a:rPr lang="ko-KR" altLang="en-US" sz="1200" dirty="0"/>
-                        <a:t>세영</a:t>
-                      </a:r>
-                      <a:r>
-                        <a:rPr lang="en-US" altLang="ko-KR" sz="1200" dirty="0"/>
-                        <a:t>’</a:t>
-                      </a:r>
-                      <a:r>
-                        <a:rPr lang="ko-KR" altLang="en-US" sz="1200" dirty="0"/>
-                        <a:t>은 산신에게 당해 인간이 아닌 </a:t>
-                      </a:r>
-                      <a:r>
-                        <a:rPr lang="ko-KR" altLang="en-US" sz="1200" dirty="0" err="1"/>
-                        <a:t>창귀가</a:t>
-                      </a:r>
-                      <a:r>
-                        <a:rPr lang="ko-KR" altLang="en-US" sz="1200" dirty="0"/>
-                        <a:t> 되어 버렸다는 사실을 알게 된다</a:t>
-                      </a:r>
-                      <a:r>
-                        <a:rPr lang="en-US" altLang="ko-KR" sz="1200" dirty="0"/>
-                        <a:t>.</a:t>
-                      </a:r>
-                    </a:p>
-                    <a:p>
-                      <a:pPr latinLnBrk="1"/>
-                      <a:r>
-                        <a:rPr lang="ko-KR" altLang="en-US" sz="1200" dirty="0" err="1"/>
-                        <a:t>창귀가</a:t>
-                      </a:r>
-                      <a:r>
-                        <a:rPr lang="ko-KR" altLang="en-US" sz="1200" dirty="0"/>
-                        <a:t> 된 </a:t>
-                      </a:r>
-                      <a:r>
-                        <a:rPr lang="en-US" altLang="ko-KR" sz="1200" dirty="0"/>
-                        <a:t>‘</a:t>
-                      </a:r>
-                      <a:r>
-                        <a:rPr lang="ko-KR" altLang="en-US" sz="1200" dirty="0"/>
-                        <a:t>세영</a:t>
-                      </a:r>
-                      <a:r>
-                        <a:rPr lang="en-US" altLang="ko-KR" sz="1200" dirty="0"/>
-                        <a:t>’</a:t>
-                      </a:r>
-                      <a:r>
-                        <a:rPr lang="ko-KR" altLang="en-US" sz="1200" dirty="0"/>
-                        <a:t>은 방랑자에게 산신을 제압하고 자신을 해방해 줄 것을 부탁 하였고 방랑자는 그 부탁에 따라 산신을 제압한다</a:t>
-                      </a:r>
-                      <a:r>
-                        <a:rPr lang="en-US" altLang="ko-KR" sz="1200" dirty="0"/>
-                        <a:t>.</a:t>
-                      </a:r>
-                      <a:r>
-                        <a:rPr lang="ko-KR" altLang="en-US" sz="1200" dirty="0"/>
-                        <a:t> </a:t>
-                      </a:r>
-                      <a:endParaRPr lang="en-US" altLang="ko-KR" sz="1200" dirty="0"/>
-                    </a:p>
-                    <a:p>
-                      <a:pPr latinLnBrk="1"/>
-                      <a:endParaRPr lang="en-US" altLang="ko-KR" sz="1200" dirty="0"/>
-                    </a:p>
-                    <a:p>
-                      <a:pPr latinLnBrk="1"/>
-                      <a:r>
-                        <a:rPr lang="ko-KR" altLang="en-US" sz="1200" dirty="0"/>
-                        <a:t>계속해서 분신들을 처리하고 정보를 모아 흑막에게 가까워진 방랑자의 앞에 지금 까지 처리 했던 분신들과 다른 이질적인 분신이 나타난다</a:t>
-                      </a:r>
-                      <a:r>
-                        <a:rPr lang="en-US" altLang="ko-KR" sz="1200" dirty="0"/>
-                        <a:t>.</a:t>
-                      </a:r>
-                    </a:p>
-                    <a:p>
-                      <a:pPr latinLnBrk="1"/>
-                      <a:r>
-                        <a:rPr lang="ko-KR" altLang="en-US" sz="1200" dirty="0"/>
-                        <a:t>분신은 자신을 </a:t>
-                      </a:r>
-                      <a:r>
-                        <a:rPr lang="en-US" altLang="ko-KR" sz="1200" dirty="0"/>
-                        <a:t>‘</a:t>
-                      </a:r>
-                      <a:r>
-                        <a:rPr lang="ko-KR" altLang="en-US" sz="1200" dirty="0"/>
-                        <a:t>달기</a:t>
-                      </a:r>
-                      <a:r>
-                        <a:rPr lang="en-US" altLang="ko-KR" sz="1200" dirty="0"/>
-                        <a:t>’</a:t>
-                      </a:r>
-                      <a:r>
-                        <a:rPr lang="ko-KR" altLang="en-US" sz="1200" dirty="0"/>
-                        <a:t>의 꼬리 중 하나 이며 동시에 </a:t>
-                      </a:r>
-                      <a:r>
-                        <a:rPr lang="en-US" altLang="ko-KR" sz="1200" dirty="0"/>
-                        <a:t>‘</a:t>
-                      </a:r>
-                      <a:r>
-                        <a:rPr lang="ko-KR" altLang="en-US" sz="1200" dirty="0"/>
-                        <a:t>달기</a:t>
-                      </a:r>
-                      <a:r>
-                        <a:rPr lang="en-US" altLang="ko-KR" sz="1200" dirty="0"/>
-                        <a:t>’</a:t>
-                      </a:r>
-                      <a:r>
-                        <a:rPr lang="ko-KR" altLang="en-US" sz="1200" dirty="0"/>
-                        <a:t>에게 남은 마지막 진심이라고 밝힌다</a:t>
-                      </a:r>
-                      <a:r>
-                        <a:rPr lang="en-US" altLang="ko-KR" sz="1200" dirty="0"/>
-                        <a:t>.</a:t>
-                      </a:r>
-                    </a:p>
-                    <a:p>
-                      <a:pPr latinLnBrk="1"/>
-                      <a:r>
-                        <a:rPr lang="en-US" altLang="ko-KR" sz="1200" dirty="0"/>
-                        <a:t>‘</a:t>
-                      </a:r>
-                      <a:r>
-                        <a:rPr lang="ko-KR" altLang="en-US" sz="1200" dirty="0"/>
-                        <a:t>달기</a:t>
-                      </a:r>
-                      <a:r>
-                        <a:rPr lang="en-US" altLang="ko-KR" sz="1200" dirty="0"/>
-                        <a:t>’</a:t>
-                      </a:r>
-                      <a:r>
-                        <a:rPr lang="ko-KR" altLang="en-US" sz="1200" dirty="0"/>
-                        <a:t>가 지맥에 노출되었을 때 지맥의 강력한 힘으로 인하여 </a:t>
-                      </a:r>
-                      <a:r>
-                        <a:rPr lang="en-US" altLang="ko-KR" sz="1200" dirty="0"/>
-                        <a:t>‘</a:t>
-                      </a:r>
-                      <a:r>
-                        <a:rPr lang="ko-KR" altLang="en-US" sz="1200" dirty="0"/>
-                        <a:t>달기</a:t>
-                      </a:r>
-                      <a:r>
-                        <a:rPr lang="en-US" altLang="ko-KR" sz="1200" dirty="0"/>
-                        <a:t>’</a:t>
-                      </a:r>
-                      <a:r>
-                        <a:rPr lang="ko-KR" altLang="en-US" sz="1200" dirty="0"/>
-                        <a:t>의 진심인 본인은 마음속 깊은 곳에 가라앉게 되었으며 </a:t>
-                      </a:r>
-                      <a:r>
-                        <a:rPr lang="en-US" altLang="ko-KR" sz="1200" dirty="0"/>
-                        <a:t>‘</a:t>
-                      </a:r>
-                      <a:r>
-                        <a:rPr lang="ko-KR" altLang="en-US" sz="1200" dirty="0"/>
-                        <a:t>달기</a:t>
-                      </a:r>
-                      <a:r>
-                        <a:rPr lang="en-US" altLang="ko-KR" sz="1200" dirty="0"/>
-                        <a:t>‘</a:t>
-                      </a:r>
-                      <a:r>
-                        <a:rPr lang="ko-KR" altLang="en-US" sz="1200" dirty="0"/>
-                        <a:t>가 자신의 꼬리에 있는 </a:t>
-                      </a:r>
-                      <a:r>
-                        <a:rPr lang="ko-KR" altLang="en-US" sz="1200" dirty="0" err="1"/>
-                        <a:t>요력으로</a:t>
-                      </a:r>
-                      <a:r>
-                        <a:rPr lang="ko-KR" altLang="en-US" sz="1200" dirty="0"/>
-                        <a:t> 분신을 만드는 순간 자신 또한 분신 중 하나에 깃들게 되었으며 현제 </a:t>
-                      </a:r>
-                      <a:r>
-                        <a:rPr lang="en-US" altLang="ko-KR" sz="1200" dirty="0"/>
-                        <a:t>‘</a:t>
-                      </a:r>
-                      <a:r>
-                        <a:rPr lang="ko-KR" altLang="en-US" sz="1200" dirty="0"/>
-                        <a:t>달기</a:t>
-                      </a:r>
-                      <a:r>
-                        <a:rPr lang="en-US" altLang="ko-KR" sz="1200" dirty="0"/>
-                        <a:t>’</a:t>
-                      </a:r>
-                      <a:r>
-                        <a:rPr lang="ko-KR" altLang="en-US" sz="1200" dirty="0"/>
-                        <a:t>는 지맥으로 폭주하여 세상에 모든 인간을 멸하기 위해 움직이고 있다는 것과 현제 방랑자가 대부분의 분신을 제압하여 이상이 생겼다는 것을 알고 이 나라로 오고 있다는 사실을 알려 주었다</a:t>
                       </a:r>
                       <a:r>
                         <a:rPr lang="en-US" altLang="ko-KR" sz="1200" dirty="0"/>
@@ -5530,6 +6648,1274 @@
                 <a:extLst>
                   <a:ext uri="{0D108BD9-81ED-4DB2-BD59-A6C34878D82A}">
                     <a16:rowId xmlns:a16="http://schemas.microsoft.com/office/drawing/2014/main" val="1282847511"/>
+                  </a:ext>
+                </a:extLst>
+              </a:tr>
+            </a:tbl>
+          </a:graphicData>
+        </a:graphic>
+      </p:graphicFrame>
+      <p:graphicFrame>
+        <p:nvGraphicFramePr>
+          <p:cNvPr id="2" name="표 4">
+            <a:extLst>
+              <a:ext uri="{FF2B5EF4-FFF2-40B4-BE49-F238E27FC236}">
+                <a16:creationId xmlns:a16="http://schemas.microsoft.com/office/drawing/2014/main" id="{C0AF7851-6D6F-CD09-EBBE-8C1DAA97B5E6}"/>
+              </a:ext>
+            </a:extLst>
+          </p:cNvPr>
+          <p:cNvGraphicFramePr>
+            <a:graphicFrameLocks noGrp="1"/>
+          </p:cNvGraphicFramePr>
+          <p:nvPr>
+            <p:extLst>
+              <p:ext uri="{D42A27DB-BD31-4B8C-83A1-F6EECF244321}">
+                <p14:modId xmlns:p14="http://schemas.microsoft.com/office/powerpoint/2010/main" val="2688836590"/>
+              </p:ext>
+            </p:extLst>
+          </p:nvPr>
+        </p:nvGraphicFramePr>
+        <p:xfrm>
+          <a:off x="64477" y="1023778"/>
+          <a:ext cx="12033738" cy="5394960"/>
+        </p:xfrm>
+        <a:graphic>
+          <a:graphicData uri="http://schemas.openxmlformats.org/drawingml/2006/table">
+            <a:tbl>
+              <a:tblPr firstRow="1" bandRow="1">
+                <a:tableStyleId>{5C22544A-7EE6-4342-B048-85BDC9FD1C3A}</a:tableStyleId>
+              </a:tblPr>
+              <a:tblGrid>
+                <a:gridCol w="1338810">
+                  <a:extLst>
+                    <a:ext uri="{9D8B030D-6E8A-4147-A177-3AD203B41FA5}">
+                      <a16:colId xmlns:a16="http://schemas.microsoft.com/office/drawing/2014/main" val="3580401190"/>
+                    </a:ext>
+                  </a:extLst>
+                </a:gridCol>
+                <a:gridCol w="10694928">
+                  <a:extLst>
+                    <a:ext uri="{9D8B030D-6E8A-4147-A177-3AD203B41FA5}">
+                      <a16:colId xmlns:a16="http://schemas.microsoft.com/office/drawing/2014/main" val="2794412559"/>
+                    </a:ext>
+                  </a:extLst>
+                </a:gridCol>
+              </a:tblGrid>
+              <a:tr h="123473">
+                <a:tc gridSpan="2">
+                  <a:txBody>
+                    <a:bodyPr/>
+                    <a:lstStyle/>
+                    <a:p>
+                      <a:pPr latinLnBrk="1"/>
+                      <a:r>
+                        <a:rPr lang="ko-KR" altLang="en-US" sz="1200" dirty="0"/>
+                        <a:t>본론 </a:t>
+                      </a:r>
+                      <a:r>
+                        <a:rPr lang="en-US" altLang="ko-KR" sz="1200" dirty="0"/>
+                        <a:t>– </a:t>
+                      </a:r>
+                      <a:r>
+                        <a:rPr lang="ko-KR" altLang="en-US" sz="1200" dirty="0"/>
+                        <a:t>산신</a:t>
+                      </a:r>
+                    </a:p>
+                  </a:txBody>
+                  <a:tcPr/>
+                </a:tc>
+                <a:tc hMerge="1">
+                  <a:txBody>
+                    <a:bodyPr/>
+                    <a:lstStyle/>
+                    <a:p>
+                      <a:pPr latinLnBrk="1"/>
+                      <a:endParaRPr lang="ko-KR" altLang="en-US"/>
+                    </a:p>
+                  </a:txBody>
+                  <a:tcPr/>
+                </a:tc>
+                <a:extLst>
+                  <a:ext uri="{0D108BD9-81ED-4DB2-BD59-A6C34878D82A}">
+                    <a16:rowId xmlns:a16="http://schemas.microsoft.com/office/drawing/2014/main" val="369265982"/>
+                  </a:ext>
+                </a:extLst>
+              </a:tr>
+              <a:tr h="236656">
+                <a:tc gridSpan="2">
+                  <a:txBody>
+                    <a:bodyPr/>
+                    <a:lstStyle/>
+                    <a:p>
+                      <a:pPr latinLnBrk="1"/>
+                      <a:r>
+                        <a:rPr lang="ko-KR" altLang="en-US" sz="1200" dirty="0"/>
+                        <a:t>어느 날 토벌단에 소식이 들려왔다</a:t>
+                      </a:r>
+                      <a:r>
+                        <a:rPr lang="en-US" altLang="ko-KR" sz="1200" dirty="0"/>
+                        <a:t>. </a:t>
+                      </a:r>
+                      <a:r>
+                        <a:rPr lang="ko-KR" altLang="en-US" sz="1200" dirty="0"/>
+                        <a:t>신수 </a:t>
+                      </a:r>
+                      <a:r>
+                        <a:rPr lang="en-US" altLang="ko-KR" sz="1200" dirty="0"/>
+                        <a:t>‘</a:t>
+                      </a:r>
+                      <a:r>
+                        <a:rPr lang="ko-KR" altLang="en-US" sz="1200" dirty="0"/>
+                        <a:t>산신</a:t>
+                      </a:r>
+                      <a:r>
+                        <a:rPr lang="en-US" altLang="ko-KR" sz="1200" dirty="0"/>
+                        <a:t>’</a:t>
+                      </a:r>
+                      <a:r>
+                        <a:rPr lang="ko-KR" altLang="en-US" sz="1200" dirty="0"/>
+                        <a:t>의 영토인 서쪽 산에 알 수 없는 괴물이 나타나 산이 쑥대 밭이 되었다는 소식을 들은 토벌단은 서둘러 상황을 파악하기 위해 서둘러 조사단을 만들어 보냈다</a:t>
+                      </a:r>
+                      <a:r>
+                        <a:rPr lang="en-US" altLang="ko-KR" sz="1200" dirty="0"/>
+                        <a:t>. </a:t>
+                      </a:r>
+                      <a:r>
+                        <a:rPr lang="ko-KR" altLang="en-US" sz="1200" dirty="0"/>
+                        <a:t>그리고 그 동안 실력을 인정받아 꽤 높은 공헌도를 가지고 있던  </a:t>
+                      </a:r>
+                      <a:r>
+                        <a:rPr lang="en-US" altLang="ko-KR" sz="1200" dirty="0"/>
+                        <a:t>‘</a:t>
+                      </a:r>
+                      <a:r>
+                        <a:rPr lang="ko-KR" altLang="en-US" sz="1200" dirty="0"/>
+                        <a:t>세영</a:t>
+                      </a:r>
+                      <a:r>
+                        <a:rPr lang="en-US" altLang="ko-KR" sz="1200" dirty="0"/>
+                        <a:t>’</a:t>
+                      </a:r>
+                      <a:r>
+                        <a:rPr lang="ko-KR" altLang="en-US" sz="1200" dirty="0"/>
+                        <a:t> 역시 조사단과 함께 하였다</a:t>
+                      </a:r>
+                      <a:r>
+                        <a:rPr lang="en-US" altLang="ko-KR" sz="1200" dirty="0"/>
+                        <a:t>. </a:t>
+                      </a:r>
+                      <a:r>
+                        <a:rPr lang="ko-KR" altLang="en-US" sz="1200" kern="1200" dirty="0">
+                          <a:solidFill>
+                            <a:schemeClr val="dk1"/>
+                          </a:solidFill>
+                          <a:effectLst/>
+                          <a:latin typeface="+mn-lt"/>
+                          <a:ea typeface="+mn-ea"/>
+                          <a:cs typeface="+mn-cs"/>
+                        </a:rPr>
+                        <a:t>하지만 그곳에서 있던 것은 산신이 검은 그림자에 잠식된 상태로 뒤틀린 모습이었다</a:t>
+                      </a:r>
+                      <a:r>
+                        <a:rPr lang="en-US" altLang="ko-KR" sz="1200" kern="1200" dirty="0">
+                          <a:solidFill>
+                            <a:schemeClr val="dk1"/>
+                          </a:solidFill>
+                          <a:effectLst/>
+                          <a:latin typeface="+mn-lt"/>
+                          <a:ea typeface="+mn-ea"/>
+                          <a:cs typeface="+mn-cs"/>
+                        </a:rPr>
+                        <a:t>. </a:t>
+                      </a:r>
+                      <a:r>
+                        <a:rPr lang="ko-KR" altLang="en-US" sz="1200" kern="1200" dirty="0">
+                          <a:solidFill>
+                            <a:schemeClr val="dk1"/>
+                          </a:solidFill>
+                          <a:effectLst/>
+                          <a:latin typeface="+mn-lt"/>
+                          <a:ea typeface="+mn-ea"/>
+                          <a:cs typeface="+mn-cs"/>
+                        </a:rPr>
+                        <a:t>필사적으로 싸웠지만 </a:t>
+                      </a:r>
+                      <a:r>
+                        <a:rPr lang="en-US" altLang="ko-KR" sz="1200" kern="1200" dirty="0">
+                          <a:solidFill>
+                            <a:schemeClr val="dk1"/>
+                          </a:solidFill>
+                          <a:effectLst/>
+                          <a:latin typeface="+mn-lt"/>
+                          <a:ea typeface="+mn-ea"/>
+                          <a:cs typeface="+mn-cs"/>
+                        </a:rPr>
+                        <a:t>‘</a:t>
+                      </a:r>
+                      <a:r>
+                        <a:rPr lang="ko-KR" altLang="en-US" sz="1200" kern="1200" dirty="0">
+                          <a:solidFill>
+                            <a:schemeClr val="dk1"/>
+                          </a:solidFill>
+                          <a:effectLst/>
+                          <a:latin typeface="+mn-lt"/>
+                          <a:ea typeface="+mn-ea"/>
+                          <a:cs typeface="+mn-cs"/>
+                        </a:rPr>
+                        <a:t>세영</a:t>
+                      </a:r>
+                      <a:r>
+                        <a:rPr lang="en-US" altLang="ko-KR" sz="1200" kern="1200" dirty="0">
+                          <a:solidFill>
+                            <a:schemeClr val="dk1"/>
+                          </a:solidFill>
+                          <a:effectLst/>
+                          <a:latin typeface="+mn-lt"/>
+                          <a:ea typeface="+mn-ea"/>
+                          <a:cs typeface="+mn-cs"/>
+                        </a:rPr>
+                        <a:t>’</a:t>
+                      </a:r>
+                      <a:r>
+                        <a:rPr lang="ko-KR" altLang="en-US" sz="1200" kern="1200" dirty="0">
+                          <a:solidFill>
+                            <a:schemeClr val="dk1"/>
+                          </a:solidFill>
+                          <a:effectLst/>
+                          <a:latin typeface="+mn-lt"/>
+                          <a:ea typeface="+mn-ea"/>
+                          <a:cs typeface="+mn-cs"/>
+                        </a:rPr>
+                        <a:t>을 제외한 인원들은 모두 죽고 그녀 또한 그림자에 잠식된 산신에게 물려 죽고 말았다</a:t>
+                      </a:r>
+                      <a:r>
+                        <a:rPr lang="en-US" altLang="ko-KR" sz="1200" kern="1200" dirty="0">
+                          <a:solidFill>
+                            <a:schemeClr val="dk1"/>
+                          </a:solidFill>
+                          <a:effectLst/>
+                          <a:latin typeface="+mn-lt"/>
+                          <a:ea typeface="+mn-ea"/>
+                          <a:cs typeface="+mn-cs"/>
+                        </a:rPr>
+                        <a:t>. </a:t>
+                      </a:r>
+                      <a:r>
+                        <a:rPr lang="ko-KR" altLang="en-US" sz="1200" kern="1200" dirty="0">
+                          <a:solidFill>
+                            <a:schemeClr val="dk1"/>
+                          </a:solidFill>
+                          <a:effectLst/>
+                          <a:latin typeface="+mn-lt"/>
+                          <a:ea typeface="+mn-ea"/>
+                          <a:cs typeface="+mn-cs"/>
+                        </a:rPr>
+                        <a:t>얼마 후 세영은 눈을 떴고 그 순간 자신이 </a:t>
+                      </a:r>
+                      <a:r>
+                        <a:rPr lang="ko-KR" altLang="en-US" sz="1200" kern="1200" dirty="0" err="1">
+                          <a:solidFill>
+                            <a:schemeClr val="dk1"/>
+                          </a:solidFill>
+                          <a:effectLst/>
+                          <a:latin typeface="+mn-lt"/>
+                          <a:ea typeface="+mn-ea"/>
+                          <a:cs typeface="+mn-cs"/>
+                        </a:rPr>
+                        <a:t>창귀가</a:t>
+                      </a:r>
+                      <a:r>
+                        <a:rPr lang="ko-KR" altLang="en-US" sz="1200" kern="1200" dirty="0">
+                          <a:solidFill>
+                            <a:schemeClr val="dk1"/>
+                          </a:solidFill>
+                          <a:effectLst/>
+                          <a:latin typeface="+mn-lt"/>
+                          <a:ea typeface="+mn-ea"/>
+                          <a:cs typeface="+mn-cs"/>
+                        </a:rPr>
+                        <a:t> 되었음을 알았다</a:t>
+                      </a:r>
+                      <a:r>
+                        <a:rPr lang="en-US" altLang="ko-KR" sz="1200" kern="1200" dirty="0">
+                          <a:solidFill>
+                            <a:schemeClr val="dk1"/>
+                          </a:solidFill>
+                          <a:effectLst/>
+                          <a:latin typeface="+mn-lt"/>
+                          <a:ea typeface="+mn-ea"/>
+                          <a:cs typeface="+mn-cs"/>
+                        </a:rPr>
+                        <a:t>.</a:t>
+                      </a:r>
+                      <a:r>
+                        <a:rPr lang="ko-KR" altLang="en-US" sz="1200" dirty="0"/>
+                        <a:t> </a:t>
+                      </a:r>
+                      <a:endParaRPr lang="en-US" altLang="ko-KR" sz="1200" dirty="0"/>
+                    </a:p>
+                    <a:p>
+                      <a:pPr latinLnBrk="1"/>
+                      <a:endParaRPr lang="en-US" altLang="ko-KR" sz="1200" dirty="0"/>
+                    </a:p>
+                    <a:p>
+                      <a:pPr latinLnBrk="1"/>
+                      <a:r>
+                        <a:rPr lang="ko-KR" altLang="en-US" sz="1200" dirty="0" err="1"/>
+                        <a:t>창귀가</a:t>
+                      </a:r>
+                      <a:r>
+                        <a:rPr lang="ko-KR" altLang="en-US" sz="1200" dirty="0"/>
+                        <a:t> 된 </a:t>
+                      </a:r>
+                      <a:r>
+                        <a:rPr lang="en-US" altLang="ko-KR" sz="1200" dirty="0"/>
+                        <a:t>‘</a:t>
+                      </a:r>
+                      <a:r>
+                        <a:rPr lang="ko-KR" altLang="en-US" sz="1200" dirty="0"/>
+                        <a:t>세영</a:t>
+                      </a:r>
+                      <a:r>
+                        <a:rPr lang="en-US" altLang="ko-KR" sz="1200" dirty="0"/>
+                        <a:t>’</a:t>
+                      </a:r>
+                      <a:r>
+                        <a:rPr lang="ko-KR" altLang="en-US" sz="1200" dirty="0"/>
+                        <a:t>은 어째서인지 본인의 의지로 움직일 수 있었고 그것이 </a:t>
+                      </a:r>
+                      <a:r>
+                        <a:rPr lang="en-US" altLang="ko-KR" sz="1200" dirty="0"/>
+                        <a:t>‘</a:t>
+                      </a:r>
+                      <a:r>
+                        <a:rPr lang="ko-KR" altLang="en-US" sz="1200" dirty="0"/>
+                        <a:t>산신</a:t>
+                      </a:r>
+                      <a:r>
+                        <a:rPr lang="en-US" altLang="ko-KR" sz="1200" dirty="0"/>
+                        <a:t>’</a:t>
+                      </a:r>
+                      <a:r>
+                        <a:rPr lang="ko-KR" altLang="en-US" sz="1200" dirty="0"/>
+                        <a:t>의 마지막 도박이라는 것을 이해했다</a:t>
+                      </a:r>
+                      <a:r>
+                        <a:rPr lang="en-US" altLang="ko-KR" sz="1200" dirty="0"/>
+                        <a:t>.</a:t>
+                      </a:r>
+                    </a:p>
+                    <a:p>
+                      <a:pPr latinLnBrk="1"/>
+                      <a:r>
+                        <a:rPr lang="en-US" altLang="ko-KR" sz="1200" dirty="0"/>
+                        <a:t>‘</a:t>
+                      </a:r>
+                      <a:r>
+                        <a:rPr lang="ko-KR" altLang="en-US" sz="1200" dirty="0"/>
+                        <a:t>세영</a:t>
+                      </a:r>
+                      <a:r>
+                        <a:rPr lang="en-US" altLang="ko-KR" sz="1200" dirty="0"/>
+                        <a:t>’</a:t>
+                      </a:r>
+                      <a:r>
+                        <a:rPr lang="ko-KR" altLang="en-US" sz="1200" dirty="0"/>
+                        <a:t>은 자신과 </a:t>
+                      </a:r>
+                      <a:r>
+                        <a:rPr lang="en-US" altLang="ko-KR" sz="1200" dirty="0"/>
+                        <a:t>‘</a:t>
+                      </a:r>
+                      <a:r>
+                        <a:rPr lang="ko-KR" altLang="en-US" sz="1200" dirty="0"/>
+                        <a:t>산신</a:t>
+                      </a:r>
+                      <a:r>
+                        <a:rPr lang="en-US" altLang="ko-KR" sz="1200" dirty="0"/>
+                        <a:t>’</a:t>
+                      </a:r>
+                      <a:r>
+                        <a:rPr lang="ko-KR" altLang="en-US" sz="1200" dirty="0"/>
+                        <a:t>을 해방 시켜줄 사람을 찾아서 토벌단에 왔다</a:t>
+                      </a:r>
+                      <a:r>
+                        <a:rPr lang="en-US" altLang="ko-KR" sz="1200" dirty="0"/>
+                        <a:t>.</a:t>
+                      </a:r>
+                    </a:p>
+                  </a:txBody>
+                  <a:tcPr/>
+                </a:tc>
+                <a:tc hMerge="1">
+                  <a:txBody>
+                    <a:bodyPr/>
+                    <a:lstStyle/>
+                    <a:p>
+                      <a:pPr latinLnBrk="1"/>
+                      <a:endParaRPr lang="ko-KR" altLang="en-US"/>
+                    </a:p>
+                  </a:txBody>
+                  <a:tcPr/>
+                </a:tc>
+                <a:extLst>
+                  <a:ext uri="{0D108BD9-81ED-4DB2-BD59-A6C34878D82A}">
+                    <a16:rowId xmlns:a16="http://schemas.microsoft.com/office/drawing/2014/main" val="1282847511"/>
+                  </a:ext>
+                </a:extLst>
+              </a:tr>
+              <a:tr h="236656">
+                <a:tc gridSpan="2">
+                  <a:txBody>
+                    <a:bodyPr/>
+                    <a:lstStyle/>
+                    <a:p>
+                      <a:pPr latinLnBrk="1"/>
+                      <a:r>
+                        <a:rPr lang="ko-KR" altLang="en-US" sz="1200" dirty="0"/>
+                        <a:t>방랑자는 임무를 처리하고 토벌단에 돌아왔다</a:t>
+                      </a:r>
+                      <a:r>
+                        <a:rPr lang="en-US" altLang="ko-KR" sz="1200" dirty="0"/>
+                        <a:t>. </a:t>
+                      </a:r>
+                      <a:r>
+                        <a:rPr lang="ko-KR" altLang="en-US" sz="1200" dirty="0"/>
+                        <a:t>임무 내용을 보고하고 보수를 수령한 다음 새로운 임무를 수령하기 위해서 발걸음을 옮기던 중 익숙한 얼굴을 발견하고 인사를 하기 위해 다가 갔다</a:t>
+                      </a:r>
+                      <a:r>
+                        <a:rPr lang="en-US" altLang="ko-KR" sz="1200" dirty="0"/>
+                        <a:t>.</a:t>
+                      </a:r>
+                    </a:p>
+                    <a:p>
+                      <a:pPr latinLnBrk="1"/>
+                      <a:r>
+                        <a:rPr lang="ko-KR" altLang="en-US" sz="1200" dirty="0"/>
+                        <a:t>과거 </a:t>
+                      </a:r>
+                      <a:r>
+                        <a:rPr lang="ko-KR" altLang="en-US" sz="1200" dirty="0" err="1"/>
+                        <a:t>토벌단</a:t>
+                      </a:r>
+                      <a:r>
+                        <a:rPr lang="ko-KR" altLang="en-US" sz="1200" dirty="0"/>
+                        <a:t> 입단 시험에서 합을 맞추었던 </a:t>
+                      </a:r>
+                      <a:r>
+                        <a:rPr lang="en-US" altLang="ko-KR" sz="1200" dirty="0"/>
+                        <a:t>‘</a:t>
+                      </a:r>
+                      <a:r>
+                        <a:rPr lang="ko-KR" altLang="en-US" sz="1200" dirty="0"/>
+                        <a:t>세영</a:t>
+                      </a:r>
+                      <a:r>
+                        <a:rPr lang="en-US" altLang="ko-KR" sz="1200" dirty="0"/>
+                        <a:t>‘</a:t>
+                      </a:r>
+                      <a:r>
+                        <a:rPr lang="ko-KR" altLang="en-US" sz="1200" dirty="0"/>
+                        <a:t>이었다</a:t>
+                      </a:r>
+                      <a:r>
+                        <a:rPr lang="en-US" altLang="ko-KR" sz="1200" dirty="0"/>
+                        <a:t>. </a:t>
+                      </a:r>
+                      <a:r>
+                        <a:rPr lang="ko-KR" altLang="en-US" sz="1200" dirty="0"/>
+                        <a:t>하지만 </a:t>
+                      </a:r>
+                      <a:r>
+                        <a:rPr lang="en-US" altLang="ko-KR" sz="1200" dirty="0"/>
+                        <a:t>‘</a:t>
+                      </a:r>
+                      <a:r>
+                        <a:rPr lang="ko-KR" altLang="en-US" sz="1200" dirty="0"/>
+                        <a:t>세영</a:t>
+                      </a:r>
+                      <a:r>
+                        <a:rPr lang="en-US" altLang="ko-KR" sz="1200" dirty="0"/>
+                        <a:t>’</a:t>
+                      </a:r>
+                      <a:r>
+                        <a:rPr lang="ko-KR" altLang="en-US" sz="1200" dirty="0"/>
+                        <a:t>의 모습이 조금 이상해 보였다</a:t>
+                      </a:r>
+                      <a:r>
+                        <a:rPr lang="en-US" altLang="ko-KR" sz="1200" dirty="0"/>
+                        <a:t>. </a:t>
+                      </a:r>
+                      <a:r>
+                        <a:rPr lang="ko-KR" altLang="en-US" sz="1200" dirty="0"/>
+                        <a:t>전체적으로 헤지고 망가진 장비를 입고 망토를 입은 상태로 두건을 눌러 쓰고 있는 모습을 본 방랑자는 놀라 안부를 물었다</a:t>
+                      </a:r>
+                      <a:r>
+                        <a:rPr lang="en-US" altLang="ko-KR" sz="1200" dirty="0"/>
+                        <a:t>. ‘</a:t>
+                      </a:r>
+                      <a:r>
+                        <a:rPr lang="ko-KR" altLang="en-US" sz="1200" dirty="0"/>
+                        <a:t>세영</a:t>
+                      </a:r>
+                      <a:r>
+                        <a:rPr lang="en-US" altLang="ko-KR" sz="1200" dirty="0"/>
+                        <a:t>’</a:t>
+                      </a:r>
+                      <a:r>
+                        <a:rPr lang="ko-KR" altLang="en-US" sz="1200" dirty="0"/>
+                        <a:t>에게 들은 이야기는 충격적 이었다</a:t>
+                      </a:r>
+                      <a:r>
+                        <a:rPr lang="en-US" altLang="ko-KR" sz="1200" dirty="0"/>
+                        <a:t>. </a:t>
+                      </a:r>
+                      <a:r>
+                        <a:rPr lang="ko-KR" altLang="en-US" sz="1200" dirty="0"/>
+                        <a:t>그림자에 침식된</a:t>
+                      </a:r>
+                      <a:r>
+                        <a:rPr lang="en-US" altLang="ko-KR" sz="1200" dirty="0"/>
+                        <a:t> ‘</a:t>
+                      </a:r>
+                      <a:r>
+                        <a:rPr lang="ko-KR" altLang="en-US" sz="1200" dirty="0"/>
+                        <a:t>산신</a:t>
+                      </a:r>
+                      <a:r>
+                        <a:rPr lang="en-US" altLang="ko-KR" sz="1200" dirty="0"/>
+                        <a:t>’</a:t>
+                      </a:r>
+                      <a:r>
+                        <a:rPr lang="ko-KR" altLang="en-US" sz="1200" dirty="0"/>
+                        <a:t>과 </a:t>
+                      </a:r>
+                      <a:r>
+                        <a:rPr lang="ko-KR" altLang="en-US" sz="1200" dirty="0" err="1"/>
+                        <a:t>창귀가</a:t>
+                      </a:r>
+                      <a:r>
+                        <a:rPr lang="ko-KR" altLang="en-US" sz="1200" dirty="0"/>
+                        <a:t> 되어버린 이야기 그리고 자신과 </a:t>
+                      </a:r>
+                      <a:r>
+                        <a:rPr lang="en-US" altLang="ko-KR" sz="1200" dirty="0"/>
+                        <a:t>‘</a:t>
+                      </a:r>
+                      <a:r>
+                        <a:rPr lang="ko-KR" altLang="en-US" sz="1200" dirty="0"/>
+                        <a:t>산신</a:t>
+                      </a:r>
+                      <a:r>
+                        <a:rPr lang="en-US" altLang="ko-KR" sz="1200" dirty="0"/>
+                        <a:t>’</a:t>
+                      </a:r>
+                      <a:r>
+                        <a:rPr lang="ko-KR" altLang="en-US" sz="1200" dirty="0"/>
+                        <a:t>을 해방 시켜 달라는 부탁을 들은 방랑자는 잠시 고민하고 얼마 후 </a:t>
+                      </a:r>
+                      <a:r>
+                        <a:rPr lang="en-US" altLang="ko-KR" sz="1200" dirty="0"/>
+                        <a:t>‘</a:t>
+                      </a:r>
+                      <a:r>
+                        <a:rPr lang="ko-KR" altLang="en-US" sz="1200" dirty="0"/>
+                        <a:t>세영</a:t>
+                      </a:r>
+                      <a:r>
+                        <a:rPr lang="en-US" altLang="ko-KR" sz="1200" dirty="0"/>
+                        <a:t>’</a:t>
+                      </a:r>
+                      <a:r>
+                        <a:rPr lang="ko-KR" altLang="en-US" sz="1200" dirty="0"/>
+                        <a:t>을 따라 서쪽 산으로 향했다</a:t>
+                      </a:r>
+                      <a:r>
+                        <a:rPr lang="en-US" altLang="ko-KR" sz="1200" dirty="0"/>
+                        <a:t>.</a:t>
+                      </a:r>
+                    </a:p>
+                  </a:txBody>
+                  <a:tcPr/>
+                </a:tc>
+                <a:tc hMerge="1">
+                  <a:txBody>
+                    <a:bodyPr/>
+                    <a:lstStyle/>
+                    <a:p>
+                      <a:pPr latinLnBrk="1"/>
+                      <a:endParaRPr lang="ko-KR" altLang="en-US"/>
+                    </a:p>
+                  </a:txBody>
+                  <a:tcPr/>
+                </a:tc>
+                <a:extLst>
+                  <a:ext uri="{0D108BD9-81ED-4DB2-BD59-A6C34878D82A}">
+                    <a16:rowId xmlns:a16="http://schemas.microsoft.com/office/drawing/2014/main" val="2241456345"/>
+                  </a:ext>
+                </a:extLst>
+              </a:tr>
+              <a:tr h="236656">
+                <a:tc gridSpan="2">
+                  <a:txBody>
+                    <a:bodyPr/>
+                    <a:lstStyle/>
+                    <a:p>
+                      <a:pPr latinLnBrk="1"/>
+                      <a:r>
+                        <a:rPr lang="en-US" altLang="ko-KR" sz="1200" dirty="0"/>
+                        <a:t>‘</a:t>
+                      </a:r>
+                      <a:r>
+                        <a:rPr lang="ko-KR" altLang="en-US" sz="1200" dirty="0"/>
+                        <a:t>산신</a:t>
+                      </a:r>
+                      <a:r>
+                        <a:rPr lang="en-US" altLang="ko-KR" sz="1200" dirty="0"/>
+                        <a:t>’</a:t>
+                      </a:r>
+                      <a:r>
+                        <a:rPr lang="ko-KR" altLang="en-US" sz="1200" dirty="0"/>
+                        <a:t>이 있는 동굴 앞에 도착한 </a:t>
+                      </a:r>
+                      <a:r>
+                        <a:rPr lang="en-US" altLang="ko-KR" sz="1200" dirty="0"/>
+                        <a:t>‘</a:t>
+                      </a:r>
+                      <a:r>
+                        <a:rPr lang="ko-KR" altLang="en-US" sz="1200" dirty="0"/>
+                        <a:t>세영</a:t>
+                      </a:r>
+                      <a:r>
+                        <a:rPr lang="en-US" altLang="ko-KR" sz="1200" dirty="0"/>
+                        <a:t>’</a:t>
+                      </a:r>
+                      <a:r>
+                        <a:rPr lang="ko-KR" altLang="en-US" sz="1200" dirty="0"/>
+                        <a:t>과 방랑자는 잠시 준비를 한 뒤 그 안으로 들어갔다</a:t>
+                      </a:r>
+                      <a:r>
+                        <a:rPr lang="en-US" altLang="ko-KR" sz="1200" dirty="0"/>
+                        <a:t>.</a:t>
+                      </a:r>
+                    </a:p>
+                    <a:p>
+                      <a:pPr latinLnBrk="1"/>
+                      <a:r>
+                        <a:rPr lang="ko-KR" altLang="en-US" sz="1200" dirty="0"/>
+                        <a:t>방랑자의 공격으로 </a:t>
+                      </a:r>
+                      <a:r>
+                        <a:rPr lang="en-US" altLang="ko-KR" sz="1200" dirty="0"/>
+                        <a:t>‘</a:t>
+                      </a:r>
+                      <a:r>
+                        <a:rPr lang="ko-KR" altLang="en-US" sz="1200" dirty="0"/>
+                        <a:t>산신</a:t>
+                      </a:r>
+                      <a:r>
+                        <a:rPr lang="en-US" altLang="ko-KR" sz="1200" dirty="0"/>
+                        <a:t>’</a:t>
+                      </a:r>
+                      <a:r>
+                        <a:rPr lang="ko-KR" altLang="en-US" sz="1200" dirty="0"/>
+                        <a:t>을 잠식한 그림자의 힘이 약화 되었고 </a:t>
+                      </a:r>
+                      <a:r>
+                        <a:rPr lang="en-US" altLang="ko-KR" sz="1200" dirty="0"/>
+                        <a:t>‘</a:t>
+                      </a:r>
+                      <a:r>
+                        <a:rPr lang="ko-KR" altLang="en-US" sz="1200" dirty="0"/>
+                        <a:t>산신</a:t>
+                      </a:r>
+                      <a:r>
+                        <a:rPr lang="en-US" altLang="ko-KR" sz="1200" dirty="0"/>
+                        <a:t>’</a:t>
+                      </a:r>
+                      <a:r>
+                        <a:rPr lang="ko-KR" altLang="en-US" sz="1200" dirty="0"/>
+                        <a:t>은 벗어나기 위해 마지막 발악을 시작했다</a:t>
+                      </a:r>
+                      <a:r>
+                        <a:rPr lang="en-US" altLang="ko-KR" sz="1200" dirty="0"/>
+                        <a:t>.</a:t>
+                      </a:r>
+                    </a:p>
+                    <a:p>
+                      <a:pPr latinLnBrk="1"/>
+                      <a:r>
+                        <a:rPr lang="ko-KR" altLang="en-US" sz="1200" dirty="0"/>
+                        <a:t>정신이 잠시 돌아온 </a:t>
+                      </a:r>
+                      <a:r>
+                        <a:rPr lang="en-US" altLang="ko-KR" sz="1200" dirty="0"/>
+                        <a:t>‘</a:t>
+                      </a:r>
+                      <a:r>
+                        <a:rPr lang="ko-KR" altLang="en-US" sz="1200" dirty="0"/>
+                        <a:t>산신</a:t>
+                      </a:r>
+                      <a:r>
+                        <a:rPr lang="en-US" altLang="ko-KR" sz="1200" dirty="0"/>
+                        <a:t>’</a:t>
+                      </a:r>
+                      <a:r>
+                        <a:rPr lang="ko-KR" altLang="en-US" sz="1200" dirty="0"/>
+                        <a:t>이었지만 얼마 버티지 못하고 다시 그림자에 침식되기 시작했다</a:t>
+                      </a:r>
+                      <a:r>
+                        <a:rPr lang="en-US" altLang="ko-KR" sz="1200" dirty="0"/>
+                        <a:t>. </a:t>
+                      </a:r>
+                    </a:p>
+                  </a:txBody>
+                  <a:tcPr/>
+                </a:tc>
+                <a:tc hMerge="1">
+                  <a:txBody>
+                    <a:bodyPr/>
+                    <a:lstStyle/>
+                    <a:p>
+                      <a:pPr latinLnBrk="1"/>
+                      <a:endParaRPr lang="ko-KR" altLang="en-US"/>
+                    </a:p>
+                  </a:txBody>
+                  <a:tcPr/>
+                </a:tc>
+                <a:extLst>
+                  <a:ext uri="{0D108BD9-81ED-4DB2-BD59-A6C34878D82A}">
+                    <a16:rowId xmlns:a16="http://schemas.microsoft.com/office/drawing/2014/main" val="1935155201"/>
+                  </a:ext>
+                </a:extLst>
+              </a:tr>
+              <a:tr h="0">
+                <a:tc>
+                  <a:txBody>
+                    <a:bodyPr/>
+                    <a:lstStyle/>
+                    <a:p>
+                      <a:pPr algn="ctr" latinLnBrk="1"/>
+                      <a:r>
+                        <a:rPr lang="ko-KR" altLang="en-US" sz="1200" dirty="0"/>
+                        <a:t>방울 미소지</a:t>
+                      </a:r>
+                      <a:endParaRPr lang="en-US" altLang="ko-KR" sz="1200" dirty="0"/>
+                    </a:p>
+                  </a:txBody>
+                  <a:tcPr anchor="ctr"/>
+                </a:tc>
+                <a:tc>
+                  <a:txBody>
+                    <a:bodyPr/>
+                    <a:lstStyle/>
+                    <a:p>
+                      <a:pPr latinLnBrk="1"/>
+                      <a:r>
+                        <a:rPr lang="en-US" altLang="ko-KR" sz="1200" dirty="0"/>
+                        <a:t>‘</a:t>
+                      </a:r>
+                      <a:r>
+                        <a:rPr lang="ko-KR" altLang="en-US" sz="1200" dirty="0"/>
+                        <a:t>세영</a:t>
+                      </a:r>
+                      <a:r>
+                        <a:rPr lang="en-US" altLang="ko-KR" sz="1200" dirty="0"/>
+                        <a:t>’</a:t>
+                      </a:r>
+                      <a:r>
+                        <a:rPr lang="ko-KR" altLang="en-US" sz="1200" dirty="0"/>
+                        <a:t>은 그 모습을 보고 무언가 결심한 표정으로 방랑자에게 작별 인사를 하고 </a:t>
+                      </a:r>
+                      <a:r>
+                        <a:rPr lang="en-US" altLang="ko-KR" sz="1200" dirty="0"/>
+                        <a:t>‘</a:t>
+                      </a:r>
+                      <a:r>
+                        <a:rPr lang="ko-KR" altLang="en-US" sz="1200" dirty="0"/>
+                        <a:t>산신</a:t>
+                      </a:r>
+                      <a:r>
+                        <a:rPr lang="en-US" altLang="ko-KR" sz="1200" dirty="0"/>
+                        <a:t>’</a:t>
+                      </a:r>
+                      <a:r>
+                        <a:rPr lang="ko-KR" altLang="en-US" sz="1200" dirty="0"/>
+                        <a:t>에게 달려 들어 </a:t>
+                      </a:r>
+                      <a:r>
+                        <a:rPr lang="ko-KR" altLang="en-US" sz="1200" dirty="0" err="1"/>
+                        <a:t>동귀여진</a:t>
+                      </a:r>
+                      <a:r>
+                        <a:rPr lang="ko-KR" altLang="en-US" sz="1200" dirty="0"/>
+                        <a:t> 했다</a:t>
+                      </a:r>
+                      <a:r>
+                        <a:rPr lang="en-US" altLang="ko-KR" sz="1200" dirty="0"/>
+                        <a:t>. ‘</a:t>
+                      </a:r>
+                      <a:r>
+                        <a:rPr lang="ko-KR" altLang="en-US" sz="1200" dirty="0"/>
+                        <a:t>산신</a:t>
+                      </a:r>
+                      <a:r>
+                        <a:rPr lang="en-US" altLang="ko-KR" sz="1200" dirty="0"/>
+                        <a:t>’</a:t>
+                      </a:r>
+                      <a:r>
+                        <a:rPr lang="ko-KR" altLang="en-US" sz="1200" dirty="0"/>
+                        <a:t>과 </a:t>
+                      </a:r>
+                      <a:r>
+                        <a:rPr lang="en-US" altLang="ko-KR" sz="1200" dirty="0"/>
+                        <a:t>‘</a:t>
+                      </a:r>
+                      <a:r>
+                        <a:rPr lang="ko-KR" altLang="en-US" sz="1200" dirty="0"/>
+                        <a:t>세영</a:t>
+                      </a:r>
+                      <a:r>
+                        <a:rPr lang="en-US" altLang="ko-KR" sz="1200" dirty="0"/>
+                        <a:t>’</a:t>
+                      </a:r>
+                      <a:r>
+                        <a:rPr lang="ko-KR" altLang="en-US" sz="1200" dirty="0"/>
+                        <a:t>이 사라지는 순간 그림자는 꼬리의 모습을 하며 같이 사라졌고 방랑자는 그 모습을 슬픈 눈으로 바라보고 있었다</a:t>
+                      </a:r>
+                      <a:r>
+                        <a:rPr lang="en-US" altLang="ko-KR" sz="1200" dirty="0"/>
+                        <a:t>.</a:t>
+                      </a:r>
+                    </a:p>
+                  </a:txBody>
+                  <a:tcPr/>
+                </a:tc>
+                <a:extLst>
+                  <a:ext uri="{0D108BD9-81ED-4DB2-BD59-A6C34878D82A}">
+                    <a16:rowId xmlns:a16="http://schemas.microsoft.com/office/drawing/2014/main" val="2188551523"/>
+                  </a:ext>
+                </a:extLst>
+              </a:tr>
+              <a:tr h="182880">
+                <a:tc>
+                  <a:txBody>
+                    <a:bodyPr/>
+                    <a:lstStyle/>
+                    <a:p>
+                      <a:pPr algn="ctr" latinLnBrk="1"/>
+                      <a:r>
+                        <a:rPr lang="ko-KR" altLang="en-US" sz="1200" dirty="0"/>
+                        <a:t>방울 소지</a:t>
+                      </a:r>
+                      <a:endParaRPr lang="en-US" altLang="ko-KR" sz="1200" dirty="0"/>
+                    </a:p>
+                    <a:p>
+                      <a:pPr algn="ctr" latinLnBrk="1"/>
+                      <a:r>
+                        <a:rPr lang="ko-KR" altLang="en-US" sz="1200" dirty="0"/>
+                        <a:t> </a:t>
+                      </a:r>
+                      <a:r>
+                        <a:rPr lang="en-US" altLang="ko-KR" sz="1200" dirty="0"/>
+                        <a:t>and </a:t>
+                      </a:r>
+                    </a:p>
+                    <a:p>
+                      <a:pPr algn="ctr" latinLnBrk="1"/>
+                      <a:r>
+                        <a:rPr lang="ko-KR" altLang="en-US" sz="1200" dirty="0"/>
+                        <a:t>특정 패턴 실패</a:t>
+                      </a:r>
+                      <a:endParaRPr lang="en-US" altLang="ko-KR" sz="1200" dirty="0"/>
+                    </a:p>
+                  </a:txBody>
+                  <a:tcPr anchor="ctr"/>
+                </a:tc>
+                <a:tc>
+                  <a:txBody>
+                    <a:bodyPr/>
+                    <a:lstStyle/>
+                    <a:p>
+                      <a:pPr latinLnBrk="1"/>
+                      <a:r>
+                        <a:rPr lang="ko-KR" altLang="en-US" sz="1200" dirty="0"/>
+                        <a:t>그 순간 방랑자의 주머니에 있던 방울이 빛을 내기 시작했고 방랑자가 방물을 꺼내자 방울이 울리며 동굴 속에 소리가 퍼져 나갔다</a:t>
+                      </a:r>
+                      <a:r>
+                        <a:rPr lang="en-US" altLang="ko-KR" sz="1200" dirty="0"/>
+                        <a:t>. </a:t>
+                      </a:r>
+                      <a:r>
+                        <a:rPr lang="ko-KR" altLang="en-US" sz="1200" dirty="0"/>
+                        <a:t>곧 이어 그림자가 서서히 </a:t>
+                      </a:r>
+                      <a:r>
+                        <a:rPr lang="en-US" altLang="ko-KR" sz="1200" dirty="0"/>
+                        <a:t>‘</a:t>
+                      </a:r>
+                      <a:r>
+                        <a:rPr lang="ko-KR" altLang="en-US" sz="1200" dirty="0"/>
+                        <a:t>산신</a:t>
+                      </a:r>
+                      <a:r>
+                        <a:rPr lang="en-US" altLang="ko-KR" sz="1200" dirty="0"/>
+                        <a:t>’</a:t>
+                      </a:r>
+                      <a:r>
+                        <a:rPr lang="ko-KR" altLang="en-US" sz="1200" dirty="0"/>
+                        <a:t>의 몸에서 떨어져 나가기 시작했고 얼마 지나지 않아 그림자는 꼬리의 형태가 된 다음 연기가 되어 사라졌다</a:t>
+                      </a:r>
+                      <a:r>
+                        <a:rPr lang="en-US" altLang="ko-KR" sz="1200" dirty="0"/>
+                        <a:t>. </a:t>
+                      </a:r>
+                      <a:r>
+                        <a:rPr lang="ko-KR" altLang="en-US" sz="1200" dirty="0"/>
+                        <a:t>속박에서 벗어난 </a:t>
+                      </a:r>
+                      <a:r>
+                        <a:rPr lang="en-US" altLang="ko-KR" sz="1200" dirty="0"/>
+                        <a:t>‘</a:t>
+                      </a:r>
+                      <a:r>
+                        <a:rPr lang="ko-KR" altLang="en-US" sz="1200" dirty="0"/>
+                        <a:t>산신</a:t>
+                      </a:r>
+                      <a:r>
+                        <a:rPr lang="en-US" altLang="ko-KR" sz="1200" dirty="0"/>
+                        <a:t>’</a:t>
+                      </a:r>
+                      <a:r>
+                        <a:rPr lang="ko-KR" altLang="en-US" sz="1200" dirty="0"/>
+                        <a:t>과 </a:t>
+                      </a:r>
+                      <a:r>
+                        <a:rPr lang="en-US" altLang="ko-KR" sz="1200" dirty="0"/>
+                        <a:t>‘</a:t>
+                      </a:r>
+                      <a:r>
+                        <a:rPr lang="ko-KR" altLang="en-US" sz="1200" dirty="0"/>
+                        <a:t>세영</a:t>
+                      </a:r>
+                      <a:r>
+                        <a:rPr lang="en-US" altLang="ko-KR" sz="1200" dirty="0"/>
+                        <a:t>’</a:t>
+                      </a:r>
+                      <a:r>
+                        <a:rPr lang="ko-KR" altLang="en-US" sz="1200" dirty="0"/>
+                        <a:t>은</a:t>
+                      </a:r>
+                      <a:r>
+                        <a:rPr lang="en-US" altLang="ko-KR" sz="1200" dirty="0"/>
+                        <a:t> </a:t>
+                      </a:r>
+                      <a:r>
+                        <a:rPr lang="ko-KR" altLang="en-US" sz="1200" dirty="0"/>
+                        <a:t>방랑자에게 감사를 표하고 얼마 지나지 않아 </a:t>
+                      </a:r>
+                      <a:r>
+                        <a:rPr lang="en-US" altLang="ko-KR" sz="1200" dirty="0"/>
+                        <a:t>‘</a:t>
+                      </a:r>
+                      <a:r>
+                        <a:rPr lang="ko-KR" altLang="en-US" sz="1200" dirty="0"/>
+                        <a:t>세영</a:t>
+                      </a:r>
+                      <a:r>
+                        <a:rPr lang="en-US" altLang="ko-KR" sz="1200" dirty="0"/>
+                        <a:t>’</a:t>
+                      </a:r>
+                      <a:r>
+                        <a:rPr lang="ko-KR" altLang="en-US" sz="1200" dirty="0"/>
+                        <a:t>은 성불하여 사라졌다</a:t>
+                      </a:r>
+                      <a:r>
+                        <a:rPr lang="en-US" altLang="ko-KR" sz="1200" dirty="0"/>
+                        <a:t>.</a:t>
+                      </a:r>
+                    </a:p>
+                  </a:txBody>
+                  <a:tcPr/>
+                </a:tc>
+                <a:extLst>
+                  <a:ext uri="{0D108BD9-81ED-4DB2-BD59-A6C34878D82A}">
+                    <a16:rowId xmlns:a16="http://schemas.microsoft.com/office/drawing/2014/main" val="3285885127"/>
+                  </a:ext>
+                </a:extLst>
+              </a:tr>
+              <a:tr h="0">
+                <a:tc>
+                  <a:txBody>
+                    <a:bodyPr/>
+                    <a:lstStyle/>
+                    <a:p>
+                      <a:pPr algn="ctr" latinLnBrk="1"/>
+                      <a:r>
+                        <a:rPr lang="ko-KR" altLang="en-US" sz="1200" dirty="0"/>
+                        <a:t>방울 소지</a:t>
+                      </a:r>
+                      <a:endParaRPr lang="en-US" altLang="ko-KR" sz="1200" dirty="0"/>
+                    </a:p>
+                    <a:p>
+                      <a:pPr algn="ctr" latinLnBrk="1"/>
+                      <a:r>
+                        <a:rPr lang="en-US" altLang="ko-KR" sz="1200" dirty="0"/>
+                        <a:t>and </a:t>
+                      </a:r>
+                    </a:p>
+                    <a:p>
+                      <a:pPr algn="ctr" latinLnBrk="1"/>
+                      <a:r>
+                        <a:rPr lang="ko-KR" altLang="en-US" sz="1200" dirty="0"/>
+                        <a:t>특정 패턴 성공</a:t>
+                      </a:r>
+                      <a:endParaRPr lang="en-US" altLang="ko-KR" sz="1200" dirty="0"/>
+                    </a:p>
+                  </a:txBody>
+                  <a:tcPr anchor="ctr"/>
+                </a:tc>
+                <a:tc>
+                  <a:txBody>
+                    <a:bodyPr/>
+                    <a:lstStyle/>
+                    <a:p>
+                      <a:pPr marL="0" marR="0" lvl="0" indent="0" algn="l" defTabSz="914400" rtl="0" eaLnBrk="1" fontAlgn="auto" latinLnBrk="1" hangingPunct="1">
+                        <a:lnSpc>
+                          <a:spcPct val="100000"/>
+                        </a:lnSpc>
+                        <a:spcBef>
+                          <a:spcPts val="0"/>
+                        </a:spcBef>
+                        <a:spcAft>
+                          <a:spcPts val="0"/>
+                        </a:spcAft>
+                        <a:buClrTx/>
+                        <a:buSzTx/>
+                        <a:buFontTx/>
+                        <a:buNone/>
+                        <a:tabLst/>
+                        <a:defRPr/>
+                      </a:pPr>
+                      <a:r>
+                        <a:rPr lang="ko-KR" altLang="en-US" sz="1200" dirty="0"/>
+                        <a:t>그 순간 방랑자의 주머니에 있던 방울이 빛을 내기 시작했고 방랑자가 방물을 꺼내자 방울이 울리며 동굴 속에 소리가 퍼져 나갔다</a:t>
+                      </a:r>
+                      <a:r>
+                        <a:rPr lang="en-US" altLang="ko-KR" sz="1200" dirty="0"/>
+                        <a:t>. </a:t>
+                      </a:r>
+                      <a:r>
+                        <a:rPr lang="ko-KR" altLang="en-US" sz="1200" dirty="0"/>
+                        <a:t>방울 소리에 그림자가 요동 치며 사라지는 듯 하더니 다시 </a:t>
+                      </a:r>
+                      <a:r>
+                        <a:rPr lang="en-US" altLang="ko-KR" sz="1200" dirty="0"/>
+                        <a:t>‘</a:t>
+                      </a:r>
+                      <a:r>
+                        <a:rPr lang="ko-KR" altLang="en-US" sz="1200" dirty="0"/>
+                        <a:t>산신</a:t>
+                      </a:r>
+                      <a:r>
+                        <a:rPr lang="en-US" altLang="ko-KR" sz="1200" dirty="0"/>
+                        <a:t>’</a:t>
+                      </a:r>
+                      <a:r>
+                        <a:rPr lang="ko-KR" altLang="en-US" sz="1200" dirty="0"/>
+                        <a:t>의 몸에 침식하기 시작했고 동시에 </a:t>
+                      </a:r>
+                      <a:r>
+                        <a:rPr lang="en-US" altLang="ko-KR" sz="1200" dirty="0"/>
+                        <a:t>‘</a:t>
+                      </a:r>
+                      <a:r>
+                        <a:rPr lang="ko-KR" altLang="en-US" sz="1200" dirty="0"/>
+                        <a:t>세영</a:t>
+                      </a:r>
+                      <a:r>
+                        <a:rPr lang="en-US" altLang="ko-KR" sz="1200" dirty="0"/>
+                        <a:t>‘ </a:t>
+                      </a:r>
+                      <a:r>
+                        <a:rPr lang="ko-KR" altLang="en-US" sz="1200" dirty="0"/>
+                        <a:t>역시 그림자에 침식 되었다</a:t>
+                      </a:r>
+                      <a:r>
+                        <a:rPr lang="en-US" altLang="ko-KR" sz="1200" dirty="0"/>
+                        <a:t>. </a:t>
+                      </a:r>
+                      <a:r>
+                        <a:rPr lang="ko-KR" altLang="en-US" sz="1200" dirty="0"/>
+                        <a:t>방랑자는 그림자에 완전히 침식된 </a:t>
+                      </a:r>
+                      <a:r>
+                        <a:rPr lang="en-US" altLang="ko-KR" sz="1200" dirty="0"/>
+                        <a:t>’</a:t>
+                      </a:r>
+                      <a:r>
+                        <a:rPr lang="ko-KR" altLang="en-US" sz="1200" dirty="0"/>
+                        <a:t>산신</a:t>
+                      </a:r>
+                      <a:r>
+                        <a:rPr lang="en-US" altLang="ko-KR" sz="1200" dirty="0"/>
+                        <a:t>’</a:t>
+                      </a:r>
+                      <a:r>
+                        <a:rPr lang="ko-KR" altLang="en-US" sz="1200" dirty="0"/>
+                        <a:t>과</a:t>
+                      </a:r>
+                      <a:r>
+                        <a:rPr lang="en-US" altLang="ko-KR" sz="1200" dirty="0"/>
+                        <a:t>’</a:t>
+                      </a:r>
+                      <a:r>
+                        <a:rPr lang="ko-KR" altLang="en-US" sz="1200" dirty="0"/>
+                        <a:t>세영</a:t>
+                      </a:r>
+                      <a:r>
+                        <a:rPr lang="en-US" altLang="ko-KR" sz="1200" dirty="0"/>
+                        <a:t>’ </a:t>
+                      </a:r>
+                      <a:r>
+                        <a:rPr lang="ko-KR" altLang="en-US" sz="1200" dirty="0"/>
+                        <a:t>힘으로 제압했고 그 순간 방울이 다시 빛을 내며 울려 그림자를 걷어 냈다</a:t>
+                      </a:r>
+                      <a:r>
+                        <a:rPr lang="en-US" altLang="ko-KR" sz="1200" dirty="0"/>
+                        <a:t>. </a:t>
+                      </a:r>
+                      <a:r>
+                        <a:rPr lang="ko-KR" altLang="en-US" sz="1200" dirty="0"/>
+                        <a:t>그림자에서 벗어난 </a:t>
+                      </a:r>
+                      <a:r>
+                        <a:rPr lang="en-US" altLang="ko-KR" sz="1200" dirty="0"/>
+                        <a:t>‘</a:t>
+                      </a:r>
+                      <a:r>
+                        <a:rPr lang="ko-KR" altLang="en-US" sz="1200" dirty="0"/>
+                        <a:t>산신</a:t>
+                      </a:r>
+                      <a:r>
+                        <a:rPr lang="en-US" altLang="ko-KR" sz="1200" dirty="0"/>
+                        <a:t>’</a:t>
+                      </a:r>
+                      <a:r>
+                        <a:rPr lang="ko-KR" altLang="en-US" sz="1200" dirty="0"/>
+                        <a:t>은 방랑자와 </a:t>
+                      </a:r>
+                      <a:r>
+                        <a:rPr lang="en-US" altLang="ko-KR" sz="1200" dirty="0"/>
+                        <a:t>‘</a:t>
+                      </a:r>
+                      <a:r>
+                        <a:rPr lang="ko-KR" altLang="en-US" sz="1200" dirty="0"/>
+                        <a:t>세영</a:t>
+                      </a:r>
+                      <a:r>
+                        <a:rPr lang="en-US" altLang="ko-KR" sz="1200" dirty="0"/>
+                        <a:t>’</a:t>
+                      </a:r>
+                      <a:r>
+                        <a:rPr lang="ko-KR" altLang="en-US" sz="1200" dirty="0"/>
+                        <a:t>에게 감사를 표했지만 자신의 생명이 이제 꺼져 가고 있다고 말하며 </a:t>
+                      </a:r>
+                      <a:r>
+                        <a:rPr lang="en-US" altLang="ko-KR" sz="1200" dirty="0"/>
+                        <a:t>‘</a:t>
+                      </a:r>
+                      <a:r>
+                        <a:rPr lang="ko-KR" altLang="en-US" sz="1200" dirty="0"/>
+                        <a:t>세영</a:t>
+                      </a:r>
+                      <a:r>
+                        <a:rPr lang="en-US" altLang="ko-KR" sz="1200" dirty="0"/>
+                        <a:t>’</a:t>
+                      </a:r>
+                      <a:r>
+                        <a:rPr lang="ko-KR" altLang="en-US" sz="1200" dirty="0"/>
+                        <a:t>에게 제안 하였다</a:t>
+                      </a:r>
+                      <a:r>
+                        <a:rPr lang="en-US" altLang="ko-KR" sz="1200" dirty="0"/>
+                        <a:t>. </a:t>
+                      </a:r>
+                      <a:r>
+                        <a:rPr lang="ko-KR" altLang="en-US" sz="1200" dirty="0"/>
+                        <a:t>자신의 남은 생명을 모두 사용하여 자신의 혼을 </a:t>
+                      </a:r>
+                      <a:r>
+                        <a:rPr lang="en-US" altLang="ko-KR" sz="1200" dirty="0"/>
+                        <a:t>‘</a:t>
+                      </a:r>
+                      <a:r>
+                        <a:rPr lang="ko-KR" altLang="en-US" sz="1200" dirty="0"/>
+                        <a:t>세영</a:t>
+                      </a:r>
+                      <a:r>
+                        <a:rPr lang="en-US" altLang="ko-KR" sz="1200" dirty="0"/>
+                        <a:t>’</a:t>
+                      </a:r>
+                      <a:r>
+                        <a:rPr lang="ko-KR" altLang="en-US" sz="1200" dirty="0"/>
+                        <a:t>에게 예속시켜 살리는 대신에 자신의 뒤를 잊는 산신이 되어 달라는 제안을 들은 </a:t>
+                      </a:r>
+                      <a:r>
+                        <a:rPr lang="en-US" altLang="ko-KR" sz="1200" dirty="0"/>
+                        <a:t>‘</a:t>
+                      </a:r>
+                      <a:r>
+                        <a:rPr lang="ko-KR" altLang="en-US" sz="1200" dirty="0"/>
+                        <a:t>세영</a:t>
+                      </a:r>
+                      <a:r>
+                        <a:rPr lang="en-US" altLang="ko-KR" sz="1200" dirty="0"/>
+                        <a:t>’</a:t>
+                      </a:r>
+                      <a:r>
+                        <a:rPr lang="ko-KR" altLang="en-US" sz="1200" dirty="0"/>
+                        <a:t>은 잠시 고민한 뒤 제안을 받아 드렸고 </a:t>
+                      </a:r>
+                      <a:r>
+                        <a:rPr lang="en-US" altLang="ko-KR" sz="1200" dirty="0"/>
+                        <a:t>‘</a:t>
+                      </a:r>
+                      <a:r>
+                        <a:rPr lang="ko-KR" altLang="en-US" sz="1200" dirty="0"/>
+                        <a:t>세영</a:t>
+                      </a:r>
+                      <a:r>
+                        <a:rPr lang="en-US" altLang="ko-KR" sz="1200" dirty="0"/>
+                        <a:t>’</a:t>
+                      </a:r>
+                      <a:r>
+                        <a:rPr lang="ko-KR" altLang="en-US" sz="1200" dirty="0"/>
+                        <a:t>은 </a:t>
+                      </a:r>
+                      <a:r>
+                        <a:rPr lang="ko-KR" altLang="en-US" sz="1200" dirty="0" err="1"/>
+                        <a:t>반원령</a:t>
+                      </a:r>
+                      <a:r>
+                        <a:rPr lang="en-US" altLang="ko-KR" sz="1200" dirty="0"/>
+                        <a:t>,</a:t>
+                      </a:r>
+                      <a:r>
+                        <a:rPr lang="ko-KR" altLang="en-US" sz="1200" dirty="0"/>
+                        <a:t> 반신령이 되어 방랑자의 동료가 되었다</a:t>
+                      </a:r>
+                      <a:r>
+                        <a:rPr lang="en-US" altLang="ko-KR" sz="1200" dirty="0"/>
+                        <a:t>.</a:t>
+                      </a:r>
+                    </a:p>
+                  </a:txBody>
+                  <a:tcPr/>
+                </a:tc>
+                <a:extLst>
+                  <a:ext uri="{0D108BD9-81ED-4DB2-BD59-A6C34878D82A}">
+                    <a16:rowId xmlns:a16="http://schemas.microsoft.com/office/drawing/2014/main" val="2107727595"/>
                   </a:ext>
                 </a:extLst>
               </a:tr>
@@ -5551,6 +7937,800 @@
 </file>
 
 <file path=ppt/slides/slide7.xml><?xml version="1.0" encoding="utf-8"?>
+<p:sld xmlns:a="http://schemas.openxmlformats.org/drawingml/2006/main" xmlns:r="http://schemas.openxmlformats.org/officeDocument/2006/relationships" xmlns:p="http://schemas.openxmlformats.org/presentationml/2006/main">
+  <p:cSld>
+    <p:spTree>
+      <p:nvGrpSpPr>
+        <p:cNvPr id="1" name=""/>
+        <p:cNvGrpSpPr/>
+        <p:nvPr/>
+      </p:nvGrpSpPr>
+      <p:grpSpPr>
+        <a:xfrm>
+          <a:off x="0" y="0"/>
+          <a:ext cx="0" cy="0"/>
+          <a:chOff x="0" y="0"/>
+          <a:chExt cx="0" cy="0"/>
+        </a:xfrm>
+      </p:grpSpPr>
+      <p:graphicFrame>
+        <p:nvGraphicFramePr>
+          <p:cNvPr id="3" name="표 4">
+            <a:extLst>
+              <a:ext uri="{FF2B5EF4-FFF2-40B4-BE49-F238E27FC236}">
+                <a16:creationId xmlns:a16="http://schemas.microsoft.com/office/drawing/2014/main" id="{0BC1B879-BBE6-AC92-734B-751A79A8F719}"/>
+              </a:ext>
+            </a:extLst>
+          </p:cNvPr>
+          <p:cNvGraphicFramePr>
+            <a:graphicFrameLocks noGrp="1"/>
+          </p:cNvGraphicFramePr>
+          <p:nvPr>
+            <p:extLst>
+              <p:ext uri="{D42A27DB-BD31-4B8C-83A1-F6EECF244321}">
+                <p14:modId xmlns:p14="http://schemas.microsoft.com/office/powerpoint/2010/main" val="1414079059"/>
+              </p:ext>
+            </p:extLst>
+          </p:nvPr>
+        </p:nvGraphicFramePr>
+        <p:xfrm>
+          <a:off x="79131" y="4780968"/>
+          <a:ext cx="12033737" cy="1280160"/>
+        </p:xfrm>
+        <a:graphic>
+          <a:graphicData uri="http://schemas.openxmlformats.org/drawingml/2006/table">
+            <a:tbl>
+              <a:tblPr firstRow="1" bandRow="1">
+                <a:tableStyleId>{5C22544A-7EE6-4342-B048-85BDC9FD1C3A}</a:tableStyleId>
+              </a:tblPr>
+              <a:tblGrid>
+                <a:gridCol w="12033737">
+                  <a:extLst>
+                    <a:ext uri="{9D8B030D-6E8A-4147-A177-3AD203B41FA5}">
+                      <a16:colId xmlns:a16="http://schemas.microsoft.com/office/drawing/2014/main" val="3580401190"/>
+                    </a:ext>
+                  </a:extLst>
+                </a:gridCol>
+              </a:tblGrid>
+              <a:tr h="123473">
+                <a:tc>
+                  <a:txBody>
+                    <a:bodyPr/>
+                    <a:lstStyle/>
+                    <a:p>
+                      <a:pPr latinLnBrk="1"/>
+                      <a:r>
+                        <a:rPr lang="ko-KR" altLang="en-US" sz="1200" dirty="0"/>
+                        <a:t>본론</a:t>
+                      </a:r>
+                    </a:p>
+                  </a:txBody>
+                  <a:tcPr/>
+                </a:tc>
+                <a:extLst>
+                  <a:ext uri="{0D108BD9-81ED-4DB2-BD59-A6C34878D82A}">
+                    <a16:rowId xmlns:a16="http://schemas.microsoft.com/office/drawing/2014/main" val="369265982"/>
+                  </a:ext>
+                </a:extLst>
+              </a:tr>
+              <a:tr h="946624">
+                <a:tc>
+                  <a:txBody>
+                    <a:bodyPr/>
+                    <a:lstStyle/>
+                    <a:p>
+                      <a:pPr latinLnBrk="1"/>
+                      <a:r>
+                        <a:rPr lang="ko-KR" altLang="en-US" sz="1200" dirty="0"/>
+                        <a:t>계속해서 분신들을 처리하고 정보를 모아 흑막에게 가까워진 방랑자의 앞에 지금 까지 처리 했던 분신들과 다른 이질적인 분신이 나타난다</a:t>
+                      </a:r>
+                      <a:r>
+                        <a:rPr lang="en-US" altLang="ko-KR" sz="1200" dirty="0"/>
+                        <a:t>.</a:t>
+                      </a:r>
+                    </a:p>
+                    <a:p>
+                      <a:pPr latinLnBrk="1"/>
+                      <a:r>
+                        <a:rPr lang="ko-KR" altLang="en-US" sz="1200" dirty="0"/>
+                        <a:t>분신은 자신을 </a:t>
+                      </a:r>
+                      <a:r>
+                        <a:rPr lang="en-US" altLang="ko-KR" sz="1200" dirty="0"/>
+                        <a:t>‘</a:t>
+                      </a:r>
+                      <a:r>
+                        <a:rPr lang="ko-KR" altLang="en-US" sz="1200" dirty="0"/>
+                        <a:t>달기</a:t>
+                      </a:r>
+                      <a:r>
+                        <a:rPr lang="en-US" altLang="ko-KR" sz="1200" dirty="0"/>
+                        <a:t>’</a:t>
+                      </a:r>
+                      <a:r>
+                        <a:rPr lang="ko-KR" altLang="en-US" sz="1200" dirty="0"/>
+                        <a:t>의 꼬리 중 하나 이며 동시에 </a:t>
+                      </a:r>
+                      <a:r>
+                        <a:rPr lang="en-US" altLang="ko-KR" sz="1200" dirty="0"/>
+                        <a:t>‘</a:t>
+                      </a:r>
+                      <a:r>
+                        <a:rPr lang="ko-KR" altLang="en-US" sz="1200" dirty="0"/>
+                        <a:t>달기</a:t>
+                      </a:r>
+                      <a:r>
+                        <a:rPr lang="en-US" altLang="ko-KR" sz="1200" dirty="0"/>
+                        <a:t>’</a:t>
+                      </a:r>
+                      <a:r>
+                        <a:rPr lang="ko-KR" altLang="en-US" sz="1200" dirty="0"/>
+                        <a:t>에게 남은 마지막 진심이라고 밝힌다</a:t>
+                      </a:r>
+                      <a:r>
+                        <a:rPr lang="en-US" altLang="ko-KR" sz="1200" dirty="0"/>
+                        <a:t>.</a:t>
+                      </a:r>
+                    </a:p>
+                    <a:p>
+                      <a:pPr latinLnBrk="1"/>
+                      <a:r>
+                        <a:rPr lang="en-US" altLang="ko-KR" sz="1200" dirty="0"/>
+                        <a:t>‘</a:t>
+                      </a:r>
+                      <a:r>
+                        <a:rPr lang="ko-KR" altLang="en-US" sz="1200" dirty="0"/>
+                        <a:t>달기</a:t>
+                      </a:r>
+                      <a:r>
+                        <a:rPr lang="en-US" altLang="ko-KR" sz="1200" dirty="0"/>
+                        <a:t>’</a:t>
+                      </a:r>
+                      <a:r>
+                        <a:rPr lang="ko-KR" altLang="en-US" sz="1200" dirty="0"/>
+                        <a:t>가 지맥에 노출되었을 때 지맥의 강력한 힘으로 인하여 </a:t>
+                      </a:r>
+                      <a:r>
+                        <a:rPr lang="en-US" altLang="ko-KR" sz="1200" dirty="0"/>
+                        <a:t>‘</a:t>
+                      </a:r>
+                      <a:r>
+                        <a:rPr lang="ko-KR" altLang="en-US" sz="1200" dirty="0"/>
+                        <a:t>달기</a:t>
+                      </a:r>
+                      <a:r>
+                        <a:rPr lang="en-US" altLang="ko-KR" sz="1200" dirty="0"/>
+                        <a:t>’</a:t>
+                      </a:r>
+                      <a:r>
+                        <a:rPr lang="ko-KR" altLang="en-US" sz="1200" dirty="0"/>
+                        <a:t>의 진심인 본인은 마음속 깊은 곳에 가라앉게 되었으며 </a:t>
+                      </a:r>
+                      <a:r>
+                        <a:rPr lang="en-US" altLang="ko-KR" sz="1200" dirty="0"/>
+                        <a:t>‘</a:t>
+                      </a:r>
+                      <a:r>
+                        <a:rPr lang="ko-KR" altLang="en-US" sz="1200" dirty="0"/>
+                        <a:t>달기</a:t>
+                      </a:r>
+                      <a:r>
+                        <a:rPr lang="en-US" altLang="ko-KR" sz="1200" dirty="0"/>
+                        <a:t>‘</a:t>
+                      </a:r>
+                      <a:r>
+                        <a:rPr lang="ko-KR" altLang="en-US" sz="1200" dirty="0"/>
+                        <a:t>가 자신의 꼬리에 있는 </a:t>
+                      </a:r>
+                      <a:r>
+                        <a:rPr lang="ko-KR" altLang="en-US" sz="1200" dirty="0" err="1"/>
+                        <a:t>요력으로</a:t>
+                      </a:r>
+                      <a:r>
+                        <a:rPr lang="ko-KR" altLang="en-US" sz="1200" dirty="0"/>
+                        <a:t> 분신을 만드는 순간 자신 또한 분신 중 하나에 깃들게 되었으며 현제 </a:t>
+                      </a:r>
+                      <a:r>
+                        <a:rPr lang="en-US" altLang="ko-KR" sz="1200" dirty="0"/>
+                        <a:t>‘</a:t>
+                      </a:r>
+                      <a:r>
+                        <a:rPr lang="ko-KR" altLang="en-US" sz="1200" dirty="0"/>
+                        <a:t>달기</a:t>
+                      </a:r>
+                      <a:r>
+                        <a:rPr lang="en-US" altLang="ko-KR" sz="1200" dirty="0"/>
+                        <a:t>’</a:t>
+                      </a:r>
+                      <a:r>
+                        <a:rPr lang="ko-KR" altLang="en-US" sz="1200" dirty="0"/>
+                        <a:t>는 지맥으로 폭주하여 세상에 모든 인간을 멸하기 위해 움직이고 있다는 것과 현제 방랑자가 대부분의 분신을 제압하여 이상이 생겼다는 것을 알고 이 나라로 오고 있다는 사실을 알려 주었다</a:t>
+                      </a:r>
+                      <a:r>
+                        <a:rPr lang="en-US" altLang="ko-KR" sz="1200" dirty="0"/>
+                        <a:t>.</a:t>
+                      </a:r>
+                    </a:p>
+                  </a:txBody>
+                  <a:tcPr/>
+                </a:tc>
+                <a:extLst>
+                  <a:ext uri="{0D108BD9-81ED-4DB2-BD59-A6C34878D82A}">
+                    <a16:rowId xmlns:a16="http://schemas.microsoft.com/office/drawing/2014/main" val="1282847511"/>
+                  </a:ext>
+                </a:extLst>
+              </a:tr>
+            </a:tbl>
+          </a:graphicData>
+        </a:graphic>
+      </p:graphicFrame>
+      <p:graphicFrame>
+        <p:nvGraphicFramePr>
+          <p:cNvPr id="5" name="표 4">
+            <a:extLst>
+              <a:ext uri="{FF2B5EF4-FFF2-40B4-BE49-F238E27FC236}">
+                <a16:creationId xmlns:a16="http://schemas.microsoft.com/office/drawing/2014/main" id="{D6E98211-C834-1D2F-C54E-8B1B45F46863}"/>
+              </a:ext>
+            </a:extLst>
+          </p:cNvPr>
+          <p:cNvGraphicFramePr>
+            <a:graphicFrameLocks noGrp="1"/>
+          </p:cNvGraphicFramePr>
+          <p:nvPr>
+            <p:extLst>
+              <p:ext uri="{D42A27DB-BD31-4B8C-83A1-F6EECF244321}">
+                <p14:modId xmlns:p14="http://schemas.microsoft.com/office/powerpoint/2010/main" val="2229066318"/>
+              </p:ext>
+            </p:extLst>
+          </p:nvPr>
+        </p:nvGraphicFramePr>
+        <p:xfrm>
+          <a:off x="79131" y="74071"/>
+          <a:ext cx="12033738" cy="4480560"/>
+        </p:xfrm>
+        <a:graphic>
+          <a:graphicData uri="http://schemas.openxmlformats.org/drawingml/2006/table">
+            <a:tbl>
+              <a:tblPr firstRow="1" bandRow="1">
+                <a:tableStyleId>{5C22544A-7EE6-4342-B048-85BDC9FD1C3A}</a:tableStyleId>
+              </a:tblPr>
+              <a:tblGrid>
+                <a:gridCol w="1338810">
+                  <a:extLst>
+                    <a:ext uri="{9D8B030D-6E8A-4147-A177-3AD203B41FA5}">
+                      <a16:colId xmlns:a16="http://schemas.microsoft.com/office/drawing/2014/main" val="3580401190"/>
+                    </a:ext>
+                  </a:extLst>
+                </a:gridCol>
+                <a:gridCol w="10694928">
+                  <a:extLst>
+                    <a:ext uri="{9D8B030D-6E8A-4147-A177-3AD203B41FA5}">
+                      <a16:colId xmlns:a16="http://schemas.microsoft.com/office/drawing/2014/main" val="2794412559"/>
+                    </a:ext>
+                  </a:extLst>
+                </a:gridCol>
+              </a:tblGrid>
+              <a:tr h="123473">
+                <a:tc gridSpan="2">
+                  <a:txBody>
+                    <a:bodyPr/>
+                    <a:lstStyle/>
+                    <a:p>
+                      <a:pPr latinLnBrk="1"/>
+                      <a:r>
+                        <a:rPr lang="ko-KR" altLang="en-US" sz="1200" dirty="0"/>
+                        <a:t>본론 </a:t>
+                      </a:r>
+                      <a:r>
+                        <a:rPr lang="en-US" altLang="ko-KR" sz="1200" dirty="0"/>
+                        <a:t>– </a:t>
+                      </a:r>
+                      <a:r>
+                        <a:rPr lang="ko-KR" altLang="en-US" sz="1200" dirty="0"/>
+                        <a:t>검 붉은 원령</a:t>
+                      </a:r>
+                    </a:p>
+                  </a:txBody>
+                  <a:tcPr/>
+                </a:tc>
+                <a:tc hMerge="1">
+                  <a:txBody>
+                    <a:bodyPr/>
+                    <a:lstStyle/>
+                    <a:p>
+                      <a:pPr latinLnBrk="1"/>
+                      <a:endParaRPr lang="ko-KR" altLang="en-US"/>
+                    </a:p>
+                  </a:txBody>
+                  <a:tcPr/>
+                </a:tc>
+                <a:extLst>
+                  <a:ext uri="{0D108BD9-81ED-4DB2-BD59-A6C34878D82A}">
+                    <a16:rowId xmlns:a16="http://schemas.microsoft.com/office/drawing/2014/main" val="369265982"/>
+                  </a:ext>
+                </a:extLst>
+              </a:tr>
+              <a:tr h="236656">
+                <a:tc gridSpan="2">
+                  <a:txBody>
+                    <a:bodyPr/>
+                    <a:lstStyle/>
+                    <a:p>
+                      <a:pPr latinLnBrk="1"/>
+                      <a:r>
+                        <a:rPr lang="ko-KR" altLang="en-US" sz="1200" dirty="0"/>
+                        <a:t>대재앙으로 힘이 약해진 틈을 타 동쪽 섬 마을에 해적들이 침략을 해왔다</a:t>
+                      </a:r>
+                      <a:r>
+                        <a:rPr lang="en-US" altLang="ko-KR" sz="1200" dirty="0"/>
+                        <a:t>. </a:t>
+                      </a:r>
+                      <a:r>
+                        <a:rPr lang="ko-KR" altLang="en-US" sz="1200" dirty="0"/>
+                        <a:t>육지에 도착한 해적들은 본격적인 침략을 시작했고 마을은 유린 되었다</a:t>
+                      </a:r>
+                      <a:r>
+                        <a:rPr lang="en-US" altLang="ko-KR" sz="1200" dirty="0"/>
+                        <a:t>. </a:t>
+                      </a:r>
+                      <a:r>
+                        <a:rPr lang="ko-KR" altLang="en-US" sz="1200" dirty="0"/>
+                        <a:t>소녀와 소녀의 언니는 살기위해 도망쳤지만 언니는 결국 해적에 손에 잡혔고 언니는 자결을 택했다</a:t>
+                      </a:r>
+                      <a:r>
+                        <a:rPr lang="en-US" altLang="ko-KR" sz="1200" dirty="0"/>
+                        <a:t>. </a:t>
+                      </a:r>
+                      <a:r>
+                        <a:rPr lang="ko-KR" altLang="en-US" sz="1200" dirty="0"/>
+                        <a:t>눈 앞에서 언니가 죽는 모습을 본 소녀는 다시 미친듯이 도망치기 시작했고 그렇게 도망가던 중 마을어른들이 가까이 가지 말라고 하던 사당에 도착했다</a:t>
+                      </a:r>
+                      <a:r>
+                        <a:rPr lang="en-US" altLang="ko-KR" sz="1200" dirty="0"/>
+                        <a:t>. </a:t>
+                      </a:r>
+                      <a:r>
+                        <a:rPr lang="ko-KR" altLang="en-US" sz="1200" dirty="0"/>
+                        <a:t>소녀는 무엇인가에 홀린 듯이 사당안으로 들어갔고 사당안에 봉인되어 있던 검을 뽑았다</a:t>
+                      </a:r>
+                      <a:r>
+                        <a:rPr lang="en-US" altLang="ko-KR" sz="1200" dirty="0"/>
+                        <a:t>.</a:t>
+                      </a:r>
+                    </a:p>
+                    <a:p>
+                      <a:pPr latinLnBrk="1"/>
+                      <a:endParaRPr lang="en-US" altLang="ko-KR" sz="1200" dirty="0"/>
+                    </a:p>
+                    <a:p>
+                      <a:pPr latinLnBrk="1"/>
+                      <a:r>
+                        <a:rPr lang="ko-KR" altLang="en-US" sz="1200" dirty="0"/>
+                        <a:t>오래전 오랜 원한이 깃들어 있던 검을 뽑은 소녀는 이성을 잃은 상태로 해적들을 학살했다</a:t>
+                      </a:r>
+                      <a:r>
+                        <a:rPr lang="en-US" altLang="ko-KR" sz="1200" dirty="0"/>
+                        <a:t>. </a:t>
+                      </a:r>
+                      <a:r>
+                        <a:rPr lang="ko-KR" altLang="en-US" sz="1200" dirty="0"/>
+                        <a:t>하지만 복수를 끝냈지만 검은 멈추지 않았고 소녀는 더 이상의 학살을 원하지 않았고 강한 의지로 검의 광기를 누르며 이미 폐허가 되어버린 마을에서 중앙에서 검을 끌어안고 앉았다</a:t>
+                      </a:r>
+                      <a:r>
+                        <a:rPr lang="en-US" altLang="ko-KR" sz="1200" dirty="0"/>
+                        <a:t>. </a:t>
+                      </a:r>
+                    </a:p>
+                    <a:p>
+                      <a:pPr latinLnBrk="1"/>
+                      <a:endParaRPr lang="en-US" altLang="ko-KR" sz="1200" dirty="0"/>
+                    </a:p>
+                    <a:p>
+                      <a:pPr latinLnBrk="1"/>
+                      <a:r>
+                        <a:rPr lang="ko-KR" altLang="en-US" sz="1200" dirty="0"/>
+                        <a:t>그렇게 버티던 어느 날 마을에 누군가 나타났다</a:t>
+                      </a:r>
+                      <a:r>
+                        <a:rPr lang="en-US" altLang="ko-KR" sz="1200" dirty="0"/>
+                        <a:t>.</a:t>
+                      </a:r>
+                    </a:p>
+                  </a:txBody>
+                  <a:tcPr/>
+                </a:tc>
+                <a:tc hMerge="1">
+                  <a:txBody>
+                    <a:bodyPr/>
+                    <a:lstStyle/>
+                    <a:p>
+                      <a:pPr latinLnBrk="1"/>
+                      <a:endParaRPr lang="ko-KR" altLang="en-US"/>
+                    </a:p>
+                  </a:txBody>
+                  <a:tcPr/>
+                </a:tc>
+                <a:extLst>
+                  <a:ext uri="{0D108BD9-81ED-4DB2-BD59-A6C34878D82A}">
+                    <a16:rowId xmlns:a16="http://schemas.microsoft.com/office/drawing/2014/main" val="1282847511"/>
+                  </a:ext>
+                </a:extLst>
+              </a:tr>
+              <a:tr h="236656">
+                <a:tc gridSpan="2">
+                  <a:txBody>
+                    <a:bodyPr/>
+                    <a:lstStyle/>
+                    <a:p>
+                      <a:pPr marL="0" marR="0" lvl="0" indent="0" algn="l" defTabSz="914400" rtl="0" eaLnBrk="1" fontAlgn="auto" latinLnBrk="1" hangingPunct="1">
+                        <a:lnSpc>
+                          <a:spcPct val="100000"/>
+                        </a:lnSpc>
+                        <a:spcBef>
+                          <a:spcPts val="0"/>
+                        </a:spcBef>
+                        <a:spcAft>
+                          <a:spcPts val="0"/>
+                        </a:spcAft>
+                        <a:buClrTx/>
+                        <a:buSzTx/>
+                        <a:buFontTx/>
+                        <a:buNone/>
+                        <a:tabLst/>
+                        <a:defRPr/>
+                      </a:pPr>
+                      <a:r>
+                        <a:rPr lang="ko-KR" altLang="en-US" sz="1200" dirty="0"/>
+                        <a:t>얼마전 서쪽에 작은 섬 마을에 무엇 인가 있다는 소문이 방랑자에게 들려 왔다</a:t>
+                      </a:r>
+                      <a:r>
+                        <a:rPr lang="en-US" altLang="ko-KR" sz="1200" dirty="0"/>
+                        <a:t>. </a:t>
+                      </a:r>
+                      <a:r>
+                        <a:rPr lang="ko-KR" altLang="en-US" sz="1200" dirty="0"/>
+                        <a:t>소문을 들은 방랑자는 소문의 진상을 밝히기 위해 그곳으로 떠났다</a:t>
+                      </a:r>
+                      <a:r>
+                        <a:rPr lang="en-US" altLang="ko-KR" sz="1200" dirty="0"/>
+                        <a:t>.</a:t>
+                      </a:r>
+                    </a:p>
+                    <a:p>
+                      <a:pPr marL="0" marR="0" lvl="0" indent="0" algn="l" defTabSz="914400" rtl="0" eaLnBrk="1" fontAlgn="auto" latinLnBrk="1" hangingPunct="1">
+                        <a:lnSpc>
+                          <a:spcPct val="100000"/>
+                        </a:lnSpc>
+                        <a:spcBef>
+                          <a:spcPts val="0"/>
+                        </a:spcBef>
+                        <a:spcAft>
+                          <a:spcPts val="0"/>
+                        </a:spcAft>
+                        <a:buClrTx/>
+                        <a:buSzTx/>
+                        <a:buFontTx/>
+                        <a:buNone/>
+                        <a:tabLst/>
+                        <a:defRPr/>
+                      </a:pPr>
+                      <a:r>
+                        <a:rPr lang="ko-KR" altLang="en-US" sz="1200" dirty="0"/>
+                        <a:t>섬으로 가기 위해 근처 해안가 마을에서 배를 구하던 중 뱃사공에게 얼마전에도 섬에 가기 위해 배를 구하던 사람이 있었다는 이야기를 들었다</a:t>
+                      </a:r>
+                      <a:r>
+                        <a:rPr lang="en-US" altLang="ko-KR" sz="1200" dirty="0"/>
+                        <a:t>. </a:t>
+                      </a:r>
+                    </a:p>
+                    <a:p>
+                      <a:pPr marL="0" marR="0" lvl="0" indent="0" algn="l" defTabSz="914400" rtl="0" eaLnBrk="1" fontAlgn="auto" latinLnBrk="1" hangingPunct="1">
+                        <a:lnSpc>
+                          <a:spcPct val="100000"/>
+                        </a:lnSpc>
+                        <a:spcBef>
+                          <a:spcPts val="0"/>
+                        </a:spcBef>
+                        <a:spcAft>
+                          <a:spcPts val="0"/>
+                        </a:spcAft>
+                        <a:buClrTx/>
+                        <a:buSzTx/>
+                        <a:buFontTx/>
+                        <a:buNone/>
+                        <a:tabLst/>
+                        <a:defRPr/>
+                      </a:pPr>
+                      <a:r>
+                        <a:rPr lang="ko-KR" altLang="en-US" sz="1200" dirty="0"/>
+                        <a:t>섬에 도착한 방랑자는 섬을 탐색하기 시작했다</a:t>
+                      </a:r>
+                      <a:r>
+                        <a:rPr lang="en-US" altLang="ko-KR" sz="1200" dirty="0"/>
+                        <a:t>.</a:t>
+                      </a:r>
+                    </a:p>
+                  </a:txBody>
+                  <a:tcPr/>
+                </a:tc>
+                <a:tc hMerge="1">
+                  <a:txBody>
+                    <a:bodyPr/>
+                    <a:lstStyle/>
+                    <a:p>
+                      <a:pPr latinLnBrk="1"/>
+                      <a:endParaRPr lang="ko-KR" altLang="en-US"/>
+                    </a:p>
+                  </a:txBody>
+                  <a:tcPr/>
+                </a:tc>
+                <a:extLst>
+                  <a:ext uri="{0D108BD9-81ED-4DB2-BD59-A6C34878D82A}">
+                    <a16:rowId xmlns:a16="http://schemas.microsoft.com/office/drawing/2014/main" val="2241456345"/>
+                  </a:ext>
+                </a:extLst>
+              </a:tr>
+              <a:tr h="236656">
+                <a:tc gridSpan="2">
+                  <a:txBody>
+                    <a:bodyPr/>
+                    <a:lstStyle/>
+                    <a:p>
+                      <a:pPr latinLnBrk="1"/>
+                      <a:r>
+                        <a:rPr lang="ko-KR" altLang="en-US" sz="1200" dirty="0"/>
+                        <a:t>마을을 찾은 방랑자는 마을 중앙에 있던 소녀를 발견하고 대화를 하기 위해 다가 갔지만 소녀는 이미 인간이 아닌 원령이 되어 있었다</a:t>
+                      </a:r>
+                      <a:r>
+                        <a:rPr lang="en-US" altLang="ko-KR" sz="1200" dirty="0"/>
+                        <a:t>.</a:t>
+                      </a:r>
+                    </a:p>
+                  </a:txBody>
+                  <a:tcPr/>
+                </a:tc>
+                <a:tc hMerge="1">
+                  <a:txBody>
+                    <a:bodyPr/>
+                    <a:lstStyle/>
+                    <a:p>
+                      <a:pPr latinLnBrk="1"/>
+                      <a:endParaRPr lang="ko-KR" altLang="en-US"/>
+                    </a:p>
+                  </a:txBody>
+                  <a:tcPr/>
+                </a:tc>
+                <a:extLst>
+                  <a:ext uri="{0D108BD9-81ED-4DB2-BD59-A6C34878D82A}">
+                    <a16:rowId xmlns:a16="http://schemas.microsoft.com/office/drawing/2014/main" val="1935155201"/>
+                  </a:ext>
+                </a:extLst>
+              </a:tr>
+              <a:tr h="0">
+                <a:tc>
+                  <a:txBody>
+                    <a:bodyPr/>
+                    <a:lstStyle/>
+                    <a:p>
+                      <a:pPr algn="ctr" latinLnBrk="1"/>
+                      <a:r>
+                        <a:rPr lang="ko-KR" altLang="en-US" sz="1200" dirty="0"/>
+                        <a:t>원령 성불 부적 미소지</a:t>
+                      </a:r>
+                      <a:endParaRPr lang="en-US" altLang="ko-KR" sz="1200" dirty="0"/>
+                    </a:p>
+                  </a:txBody>
+                  <a:tcPr anchor="ctr"/>
+                </a:tc>
+                <a:tc>
+                  <a:txBody>
+                    <a:bodyPr/>
+                    <a:lstStyle/>
+                    <a:p>
+                      <a:pPr marL="0" marR="0" lvl="0" indent="0" algn="l" defTabSz="914400" rtl="0" eaLnBrk="1" fontAlgn="auto" latinLnBrk="1" hangingPunct="1">
+                        <a:lnSpc>
+                          <a:spcPct val="100000"/>
+                        </a:lnSpc>
+                        <a:spcBef>
+                          <a:spcPts val="0"/>
+                        </a:spcBef>
+                        <a:spcAft>
+                          <a:spcPts val="0"/>
+                        </a:spcAft>
+                        <a:buClrTx/>
+                        <a:buSzTx/>
+                        <a:buFontTx/>
+                        <a:buNone/>
+                        <a:tabLst/>
+                        <a:defRPr/>
+                      </a:pPr>
+                      <a:r>
+                        <a:rPr lang="ko-KR" altLang="en-US" sz="1200" dirty="0"/>
+                        <a:t>격렬한 싸움 끝에 방랑자에 공격에 검이 부러졌고 원령은 정신을 차리려는 순간 부러진 검에서 검은 그림자가 나타나 원령을 침식했고 방랑자를 공격해 왔다</a:t>
+                      </a:r>
+                      <a:r>
+                        <a:rPr lang="en-US" altLang="ko-KR" sz="1200" dirty="0"/>
+                        <a:t>. </a:t>
+                      </a:r>
+                      <a:r>
+                        <a:rPr lang="ko-KR" altLang="en-US" sz="1200" dirty="0"/>
+                        <a:t>방랑자가 그림자를 제압하자 그림자는 짧은 몇 마디 말을 하고 꼬리의 형태가 되었다가 사라졌다</a:t>
+                      </a:r>
+                      <a:r>
+                        <a:rPr lang="en-US" altLang="ko-KR" sz="1200" dirty="0"/>
+                        <a:t>.</a:t>
+                      </a:r>
+                    </a:p>
+                  </a:txBody>
+                  <a:tcPr/>
+                </a:tc>
+                <a:extLst>
+                  <a:ext uri="{0D108BD9-81ED-4DB2-BD59-A6C34878D82A}">
+                    <a16:rowId xmlns:a16="http://schemas.microsoft.com/office/drawing/2014/main" val="2188551523"/>
+                  </a:ext>
+                </a:extLst>
+              </a:tr>
+              <a:tr h="182880">
+                <a:tc>
+                  <a:txBody>
+                    <a:bodyPr/>
+                    <a:lstStyle/>
+                    <a:p>
+                      <a:pPr algn="ctr" latinLnBrk="1"/>
+                      <a:r>
+                        <a:rPr lang="ko-KR" altLang="en-US" sz="1200" dirty="0"/>
+                        <a:t>원령 성불 부적 소지</a:t>
+                      </a:r>
+                      <a:endParaRPr lang="en-US" altLang="ko-KR" sz="1200" dirty="0"/>
+                    </a:p>
+                  </a:txBody>
+                  <a:tcPr anchor="ctr"/>
+                </a:tc>
+                <a:tc>
+                  <a:txBody>
+                    <a:bodyPr/>
+                    <a:lstStyle/>
+                    <a:p>
+                      <a:pPr marL="0" marR="0" lvl="0" indent="0" algn="l" defTabSz="914400" rtl="0" eaLnBrk="1" fontAlgn="auto" latinLnBrk="1" hangingPunct="1">
+                        <a:lnSpc>
+                          <a:spcPct val="100000"/>
+                        </a:lnSpc>
+                        <a:spcBef>
+                          <a:spcPts val="0"/>
+                        </a:spcBef>
+                        <a:spcAft>
+                          <a:spcPts val="0"/>
+                        </a:spcAft>
+                        <a:buClrTx/>
+                        <a:buSzTx/>
+                        <a:buFontTx/>
+                        <a:buNone/>
+                        <a:tabLst/>
+                        <a:defRPr/>
+                      </a:pPr>
+                      <a:r>
+                        <a:rPr lang="ko-KR" altLang="en-US" sz="1200" dirty="0"/>
+                        <a:t>격렬한 싸움 끝에 방랑자에 공격에 검이 부러졌고 원령은 정신을 차리려는 순간 부러진 검에서 검은 그림자가 나타나 원령을 침식하기 시작하자 방랑자는 원령을 성불 시키는 부적을 사용하여 원령을 성불 시켰다</a:t>
+                      </a:r>
+                      <a:r>
+                        <a:rPr lang="en-US" altLang="ko-KR" sz="1200" dirty="0"/>
+                        <a:t>. </a:t>
+                      </a:r>
+                      <a:r>
+                        <a:rPr lang="ko-KR" altLang="en-US" sz="1200" dirty="0"/>
+                        <a:t>그러자 바닥 떨어진 부러진 검에서 꼬리의 형태를 한 그림자가 나타났다가 사라졌다</a:t>
+                      </a:r>
+                      <a:r>
+                        <a:rPr lang="en-US" altLang="ko-KR" sz="1200" dirty="0"/>
+                        <a:t>.</a:t>
+                      </a:r>
+                    </a:p>
+                  </a:txBody>
+                  <a:tcPr/>
+                </a:tc>
+                <a:extLst>
+                  <a:ext uri="{0D108BD9-81ED-4DB2-BD59-A6C34878D82A}">
+                    <a16:rowId xmlns:a16="http://schemas.microsoft.com/office/drawing/2014/main" val="3285885127"/>
+                  </a:ext>
+                </a:extLst>
+              </a:tr>
+              <a:tr h="0">
+                <a:tc>
+                  <a:txBody>
+                    <a:bodyPr/>
+                    <a:lstStyle/>
+                    <a:p>
+                      <a:pPr algn="ctr" latinLnBrk="1"/>
+                      <a:r>
+                        <a:rPr lang="ko-KR" altLang="en-US" sz="1200" dirty="0"/>
+                        <a:t>원령 성불 부적 소지 </a:t>
+                      </a:r>
+                      <a:endParaRPr lang="en-US" altLang="ko-KR" sz="1200" dirty="0"/>
+                    </a:p>
+                    <a:p>
+                      <a:pPr algn="ctr" latinLnBrk="1"/>
+                      <a:r>
+                        <a:rPr lang="en-US" altLang="ko-KR" sz="1200" dirty="0"/>
+                        <a:t>And</a:t>
+                      </a:r>
+                    </a:p>
+                    <a:p>
+                      <a:pPr algn="ctr" latinLnBrk="1"/>
+                      <a:r>
+                        <a:rPr lang="ko-KR" altLang="en-US" sz="1200" dirty="0"/>
+                        <a:t>방울 소지</a:t>
+                      </a:r>
+                      <a:endParaRPr lang="en-US" altLang="ko-KR" sz="1200" dirty="0"/>
+                    </a:p>
+                  </a:txBody>
+                  <a:tcPr anchor="ctr"/>
+                </a:tc>
+                <a:tc>
+                  <a:txBody>
+                    <a:bodyPr/>
+                    <a:lstStyle/>
+                    <a:p>
+                      <a:pPr marL="0" marR="0" lvl="0" indent="0" algn="l" defTabSz="914400" rtl="0" eaLnBrk="1" fontAlgn="auto" latinLnBrk="1" hangingPunct="1">
+                        <a:lnSpc>
+                          <a:spcPct val="100000"/>
+                        </a:lnSpc>
+                        <a:spcBef>
+                          <a:spcPts val="0"/>
+                        </a:spcBef>
+                        <a:spcAft>
+                          <a:spcPts val="0"/>
+                        </a:spcAft>
+                        <a:buClrTx/>
+                        <a:buSzTx/>
+                        <a:buFontTx/>
+                        <a:buNone/>
+                        <a:tabLst/>
+                        <a:defRPr/>
+                      </a:pPr>
+                      <a:r>
+                        <a:rPr lang="ko-KR" altLang="en-US" sz="1200" dirty="0"/>
+                        <a:t>격렬한 싸움 끝에 방랑자에 공격에 검이 부러졌고 원령은 정신을 차리려는 순간 부러진 검에서 검은 그림자가 나타나 원령을 침식하기 시작하자 방랑자의 주머니에서 방울이 빛을 내기 시작했고 방울을 꺼내자 방울이 울리며 그림자를 밀어내기 시작했다</a:t>
+                      </a:r>
+                      <a:r>
+                        <a:rPr lang="en-US" altLang="ko-KR" sz="1200" dirty="0"/>
+                        <a:t>. </a:t>
+                      </a:r>
+                      <a:r>
+                        <a:rPr lang="ko-KR" altLang="en-US" sz="1200" dirty="0"/>
+                        <a:t>그림자가 마지막 발악을 하듯이 원령의 몸을 억지로 움직여 공격해 왔고 방랑자는 그림자를 제압하고 자유가 된 원령에게 감사인사를 받은 뒤에 부적을 꺼내 소녀를 성불 시키고 바닥에서 사라지고 있는 그림자에게 정보를 얻는다</a:t>
+                      </a:r>
+                      <a:r>
+                        <a:rPr lang="en-US" altLang="ko-KR" sz="1200" dirty="0"/>
+                        <a:t>.</a:t>
+                      </a:r>
+                    </a:p>
+                  </a:txBody>
+                  <a:tcPr/>
+                </a:tc>
+                <a:extLst>
+                  <a:ext uri="{0D108BD9-81ED-4DB2-BD59-A6C34878D82A}">
+                    <a16:rowId xmlns:a16="http://schemas.microsoft.com/office/drawing/2014/main" val="2107727595"/>
+                  </a:ext>
+                </a:extLst>
+              </a:tr>
+            </a:tbl>
+          </a:graphicData>
+        </a:graphic>
+      </p:graphicFrame>
+    </p:spTree>
+    <p:extLst>
+      <p:ext uri="{BB962C8B-B14F-4D97-AF65-F5344CB8AC3E}">
+        <p14:creationId xmlns:p14="http://schemas.microsoft.com/office/powerpoint/2010/main" val="1194759844"/>
+      </p:ext>
+    </p:extLst>
+  </p:cSld>
+  <p:clrMapOvr>
+    <a:masterClrMapping/>
+  </p:clrMapOvr>
+</p:sld>
+</file>
+
+<file path=ppt/slides/slide8.xml><?xml version="1.0" encoding="utf-8"?>
 <p:sld xmlns:a="http://schemas.openxmlformats.org/drawingml/2006/main" xmlns:r="http://schemas.openxmlformats.org/officeDocument/2006/relationships" xmlns:p="http://schemas.openxmlformats.org/presentationml/2006/main">
   <p:cSld>
     <p:spTree>
@@ -5777,7 +8957,7 @@
           <p:nvPr>
             <p:extLst>
               <p:ext uri="{D42A27DB-BD31-4B8C-83A1-F6EECF244321}">
-                <p14:modId xmlns:p14="http://schemas.microsoft.com/office/powerpoint/2010/main" val="3916224537"/>
+                <p14:modId xmlns:p14="http://schemas.microsoft.com/office/powerpoint/2010/main" val="1841311165"/>
               </p:ext>
             </p:extLst>
           </p:nvPr>
@@ -5810,13 +8990,8 @@
                       <a:pPr latinLnBrk="1"/>
                       <a:r>
                         <a:rPr lang="ko-KR" altLang="en-US" sz="1200" dirty="0"/>
-                        <a:t>에필로그</a:t>
-                      </a:r>
-                      <a:r>
-                        <a:rPr lang="en-US" altLang="ko-KR" sz="1200" dirty="0"/>
-                        <a:t>-1</a:t>
-                      </a:r>
-                      <a:endParaRPr lang="ko-KR" altLang="en-US" sz="1200" dirty="0"/>
+                        <a:t>일정 레벨 이하</a:t>
+                      </a:r>
                     </a:p>
                   </a:txBody>
                   <a:tcPr/>
@@ -5871,7 +9046,7 @@
           <p:nvPr>
             <p:extLst>
               <p:ext uri="{D42A27DB-BD31-4B8C-83A1-F6EECF244321}">
-                <p14:modId xmlns:p14="http://schemas.microsoft.com/office/powerpoint/2010/main" val="386464681"/>
+                <p14:modId xmlns:p14="http://schemas.microsoft.com/office/powerpoint/2010/main" val="8146701"/>
               </p:ext>
             </p:extLst>
           </p:nvPr>
@@ -5904,13 +9079,16 @@
                       <a:pPr latinLnBrk="1"/>
                       <a:r>
                         <a:rPr lang="ko-KR" altLang="en-US" sz="1200" dirty="0"/>
-                        <a:t>에필로그</a:t>
-                      </a:r>
-                      <a:r>
-                        <a:rPr lang="en-US" altLang="ko-KR" sz="1200" dirty="0"/>
-                        <a:t>-2</a:t>
-                      </a:r>
-                      <a:endParaRPr lang="ko-KR" altLang="en-US" sz="1200" dirty="0"/>
+                        <a:t>일정 레벨 달성 </a:t>
+                      </a:r>
+                      <a:r>
+                        <a:rPr lang="en-US" altLang="ko-KR" sz="1200" dirty="0"/>
+                        <a:t>and </a:t>
+                      </a:r>
+                      <a:r>
+                        <a:rPr lang="ko-KR" altLang="en-US" sz="1200" dirty="0"/>
+                        <a:t>동료 없음</a:t>
+                      </a:r>
                     </a:p>
                   </a:txBody>
                   <a:tcPr/>
@@ -5965,7 +9143,7 @@
           <p:nvPr>
             <p:extLst>
               <p:ext uri="{D42A27DB-BD31-4B8C-83A1-F6EECF244321}">
-                <p14:modId xmlns:p14="http://schemas.microsoft.com/office/powerpoint/2010/main" val="226305981"/>
+                <p14:modId xmlns:p14="http://schemas.microsoft.com/office/powerpoint/2010/main" val="73156697"/>
               </p:ext>
             </p:extLst>
           </p:nvPr>
@@ -5998,13 +9176,16 @@
                       <a:pPr latinLnBrk="1"/>
                       <a:r>
                         <a:rPr lang="ko-KR" altLang="en-US" sz="1200" dirty="0"/>
-                        <a:t>에필로그</a:t>
-                      </a:r>
-                      <a:r>
-                        <a:rPr lang="en-US" altLang="ko-KR" sz="1200" dirty="0"/>
-                        <a:t>-3</a:t>
-                      </a:r>
-                      <a:endParaRPr lang="ko-KR" altLang="en-US" sz="1200" dirty="0"/>
+                        <a:t>일정 레벨 달성 </a:t>
+                      </a:r>
+                      <a:r>
+                        <a:rPr lang="en-US" altLang="ko-KR" sz="1200" dirty="0"/>
+                        <a:t>and </a:t>
+                      </a:r>
+                      <a:r>
+                        <a:rPr lang="ko-KR" altLang="en-US" sz="1200" dirty="0"/>
+                        <a:t>동료 있음</a:t>
+                      </a:r>
                     </a:p>
                   </a:txBody>
                   <a:tcPr/>
@@ -6057,7 +9238,7 @@
 </p:sld>
 </file>
 
-<file path=ppt/slides/slide8.xml><?xml version="1.0" encoding="utf-8"?>
+<file path=ppt/slides/slide9.xml><?xml version="1.0" encoding="utf-8"?>
 <p:sld xmlns:a="http://schemas.openxmlformats.org/drawingml/2006/main" xmlns:r="http://schemas.openxmlformats.org/officeDocument/2006/relationships" xmlns:p="http://schemas.openxmlformats.org/presentationml/2006/main">
   <p:cSld>
     <p:spTree>
@@ -6441,1386 +9622,6 @@
     <p:extLst>
       <p:ext uri="{BB962C8B-B14F-4D97-AF65-F5344CB8AC3E}">
         <p14:creationId xmlns:p14="http://schemas.microsoft.com/office/powerpoint/2010/main" val="3992806371"/>
-      </p:ext>
-    </p:extLst>
-  </p:cSld>
-  <p:clrMapOvr>
-    <a:masterClrMapping/>
-  </p:clrMapOvr>
-</p:sld>
-</file>
-
-<file path=ppt/slides/slide9.xml><?xml version="1.0" encoding="utf-8"?>
-<p:sld xmlns:a="http://schemas.openxmlformats.org/drawingml/2006/main" xmlns:r="http://schemas.openxmlformats.org/officeDocument/2006/relationships" xmlns:p="http://schemas.openxmlformats.org/presentationml/2006/main">
-  <p:cSld>
-    <p:spTree>
-      <p:nvGrpSpPr>
-        <p:cNvPr id="1" name=""/>
-        <p:cNvGrpSpPr/>
-        <p:nvPr/>
-      </p:nvGrpSpPr>
-      <p:grpSpPr>
-        <a:xfrm>
-          <a:off x="0" y="0"/>
-          <a:ext cx="0" cy="0"/>
-          <a:chOff x="0" y="0"/>
-          <a:chExt cx="0" cy="0"/>
-        </a:xfrm>
-      </p:grpSpPr>
-      <p:sp>
-        <p:nvSpPr>
-          <p:cNvPr id="2" name="제목 1">
-            <a:extLst>
-              <a:ext uri="{FF2B5EF4-FFF2-40B4-BE49-F238E27FC236}">
-                <a16:creationId xmlns:a16="http://schemas.microsoft.com/office/drawing/2014/main" id="{A9AD2907-83FD-48D3-BC2E-0744F10E5DE7}"/>
-              </a:ext>
-            </a:extLst>
-          </p:cNvPr>
-          <p:cNvSpPr>
-            <a:spLocks noGrp="1"/>
-          </p:cNvSpPr>
-          <p:nvPr>
-            <p:ph type="title"/>
-          </p:nvPr>
-        </p:nvSpPr>
-        <p:spPr/>
-        <p:txBody>
-          <a:bodyPr/>
-          <a:lstStyle/>
-          <a:p>
-            <a:r>
-              <a:rPr lang="ko-KR" altLang="en-US" dirty="0"/>
-              <a:t>진행 과정</a:t>
-            </a:r>
-            <a:r>
-              <a:rPr lang="en-US" altLang="ko-KR" dirty="0"/>
-              <a:t>(</a:t>
-            </a:r>
-            <a:r>
-              <a:rPr lang="ko-KR" altLang="en-US" dirty="0"/>
-              <a:t>기</a:t>
-            </a:r>
-            <a:r>
-              <a:rPr lang="en-US" altLang="ko-KR" dirty="0"/>
-              <a:t>)</a:t>
-            </a:r>
-            <a:endParaRPr lang="ko-KR" altLang="en-US" dirty="0"/>
-          </a:p>
-        </p:txBody>
-      </p:sp>
-      <p:graphicFrame>
-        <p:nvGraphicFramePr>
-          <p:cNvPr id="5" name="표 5">
-            <a:extLst>
-              <a:ext uri="{FF2B5EF4-FFF2-40B4-BE49-F238E27FC236}">
-                <a16:creationId xmlns:a16="http://schemas.microsoft.com/office/drawing/2014/main" id="{8B985CF1-646C-43E2-81E4-47EF43039C41}"/>
-              </a:ext>
-            </a:extLst>
-          </p:cNvPr>
-          <p:cNvGraphicFramePr>
-            <a:graphicFrameLocks noGrp="1"/>
-          </p:cNvGraphicFramePr>
-          <p:nvPr>
-            <p:extLst>
-              <p:ext uri="{D42A27DB-BD31-4B8C-83A1-F6EECF244321}">
-                <p14:modId xmlns:p14="http://schemas.microsoft.com/office/powerpoint/2010/main" val="3403814862"/>
-              </p:ext>
-            </p:extLst>
-          </p:nvPr>
-        </p:nvGraphicFramePr>
-        <p:xfrm>
-          <a:off x="183173" y="1444575"/>
-          <a:ext cx="11825654" cy="4754880"/>
-        </p:xfrm>
-        <a:graphic>
-          <a:graphicData uri="http://schemas.openxmlformats.org/drawingml/2006/table">
-            <a:tbl>
-              <a:tblPr firstRow="1" bandRow="1">
-                <a:tableStyleId>{5C22544A-7EE6-4342-B048-85BDC9FD1C3A}</a:tableStyleId>
-              </a:tblPr>
-              <a:tblGrid>
-                <a:gridCol w="518745">
-                  <a:extLst>
-                    <a:ext uri="{9D8B030D-6E8A-4147-A177-3AD203B41FA5}">
-                      <a16:colId xmlns:a16="http://schemas.microsoft.com/office/drawing/2014/main" val="3693940621"/>
-                    </a:ext>
-                  </a:extLst>
-                </a:gridCol>
-                <a:gridCol w="931984">
-                  <a:extLst>
-                    <a:ext uri="{9D8B030D-6E8A-4147-A177-3AD203B41FA5}">
-                      <a16:colId xmlns:a16="http://schemas.microsoft.com/office/drawing/2014/main" val="1187552722"/>
-                    </a:ext>
-                  </a:extLst>
-                </a:gridCol>
-                <a:gridCol w="580293">
-                  <a:extLst>
-                    <a:ext uri="{9D8B030D-6E8A-4147-A177-3AD203B41FA5}">
-                      <a16:colId xmlns:a16="http://schemas.microsoft.com/office/drawing/2014/main" val="1554674024"/>
-                    </a:ext>
-                  </a:extLst>
-                </a:gridCol>
-                <a:gridCol w="1459523">
-                  <a:extLst>
-                    <a:ext uri="{9D8B030D-6E8A-4147-A177-3AD203B41FA5}">
-                      <a16:colId xmlns:a16="http://schemas.microsoft.com/office/drawing/2014/main" val="1496722657"/>
-                    </a:ext>
-                  </a:extLst>
-                </a:gridCol>
-                <a:gridCol w="8335109">
-                  <a:extLst>
-                    <a:ext uri="{9D8B030D-6E8A-4147-A177-3AD203B41FA5}">
-                      <a16:colId xmlns:a16="http://schemas.microsoft.com/office/drawing/2014/main" val="1345397026"/>
-                    </a:ext>
-                  </a:extLst>
-                </a:gridCol>
-              </a:tblGrid>
-              <a:tr h="0">
-                <a:tc>
-                  <a:txBody>
-                    <a:bodyPr/>
-                    <a:lstStyle/>
-                    <a:p>
-                      <a:pPr latinLnBrk="1"/>
-                      <a:r>
-                        <a:rPr lang="ko-KR" altLang="en-US" sz="1100" dirty="0"/>
-                        <a:t>번호</a:t>
-                      </a:r>
-                    </a:p>
-                  </a:txBody>
-                  <a:tcPr/>
-                </a:tc>
-                <a:tc>
-                  <a:txBody>
-                    <a:bodyPr/>
-                    <a:lstStyle/>
-                    <a:p>
-                      <a:pPr latinLnBrk="1"/>
-                      <a:r>
-                        <a:rPr lang="ko-KR" altLang="en-US" sz="1100" dirty="0"/>
-                        <a:t>퀘스트 명</a:t>
-                      </a:r>
-                    </a:p>
-                  </a:txBody>
-                  <a:tcPr/>
-                </a:tc>
-                <a:tc>
-                  <a:txBody>
-                    <a:bodyPr/>
-                    <a:lstStyle/>
-                    <a:p>
-                      <a:pPr latinLnBrk="1"/>
-                      <a:r>
-                        <a:rPr lang="ko-KR" altLang="en-US" sz="1100" dirty="0"/>
-                        <a:t>레벨</a:t>
-                      </a:r>
-                    </a:p>
-                  </a:txBody>
-                  <a:tcPr/>
-                </a:tc>
-                <a:tc>
-                  <a:txBody>
-                    <a:bodyPr/>
-                    <a:lstStyle/>
-                    <a:p>
-                      <a:pPr latinLnBrk="1"/>
-                      <a:r>
-                        <a:rPr lang="ko-KR" altLang="en-US" sz="1100" dirty="0"/>
-                        <a:t>조건</a:t>
-                      </a:r>
-                    </a:p>
-                  </a:txBody>
-                  <a:tcPr/>
-                </a:tc>
-                <a:tc>
-                  <a:txBody>
-                    <a:bodyPr/>
-                    <a:lstStyle/>
-                    <a:p>
-                      <a:pPr latinLnBrk="1"/>
-                      <a:r>
-                        <a:rPr lang="ko-KR" altLang="en-US" sz="1100" dirty="0"/>
-                        <a:t>과정</a:t>
-                      </a:r>
-                    </a:p>
-                  </a:txBody>
-                  <a:tcPr/>
-                </a:tc>
-                <a:extLst>
-                  <a:ext uri="{0D108BD9-81ED-4DB2-BD59-A6C34878D82A}">
-                    <a16:rowId xmlns:a16="http://schemas.microsoft.com/office/drawing/2014/main" val="3044254016"/>
-                  </a:ext>
-                </a:extLst>
-              </a:tr>
-              <a:tr h="0">
-                <a:tc>
-                  <a:txBody>
-                    <a:bodyPr/>
-                    <a:lstStyle/>
-                    <a:p>
-                      <a:pPr latinLnBrk="1"/>
-                      <a:r>
-                        <a:rPr lang="en-US" altLang="ko-KR" sz="1100" dirty="0"/>
-                        <a:t>1</a:t>
-                      </a:r>
-                      <a:endParaRPr lang="ko-KR" altLang="en-US" sz="1100" dirty="0"/>
-                    </a:p>
-                  </a:txBody>
-                  <a:tcPr/>
-                </a:tc>
-                <a:tc>
-                  <a:txBody>
-                    <a:bodyPr/>
-                    <a:lstStyle/>
-                    <a:p>
-                      <a:pPr latinLnBrk="1"/>
-                      <a:r>
-                        <a:rPr lang="ko-KR" altLang="en-US" sz="1100" dirty="0"/>
-                        <a:t>동물 사냥</a:t>
-                      </a:r>
-                    </a:p>
-                  </a:txBody>
-                  <a:tcPr/>
-                </a:tc>
-                <a:tc>
-                  <a:txBody>
-                    <a:bodyPr/>
-                    <a:lstStyle/>
-                    <a:p>
-                      <a:pPr latinLnBrk="1"/>
-                      <a:r>
-                        <a:rPr lang="en-US" altLang="ko-KR" sz="1100" dirty="0"/>
-                        <a:t>X</a:t>
-                      </a:r>
-                      <a:endParaRPr lang="ko-KR" altLang="en-US" sz="1100" dirty="0"/>
-                    </a:p>
-                  </a:txBody>
-                  <a:tcPr/>
-                </a:tc>
-                <a:tc>
-                  <a:txBody>
-                    <a:bodyPr/>
-                    <a:lstStyle/>
-                    <a:p>
-                      <a:pPr latinLnBrk="1"/>
-                      <a:r>
-                        <a:rPr lang="ko-KR" altLang="en-US" sz="1100" dirty="0"/>
-                        <a:t>게임 시작 시 자동</a:t>
-                      </a:r>
-                    </a:p>
-                  </a:txBody>
-                  <a:tcPr/>
-                </a:tc>
-                <a:tc>
-                  <a:txBody>
-                    <a:bodyPr/>
-                    <a:lstStyle/>
-                    <a:p>
-                      <a:pPr latinLnBrk="1"/>
-                      <a:r>
-                        <a:rPr lang="en-US" altLang="ko-KR" sz="1100" dirty="0"/>
-                        <a:t>1.</a:t>
-                      </a:r>
-                      <a:r>
-                        <a:rPr lang="ko-KR" altLang="en-US" sz="1100" dirty="0"/>
-                        <a:t>마을에서 나와서 산속 사냥터로 이동</a:t>
-                      </a:r>
-                      <a:endParaRPr lang="en-US" altLang="ko-KR" sz="1100" dirty="0"/>
-                    </a:p>
-                    <a:p>
-                      <a:pPr latinLnBrk="1"/>
-                      <a:r>
-                        <a:rPr lang="en-US" altLang="ko-KR" sz="1100" dirty="0"/>
-                        <a:t>2.</a:t>
-                      </a:r>
-                      <a:r>
-                        <a:rPr lang="ko-KR" altLang="en-US" sz="1100" dirty="0"/>
-                        <a:t>사냥감을 찾는다</a:t>
-                      </a:r>
-                      <a:endParaRPr lang="en-US" altLang="ko-KR" sz="1100" dirty="0"/>
-                    </a:p>
-                    <a:p>
-                      <a:pPr latinLnBrk="1"/>
-                      <a:r>
-                        <a:rPr lang="en-US" altLang="ko-KR" sz="1100" dirty="0"/>
-                        <a:t>3.</a:t>
-                      </a:r>
-                      <a:r>
-                        <a:rPr lang="ko-KR" altLang="en-US" sz="1100" dirty="0"/>
-                        <a:t>사슴을 발견한다</a:t>
-                      </a:r>
-                      <a:r>
-                        <a:rPr lang="en-US" altLang="ko-KR" sz="1100" dirty="0"/>
-                        <a:t>.</a:t>
-                      </a:r>
-                      <a:endParaRPr lang="ko-KR" altLang="en-US" sz="1100" dirty="0"/>
-                    </a:p>
-                  </a:txBody>
-                  <a:tcPr/>
-                </a:tc>
-                <a:extLst>
-                  <a:ext uri="{0D108BD9-81ED-4DB2-BD59-A6C34878D82A}">
-                    <a16:rowId xmlns:a16="http://schemas.microsoft.com/office/drawing/2014/main" val="3739252844"/>
-                  </a:ext>
-                </a:extLst>
-              </a:tr>
-              <a:tr h="0">
-                <a:tc>
-                  <a:txBody>
-                    <a:bodyPr/>
-                    <a:lstStyle/>
-                    <a:p>
-                      <a:pPr latinLnBrk="1"/>
-                      <a:r>
-                        <a:rPr lang="en-US" altLang="ko-KR" sz="1100" dirty="0"/>
-                        <a:t>2</a:t>
-                      </a:r>
-                      <a:endParaRPr lang="ko-KR" altLang="en-US" sz="1100" dirty="0"/>
-                    </a:p>
-                  </a:txBody>
-                  <a:tcPr/>
-                </a:tc>
-                <a:tc>
-                  <a:txBody>
-                    <a:bodyPr/>
-                    <a:lstStyle/>
-                    <a:p>
-                      <a:pPr latinLnBrk="1"/>
-                      <a:r>
-                        <a:rPr lang="ko-KR" altLang="en-US" sz="1100" dirty="0"/>
-                        <a:t>도망</a:t>
-                      </a:r>
-                    </a:p>
-                  </a:txBody>
-                  <a:tcPr/>
-                </a:tc>
-                <a:tc>
-                  <a:txBody>
-                    <a:bodyPr/>
-                    <a:lstStyle/>
-                    <a:p>
-                      <a:pPr latinLnBrk="1"/>
-                      <a:r>
-                        <a:rPr lang="en-US" altLang="ko-KR" sz="1100" dirty="0"/>
-                        <a:t>X</a:t>
-                      </a:r>
-                      <a:endParaRPr lang="ko-KR" altLang="en-US" sz="1100" dirty="0"/>
-                    </a:p>
-                  </a:txBody>
-                  <a:tcPr/>
-                </a:tc>
-                <a:tc>
-                  <a:txBody>
-                    <a:bodyPr/>
-                    <a:lstStyle/>
-                    <a:p>
-                      <a:pPr latinLnBrk="1"/>
-                      <a:r>
-                        <a:rPr lang="en-US" altLang="ko-KR" sz="1100" dirty="0"/>
-                        <a:t>1</a:t>
-                      </a:r>
-                      <a:r>
-                        <a:rPr lang="ko-KR" altLang="en-US" sz="1100" dirty="0"/>
-                        <a:t>번 퀘스트 클리어</a:t>
-                      </a:r>
-                    </a:p>
-                  </a:txBody>
-                  <a:tcPr/>
-                </a:tc>
-                <a:tc>
-                  <a:txBody>
-                    <a:bodyPr/>
-                    <a:lstStyle/>
-                    <a:p>
-                      <a:pPr marL="0" marR="0" lvl="0" indent="0" algn="l" defTabSz="914400" rtl="0" eaLnBrk="1" fontAlgn="auto" latinLnBrk="1" hangingPunct="1">
-                        <a:lnSpc>
-                          <a:spcPct val="100000"/>
-                        </a:lnSpc>
-                        <a:spcBef>
-                          <a:spcPts val="0"/>
-                        </a:spcBef>
-                        <a:spcAft>
-                          <a:spcPts val="0"/>
-                        </a:spcAft>
-                        <a:buClrTx/>
-                        <a:buSzTx/>
-                        <a:buFontTx/>
-                        <a:buNone/>
-                        <a:tabLst/>
-                        <a:defRPr/>
-                      </a:pPr>
-                      <a:r>
-                        <a:rPr lang="en-US" altLang="ko-KR" sz="1100" dirty="0"/>
-                        <a:t>1.</a:t>
-                      </a:r>
-                      <a:r>
-                        <a:rPr lang="ko-KR" altLang="en-US" sz="1100" dirty="0"/>
-                        <a:t>괴물이 사슴을 덮치는 것을 본다</a:t>
-                      </a:r>
-                      <a:r>
-                        <a:rPr lang="en-US" altLang="ko-KR" sz="1100" dirty="0"/>
-                        <a:t>.</a:t>
-                      </a:r>
-                    </a:p>
-                    <a:p>
-                      <a:pPr marL="0" marR="0" lvl="0" indent="0" algn="l" defTabSz="914400" rtl="0" eaLnBrk="1" fontAlgn="auto" latinLnBrk="1" hangingPunct="1">
-                        <a:lnSpc>
-                          <a:spcPct val="100000"/>
-                        </a:lnSpc>
-                        <a:spcBef>
-                          <a:spcPts val="0"/>
-                        </a:spcBef>
-                        <a:spcAft>
-                          <a:spcPts val="0"/>
-                        </a:spcAft>
-                        <a:buClrTx/>
-                        <a:buSzTx/>
-                        <a:buFontTx/>
-                        <a:buNone/>
-                        <a:tabLst/>
-                        <a:defRPr/>
-                      </a:pPr>
-                      <a:r>
-                        <a:rPr lang="en-US" altLang="ko-KR" sz="1100" dirty="0"/>
-                        <a:t>2.</a:t>
-                      </a:r>
-                      <a:r>
-                        <a:rPr lang="ko-KR" altLang="en-US" sz="1100" dirty="0"/>
-                        <a:t>마을로 가는 언덕으로 이동한다</a:t>
-                      </a:r>
-                      <a:r>
-                        <a:rPr lang="en-US" altLang="ko-KR" sz="1100" dirty="0"/>
-                        <a:t>.</a:t>
-                      </a:r>
-                    </a:p>
-                    <a:p>
-                      <a:pPr marL="0" marR="0" lvl="0" indent="0" algn="l" defTabSz="914400" rtl="0" eaLnBrk="1" fontAlgn="auto" latinLnBrk="1" hangingPunct="1">
-                        <a:lnSpc>
-                          <a:spcPct val="100000"/>
-                        </a:lnSpc>
-                        <a:spcBef>
-                          <a:spcPts val="0"/>
-                        </a:spcBef>
-                        <a:spcAft>
-                          <a:spcPts val="0"/>
-                        </a:spcAft>
-                        <a:buClrTx/>
-                        <a:buSzTx/>
-                        <a:buFontTx/>
-                        <a:buNone/>
-                        <a:tabLst/>
-                        <a:defRPr/>
-                      </a:pPr>
-                      <a:r>
-                        <a:rPr lang="en-US" altLang="ko-KR" sz="1100" dirty="0"/>
-                        <a:t>3.</a:t>
-                      </a:r>
-                      <a:r>
-                        <a:rPr lang="ko-KR" altLang="en-US" sz="1100" dirty="0"/>
-                        <a:t>마을이 불타는 것을 확인한다</a:t>
-                      </a:r>
-                      <a:r>
-                        <a:rPr lang="en-US" altLang="ko-KR" sz="1100" dirty="0"/>
-                        <a:t>.</a:t>
-                      </a:r>
-                    </a:p>
-                    <a:p>
-                      <a:pPr marL="0" marR="0" lvl="0" indent="0" algn="l" defTabSz="914400" rtl="0" eaLnBrk="1" fontAlgn="auto" latinLnBrk="1" hangingPunct="1">
-                        <a:lnSpc>
-                          <a:spcPct val="100000"/>
-                        </a:lnSpc>
-                        <a:spcBef>
-                          <a:spcPts val="0"/>
-                        </a:spcBef>
-                        <a:spcAft>
-                          <a:spcPts val="0"/>
-                        </a:spcAft>
-                        <a:buClrTx/>
-                        <a:buSzTx/>
-                        <a:buFontTx/>
-                        <a:buNone/>
-                        <a:tabLst/>
-                        <a:defRPr/>
-                      </a:pPr>
-                      <a:r>
-                        <a:rPr lang="en-US" altLang="ko-KR" sz="1100" dirty="0"/>
-                        <a:t>4.</a:t>
-                      </a:r>
-                      <a:r>
-                        <a:rPr lang="ko-KR" altLang="en-US" sz="1100" dirty="0"/>
-                        <a:t>마을에 가족들의 생존을 확인한다</a:t>
-                      </a:r>
-                      <a:r>
-                        <a:rPr lang="en-US" altLang="ko-KR" sz="1100" dirty="0"/>
-                        <a:t>.</a:t>
-                      </a:r>
-                    </a:p>
-                    <a:p>
-                      <a:pPr marL="0" marR="0" lvl="0" indent="0" algn="l" defTabSz="914400" rtl="0" eaLnBrk="1" fontAlgn="auto" latinLnBrk="1" hangingPunct="1">
-                        <a:lnSpc>
-                          <a:spcPct val="100000"/>
-                        </a:lnSpc>
-                        <a:spcBef>
-                          <a:spcPts val="0"/>
-                        </a:spcBef>
-                        <a:spcAft>
-                          <a:spcPts val="0"/>
-                        </a:spcAft>
-                        <a:buClrTx/>
-                        <a:buSzTx/>
-                        <a:buFontTx/>
-                        <a:buNone/>
-                        <a:tabLst/>
-                        <a:defRPr/>
-                      </a:pPr>
-                      <a:r>
-                        <a:rPr lang="en-US" altLang="ko-KR" sz="1100" dirty="0"/>
-                        <a:t>5.</a:t>
-                      </a:r>
-                      <a:r>
-                        <a:rPr lang="ko-KR" altLang="en-US" sz="1100" dirty="0"/>
-                        <a:t>마을을 빠져나와 특정 장소로 이동 후 의문의 고수와 조우</a:t>
-                      </a:r>
-                      <a:r>
-                        <a:rPr lang="en-US" altLang="ko-KR" sz="1100" dirty="0"/>
-                        <a:t>.</a:t>
-                      </a:r>
-                      <a:endParaRPr lang="ko-KR" altLang="en-US" sz="1100" dirty="0"/>
-                    </a:p>
-                  </a:txBody>
-                  <a:tcPr/>
-                </a:tc>
-                <a:extLst>
-                  <a:ext uri="{0D108BD9-81ED-4DB2-BD59-A6C34878D82A}">
-                    <a16:rowId xmlns:a16="http://schemas.microsoft.com/office/drawing/2014/main" val="3282267314"/>
-                  </a:ext>
-                </a:extLst>
-              </a:tr>
-              <a:tr h="0">
-                <a:tc>
-                  <a:txBody>
-                    <a:bodyPr/>
-                    <a:lstStyle/>
-                    <a:p>
-                      <a:pPr latinLnBrk="1"/>
-                      <a:r>
-                        <a:rPr lang="en-US" altLang="ko-KR" sz="1100" dirty="0"/>
-                        <a:t>3</a:t>
-                      </a:r>
-                      <a:endParaRPr lang="ko-KR" altLang="en-US" sz="1100" dirty="0"/>
-                    </a:p>
-                  </a:txBody>
-                  <a:tcPr/>
-                </a:tc>
-                <a:tc>
-                  <a:txBody>
-                    <a:bodyPr/>
-                    <a:lstStyle/>
-                    <a:p>
-                      <a:pPr latinLnBrk="1"/>
-                      <a:r>
-                        <a:rPr lang="ko-KR" altLang="en-US" sz="1100" dirty="0"/>
-                        <a:t>소문</a:t>
-                      </a:r>
-                    </a:p>
-                  </a:txBody>
-                  <a:tcPr/>
-                </a:tc>
-                <a:tc>
-                  <a:txBody>
-                    <a:bodyPr/>
-                    <a:lstStyle/>
-                    <a:p>
-                      <a:pPr latinLnBrk="1"/>
-                      <a:r>
-                        <a:rPr lang="en-US" altLang="ko-KR" sz="1100" dirty="0"/>
-                        <a:t>X</a:t>
-                      </a:r>
-                      <a:endParaRPr lang="ko-KR" altLang="en-US" sz="1100" dirty="0"/>
-                    </a:p>
-                  </a:txBody>
-                  <a:tcPr/>
-                </a:tc>
-                <a:tc>
-                  <a:txBody>
-                    <a:bodyPr/>
-                    <a:lstStyle/>
-                    <a:p>
-                      <a:pPr latinLnBrk="1"/>
-                      <a:r>
-                        <a:rPr lang="en-US" altLang="ko-KR" sz="1100" dirty="0"/>
-                        <a:t>2</a:t>
-                      </a:r>
-                      <a:r>
-                        <a:rPr lang="ko-KR" altLang="en-US" sz="1100" dirty="0"/>
-                        <a:t>번 퀘스트 클리어</a:t>
-                      </a:r>
-                    </a:p>
-                  </a:txBody>
-                  <a:tcPr/>
-                </a:tc>
-                <a:tc>
-                  <a:txBody>
-                    <a:bodyPr/>
-                    <a:lstStyle/>
-                    <a:p>
-                      <a:pPr marL="0" marR="0" lvl="0" indent="0" algn="l" defTabSz="914400" rtl="0" eaLnBrk="1" fontAlgn="auto" latinLnBrk="1" hangingPunct="1">
-                        <a:lnSpc>
-                          <a:spcPct val="100000"/>
-                        </a:lnSpc>
-                        <a:spcBef>
-                          <a:spcPts val="0"/>
-                        </a:spcBef>
-                        <a:spcAft>
-                          <a:spcPts val="0"/>
-                        </a:spcAft>
-                        <a:buClrTx/>
-                        <a:buSzTx/>
-                        <a:buFontTx/>
-                        <a:buNone/>
-                        <a:tabLst/>
-                        <a:defRPr/>
-                      </a:pPr>
-                      <a:r>
-                        <a:rPr lang="en-US" altLang="ko-KR" sz="1100" dirty="0"/>
-                        <a:t>1.</a:t>
-                      </a:r>
-                      <a:r>
-                        <a:rPr lang="ko-KR" altLang="en-US" sz="1100" dirty="0"/>
-                        <a:t>스승과 함께 마을에 도착</a:t>
-                      </a:r>
-                      <a:endParaRPr lang="en-US" altLang="ko-KR" sz="1100" dirty="0"/>
-                    </a:p>
-                    <a:p>
-                      <a:pPr marL="0" marR="0" lvl="0" indent="0" algn="l" defTabSz="914400" rtl="0" eaLnBrk="1" fontAlgn="auto" latinLnBrk="1" hangingPunct="1">
-                        <a:lnSpc>
-                          <a:spcPct val="100000"/>
-                        </a:lnSpc>
-                        <a:spcBef>
-                          <a:spcPts val="0"/>
-                        </a:spcBef>
-                        <a:spcAft>
-                          <a:spcPts val="0"/>
-                        </a:spcAft>
-                        <a:buClrTx/>
-                        <a:buSzTx/>
-                        <a:buFontTx/>
-                        <a:buNone/>
-                        <a:tabLst/>
-                        <a:defRPr/>
-                      </a:pPr>
-                      <a:r>
-                        <a:rPr lang="en-US" altLang="ko-KR" sz="1100" dirty="0"/>
-                        <a:t>2.</a:t>
-                      </a:r>
-                      <a:r>
-                        <a:rPr lang="ko-KR" altLang="en-US" sz="1100" dirty="0"/>
-                        <a:t>상점에서 전리품 처분</a:t>
-                      </a:r>
-                      <a:endParaRPr lang="en-US" altLang="ko-KR" sz="1100" dirty="0"/>
-                    </a:p>
-                    <a:p>
-                      <a:pPr marL="0" marR="0" lvl="0" indent="0" algn="l" defTabSz="914400" rtl="0" eaLnBrk="1" fontAlgn="auto" latinLnBrk="1" hangingPunct="1">
-                        <a:lnSpc>
-                          <a:spcPct val="100000"/>
-                        </a:lnSpc>
-                        <a:spcBef>
-                          <a:spcPts val="0"/>
-                        </a:spcBef>
-                        <a:spcAft>
-                          <a:spcPts val="0"/>
-                        </a:spcAft>
-                        <a:buClrTx/>
-                        <a:buSzTx/>
-                        <a:buFontTx/>
-                        <a:buNone/>
-                        <a:tabLst/>
-                        <a:defRPr/>
-                      </a:pPr>
-                      <a:r>
-                        <a:rPr lang="en-US" altLang="ko-KR" sz="1100" dirty="0"/>
-                        <a:t>3.</a:t>
-                      </a:r>
-                      <a:r>
-                        <a:rPr lang="ko-KR" altLang="en-US" sz="1100" dirty="0" err="1"/>
-                        <a:t>토벌단</a:t>
-                      </a:r>
-                      <a:r>
-                        <a:rPr lang="ko-KR" altLang="en-US" sz="1100" dirty="0"/>
-                        <a:t> 소문을 들음</a:t>
-                      </a:r>
-                      <a:endParaRPr lang="en-US" altLang="ko-KR" sz="1100" dirty="0"/>
-                    </a:p>
-                    <a:p>
-                      <a:pPr marL="0" marR="0" lvl="0" indent="0" algn="l" defTabSz="914400" rtl="0" eaLnBrk="1" fontAlgn="auto" latinLnBrk="1" hangingPunct="1">
-                        <a:lnSpc>
-                          <a:spcPct val="100000"/>
-                        </a:lnSpc>
-                        <a:spcBef>
-                          <a:spcPts val="0"/>
-                        </a:spcBef>
-                        <a:spcAft>
-                          <a:spcPts val="0"/>
-                        </a:spcAft>
-                        <a:buClrTx/>
-                        <a:buSzTx/>
-                        <a:buFontTx/>
-                        <a:buNone/>
-                        <a:tabLst/>
-                        <a:defRPr/>
-                      </a:pPr>
-                      <a:r>
-                        <a:rPr lang="en-US" altLang="ko-KR" sz="1100" dirty="0"/>
-                        <a:t>4.</a:t>
-                      </a:r>
-                      <a:r>
-                        <a:rPr lang="ko-KR" altLang="en-US" sz="1100" dirty="0"/>
-                        <a:t>마을 사람 </a:t>
-                      </a:r>
-                      <a:r>
-                        <a:rPr lang="en-US" altLang="ko-KR" sz="1100" dirty="0"/>
-                        <a:t>3</a:t>
-                      </a:r>
-                      <a:r>
-                        <a:rPr lang="ko-KR" altLang="en-US" sz="1100" dirty="0"/>
-                        <a:t>명 이상에게 말을 걸어 소문을 확인</a:t>
-                      </a:r>
-                    </a:p>
-                  </a:txBody>
-                  <a:tcPr/>
-                </a:tc>
-                <a:extLst>
-                  <a:ext uri="{0D108BD9-81ED-4DB2-BD59-A6C34878D82A}">
-                    <a16:rowId xmlns:a16="http://schemas.microsoft.com/office/drawing/2014/main" val="2551886525"/>
-                  </a:ext>
-                </a:extLst>
-              </a:tr>
-              <a:tr h="0">
-                <a:tc>
-                  <a:txBody>
-                    <a:bodyPr/>
-                    <a:lstStyle/>
-                    <a:p>
-                      <a:pPr latinLnBrk="1"/>
-                      <a:r>
-                        <a:rPr lang="en-US" altLang="ko-KR" sz="1100" dirty="0"/>
-                        <a:t>4</a:t>
-                      </a:r>
-                      <a:endParaRPr lang="ko-KR" altLang="en-US" sz="1100" dirty="0"/>
-                    </a:p>
-                  </a:txBody>
-                  <a:tcPr/>
-                </a:tc>
-                <a:tc>
-                  <a:txBody>
-                    <a:bodyPr/>
-                    <a:lstStyle/>
-                    <a:p>
-                      <a:pPr latinLnBrk="1"/>
-                      <a:r>
-                        <a:rPr lang="ko-KR" altLang="en-US" sz="1100" dirty="0"/>
-                        <a:t>접수</a:t>
-                      </a:r>
-                    </a:p>
-                  </a:txBody>
-                  <a:tcPr/>
-                </a:tc>
-                <a:tc>
-                  <a:txBody>
-                    <a:bodyPr/>
-                    <a:lstStyle/>
-                    <a:p>
-                      <a:pPr latinLnBrk="1"/>
-                      <a:r>
-                        <a:rPr lang="en-US" altLang="ko-KR" sz="1100" dirty="0"/>
-                        <a:t>X</a:t>
-                      </a:r>
-                      <a:endParaRPr lang="ko-KR" altLang="en-US" sz="1100" dirty="0"/>
-                    </a:p>
-                  </a:txBody>
-                  <a:tcPr/>
-                </a:tc>
-                <a:tc>
-                  <a:txBody>
-                    <a:bodyPr/>
-                    <a:lstStyle/>
-                    <a:p>
-                      <a:pPr latinLnBrk="1"/>
-                      <a:r>
-                        <a:rPr lang="en-US" altLang="ko-KR" sz="1100" dirty="0"/>
-                        <a:t>3</a:t>
-                      </a:r>
-                      <a:r>
-                        <a:rPr lang="ko-KR" altLang="en-US" sz="1100" dirty="0"/>
-                        <a:t>번 퀘스트 클리어</a:t>
-                      </a:r>
-                    </a:p>
-                  </a:txBody>
-                  <a:tcPr/>
-                </a:tc>
-                <a:tc>
-                  <a:txBody>
-                    <a:bodyPr/>
-                    <a:lstStyle/>
-                    <a:p>
-                      <a:pPr marL="0" marR="0" lvl="0" indent="0" algn="l" defTabSz="914400" rtl="0" eaLnBrk="1" fontAlgn="auto" latinLnBrk="1" hangingPunct="1">
-                        <a:lnSpc>
-                          <a:spcPct val="100000"/>
-                        </a:lnSpc>
-                        <a:spcBef>
-                          <a:spcPts val="0"/>
-                        </a:spcBef>
-                        <a:spcAft>
-                          <a:spcPts val="0"/>
-                        </a:spcAft>
-                        <a:buClrTx/>
-                        <a:buSzTx/>
-                        <a:buFontTx/>
-                        <a:buNone/>
-                        <a:tabLst/>
-                        <a:defRPr/>
-                      </a:pPr>
-                      <a:r>
-                        <a:rPr lang="en-US" altLang="ko-KR" sz="1100" dirty="0"/>
-                        <a:t>1.</a:t>
-                      </a:r>
-                      <a:r>
-                        <a:rPr lang="ko-KR" altLang="en-US" sz="1100" dirty="0"/>
-                        <a:t>스승과 대화</a:t>
-                      </a:r>
-                      <a:endParaRPr lang="en-US" altLang="ko-KR" sz="1100" dirty="0"/>
-                    </a:p>
-                    <a:p>
-                      <a:pPr marL="0" marR="0" lvl="0" indent="0" algn="l" defTabSz="914400" rtl="0" eaLnBrk="1" fontAlgn="auto" latinLnBrk="1" hangingPunct="1">
-                        <a:lnSpc>
-                          <a:spcPct val="100000"/>
-                        </a:lnSpc>
-                        <a:spcBef>
-                          <a:spcPts val="0"/>
-                        </a:spcBef>
-                        <a:spcAft>
-                          <a:spcPts val="0"/>
-                        </a:spcAft>
-                        <a:buClrTx/>
-                        <a:buSzTx/>
-                        <a:buFontTx/>
-                        <a:buNone/>
-                        <a:tabLst/>
-                        <a:defRPr/>
-                      </a:pPr>
-                      <a:r>
-                        <a:rPr lang="en-US" altLang="ko-KR" sz="1100" dirty="0"/>
-                        <a:t>2.</a:t>
-                      </a:r>
-                      <a:r>
-                        <a:rPr lang="ko-KR" altLang="en-US" sz="1100" dirty="0"/>
-                        <a:t>시험장으로 이동</a:t>
-                      </a:r>
-                      <a:endParaRPr lang="en-US" altLang="ko-KR" sz="1100" dirty="0"/>
-                    </a:p>
-                    <a:p>
-                      <a:pPr marL="0" marR="0" lvl="0" indent="0" algn="l" defTabSz="914400" rtl="0" eaLnBrk="1" fontAlgn="auto" latinLnBrk="1" hangingPunct="1">
-                        <a:lnSpc>
-                          <a:spcPct val="100000"/>
-                        </a:lnSpc>
-                        <a:spcBef>
-                          <a:spcPts val="0"/>
-                        </a:spcBef>
-                        <a:spcAft>
-                          <a:spcPts val="0"/>
-                        </a:spcAft>
-                        <a:buClrTx/>
-                        <a:buSzTx/>
-                        <a:buFontTx/>
-                        <a:buNone/>
-                        <a:tabLst/>
-                        <a:defRPr/>
-                      </a:pPr>
-                      <a:r>
-                        <a:rPr lang="en-US" altLang="ko-KR" sz="1100" dirty="0"/>
-                        <a:t>3.</a:t>
-                      </a:r>
-                      <a:r>
-                        <a:rPr lang="ko-KR" altLang="en-US" sz="1100" dirty="0"/>
-                        <a:t>시험 접수</a:t>
-                      </a:r>
-                    </a:p>
-                  </a:txBody>
-                  <a:tcPr/>
-                </a:tc>
-                <a:extLst>
-                  <a:ext uri="{0D108BD9-81ED-4DB2-BD59-A6C34878D82A}">
-                    <a16:rowId xmlns:a16="http://schemas.microsoft.com/office/drawing/2014/main" val="2935459711"/>
-                  </a:ext>
-                </a:extLst>
-              </a:tr>
-              <a:tr h="0">
-                <a:tc>
-                  <a:txBody>
-                    <a:bodyPr/>
-                    <a:lstStyle/>
-                    <a:p>
-                      <a:pPr latinLnBrk="1"/>
-                      <a:r>
-                        <a:rPr lang="en-US" altLang="ko-KR" sz="1100" dirty="0"/>
-                        <a:t>5</a:t>
-                      </a:r>
-                      <a:endParaRPr lang="ko-KR" altLang="en-US" sz="1100" dirty="0"/>
-                    </a:p>
-                  </a:txBody>
-                  <a:tcPr/>
-                </a:tc>
-                <a:tc>
-                  <a:txBody>
-                    <a:bodyPr/>
-                    <a:lstStyle/>
-                    <a:p>
-                      <a:pPr latinLnBrk="1"/>
-                      <a:r>
-                        <a:rPr lang="ko-KR" altLang="en-US" sz="1100" dirty="0"/>
-                        <a:t>시험</a:t>
-                      </a:r>
-                    </a:p>
-                  </a:txBody>
-                  <a:tcPr/>
-                </a:tc>
-                <a:tc>
-                  <a:txBody>
-                    <a:bodyPr/>
-                    <a:lstStyle/>
-                    <a:p>
-                      <a:pPr latinLnBrk="1"/>
-                      <a:r>
-                        <a:rPr lang="en-US" altLang="ko-KR" sz="1100" dirty="0"/>
-                        <a:t>X</a:t>
-                      </a:r>
-                      <a:endParaRPr lang="ko-KR" altLang="en-US" sz="1100" dirty="0"/>
-                    </a:p>
-                  </a:txBody>
-                  <a:tcPr/>
-                </a:tc>
-                <a:tc>
-                  <a:txBody>
-                    <a:bodyPr/>
-                    <a:lstStyle/>
-                    <a:p>
-                      <a:pPr latinLnBrk="1"/>
-                      <a:r>
-                        <a:rPr lang="en-US" altLang="ko-KR" sz="1100" dirty="0"/>
-                        <a:t>4</a:t>
-                      </a:r>
-                      <a:r>
-                        <a:rPr lang="ko-KR" altLang="en-US" sz="1100" dirty="0"/>
-                        <a:t>번 퀘스트 클리어</a:t>
-                      </a:r>
-                    </a:p>
-                  </a:txBody>
-                  <a:tcPr/>
-                </a:tc>
-                <a:tc>
-                  <a:txBody>
-                    <a:bodyPr/>
-                    <a:lstStyle/>
-                    <a:p>
-                      <a:pPr marL="0" marR="0" lvl="0" indent="0" algn="l" defTabSz="914400" rtl="0" eaLnBrk="1" fontAlgn="auto" latinLnBrk="1" hangingPunct="1">
-                        <a:lnSpc>
-                          <a:spcPct val="100000"/>
-                        </a:lnSpc>
-                        <a:spcBef>
-                          <a:spcPts val="0"/>
-                        </a:spcBef>
-                        <a:spcAft>
-                          <a:spcPts val="0"/>
-                        </a:spcAft>
-                        <a:buClrTx/>
-                        <a:buSzTx/>
-                        <a:buFontTx/>
-                        <a:buNone/>
-                        <a:tabLst/>
-                        <a:defRPr/>
-                      </a:pPr>
-                      <a:r>
-                        <a:rPr lang="en-US" altLang="ko-KR" sz="1100" dirty="0"/>
-                        <a:t>1.</a:t>
-                      </a:r>
-                      <a:r>
-                        <a:rPr lang="ko-KR" altLang="en-US" sz="1100" dirty="0"/>
-                        <a:t>시험관과 대화</a:t>
-                      </a:r>
-                      <a:endParaRPr lang="en-US" altLang="ko-KR" sz="1100" dirty="0"/>
-                    </a:p>
-                    <a:p>
-                      <a:pPr marL="0" marR="0" lvl="0" indent="0" algn="l" defTabSz="914400" rtl="0" eaLnBrk="1" fontAlgn="auto" latinLnBrk="1" hangingPunct="1">
-                        <a:lnSpc>
-                          <a:spcPct val="100000"/>
-                        </a:lnSpc>
-                        <a:spcBef>
-                          <a:spcPts val="0"/>
-                        </a:spcBef>
-                        <a:spcAft>
-                          <a:spcPts val="0"/>
-                        </a:spcAft>
-                        <a:buClrTx/>
-                        <a:buSzTx/>
-                        <a:buFontTx/>
-                        <a:buNone/>
-                        <a:tabLst/>
-                        <a:defRPr/>
-                      </a:pPr>
-                      <a:r>
-                        <a:rPr lang="en-US" altLang="ko-KR" sz="1100" dirty="0"/>
-                        <a:t>2.</a:t>
-                      </a:r>
-                      <a:r>
-                        <a:rPr lang="ko-KR" altLang="en-US" sz="1100" dirty="0"/>
-                        <a:t>특정 괴물 추적</a:t>
-                      </a:r>
-                      <a:endParaRPr lang="en-US" altLang="ko-KR" sz="1100" dirty="0"/>
-                    </a:p>
-                    <a:p>
-                      <a:pPr marL="0" marR="0" lvl="0" indent="0" algn="l" defTabSz="914400" rtl="0" eaLnBrk="1" fontAlgn="auto" latinLnBrk="1" hangingPunct="1">
-                        <a:lnSpc>
-                          <a:spcPct val="100000"/>
-                        </a:lnSpc>
-                        <a:spcBef>
-                          <a:spcPts val="0"/>
-                        </a:spcBef>
-                        <a:spcAft>
-                          <a:spcPts val="0"/>
-                        </a:spcAft>
-                        <a:buClrTx/>
-                        <a:buSzTx/>
-                        <a:buFontTx/>
-                        <a:buNone/>
-                        <a:tabLst/>
-                        <a:defRPr/>
-                      </a:pPr>
-                      <a:r>
-                        <a:rPr lang="en-US" altLang="ko-KR" sz="1100" dirty="0"/>
-                        <a:t>3.</a:t>
-                      </a:r>
-                      <a:r>
-                        <a:rPr lang="ko-KR" altLang="en-US" sz="1100" dirty="0"/>
-                        <a:t>괴물 처치</a:t>
-                      </a:r>
-                      <a:endParaRPr lang="en-US" altLang="ko-KR" sz="1100" dirty="0"/>
-                    </a:p>
-                    <a:p>
-                      <a:pPr marL="0" marR="0" lvl="0" indent="0" algn="l" defTabSz="914400" rtl="0" eaLnBrk="1" fontAlgn="auto" latinLnBrk="1" hangingPunct="1">
-                        <a:lnSpc>
-                          <a:spcPct val="100000"/>
-                        </a:lnSpc>
-                        <a:spcBef>
-                          <a:spcPts val="0"/>
-                        </a:spcBef>
-                        <a:spcAft>
-                          <a:spcPts val="0"/>
-                        </a:spcAft>
-                        <a:buClrTx/>
-                        <a:buSzTx/>
-                        <a:buFontTx/>
-                        <a:buNone/>
-                        <a:tabLst/>
-                        <a:defRPr/>
-                      </a:pPr>
-                      <a:r>
-                        <a:rPr lang="en-US" altLang="ko-KR" sz="1100" dirty="0"/>
-                        <a:t>4.</a:t>
-                      </a:r>
-                      <a:r>
-                        <a:rPr lang="ko-KR" altLang="en-US" sz="1100" dirty="0"/>
-                        <a:t>시험관에게 전리품 전달</a:t>
-                      </a:r>
-                    </a:p>
-                  </a:txBody>
-                  <a:tcPr/>
-                </a:tc>
-                <a:extLst>
-                  <a:ext uri="{0D108BD9-81ED-4DB2-BD59-A6C34878D82A}">
-                    <a16:rowId xmlns:a16="http://schemas.microsoft.com/office/drawing/2014/main" val="3286096558"/>
-                  </a:ext>
-                </a:extLst>
-              </a:tr>
-              <a:tr h="0">
-                <a:tc>
-                  <a:txBody>
-                    <a:bodyPr/>
-                    <a:lstStyle/>
-                    <a:p>
-                      <a:pPr latinLnBrk="1"/>
-                      <a:r>
-                        <a:rPr lang="en-US" altLang="ko-KR" sz="1100" dirty="0"/>
-                        <a:t>6</a:t>
-                      </a:r>
-                      <a:endParaRPr lang="ko-KR" altLang="en-US" sz="1100" dirty="0"/>
-                    </a:p>
-                  </a:txBody>
-                  <a:tcPr/>
-                </a:tc>
-                <a:tc>
-                  <a:txBody>
-                    <a:bodyPr/>
-                    <a:lstStyle/>
-                    <a:p>
-                      <a:pPr latinLnBrk="1"/>
-                      <a:r>
-                        <a:rPr lang="ko-KR" altLang="en-US" sz="1100" dirty="0"/>
-                        <a:t>만남</a:t>
-                      </a:r>
-                    </a:p>
-                  </a:txBody>
-                  <a:tcPr/>
-                </a:tc>
-                <a:tc>
-                  <a:txBody>
-                    <a:bodyPr/>
-                    <a:lstStyle/>
-                    <a:p>
-                      <a:pPr latinLnBrk="1"/>
-                      <a:r>
-                        <a:rPr lang="en-US" altLang="ko-KR" sz="1100" dirty="0"/>
-                        <a:t>X</a:t>
-                      </a:r>
-                      <a:endParaRPr lang="ko-KR" altLang="en-US" sz="1100" dirty="0"/>
-                    </a:p>
-                  </a:txBody>
-                  <a:tcPr/>
-                </a:tc>
-                <a:tc>
-                  <a:txBody>
-                    <a:bodyPr/>
-                    <a:lstStyle/>
-                    <a:p>
-                      <a:pPr latinLnBrk="1"/>
-                      <a:r>
-                        <a:rPr lang="en-US" altLang="ko-KR" sz="1100" dirty="0"/>
-                        <a:t>5</a:t>
-                      </a:r>
-                      <a:r>
-                        <a:rPr lang="ko-KR" altLang="en-US" sz="1100" dirty="0"/>
-                        <a:t>번 퀘스트 클리어</a:t>
-                      </a:r>
-                    </a:p>
-                  </a:txBody>
-                  <a:tcPr/>
-                </a:tc>
-                <a:tc>
-                  <a:txBody>
-                    <a:bodyPr/>
-                    <a:lstStyle/>
-                    <a:p>
-                      <a:pPr marL="0" marR="0" lvl="0" indent="0" algn="l" defTabSz="914400" rtl="0" eaLnBrk="1" fontAlgn="auto" latinLnBrk="1" hangingPunct="1">
-                        <a:lnSpc>
-                          <a:spcPct val="100000"/>
-                        </a:lnSpc>
-                        <a:spcBef>
-                          <a:spcPts val="0"/>
-                        </a:spcBef>
-                        <a:spcAft>
-                          <a:spcPts val="0"/>
-                        </a:spcAft>
-                        <a:buClrTx/>
-                        <a:buSzTx/>
-                        <a:buFontTx/>
-                        <a:buNone/>
-                        <a:tabLst/>
-                        <a:defRPr/>
-                      </a:pPr>
-                      <a:r>
-                        <a:rPr lang="en-US" altLang="ko-KR" sz="1100" dirty="0"/>
-                        <a:t>1.’</a:t>
-                      </a:r>
-                      <a:r>
-                        <a:rPr lang="ko-KR" altLang="en-US" sz="1100" dirty="0"/>
-                        <a:t>세영</a:t>
-                      </a:r>
-                      <a:r>
-                        <a:rPr lang="en-US" altLang="ko-KR" sz="1100" dirty="0"/>
-                        <a:t>’</a:t>
-                      </a:r>
-                      <a:r>
-                        <a:rPr lang="ko-KR" altLang="en-US" sz="1100" dirty="0"/>
-                        <a:t>과 대화</a:t>
-                      </a:r>
-                      <a:endParaRPr lang="en-US" altLang="ko-KR" sz="1100" dirty="0"/>
-                    </a:p>
-                    <a:p>
-                      <a:pPr marL="0" marR="0" lvl="0" indent="0" algn="l" defTabSz="914400" rtl="0" eaLnBrk="1" fontAlgn="auto" latinLnBrk="1" hangingPunct="1">
-                        <a:lnSpc>
-                          <a:spcPct val="100000"/>
-                        </a:lnSpc>
-                        <a:spcBef>
-                          <a:spcPts val="0"/>
-                        </a:spcBef>
-                        <a:spcAft>
-                          <a:spcPts val="0"/>
-                        </a:spcAft>
-                        <a:buClrTx/>
-                        <a:buSzTx/>
-                        <a:buFontTx/>
-                        <a:buNone/>
-                        <a:tabLst/>
-                        <a:defRPr/>
-                      </a:pPr>
-                      <a:r>
-                        <a:rPr lang="en-US" altLang="ko-KR" sz="1100" dirty="0"/>
-                        <a:t>2.</a:t>
-                      </a:r>
-                      <a:r>
-                        <a:rPr lang="ko-KR" altLang="en-US" sz="1100" dirty="0"/>
-                        <a:t>특정 괴물 처치</a:t>
-                      </a:r>
-                      <a:endParaRPr lang="en-US" altLang="ko-KR" sz="1100" dirty="0"/>
-                    </a:p>
-                    <a:p>
-                      <a:pPr marL="0" marR="0" lvl="0" indent="0" algn="l" defTabSz="914400" rtl="0" eaLnBrk="1" fontAlgn="auto" latinLnBrk="1" hangingPunct="1">
-                        <a:lnSpc>
-                          <a:spcPct val="100000"/>
-                        </a:lnSpc>
-                        <a:spcBef>
-                          <a:spcPts val="0"/>
-                        </a:spcBef>
-                        <a:spcAft>
-                          <a:spcPts val="0"/>
-                        </a:spcAft>
-                        <a:buClrTx/>
-                        <a:buSzTx/>
-                        <a:buFontTx/>
-                        <a:buNone/>
-                        <a:tabLst/>
-                        <a:defRPr/>
-                      </a:pPr>
-                      <a:r>
-                        <a:rPr lang="en-US" altLang="ko-KR" sz="1100" dirty="0"/>
-                        <a:t>3.</a:t>
-                      </a:r>
-                      <a:r>
-                        <a:rPr lang="ko-KR" altLang="en-US" sz="1100" dirty="0"/>
-                        <a:t>시험관과 대화</a:t>
-                      </a:r>
-                      <a:endParaRPr lang="en-US" altLang="ko-KR" sz="1100" dirty="0"/>
-                    </a:p>
-                  </a:txBody>
-                  <a:tcPr/>
-                </a:tc>
-                <a:extLst>
-                  <a:ext uri="{0D108BD9-81ED-4DB2-BD59-A6C34878D82A}">
-                    <a16:rowId xmlns:a16="http://schemas.microsoft.com/office/drawing/2014/main" val="4175583968"/>
-                  </a:ext>
-                </a:extLst>
-              </a:tr>
-              <a:tr h="0">
-                <a:tc>
-                  <a:txBody>
-                    <a:bodyPr/>
-                    <a:lstStyle/>
-                    <a:p>
-                      <a:pPr latinLnBrk="1"/>
-                      <a:r>
-                        <a:rPr lang="en-US" altLang="ko-KR" sz="1100" dirty="0"/>
-                        <a:t>7</a:t>
-                      </a:r>
-                      <a:endParaRPr lang="ko-KR" altLang="en-US" sz="1100" dirty="0"/>
-                    </a:p>
-                  </a:txBody>
-                  <a:tcPr/>
-                </a:tc>
-                <a:tc>
-                  <a:txBody>
-                    <a:bodyPr/>
-                    <a:lstStyle/>
-                    <a:p>
-                      <a:pPr latinLnBrk="1"/>
-                      <a:r>
-                        <a:rPr lang="ko-KR" altLang="en-US" sz="1100" dirty="0"/>
-                        <a:t>입단</a:t>
-                      </a:r>
-                    </a:p>
-                  </a:txBody>
-                  <a:tcPr/>
-                </a:tc>
-                <a:tc>
-                  <a:txBody>
-                    <a:bodyPr/>
-                    <a:lstStyle/>
-                    <a:p>
-                      <a:pPr latinLnBrk="1"/>
-                      <a:r>
-                        <a:rPr lang="en-US" altLang="ko-KR" sz="1100" dirty="0"/>
-                        <a:t>X</a:t>
-                      </a:r>
-                      <a:endParaRPr lang="ko-KR" altLang="en-US" sz="1100" dirty="0"/>
-                    </a:p>
-                  </a:txBody>
-                  <a:tcPr/>
-                </a:tc>
-                <a:tc>
-                  <a:txBody>
-                    <a:bodyPr/>
-                    <a:lstStyle/>
-                    <a:p>
-                      <a:pPr latinLnBrk="1"/>
-                      <a:r>
-                        <a:rPr lang="en-US" altLang="ko-KR" sz="1100" dirty="0"/>
-                        <a:t>6</a:t>
-                      </a:r>
-                      <a:r>
-                        <a:rPr lang="ko-KR" altLang="en-US" sz="1100" dirty="0"/>
-                        <a:t>번 퀘스트 클리어</a:t>
-                      </a:r>
-                    </a:p>
-                  </a:txBody>
-                  <a:tcPr/>
-                </a:tc>
-                <a:tc>
-                  <a:txBody>
-                    <a:bodyPr/>
-                    <a:lstStyle/>
-                    <a:p>
-                      <a:pPr marL="0" marR="0" lvl="0" indent="0" algn="l" defTabSz="914400" rtl="0" eaLnBrk="1" fontAlgn="auto" latinLnBrk="1" hangingPunct="1">
-                        <a:lnSpc>
-                          <a:spcPct val="100000"/>
-                        </a:lnSpc>
-                        <a:spcBef>
-                          <a:spcPts val="0"/>
-                        </a:spcBef>
-                        <a:spcAft>
-                          <a:spcPts val="0"/>
-                        </a:spcAft>
-                        <a:buClrTx/>
-                        <a:buSzTx/>
-                        <a:buFontTx/>
-                        <a:buNone/>
-                        <a:tabLst/>
-                        <a:defRPr/>
-                      </a:pPr>
-                      <a:r>
-                        <a:rPr lang="en-US" altLang="ko-KR" sz="1100" dirty="0"/>
-                        <a:t>1.</a:t>
-                      </a:r>
-                      <a:r>
-                        <a:rPr lang="ko-KR" altLang="en-US" sz="1100" dirty="0"/>
-                        <a:t>시험관과 대화</a:t>
-                      </a:r>
-                      <a:endParaRPr lang="en-US" altLang="ko-KR" sz="1100" dirty="0"/>
-                    </a:p>
-                  </a:txBody>
-                  <a:tcPr/>
-                </a:tc>
-                <a:extLst>
-                  <a:ext uri="{0D108BD9-81ED-4DB2-BD59-A6C34878D82A}">
-                    <a16:rowId xmlns:a16="http://schemas.microsoft.com/office/drawing/2014/main" val="3284535275"/>
-                  </a:ext>
-                </a:extLst>
-              </a:tr>
-            </a:tbl>
-          </a:graphicData>
-        </a:graphic>
-      </p:graphicFrame>
-    </p:spTree>
-    <p:extLst>
-      <p:ext uri="{BB962C8B-B14F-4D97-AF65-F5344CB8AC3E}">
-        <p14:creationId xmlns:p14="http://schemas.microsoft.com/office/powerpoint/2010/main" val="2179703113"/>
       </p:ext>
     </p:extLst>
   </p:cSld>
